--- a/Media/Box Office Success.pptx
+++ b/Media/Box Office Success.pptx
@@ -7,12 +7,18 @@
   <p:sldIdLst>
     <p:sldId id="257" r:id="rId5"/>
     <p:sldId id="260" r:id="rId6"/>
-    <p:sldId id="266" r:id="rId7"/>
-    <p:sldId id="262" r:id="rId8"/>
-    <p:sldId id="261" r:id="rId9"/>
+    <p:sldId id="262" r:id="rId7"/>
+    <p:sldId id="267" r:id="rId8"/>
+    <p:sldId id="266" r:id="rId9"/>
     <p:sldId id="263" r:id="rId10"/>
-    <p:sldId id="258" r:id="rId11"/>
-    <p:sldId id="264" r:id="rId12"/>
+    <p:sldId id="268" r:id="rId11"/>
+    <p:sldId id="269" r:id="rId12"/>
+    <p:sldId id="261" r:id="rId13"/>
+    <p:sldId id="270" r:id="rId14"/>
+    <p:sldId id="271" r:id="rId15"/>
+    <p:sldId id="264" r:id="rId16"/>
+    <p:sldId id="272" r:id="rId17"/>
+    <p:sldId id="273" r:id="rId18"/>
   </p:sldIdLst>
   <p:sldSz cx="7772400" cy="10058400"/>
   <p:notesSz cx="6858000" cy="9144000"/>
@@ -7294,7 +7300,12 @@
             <p:ph type="body" sz="quarter" idx="10"/>
           </p:nvPr>
         </p:nvSpPr>
-        <p:spPr/>
+        <p:spPr>
+          <a:xfrm>
+            <a:off x="677940" y="2941320"/>
+            <a:ext cx="2616200" cy="1296988"/>
+          </a:xfrm>
+        </p:spPr>
         <p:txBody>
           <a:bodyPr/>
           <a:lstStyle/>
@@ -7355,7 +7366,12 @@
             <p:ph type="body" sz="quarter" idx="12"/>
           </p:nvPr>
         </p:nvSpPr>
-        <p:spPr/>
+        <p:spPr>
+          <a:xfrm>
+            <a:off x="678403" y="2415382"/>
+            <a:ext cx="2615737" cy="396557"/>
+          </a:xfrm>
+        </p:spPr>
         <p:txBody>
           <a:bodyPr/>
           <a:lstStyle/>
@@ -7416,14 +7432,19 @@
             <p:ph type="body" sz="quarter" idx="15"/>
           </p:nvPr>
         </p:nvSpPr>
-        <p:spPr/>
+        <p:spPr>
+          <a:xfrm>
+            <a:off x="1415845" y="9524683"/>
+            <a:ext cx="4955458" cy="396557"/>
+          </a:xfrm>
+        </p:spPr>
         <p:txBody>
           <a:bodyPr/>
           <a:lstStyle/>
           <a:p>
             <a:r>
               <a:rPr lang="en-US" dirty="0"/>
-              <a:t>MOVIES</a:t>
+              <a:t>Greensboro College – Data Science Program</a:t>
             </a:r>
           </a:p>
         </p:txBody>
@@ -7479,7 +7500,11 @@
           <a:p>
             <a:pPr algn="ctr"/>
             <a:r>
-              <a:rPr lang="en-US" sz="5400" dirty="0"/>
+              <a:rPr lang="en-US" sz="6000" dirty="0">
+                <a:solidFill>
+                  <a:srgbClr val="FF0000"/>
+                </a:solidFill>
+              </a:rPr>
               <a:t>Box Office success</a:t>
             </a:r>
           </a:p>
@@ -7489,6 +7514,2043 @@
     <p:extLst>
       <p:ext uri="{BB962C8B-B14F-4D97-AF65-F5344CB8AC3E}">
         <p14:creationId xmlns:p14="http://schemas.microsoft.com/office/powerpoint/2010/main" val="3934170599"/>
+      </p:ext>
+    </p:extLst>
+  </p:cSld>
+  <p:clrMapOvr>
+    <a:masterClrMapping/>
+  </p:clrMapOvr>
+</p:sld>
+</file>
+
+<file path=ppt/slides/slide10.xml><?xml version="1.0" encoding="utf-8"?>
+<p:sld xmlns:a="http://schemas.openxmlformats.org/drawingml/2006/main" xmlns:r="http://schemas.openxmlformats.org/officeDocument/2006/relationships" xmlns:p="http://schemas.openxmlformats.org/presentationml/2006/main">
+  <p:cSld>
+    <p:spTree>
+      <p:nvGrpSpPr>
+        <p:cNvPr id="1" name=""/>
+        <p:cNvGrpSpPr/>
+        <p:nvPr/>
+      </p:nvGrpSpPr>
+      <p:grpSpPr>
+        <a:xfrm>
+          <a:off x="0" y="0"/>
+          <a:ext cx="0" cy="0"/>
+          <a:chOff x="0" y="0"/>
+          <a:chExt cx="0" cy="0"/>
+        </a:xfrm>
+      </p:grpSpPr>
+      <p:sp>
+        <p:nvSpPr>
+          <p:cNvPr id="2" name="Text Placeholder 1">
+            <a:extLst>
+              <a:ext uri="{FF2B5EF4-FFF2-40B4-BE49-F238E27FC236}">
+                <a16:creationId xmlns:a16="http://schemas.microsoft.com/office/drawing/2014/main" id="{245014B5-DC63-2F42-B6DB-63B7759157E9}"/>
+              </a:ext>
+            </a:extLst>
+          </p:cNvPr>
+          <p:cNvSpPr>
+            <a:spLocks noGrp="1"/>
+          </p:cNvSpPr>
+          <p:nvPr>
+            <p:ph type="body" sz="quarter" idx="10"/>
+          </p:nvPr>
+        </p:nvSpPr>
+        <p:spPr/>
+        <p:txBody>
+          <a:bodyPr/>
+          <a:lstStyle/>
+          <a:p>
+            <a:r>
+              <a:rPr lang="en-US" dirty="0"/>
+              <a:t>Lorem ipsum dolor sit amet, consectetur adipiscing elit, sed do eiusmod Lorem ipsum dolor sit amet, consectetur adipiscing elit.</a:t>
+            </a:r>
+          </a:p>
+          <a:p>
+            <a:endParaRPr lang="en-US" dirty="0"/>
+          </a:p>
+        </p:txBody>
+      </p:sp>
+      <p:sp>
+        <p:nvSpPr>
+          <p:cNvPr id="3" name="Text Placeholder 2">
+            <a:extLst>
+              <a:ext uri="{FF2B5EF4-FFF2-40B4-BE49-F238E27FC236}">
+                <a16:creationId xmlns:a16="http://schemas.microsoft.com/office/drawing/2014/main" id="{ABA34425-AE37-4844-B5BF-2D28152D0F11}"/>
+              </a:ext>
+            </a:extLst>
+          </p:cNvPr>
+          <p:cNvSpPr>
+            <a:spLocks noGrp="1"/>
+          </p:cNvSpPr>
+          <p:nvPr>
+            <p:ph type="body" sz="quarter" idx="11"/>
+          </p:nvPr>
+        </p:nvSpPr>
+        <p:spPr/>
+        <p:txBody>
+          <a:bodyPr/>
+          <a:lstStyle/>
+          <a:p>
+            <a:r>
+              <a:rPr lang="en-US" dirty="0"/>
+              <a:t>Lorem ipsum dolor sit amet, consectetur adipiscing elit, sed do eiusmod Lorem ipsum dolor sit amet, consectetur adipiscing elit.</a:t>
+            </a:r>
+          </a:p>
+          <a:p>
+            <a:endParaRPr lang="en-US" dirty="0"/>
+          </a:p>
+        </p:txBody>
+      </p:sp>
+      <p:sp>
+        <p:nvSpPr>
+          <p:cNvPr id="4" name="Text Placeholder 3">
+            <a:extLst>
+              <a:ext uri="{FF2B5EF4-FFF2-40B4-BE49-F238E27FC236}">
+                <a16:creationId xmlns:a16="http://schemas.microsoft.com/office/drawing/2014/main" id="{E1D7A8E9-DE82-0942-BCA5-0F21820D846E}"/>
+              </a:ext>
+            </a:extLst>
+          </p:cNvPr>
+          <p:cNvSpPr>
+            <a:spLocks noGrp="1"/>
+          </p:cNvSpPr>
+          <p:nvPr>
+            <p:ph type="body" sz="quarter" idx="12"/>
+          </p:nvPr>
+        </p:nvSpPr>
+        <p:spPr/>
+        <p:txBody>
+          <a:bodyPr/>
+          <a:lstStyle/>
+          <a:p>
+            <a:r>
+              <a:rPr lang="en-US" dirty="0"/>
+              <a:t>FEATURE</a:t>
+            </a:r>
+          </a:p>
+        </p:txBody>
+      </p:sp>
+      <p:sp>
+        <p:nvSpPr>
+          <p:cNvPr id="5" name="Text Placeholder 4">
+            <a:extLst>
+              <a:ext uri="{FF2B5EF4-FFF2-40B4-BE49-F238E27FC236}">
+                <a16:creationId xmlns:a16="http://schemas.microsoft.com/office/drawing/2014/main" id="{37A25D6E-FE64-C346-A250-B0F62A92BF52}"/>
+              </a:ext>
+            </a:extLst>
+          </p:cNvPr>
+          <p:cNvSpPr>
+            <a:spLocks noGrp="1"/>
+          </p:cNvSpPr>
+          <p:nvPr>
+            <p:ph type="body" sz="quarter" idx="13"/>
+          </p:nvPr>
+        </p:nvSpPr>
+        <p:spPr/>
+        <p:txBody>
+          <a:bodyPr/>
+          <a:lstStyle/>
+          <a:p>
+            <a:r>
+              <a:rPr lang="en-US" dirty="0"/>
+              <a:t>FEATURE</a:t>
+            </a:r>
+          </a:p>
+        </p:txBody>
+      </p:sp>
+      <p:sp>
+        <p:nvSpPr>
+          <p:cNvPr id="6" name="Text Placeholder 5">
+            <a:extLst>
+              <a:ext uri="{FF2B5EF4-FFF2-40B4-BE49-F238E27FC236}">
+                <a16:creationId xmlns:a16="http://schemas.microsoft.com/office/drawing/2014/main" id="{71A66EB3-9FC7-F94C-BDC9-0598A3553733}"/>
+              </a:ext>
+            </a:extLst>
+          </p:cNvPr>
+          <p:cNvSpPr>
+            <a:spLocks noGrp="1"/>
+          </p:cNvSpPr>
+          <p:nvPr>
+            <p:ph type="body" sz="quarter" idx="15"/>
+          </p:nvPr>
+        </p:nvSpPr>
+        <p:spPr/>
+        <p:txBody>
+          <a:bodyPr/>
+          <a:lstStyle/>
+          <a:p>
+            <a:r>
+              <a:rPr lang="en-US" dirty="0"/>
+              <a:t>MOVIES</a:t>
+            </a:r>
+          </a:p>
+        </p:txBody>
+      </p:sp>
+      <p:sp>
+        <p:nvSpPr>
+          <p:cNvPr id="7" name="Text Placeholder 6">
+            <a:extLst>
+              <a:ext uri="{FF2B5EF4-FFF2-40B4-BE49-F238E27FC236}">
+                <a16:creationId xmlns:a16="http://schemas.microsoft.com/office/drawing/2014/main" id="{2117CA98-FF13-0146-9AEF-CE4134AC9D5E}"/>
+              </a:ext>
+            </a:extLst>
+          </p:cNvPr>
+          <p:cNvSpPr>
+            <a:spLocks noGrp="1"/>
+          </p:cNvSpPr>
+          <p:nvPr>
+            <p:ph type="body" sz="quarter" idx="16"/>
+          </p:nvPr>
+        </p:nvSpPr>
+        <p:spPr/>
+        <p:txBody>
+          <a:bodyPr/>
+          <a:lstStyle/>
+          <a:p>
+            <a:r>
+              <a:rPr lang="en-US" dirty="0"/>
+              <a:t>JANUARY [YEAR]</a:t>
+            </a:r>
+          </a:p>
+        </p:txBody>
+      </p:sp>
+      <p:sp>
+        <p:nvSpPr>
+          <p:cNvPr id="8" name="Title 7">
+            <a:extLst>
+              <a:ext uri="{FF2B5EF4-FFF2-40B4-BE49-F238E27FC236}">
+                <a16:creationId xmlns:a16="http://schemas.microsoft.com/office/drawing/2014/main" id="{F05D883A-41DA-F04D-A545-C4AFF0D866BF}"/>
+              </a:ext>
+            </a:extLst>
+          </p:cNvPr>
+          <p:cNvSpPr>
+            <a:spLocks noGrp="1"/>
+          </p:cNvSpPr>
+          <p:nvPr>
+            <p:ph type="title"/>
+          </p:nvPr>
+        </p:nvSpPr>
+        <p:spPr/>
+        <p:txBody>
+          <a:bodyPr/>
+          <a:lstStyle/>
+          <a:p>
+            <a:r>
+              <a:rPr lang="en-US" dirty="0"/>
+              <a:t>Question 2</a:t>
+            </a:r>
+          </a:p>
+        </p:txBody>
+      </p:sp>
+    </p:spTree>
+    <p:extLst>
+      <p:ext uri="{BB962C8B-B14F-4D97-AF65-F5344CB8AC3E}">
+        <p14:creationId xmlns:p14="http://schemas.microsoft.com/office/powerpoint/2010/main" val="53076368"/>
+      </p:ext>
+    </p:extLst>
+  </p:cSld>
+  <p:clrMapOvr>
+    <a:masterClrMapping/>
+  </p:clrMapOvr>
+</p:sld>
+</file>
+
+<file path=ppt/slides/slide11.xml><?xml version="1.0" encoding="utf-8"?>
+<p:sld xmlns:a="http://schemas.openxmlformats.org/drawingml/2006/main" xmlns:r="http://schemas.openxmlformats.org/officeDocument/2006/relationships" xmlns:p="http://schemas.openxmlformats.org/presentationml/2006/main">
+  <p:cSld>
+    <p:spTree>
+      <p:nvGrpSpPr>
+        <p:cNvPr id="1" name=""/>
+        <p:cNvGrpSpPr/>
+        <p:nvPr/>
+      </p:nvGrpSpPr>
+      <p:grpSpPr>
+        <a:xfrm>
+          <a:off x="0" y="0"/>
+          <a:ext cx="0" cy="0"/>
+          <a:chOff x="0" y="0"/>
+          <a:chExt cx="0" cy="0"/>
+        </a:xfrm>
+      </p:grpSpPr>
+      <p:sp>
+        <p:nvSpPr>
+          <p:cNvPr id="2" name="Text Placeholder 1">
+            <a:extLst>
+              <a:ext uri="{FF2B5EF4-FFF2-40B4-BE49-F238E27FC236}">
+                <a16:creationId xmlns:a16="http://schemas.microsoft.com/office/drawing/2014/main" id="{245014B5-DC63-2F42-B6DB-63B7759157E9}"/>
+              </a:ext>
+            </a:extLst>
+          </p:cNvPr>
+          <p:cNvSpPr>
+            <a:spLocks noGrp="1"/>
+          </p:cNvSpPr>
+          <p:nvPr>
+            <p:ph type="body" sz="quarter" idx="10"/>
+          </p:nvPr>
+        </p:nvSpPr>
+        <p:spPr/>
+        <p:txBody>
+          <a:bodyPr/>
+          <a:lstStyle/>
+          <a:p>
+            <a:r>
+              <a:rPr lang="en-US" dirty="0"/>
+              <a:t>Lorem ipsum dolor sit amet, consectetur adipiscing elit, sed do eiusmod Lorem ipsum dolor sit amet, consectetur adipiscing elit.</a:t>
+            </a:r>
+          </a:p>
+          <a:p>
+            <a:endParaRPr lang="en-US" dirty="0"/>
+          </a:p>
+        </p:txBody>
+      </p:sp>
+      <p:sp>
+        <p:nvSpPr>
+          <p:cNvPr id="3" name="Text Placeholder 2">
+            <a:extLst>
+              <a:ext uri="{FF2B5EF4-FFF2-40B4-BE49-F238E27FC236}">
+                <a16:creationId xmlns:a16="http://schemas.microsoft.com/office/drawing/2014/main" id="{ABA34425-AE37-4844-B5BF-2D28152D0F11}"/>
+              </a:ext>
+            </a:extLst>
+          </p:cNvPr>
+          <p:cNvSpPr>
+            <a:spLocks noGrp="1"/>
+          </p:cNvSpPr>
+          <p:nvPr>
+            <p:ph type="body" sz="quarter" idx="11"/>
+          </p:nvPr>
+        </p:nvSpPr>
+        <p:spPr/>
+        <p:txBody>
+          <a:bodyPr/>
+          <a:lstStyle/>
+          <a:p>
+            <a:r>
+              <a:rPr lang="en-US" dirty="0"/>
+              <a:t>Lorem ipsum dolor sit amet, consectetur adipiscing elit, sed do eiusmod Lorem ipsum dolor sit amet, consectetur adipiscing elit.</a:t>
+            </a:r>
+          </a:p>
+          <a:p>
+            <a:endParaRPr lang="en-US" dirty="0"/>
+          </a:p>
+        </p:txBody>
+      </p:sp>
+      <p:sp>
+        <p:nvSpPr>
+          <p:cNvPr id="4" name="Text Placeholder 3">
+            <a:extLst>
+              <a:ext uri="{FF2B5EF4-FFF2-40B4-BE49-F238E27FC236}">
+                <a16:creationId xmlns:a16="http://schemas.microsoft.com/office/drawing/2014/main" id="{E1D7A8E9-DE82-0942-BCA5-0F21820D846E}"/>
+              </a:ext>
+            </a:extLst>
+          </p:cNvPr>
+          <p:cNvSpPr>
+            <a:spLocks noGrp="1"/>
+          </p:cNvSpPr>
+          <p:nvPr>
+            <p:ph type="body" sz="quarter" idx="12"/>
+          </p:nvPr>
+        </p:nvSpPr>
+        <p:spPr/>
+        <p:txBody>
+          <a:bodyPr/>
+          <a:lstStyle/>
+          <a:p>
+            <a:r>
+              <a:rPr lang="en-US" dirty="0"/>
+              <a:t>FEATURE</a:t>
+            </a:r>
+          </a:p>
+        </p:txBody>
+      </p:sp>
+      <p:sp>
+        <p:nvSpPr>
+          <p:cNvPr id="5" name="Text Placeholder 4">
+            <a:extLst>
+              <a:ext uri="{FF2B5EF4-FFF2-40B4-BE49-F238E27FC236}">
+                <a16:creationId xmlns:a16="http://schemas.microsoft.com/office/drawing/2014/main" id="{37A25D6E-FE64-C346-A250-B0F62A92BF52}"/>
+              </a:ext>
+            </a:extLst>
+          </p:cNvPr>
+          <p:cNvSpPr>
+            <a:spLocks noGrp="1"/>
+          </p:cNvSpPr>
+          <p:nvPr>
+            <p:ph type="body" sz="quarter" idx="13"/>
+          </p:nvPr>
+        </p:nvSpPr>
+        <p:spPr/>
+        <p:txBody>
+          <a:bodyPr/>
+          <a:lstStyle/>
+          <a:p>
+            <a:r>
+              <a:rPr lang="en-US" dirty="0"/>
+              <a:t>FEATURE</a:t>
+            </a:r>
+          </a:p>
+        </p:txBody>
+      </p:sp>
+      <p:sp>
+        <p:nvSpPr>
+          <p:cNvPr id="6" name="Text Placeholder 5">
+            <a:extLst>
+              <a:ext uri="{FF2B5EF4-FFF2-40B4-BE49-F238E27FC236}">
+                <a16:creationId xmlns:a16="http://schemas.microsoft.com/office/drawing/2014/main" id="{71A66EB3-9FC7-F94C-BDC9-0598A3553733}"/>
+              </a:ext>
+            </a:extLst>
+          </p:cNvPr>
+          <p:cNvSpPr>
+            <a:spLocks noGrp="1"/>
+          </p:cNvSpPr>
+          <p:nvPr>
+            <p:ph type="body" sz="quarter" idx="15"/>
+          </p:nvPr>
+        </p:nvSpPr>
+        <p:spPr/>
+        <p:txBody>
+          <a:bodyPr/>
+          <a:lstStyle/>
+          <a:p>
+            <a:r>
+              <a:rPr lang="en-US" dirty="0"/>
+              <a:t>MOVIES</a:t>
+            </a:r>
+          </a:p>
+        </p:txBody>
+      </p:sp>
+      <p:sp>
+        <p:nvSpPr>
+          <p:cNvPr id="7" name="Text Placeholder 6">
+            <a:extLst>
+              <a:ext uri="{FF2B5EF4-FFF2-40B4-BE49-F238E27FC236}">
+                <a16:creationId xmlns:a16="http://schemas.microsoft.com/office/drawing/2014/main" id="{2117CA98-FF13-0146-9AEF-CE4134AC9D5E}"/>
+              </a:ext>
+            </a:extLst>
+          </p:cNvPr>
+          <p:cNvSpPr>
+            <a:spLocks noGrp="1"/>
+          </p:cNvSpPr>
+          <p:nvPr>
+            <p:ph type="body" sz="quarter" idx="16"/>
+          </p:nvPr>
+        </p:nvSpPr>
+        <p:spPr/>
+        <p:txBody>
+          <a:bodyPr/>
+          <a:lstStyle/>
+          <a:p>
+            <a:r>
+              <a:rPr lang="en-US" dirty="0"/>
+              <a:t>JANUARY [YEAR]</a:t>
+            </a:r>
+          </a:p>
+        </p:txBody>
+      </p:sp>
+      <p:sp>
+        <p:nvSpPr>
+          <p:cNvPr id="8" name="Title 7">
+            <a:extLst>
+              <a:ext uri="{FF2B5EF4-FFF2-40B4-BE49-F238E27FC236}">
+                <a16:creationId xmlns:a16="http://schemas.microsoft.com/office/drawing/2014/main" id="{F05D883A-41DA-F04D-A545-C4AFF0D866BF}"/>
+              </a:ext>
+            </a:extLst>
+          </p:cNvPr>
+          <p:cNvSpPr>
+            <a:spLocks noGrp="1"/>
+          </p:cNvSpPr>
+          <p:nvPr>
+            <p:ph type="title"/>
+          </p:nvPr>
+        </p:nvSpPr>
+        <p:spPr/>
+        <p:txBody>
+          <a:bodyPr/>
+          <a:lstStyle/>
+          <a:p>
+            <a:r>
+              <a:rPr lang="en-US" dirty="0"/>
+              <a:t>Question 2</a:t>
+            </a:r>
+          </a:p>
+        </p:txBody>
+      </p:sp>
+    </p:spTree>
+    <p:extLst>
+      <p:ext uri="{BB962C8B-B14F-4D97-AF65-F5344CB8AC3E}">
+        <p14:creationId xmlns:p14="http://schemas.microsoft.com/office/powerpoint/2010/main" val="139698231"/>
+      </p:ext>
+    </p:extLst>
+  </p:cSld>
+  <p:clrMapOvr>
+    <a:masterClrMapping/>
+  </p:clrMapOvr>
+</p:sld>
+</file>
+
+<file path=ppt/slides/slide12.xml><?xml version="1.0" encoding="utf-8"?>
+<p:sld xmlns:a="http://schemas.openxmlformats.org/drawingml/2006/main" xmlns:r="http://schemas.openxmlformats.org/officeDocument/2006/relationships" xmlns:p="http://schemas.openxmlformats.org/presentationml/2006/main">
+  <p:cSld>
+    <p:spTree>
+      <p:nvGrpSpPr>
+        <p:cNvPr id="1" name=""/>
+        <p:cNvGrpSpPr/>
+        <p:nvPr/>
+      </p:nvGrpSpPr>
+      <p:grpSpPr>
+        <a:xfrm>
+          <a:off x="0" y="0"/>
+          <a:ext cx="0" cy="0"/>
+          <a:chOff x="0" y="0"/>
+          <a:chExt cx="0" cy="0"/>
+        </a:xfrm>
+      </p:grpSpPr>
+      <p:sp>
+        <p:nvSpPr>
+          <p:cNvPr id="2" name="Text Placeholder 1">
+            <a:extLst>
+              <a:ext uri="{FF2B5EF4-FFF2-40B4-BE49-F238E27FC236}">
+                <a16:creationId xmlns:a16="http://schemas.microsoft.com/office/drawing/2014/main" id="{91F66F5D-C043-3647-9565-4AA5F19AE050}"/>
+              </a:ext>
+            </a:extLst>
+          </p:cNvPr>
+          <p:cNvSpPr>
+            <a:spLocks noGrp="1"/>
+          </p:cNvSpPr>
+          <p:nvPr>
+            <p:ph type="body" sz="quarter" idx="10"/>
+          </p:nvPr>
+        </p:nvSpPr>
+        <p:spPr/>
+        <p:txBody>
+          <a:bodyPr/>
+          <a:lstStyle/>
+          <a:p>
+            <a:r>
+              <a:rPr lang="en-US" dirty="0"/>
+              <a:t>A movies budget does have a significant effect on gross sales. </a:t>
+            </a:r>
+          </a:p>
+          <a:p>
+            <a:endParaRPr lang="en-US" dirty="0"/>
+          </a:p>
+        </p:txBody>
+      </p:sp>
+      <p:sp>
+        <p:nvSpPr>
+          <p:cNvPr id="3" name="Text Placeholder 2">
+            <a:extLst>
+              <a:ext uri="{FF2B5EF4-FFF2-40B4-BE49-F238E27FC236}">
+                <a16:creationId xmlns:a16="http://schemas.microsoft.com/office/drawing/2014/main" id="{66ED0322-6048-4E48-B93F-AD452622DF4A}"/>
+              </a:ext>
+            </a:extLst>
+          </p:cNvPr>
+          <p:cNvSpPr>
+            <a:spLocks noGrp="1"/>
+          </p:cNvSpPr>
+          <p:nvPr>
+            <p:ph type="body" sz="quarter" idx="11"/>
+          </p:nvPr>
+        </p:nvSpPr>
+        <p:spPr>
+          <a:xfrm>
+            <a:off x="798089" y="5040986"/>
+            <a:ext cx="2616200" cy="1296988"/>
+          </a:xfrm>
+        </p:spPr>
+        <p:txBody>
+          <a:bodyPr/>
+          <a:lstStyle/>
+          <a:p>
+            <a:r>
+              <a:rPr lang="en-US" dirty="0"/>
+              <a:t>Genre has no overall significant effect on budget recovered, except Horror and Thriller movies due to extreme outliers.</a:t>
+            </a:r>
+          </a:p>
+          <a:p>
+            <a:r>
+              <a:rPr lang="en-US" dirty="0"/>
+              <a:t>Rating has no overall significant effect on budget recovered.</a:t>
+            </a:r>
+          </a:p>
+          <a:p>
+            <a:endParaRPr lang="en-US" dirty="0"/>
+          </a:p>
+          <a:p>
+            <a:endParaRPr lang="en-US" dirty="0"/>
+          </a:p>
+        </p:txBody>
+      </p:sp>
+      <p:sp>
+        <p:nvSpPr>
+          <p:cNvPr id="4" name="Text Placeholder 3">
+            <a:extLst>
+              <a:ext uri="{FF2B5EF4-FFF2-40B4-BE49-F238E27FC236}">
+                <a16:creationId xmlns:a16="http://schemas.microsoft.com/office/drawing/2014/main" id="{917B2698-71B5-EA4F-8291-9E422C5E6746}"/>
+              </a:ext>
+            </a:extLst>
+          </p:cNvPr>
+          <p:cNvSpPr>
+            <a:spLocks noGrp="1"/>
+          </p:cNvSpPr>
+          <p:nvPr>
+            <p:ph type="body" sz="quarter" idx="12"/>
+          </p:nvPr>
+        </p:nvSpPr>
+        <p:spPr/>
+        <p:txBody>
+          <a:bodyPr/>
+          <a:lstStyle/>
+          <a:p>
+            <a:r>
+              <a:rPr lang="en-US" dirty="0"/>
+              <a:t>Question #1</a:t>
+            </a:r>
+          </a:p>
+        </p:txBody>
+      </p:sp>
+      <p:sp>
+        <p:nvSpPr>
+          <p:cNvPr id="5" name="Text Placeholder 4">
+            <a:extLst>
+              <a:ext uri="{FF2B5EF4-FFF2-40B4-BE49-F238E27FC236}">
+                <a16:creationId xmlns:a16="http://schemas.microsoft.com/office/drawing/2014/main" id="{A4E67D4A-6448-0E48-BC92-ABE4BA250B69}"/>
+              </a:ext>
+            </a:extLst>
+          </p:cNvPr>
+          <p:cNvSpPr>
+            <a:spLocks noGrp="1"/>
+          </p:cNvSpPr>
+          <p:nvPr>
+            <p:ph type="body" sz="quarter" idx="13"/>
+          </p:nvPr>
+        </p:nvSpPr>
+        <p:spPr>
+          <a:xfrm>
+            <a:off x="797394" y="4644429"/>
+            <a:ext cx="2615737" cy="396557"/>
+          </a:xfrm>
+        </p:spPr>
+        <p:txBody>
+          <a:bodyPr/>
+          <a:lstStyle/>
+          <a:p>
+            <a:r>
+              <a:rPr lang="en-US" dirty="0"/>
+              <a:t>Question #2</a:t>
+            </a:r>
+          </a:p>
+        </p:txBody>
+      </p:sp>
+      <p:sp>
+        <p:nvSpPr>
+          <p:cNvPr id="6" name="Text Placeholder 5">
+            <a:extLst>
+              <a:ext uri="{FF2B5EF4-FFF2-40B4-BE49-F238E27FC236}">
+                <a16:creationId xmlns:a16="http://schemas.microsoft.com/office/drawing/2014/main" id="{2E195014-15EA-FA44-A689-47F0DDB88820}"/>
+              </a:ext>
+            </a:extLst>
+          </p:cNvPr>
+          <p:cNvSpPr>
+            <a:spLocks noGrp="1"/>
+          </p:cNvSpPr>
+          <p:nvPr>
+            <p:ph type="body" sz="quarter" idx="15"/>
+          </p:nvPr>
+        </p:nvSpPr>
+        <p:spPr/>
+        <p:txBody>
+          <a:bodyPr/>
+          <a:lstStyle/>
+          <a:p>
+            <a:r>
+              <a:rPr lang="en-US" dirty="0">
+                <a:latin typeface="+mn-lt"/>
+              </a:rPr>
+              <a:t>github.com/IanFranklin</a:t>
+            </a:r>
+          </a:p>
+        </p:txBody>
+      </p:sp>
+      <p:sp>
+        <p:nvSpPr>
+          <p:cNvPr id="7" name="Text Placeholder 6">
+            <a:extLst>
+              <a:ext uri="{FF2B5EF4-FFF2-40B4-BE49-F238E27FC236}">
+                <a16:creationId xmlns:a16="http://schemas.microsoft.com/office/drawing/2014/main" id="{849FDC09-6F3E-0A44-8BAD-E6FC08CC013F}"/>
+              </a:ext>
+            </a:extLst>
+          </p:cNvPr>
+          <p:cNvSpPr>
+            <a:spLocks noGrp="1"/>
+          </p:cNvSpPr>
+          <p:nvPr>
+            <p:ph type="body" sz="quarter" idx="16"/>
+          </p:nvPr>
+        </p:nvSpPr>
+        <p:spPr/>
+        <p:txBody>
+          <a:bodyPr/>
+          <a:lstStyle/>
+          <a:p>
+            <a:r>
+              <a:rPr lang="en-US" dirty="0">
+                <a:solidFill>
+                  <a:schemeClr val="accent6"/>
+                </a:solidFill>
+                <a:latin typeface="+mn-lt"/>
+              </a:rPr>
+              <a:t>Team Jupiter</a:t>
+            </a:r>
+          </a:p>
+        </p:txBody>
+      </p:sp>
+      <p:sp>
+        <p:nvSpPr>
+          <p:cNvPr id="8" name="Title 7">
+            <a:extLst>
+              <a:ext uri="{FF2B5EF4-FFF2-40B4-BE49-F238E27FC236}">
+                <a16:creationId xmlns:a16="http://schemas.microsoft.com/office/drawing/2014/main" id="{CC2E676A-0E5D-B946-92F0-D7C96AEB7529}"/>
+              </a:ext>
+            </a:extLst>
+          </p:cNvPr>
+          <p:cNvSpPr>
+            <a:spLocks noGrp="1"/>
+          </p:cNvSpPr>
+          <p:nvPr>
+            <p:ph type="title"/>
+          </p:nvPr>
+        </p:nvSpPr>
+        <p:spPr/>
+        <p:txBody>
+          <a:bodyPr/>
+          <a:lstStyle/>
+          <a:p>
+            <a:r>
+              <a:rPr lang="en-US" sz="6000" dirty="0">
+                <a:solidFill>
+                  <a:srgbClr val="FF0000"/>
+                </a:solidFill>
+              </a:rPr>
+              <a:t>summary</a:t>
+            </a:r>
+            <a:endParaRPr lang="en-US" dirty="0">
+              <a:solidFill>
+                <a:srgbClr val="FF0000"/>
+              </a:solidFill>
+            </a:endParaRPr>
+          </a:p>
+        </p:txBody>
+      </p:sp>
+    </p:spTree>
+    <p:extLst>
+      <p:ext uri="{BB962C8B-B14F-4D97-AF65-F5344CB8AC3E}">
+        <p14:creationId xmlns:p14="http://schemas.microsoft.com/office/powerpoint/2010/main" val="2512527782"/>
+      </p:ext>
+    </p:extLst>
+  </p:cSld>
+  <p:clrMapOvr>
+    <a:masterClrMapping/>
+  </p:clrMapOvr>
+</p:sld>
+</file>
+
+<file path=ppt/slides/slide13.xml><?xml version="1.0" encoding="utf-8"?>
+<p:sld xmlns:a="http://schemas.openxmlformats.org/drawingml/2006/main" xmlns:r="http://schemas.openxmlformats.org/officeDocument/2006/relationships" xmlns:p="http://schemas.openxmlformats.org/presentationml/2006/main">
+  <p:cSld>
+    <p:spTree>
+      <p:nvGrpSpPr>
+        <p:cNvPr id="1" name=""/>
+        <p:cNvGrpSpPr/>
+        <p:nvPr/>
+      </p:nvGrpSpPr>
+      <p:grpSpPr>
+        <a:xfrm>
+          <a:off x="0" y="0"/>
+          <a:ext cx="0" cy="0"/>
+          <a:chOff x="0" y="0"/>
+          <a:chExt cx="0" cy="0"/>
+        </a:xfrm>
+      </p:grpSpPr>
+      <p:sp>
+        <p:nvSpPr>
+          <p:cNvPr id="3" name="Text Placeholder 2">
+            <a:extLst>
+              <a:ext uri="{FF2B5EF4-FFF2-40B4-BE49-F238E27FC236}">
+                <a16:creationId xmlns:a16="http://schemas.microsoft.com/office/drawing/2014/main" id="{80E3D831-66E3-AF43-9613-E5B052F8D9C4}"/>
+              </a:ext>
+            </a:extLst>
+          </p:cNvPr>
+          <p:cNvSpPr>
+            <a:spLocks noGrp="1"/>
+          </p:cNvSpPr>
+          <p:nvPr>
+            <p:ph type="body" sz="quarter" idx="11"/>
+          </p:nvPr>
+        </p:nvSpPr>
+        <p:spPr>
+          <a:xfrm>
+            <a:off x="4469034" y="2637386"/>
+            <a:ext cx="2717980" cy="1576268"/>
+          </a:xfrm>
+        </p:spPr>
+        <p:txBody>
+          <a:bodyPr>
+            <a:normAutofit/>
+          </a:bodyPr>
+          <a:lstStyle/>
+          <a:p>
+            <a:pPr>
+              <a:lnSpc>
+                <a:spcPct val="100000"/>
+              </a:lnSpc>
+            </a:pPr>
+            <a:r>
+              <a:rPr lang="en-US" sz="1600" dirty="0" err="1">
+                <a:latin typeface="+mn-lt"/>
+              </a:rPr>
+              <a:t>Sadasdasdasdasdsadasdasdasdasdasdasdas</a:t>
+            </a:r>
+            <a:r>
+              <a:rPr lang="en-US" sz="1600" dirty="0">
+                <a:latin typeface="+mn-lt"/>
+              </a:rPr>
+              <a:t> </a:t>
+            </a:r>
+            <a:r>
+              <a:rPr lang="en-US" sz="1600" dirty="0" err="1">
+                <a:latin typeface="+mn-lt"/>
+              </a:rPr>
+              <a:t>asd</a:t>
+            </a:r>
+            <a:r>
+              <a:rPr lang="en-US" sz="1600" dirty="0">
+                <a:latin typeface="+mn-lt"/>
+              </a:rPr>
+              <a:t> </a:t>
+            </a:r>
+            <a:r>
+              <a:rPr lang="en-US" sz="1600" dirty="0" err="1">
+                <a:latin typeface="+mn-lt"/>
+              </a:rPr>
+              <a:t>asd</a:t>
+            </a:r>
+            <a:r>
+              <a:rPr lang="en-US" sz="1600" dirty="0">
+                <a:latin typeface="+mn-lt"/>
+              </a:rPr>
+              <a:t> </a:t>
+            </a:r>
+            <a:r>
+              <a:rPr lang="en-US" sz="1600" dirty="0" err="1">
+                <a:latin typeface="+mn-lt"/>
+              </a:rPr>
+              <a:t>asd</a:t>
+            </a:r>
+            <a:r>
+              <a:rPr lang="en-US" sz="1600" dirty="0">
+                <a:latin typeface="+mn-lt"/>
+              </a:rPr>
+              <a:t> sad </a:t>
+            </a:r>
+            <a:r>
+              <a:rPr lang="en-US" sz="1600" dirty="0" err="1">
+                <a:latin typeface="+mn-lt"/>
+              </a:rPr>
+              <a:t>asd</a:t>
+            </a:r>
+            <a:r>
+              <a:rPr lang="en-US" sz="1600" dirty="0">
+                <a:latin typeface="+mn-lt"/>
+              </a:rPr>
+              <a:t> as da </a:t>
+            </a:r>
+            <a:r>
+              <a:rPr lang="en-US" sz="1600" dirty="0" err="1">
+                <a:latin typeface="+mn-lt"/>
+              </a:rPr>
+              <a:t>sdsa</a:t>
+            </a:r>
+            <a:r>
+              <a:rPr lang="en-US" sz="1600" dirty="0">
+                <a:latin typeface="+mn-lt"/>
+              </a:rPr>
+              <a:t> d</a:t>
+            </a:r>
+            <a:endParaRPr lang="en-US" dirty="0"/>
+          </a:p>
+        </p:txBody>
+      </p:sp>
+      <p:sp>
+        <p:nvSpPr>
+          <p:cNvPr id="5" name="Text Placeholder 4">
+            <a:extLst>
+              <a:ext uri="{FF2B5EF4-FFF2-40B4-BE49-F238E27FC236}">
+                <a16:creationId xmlns:a16="http://schemas.microsoft.com/office/drawing/2014/main" id="{6EED6964-EC4C-1C4C-96A1-7A2D2D4F184E}"/>
+              </a:ext>
+            </a:extLst>
+          </p:cNvPr>
+          <p:cNvSpPr>
+            <a:spLocks noGrp="1"/>
+          </p:cNvSpPr>
+          <p:nvPr>
+            <p:ph type="body" sz="quarter" idx="13"/>
+          </p:nvPr>
+        </p:nvSpPr>
+        <p:spPr>
+          <a:xfrm>
+            <a:off x="4391654" y="2158554"/>
+            <a:ext cx="2795360" cy="396557"/>
+          </a:xfrm>
+        </p:spPr>
+        <p:txBody>
+          <a:bodyPr/>
+          <a:lstStyle/>
+          <a:p>
+            <a:r>
+              <a:rPr lang="en-US" sz="2400" dirty="0" err="1">
+                <a:solidFill>
+                  <a:schemeClr val="accent6"/>
+                </a:solidFill>
+                <a:latin typeface="+mn-lt"/>
+              </a:rPr>
+              <a:t>asdasdasdsad</a:t>
+            </a:r>
+            <a:endParaRPr lang="en-US" sz="2400" dirty="0">
+              <a:solidFill>
+                <a:schemeClr val="accent6"/>
+              </a:solidFill>
+              <a:latin typeface="+mn-lt"/>
+            </a:endParaRPr>
+          </a:p>
+        </p:txBody>
+      </p:sp>
+      <p:sp>
+        <p:nvSpPr>
+          <p:cNvPr id="2" name="Text Placeholder 1">
+            <a:extLst>
+              <a:ext uri="{FF2B5EF4-FFF2-40B4-BE49-F238E27FC236}">
+                <a16:creationId xmlns:a16="http://schemas.microsoft.com/office/drawing/2014/main" id="{6AEA8D19-A16F-164D-AD78-93A2AB87E114}"/>
+              </a:ext>
+            </a:extLst>
+          </p:cNvPr>
+          <p:cNvSpPr>
+            <a:spLocks noGrp="1"/>
+          </p:cNvSpPr>
+          <p:nvPr>
+            <p:ph type="body" sz="quarter" idx="10"/>
+          </p:nvPr>
+        </p:nvSpPr>
+        <p:spPr>
+          <a:xfrm>
+            <a:off x="687631" y="2723358"/>
+            <a:ext cx="3704022" cy="1186308"/>
+          </a:xfrm>
+        </p:spPr>
+        <p:txBody>
+          <a:bodyPr>
+            <a:noAutofit/>
+          </a:bodyPr>
+          <a:lstStyle/>
+          <a:p>
+            <a:pPr marL="342900" marR="0" lvl="0" indent="-342900">
+              <a:lnSpc>
+                <a:spcPct val="107000"/>
+              </a:lnSpc>
+              <a:spcBef>
+                <a:spcPts val="0"/>
+              </a:spcBef>
+              <a:spcAft>
+                <a:spcPts val="800"/>
+              </a:spcAft>
+              <a:buSzPts val="1000"/>
+              <a:buFont typeface="Wingdings" panose="05000000000000000000" pitchFamily="2" charset="2"/>
+              <a:buChar char="v"/>
+              <a:tabLst>
+                <a:tab pos="457200" algn="l"/>
+              </a:tabLst>
+            </a:pPr>
+            <a:r>
+              <a:rPr lang="en-US" sz="1800" dirty="0">
+                <a:effectLst/>
+                <a:latin typeface="+mn-lt"/>
+                <a:ea typeface="Times New Roman" panose="02020603050405020304" pitchFamily="18" charset="0"/>
+                <a:cs typeface="Times New Roman" panose="02020603050405020304" pitchFamily="18" charset="0"/>
+              </a:rPr>
+              <a:t>How do your findings impact the world at large?</a:t>
+            </a:r>
+            <a:endParaRPr lang="en-US" sz="1800" dirty="0">
+              <a:effectLst/>
+              <a:latin typeface="+mn-lt"/>
+              <a:ea typeface="Calibri" panose="020F0502020204030204" pitchFamily="34" charset="0"/>
+              <a:cs typeface="Times New Roman" panose="02020603050405020304" pitchFamily="18" charset="0"/>
+            </a:endParaRPr>
+          </a:p>
+          <a:p>
+            <a:pPr marL="342900" marR="0" lvl="0" indent="-342900">
+              <a:lnSpc>
+                <a:spcPct val="107000"/>
+              </a:lnSpc>
+              <a:spcBef>
+                <a:spcPts val="0"/>
+              </a:spcBef>
+              <a:spcAft>
+                <a:spcPts val="800"/>
+              </a:spcAft>
+              <a:buSzPts val="1000"/>
+              <a:buFont typeface="Wingdings" panose="05000000000000000000" pitchFamily="2" charset="2"/>
+              <a:buChar char="v"/>
+              <a:tabLst>
+                <a:tab pos="457200" algn="l"/>
+              </a:tabLst>
+            </a:pPr>
+            <a:r>
+              <a:rPr lang="en-US" sz="1800" dirty="0">
+                <a:effectLst/>
+                <a:latin typeface="+mn-lt"/>
+                <a:ea typeface="Times New Roman" panose="02020603050405020304" pitchFamily="18" charset="0"/>
+                <a:cs typeface="Times New Roman" panose="02020603050405020304" pitchFamily="18" charset="0"/>
+              </a:rPr>
+              <a:t>What's important about this work?</a:t>
+            </a:r>
+            <a:endParaRPr lang="en-US" sz="1800" dirty="0">
+              <a:effectLst/>
+              <a:ea typeface="Calibri" panose="020F0502020204030204" pitchFamily="34" charset="0"/>
+              <a:cs typeface="Times New Roman" panose="02020603050405020304" pitchFamily="18" charset="0"/>
+            </a:endParaRPr>
+          </a:p>
+          <a:p>
+            <a:pPr marL="674370" lvl="1" indent="-285750">
+              <a:buFont typeface="Wingdings" panose="05000000000000000000" pitchFamily="2" charset="2"/>
+              <a:buChar char="v"/>
+            </a:pPr>
+            <a:endParaRPr lang="en-US" sz="1600" dirty="0"/>
+          </a:p>
+        </p:txBody>
+      </p:sp>
+      <p:sp>
+        <p:nvSpPr>
+          <p:cNvPr id="6" name="Text Placeholder 5">
+            <a:extLst>
+              <a:ext uri="{FF2B5EF4-FFF2-40B4-BE49-F238E27FC236}">
+                <a16:creationId xmlns:a16="http://schemas.microsoft.com/office/drawing/2014/main" id="{F66475D4-407F-B54B-ACC6-3C782B4B6DED}"/>
+              </a:ext>
+            </a:extLst>
+          </p:cNvPr>
+          <p:cNvSpPr>
+            <a:spLocks noGrp="1"/>
+          </p:cNvSpPr>
+          <p:nvPr>
+            <p:ph type="body" sz="quarter" idx="15"/>
+          </p:nvPr>
+        </p:nvSpPr>
+        <p:spPr/>
+        <p:txBody>
+          <a:bodyPr/>
+          <a:lstStyle/>
+          <a:p>
+            <a:r>
+              <a:rPr lang="en-US" dirty="0"/>
+              <a:t>Add A Footer</a:t>
+            </a:r>
+          </a:p>
+        </p:txBody>
+      </p:sp>
+      <p:sp>
+        <p:nvSpPr>
+          <p:cNvPr id="7" name="Text Placeholder 6">
+            <a:extLst>
+              <a:ext uri="{FF2B5EF4-FFF2-40B4-BE49-F238E27FC236}">
+                <a16:creationId xmlns:a16="http://schemas.microsoft.com/office/drawing/2014/main" id="{71D7FEF1-5516-5F41-BA9D-7241957DA923}"/>
+              </a:ext>
+            </a:extLst>
+          </p:cNvPr>
+          <p:cNvSpPr>
+            <a:spLocks noGrp="1"/>
+          </p:cNvSpPr>
+          <p:nvPr>
+            <p:ph type="body" sz="quarter" idx="16"/>
+          </p:nvPr>
+        </p:nvSpPr>
+        <p:spPr/>
+        <p:txBody>
+          <a:bodyPr/>
+          <a:lstStyle/>
+          <a:p>
+            <a:r>
+              <a:rPr lang="en-US" dirty="0">
+                <a:solidFill>
+                  <a:schemeClr val="accent6"/>
+                </a:solidFill>
+              </a:rPr>
+              <a:t>Team Jupiter</a:t>
+            </a:r>
+          </a:p>
+        </p:txBody>
+      </p:sp>
+      <p:sp>
+        <p:nvSpPr>
+          <p:cNvPr id="13" name="Title 7">
+            <a:extLst>
+              <a:ext uri="{FF2B5EF4-FFF2-40B4-BE49-F238E27FC236}">
+                <a16:creationId xmlns:a16="http://schemas.microsoft.com/office/drawing/2014/main" id="{27AC60BD-F3E0-907F-16DA-A4901BFE9B96}"/>
+              </a:ext>
+            </a:extLst>
+          </p:cNvPr>
+          <p:cNvSpPr>
+            <a:spLocks noGrp="1"/>
+          </p:cNvSpPr>
+          <p:nvPr>
+            <p:ph type="title"/>
+          </p:nvPr>
+        </p:nvSpPr>
+        <p:spPr>
+          <a:xfrm>
+            <a:off x="687631" y="963487"/>
+            <a:ext cx="6499382" cy="792162"/>
+          </a:xfrm>
+        </p:spPr>
+        <p:txBody>
+          <a:bodyPr/>
+          <a:lstStyle/>
+          <a:p>
+            <a:pPr algn="ctr"/>
+            <a:r>
+              <a:rPr lang="en-US" sz="6000" dirty="0">
+                <a:solidFill>
+                  <a:srgbClr val="FF0000"/>
+                </a:solidFill>
+              </a:rPr>
+              <a:t>Conclusions</a:t>
+            </a:r>
+          </a:p>
+        </p:txBody>
+      </p:sp>
+      <p:sp>
+        <p:nvSpPr>
+          <p:cNvPr id="16" name="Text Placeholder 4">
+            <a:extLst>
+              <a:ext uri="{FF2B5EF4-FFF2-40B4-BE49-F238E27FC236}">
+                <a16:creationId xmlns:a16="http://schemas.microsoft.com/office/drawing/2014/main" id="{EAB29E62-03F9-9BC4-0248-F40A920D75A1}"/>
+              </a:ext>
+            </a:extLst>
+          </p:cNvPr>
+          <p:cNvSpPr txBox="1">
+            <a:spLocks/>
+          </p:cNvSpPr>
+          <p:nvPr/>
+        </p:nvSpPr>
+        <p:spPr>
+          <a:xfrm>
+            <a:off x="687631" y="2326800"/>
+            <a:ext cx="2615737" cy="396557"/>
+          </a:xfrm>
+          <a:prstGeom prst="rect">
+            <a:avLst/>
+          </a:prstGeom>
+        </p:spPr>
+        <p:txBody>
+          <a:bodyPr lIns="0" rIns="0"/>
+          <a:lstStyle>
+            <a:lvl1pPr marL="0" indent="0" algn="r" defTabSz="777240" rtl="0" eaLnBrk="1" latinLnBrk="0" hangingPunct="1">
+              <a:lnSpc>
+                <a:spcPct val="90000"/>
+              </a:lnSpc>
+              <a:spcBef>
+                <a:spcPts val="850"/>
+              </a:spcBef>
+              <a:buFont typeface="Arial" panose="020B0604020202020204" pitchFamily="34" charset="0"/>
+              <a:buNone/>
+              <a:defRPr sz="2380" b="1" kern="1200" spc="300">
+                <a:solidFill>
+                  <a:schemeClr val="bg1"/>
+                </a:solidFill>
+                <a:latin typeface="Century Gothic" panose="020B0502020202020204" pitchFamily="34" charset="0"/>
+                <a:ea typeface="+mn-ea"/>
+                <a:cs typeface="+mn-cs"/>
+              </a:defRPr>
+            </a:lvl1pPr>
+            <a:lvl2pPr marL="582930" indent="-194310" algn="l" defTabSz="777240" rtl="0" eaLnBrk="1" latinLnBrk="0" hangingPunct="1">
+              <a:lnSpc>
+                <a:spcPct val="90000"/>
+              </a:lnSpc>
+              <a:spcBef>
+                <a:spcPts val="425"/>
+              </a:spcBef>
+              <a:buFont typeface="Arial" panose="020B0604020202020204" pitchFamily="34" charset="0"/>
+              <a:buChar char="•"/>
+              <a:defRPr sz="2040" kern="1200">
+                <a:solidFill>
+                  <a:schemeClr val="accent6"/>
+                </a:solidFill>
+                <a:latin typeface="+mn-lt"/>
+                <a:ea typeface="+mn-ea"/>
+                <a:cs typeface="+mn-cs"/>
+              </a:defRPr>
+            </a:lvl2pPr>
+            <a:lvl3pPr marL="971550" indent="-194310" algn="l" defTabSz="777240" rtl="0" eaLnBrk="1" latinLnBrk="0" hangingPunct="1">
+              <a:lnSpc>
+                <a:spcPct val="90000"/>
+              </a:lnSpc>
+              <a:spcBef>
+                <a:spcPts val="425"/>
+              </a:spcBef>
+              <a:buFont typeface="Arial" panose="020B0604020202020204" pitchFamily="34" charset="0"/>
+              <a:buChar char="•"/>
+              <a:defRPr sz="1700" kern="1200">
+                <a:solidFill>
+                  <a:schemeClr val="accent6"/>
+                </a:solidFill>
+                <a:latin typeface="+mn-lt"/>
+                <a:ea typeface="+mn-ea"/>
+                <a:cs typeface="+mn-cs"/>
+              </a:defRPr>
+            </a:lvl3pPr>
+            <a:lvl4pPr marL="1360170" indent="-194310" algn="l" defTabSz="777240" rtl="0" eaLnBrk="1" latinLnBrk="0" hangingPunct="1">
+              <a:lnSpc>
+                <a:spcPct val="90000"/>
+              </a:lnSpc>
+              <a:spcBef>
+                <a:spcPts val="425"/>
+              </a:spcBef>
+              <a:buFont typeface="Arial" panose="020B0604020202020204" pitchFamily="34" charset="0"/>
+              <a:buChar char="•"/>
+              <a:defRPr sz="1530" kern="1200">
+                <a:solidFill>
+                  <a:schemeClr val="accent6"/>
+                </a:solidFill>
+                <a:latin typeface="+mn-lt"/>
+                <a:ea typeface="+mn-ea"/>
+                <a:cs typeface="+mn-cs"/>
+              </a:defRPr>
+            </a:lvl4pPr>
+            <a:lvl5pPr marL="1748790" indent="-194310" algn="l" defTabSz="777240" rtl="0" eaLnBrk="1" latinLnBrk="0" hangingPunct="1">
+              <a:lnSpc>
+                <a:spcPct val="90000"/>
+              </a:lnSpc>
+              <a:spcBef>
+                <a:spcPts val="425"/>
+              </a:spcBef>
+              <a:buFont typeface="Arial" panose="020B0604020202020204" pitchFamily="34" charset="0"/>
+              <a:buChar char="•"/>
+              <a:defRPr sz="1530" kern="1200">
+                <a:solidFill>
+                  <a:schemeClr val="accent6"/>
+                </a:solidFill>
+                <a:latin typeface="+mn-lt"/>
+                <a:ea typeface="+mn-ea"/>
+                <a:cs typeface="+mn-cs"/>
+              </a:defRPr>
+            </a:lvl5pPr>
+            <a:lvl6pPr marL="2137410" indent="-194310" algn="l" defTabSz="777240" rtl="0" eaLnBrk="1" latinLnBrk="0" hangingPunct="1">
+              <a:lnSpc>
+                <a:spcPct val="90000"/>
+              </a:lnSpc>
+              <a:spcBef>
+                <a:spcPts val="425"/>
+              </a:spcBef>
+              <a:buFont typeface="Arial" panose="020B0604020202020204" pitchFamily="34" charset="0"/>
+              <a:buChar char="•"/>
+              <a:defRPr sz="1530" kern="1200">
+                <a:solidFill>
+                  <a:schemeClr val="tx1"/>
+                </a:solidFill>
+                <a:latin typeface="+mn-lt"/>
+                <a:ea typeface="+mn-ea"/>
+                <a:cs typeface="+mn-cs"/>
+              </a:defRPr>
+            </a:lvl6pPr>
+            <a:lvl7pPr marL="2526030" indent="-194310" algn="l" defTabSz="777240" rtl="0" eaLnBrk="1" latinLnBrk="0" hangingPunct="1">
+              <a:lnSpc>
+                <a:spcPct val="90000"/>
+              </a:lnSpc>
+              <a:spcBef>
+                <a:spcPts val="425"/>
+              </a:spcBef>
+              <a:buFont typeface="Arial" panose="020B0604020202020204" pitchFamily="34" charset="0"/>
+              <a:buChar char="•"/>
+              <a:defRPr sz="1530" kern="1200">
+                <a:solidFill>
+                  <a:schemeClr val="tx1"/>
+                </a:solidFill>
+                <a:latin typeface="+mn-lt"/>
+                <a:ea typeface="+mn-ea"/>
+                <a:cs typeface="+mn-cs"/>
+              </a:defRPr>
+            </a:lvl7pPr>
+            <a:lvl8pPr marL="2914650" indent="-194310" algn="l" defTabSz="777240" rtl="0" eaLnBrk="1" latinLnBrk="0" hangingPunct="1">
+              <a:lnSpc>
+                <a:spcPct val="90000"/>
+              </a:lnSpc>
+              <a:spcBef>
+                <a:spcPts val="425"/>
+              </a:spcBef>
+              <a:buFont typeface="Arial" panose="020B0604020202020204" pitchFamily="34" charset="0"/>
+              <a:buChar char="•"/>
+              <a:defRPr sz="1530" kern="1200">
+                <a:solidFill>
+                  <a:schemeClr val="tx1"/>
+                </a:solidFill>
+                <a:latin typeface="+mn-lt"/>
+                <a:ea typeface="+mn-ea"/>
+                <a:cs typeface="+mn-cs"/>
+              </a:defRPr>
+            </a:lvl8pPr>
+            <a:lvl9pPr marL="3303270" indent="-194310" algn="l" defTabSz="777240" rtl="0" eaLnBrk="1" latinLnBrk="0" hangingPunct="1">
+              <a:lnSpc>
+                <a:spcPct val="90000"/>
+              </a:lnSpc>
+              <a:spcBef>
+                <a:spcPts val="425"/>
+              </a:spcBef>
+              <a:buFont typeface="Arial" panose="020B0604020202020204" pitchFamily="34" charset="0"/>
+              <a:buChar char="•"/>
+              <a:defRPr sz="1530" kern="1200">
+                <a:solidFill>
+                  <a:schemeClr val="tx1"/>
+                </a:solidFill>
+                <a:latin typeface="+mn-lt"/>
+                <a:ea typeface="+mn-ea"/>
+                <a:cs typeface="+mn-cs"/>
+              </a:defRPr>
+            </a:lvl9pPr>
+          </a:lstStyle>
+          <a:p>
+            <a:pPr algn="l"/>
+            <a:r>
+              <a:rPr lang="en-US" sz="2400" dirty="0">
+                <a:solidFill>
+                  <a:schemeClr val="accent6"/>
+                </a:solidFill>
+                <a:latin typeface="+mn-lt"/>
+              </a:rPr>
+              <a:t>Datasets</a:t>
+            </a:r>
+            <a:endParaRPr lang="en-US" dirty="0">
+              <a:solidFill>
+                <a:schemeClr val="accent6"/>
+              </a:solidFill>
+              <a:latin typeface="+mn-lt"/>
+            </a:endParaRPr>
+          </a:p>
+        </p:txBody>
+      </p:sp>
+      <p:sp>
+        <p:nvSpPr>
+          <p:cNvPr id="18" name="Text Placeholder 4">
+            <a:extLst>
+              <a:ext uri="{FF2B5EF4-FFF2-40B4-BE49-F238E27FC236}">
+                <a16:creationId xmlns:a16="http://schemas.microsoft.com/office/drawing/2014/main" id="{09448CE7-FDB0-1FFC-3C6B-F6156B8167ED}"/>
+              </a:ext>
+            </a:extLst>
+          </p:cNvPr>
+          <p:cNvSpPr txBox="1">
+            <a:spLocks/>
+          </p:cNvSpPr>
+          <p:nvPr/>
+        </p:nvSpPr>
+        <p:spPr>
+          <a:xfrm>
+            <a:off x="687631" y="4419554"/>
+            <a:ext cx="2615737" cy="396557"/>
+          </a:xfrm>
+          <a:prstGeom prst="rect">
+            <a:avLst/>
+          </a:prstGeom>
+        </p:spPr>
+        <p:txBody>
+          <a:bodyPr lIns="0" rIns="0"/>
+          <a:lstStyle>
+            <a:lvl1pPr marL="0" indent="0" algn="r" defTabSz="777240" rtl="0" eaLnBrk="1" latinLnBrk="0" hangingPunct="1">
+              <a:lnSpc>
+                <a:spcPct val="90000"/>
+              </a:lnSpc>
+              <a:spcBef>
+                <a:spcPts val="850"/>
+              </a:spcBef>
+              <a:buFont typeface="Arial" panose="020B0604020202020204" pitchFamily="34" charset="0"/>
+              <a:buNone/>
+              <a:defRPr sz="2380" b="1" kern="1200" spc="300">
+                <a:solidFill>
+                  <a:schemeClr val="bg1"/>
+                </a:solidFill>
+                <a:latin typeface="Century Gothic" panose="020B0502020202020204" pitchFamily="34" charset="0"/>
+                <a:ea typeface="+mn-ea"/>
+                <a:cs typeface="+mn-cs"/>
+              </a:defRPr>
+            </a:lvl1pPr>
+            <a:lvl2pPr marL="582930" indent="-194310" algn="l" defTabSz="777240" rtl="0" eaLnBrk="1" latinLnBrk="0" hangingPunct="1">
+              <a:lnSpc>
+                <a:spcPct val="90000"/>
+              </a:lnSpc>
+              <a:spcBef>
+                <a:spcPts val="425"/>
+              </a:spcBef>
+              <a:buFont typeface="Arial" panose="020B0604020202020204" pitchFamily="34" charset="0"/>
+              <a:buChar char="•"/>
+              <a:defRPr sz="2040" kern="1200">
+                <a:solidFill>
+                  <a:schemeClr val="accent6"/>
+                </a:solidFill>
+                <a:latin typeface="+mn-lt"/>
+                <a:ea typeface="+mn-ea"/>
+                <a:cs typeface="+mn-cs"/>
+              </a:defRPr>
+            </a:lvl2pPr>
+            <a:lvl3pPr marL="971550" indent="-194310" algn="l" defTabSz="777240" rtl="0" eaLnBrk="1" latinLnBrk="0" hangingPunct="1">
+              <a:lnSpc>
+                <a:spcPct val="90000"/>
+              </a:lnSpc>
+              <a:spcBef>
+                <a:spcPts val="425"/>
+              </a:spcBef>
+              <a:buFont typeface="Arial" panose="020B0604020202020204" pitchFamily="34" charset="0"/>
+              <a:buChar char="•"/>
+              <a:defRPr sz="1700" kern="1200">
+                <a:solidFill>
+                  <a:schemeClr val="accent6"/>
+                </a:solidFill>
+                <a:latin typeface="+mn-lt"/>
+                <a:ea typeface="+mn-ea"/>
+                <a:cs typeface="+mn-cs"/>
+              </a:defRPr>
+            </a:lvl3pPr>
+            <a:lvl4pPr marL="1360170" indent="-194310" algn="l" defTabSz="777240" rtl="0" eaLnBrk="1" latinLnBrk="0" hangingPunct="1">
+              <a:lnSpc>
+                <a:spcPct val="90000"/>
+              </a:lnSpc>
+              <a:spcBef>
+                <a:spcPts val="425"/>
+              </a:spcBef>
+              <a:buFont typeface="Arial" panose="020B0604020202020204" pitchFamily="34" charset="0"/>
+              <a:buChar char="•"/>
+              <a:defRPr sz="1530" kern="1200">
+                <a:solidFill>
+                  <a:schemeClr val="accent6"/>
+                </a:solidFill>
+                <a:latin typeface="+mn-lt"/>
+                <a:ea typeface="+mn-ea"/>
+                <a:cs typeface="+mn-cs"/>
+              </a:defRPr>
+            </a:lvl4pPr>
+            <a:lvl5pPr marL="1748790" indent="-194310" algn="l" defTabSz="777240" rtl="0" eaLnBrk="1" latinLnBrk="0" hangingPunct="1">
+              <a:lnSpc>
+                <a:spcPct val="90000"/>
+              </a:lnSpc>
+              <a:spcBef>
+                <a:spcPts val="425"/>
+              </a:spcBef>
+              <a:buFont typeface="Arial" panose="020B0604020202020204" pitchFamily="34" charset="0"/>
+              <a:buChar char="•"/>
+              <a:defRPr sz="1530" kern="1200">
+                <a:solidFill>
+                  <a:schemeClr val="accent6"/>
+                </a:solidFill>
+                <a:latin typeface="+mn-lt"/>
+                <a:ea typeface="+mn-ea"/>
+                <a:cs typeface="+mn-cs"/>
+              </a:defRPr>
+            </a:lvl5pPr>
+            <a:lvl6pPr marL="2137410" indent="-194310" algn="l" defTabSz="777240" rtl="0" eaLnBrk="1" latinLnBrk="0" hangingPunct="1">
+              <a:lnSpc>
+                <a:spcPct val="90000"/>
+              </a:lnSpc>
+              <a:spcBef>
+                <a:spcPts val="425"/>
+              </a:spcBef>
+              <a:buFont typeface="Arial" panose="020B0604020202020204" pitchFamily="34" charset="0"/>
+              <a:buChar char="•"/>
+              <a:defRPr sz="1530" kern="1200">
+                <a:solidFill>
+                  <a:schemeClr val="tx1"/>
+                </a:solidFill>
+                <a:latin typeface="+mn-lt"/>
+                <a:ea typeface="+mn-ea"/>
+                <a:cs typeface="+mn-cs"/>
+              </a:defRPr>
+            </a:lvl6pPr>
+            <a:lvl7pPr marL="2526030" indent="-194310" algn="l" defTabSz="777240" rtl="0" eaLnBrk="1" latinLnBrk="0" hangingPunct="1">
+              <a:lnSpc>
+                <a:spcPct val="90000"/>
+              </a:lnSpc>
+              <a:spcBef>
+                <a:spcPts val="425"/>
+              </a:spcBef>
+              <a:buFont typeface="Arial" panose="020B0604020202020204" pitchFamily="34" charset="0"/>
+              <a:buChar char="•"/>
+              <a:defRPr sz="1530" kern="1200">
+                <a:solidFill>
+                  <a:schemeClr val="tx1"/>
+                </a:solidFill>
+                <a:latin typeface="+mn-lt"/>
+                <a:ea typeface="+mn-ea"/>
+                <a:cs typeface="+mn-cs"/>
+              </a:defRPr>
+            </a:lvl7pPr>
+            <a:lvl8pPr marL="2914650" indent="-194310" algn="l" defTabSz="777240" rtl="0" eaLnBrk="1" latinLnBrk="0" hangingPunct="1">
+              <a:lnSpc>
+                <a:spcPct val="90000"/>
+              </a:lnSpc>
+              <a:spcBef>
+                <a:spcPts val="425"/>
+              </a:spcBef>
+              <a:buFont typeface="Arial" panose="020B0604020202020204" pitchFamily="34" charset="0"/>
+              <a:buChar char="•"/>
+              <a:defRPr sz="1530" kern="1200">
+                <a:solidFill>
+                  <a:schemeClr val="tx1"/>
+                </a:solidFill>
+                <a:latin typeface="+mn-lt"/>
+                <a:ea typeface="+mn-ea"/>
+                <a:cs typeface="+mn-cs"/>
+              </a:defRPr>
+            </a:lvl8pPr>
+            <a:lvl9pPr marL="3303270" indent="-194310" algn="l" defTabSz="777240" rtl="0" eaLnBrk="1" latinLnBrk="0" hangingPunct="1">
+              <a:lnSpc>
+                <a:spcPct val="90000"/>
+              </a:lnSpc>
+              <a:spcBef>
+                <a:spcPts val="425"/>
+              </a:spcBef>
+              <a:buFont typeface="Arial" panose="020B0604020202020204" pitchFamily="34" charset="0"/>
+              <a:buChar char="•"/>
+              <a:defRPr sz="1530" kern="1200">
+                <a:solidFill>
+                  <a:schemeClr val="tx1"/>
+                </a:solidFill>
+                <a:latin typeface="+mn-lt"/>
+                <a:ea typeface="+mn-ea"/>
+                <a:cs typeface="+mn-cs"/>
+              </a:defRPr>
+            </a:lvl9pPr>
+          </a:lstStyle>
+          <a:p>
+            <a:pPr algn="l"/>
+            <a:r>
+              <a:rPr lang="en-US" sz="2400" dirty="0">
+                <a:solidFill>
+                  <a:schemeClr val="accent6"/>
+                </a:solidFill>
+                <a:latin typeface="+mn-lt"/>
+              </a:rPr>
+              <a:t>Wrangling</a:t>
+            </a:r>
+            <a:endParaRPr lang="en-US" dirty="0">
+              <a:solidFill>
+                <a:schemeClr val="accent6"/>
+              </a:solidFill>
+              <a:latin typeface="+mn-lt"/>
+            </a:endParaRPr>
+          </a:p>
+        </p:txBody>
+      </p:sp>
+      <p:sp>
+        <p:nvSpPr>
+          <p:cNvPr id="19" name="Text Placeholder 1">
+            <a:extLst>
+              <a:ext uri="{FF2B5EF4-FFF2-40B4-BE49-F238E27FC236}">
+                <a16:creationId xmlns:a16="http://schemas.microsoft.com/office/drawing/2014/main" id="{3383F537-4773-3553-8164-66FAD181CBF0}"/>
+              </a:ext>
+            </a:extLst>
+          </p:cNvPr>
+          <p:cNvSpPr txBox="1">
+            <a:spLocks/>
+          </p:cNvSpPr>
+          <p:nvPr/>
+        </p:nvSpPr>
+        <p:spPr>
+          <a:xfrm>
+            <a:off x="687631" y="4816111"/>
+            <a:ext cx="3704022" cy="1076959"/>
+          </a:xfrm>
+          <a:prstGeom prst="rect">
+            <a:avLst/>
+          </a:prstGeom>
+        </p:spPr>
+        <p:txBody>
+          <a:bodyPr lIns="0" rIns="0"/>
+          <a:lstStyle>
+            <a:lvl1pPr marL="0" indent="0" algn="l" defTabSz="777240" rtl="0" eaLnBrk="1" latinLnBrk="0" hangingPunct="1">
+              <a:lnSpc>
+                <a:spcPct val="110000"/>
+              </a:lnSpc>
+              <a:spcBef>
+                <a:spcPts val="850"/>
+              </a:spcBef>
+              <a:buFont typeface="Arial" panose="020B0604020202020204" pitchFamily="34" charset="0"/>
+              <a:buNone/>
+              <a:defRPr sz="1400" b="1" kern="1200">
+                <a:solidFill>
+                  <a:schemeClr val="bg1"/>
+                </a:solidFill>
+                <a:latin typeface="Century Gothic" panose="020B0502020202020204" pitchFamily="34" charset="0"/>
+                <a:ea typeface="+mn-ea"/>
+                <a:cs typeface="+mn-cs"/>
+              </a:defRPr>
+            </a:lvl1pPr>
+            <a:lvl2pPr marL="388620" indent="0" algn="l" defTabSz="777240" rtl="0" eaLnBrk="1" latinLnBrk="0" hangingPunct="1">
+              <a:lnSpc>
+                <a:spcPct val="90000"/>
+              </a:lnSpc>
+              <a:spcBef>
+                <a:spcPts val="425"/>
+              </a:spcBef>
+              <a:buFont typeface="Arial" panose="020B0604020202020204" pitchFamily="34" charset="0"/>
+              <a:buNone/>
+              <a:defRPr sz="1400" kern="1200">
+                <a:solidFill>
+                  <a:schemeClr val="bg1"/>
+                </a:solidFill>
+                <a:latin typeface="+mn-lt"/>
+                <a:ea typeface="+mn-ea"/>
+                <a:cs typeface="+mn-cs"/>
+              </a:defRPr>
+            </a:lvl2pPr>
+            <a:lvl3pPr marL="777240" indent="0" algn="l" defTabSz="777240" rtl="0" eaLnBrk="1" latinLnBrk="0" hangingPunct="1">
+              <a:lnSpc>
+                <a:spcPct val="90000"/>
+              </a:lnSpc>
+              <a:spcBef>
+                <a:spcPts val="425"/>
+              </a:spcBef>
+              <a:buFont typeface="Arial" panose="020B0604020202020204" pitchFamily="34" charset="0"/>
+              <a:buNone/>
+              <a:defRPr sz="1400" kern="1200">
+                <a:solidFill>
+                  <a:schemeClr val="bg1"/>
+                </a:solidFill>
+                <a:latin typeface="+mn-lt"/>
+                <a:ea typeface="+mn-ea"/>
+                <a:cs typeface="+mn-cs"/>
+              </a:defRPr>
+            </a:lvl3pPr>
+            <a:lvl4pPr marL="1165860" indent="0" algn="l" defTabSz="777240" rtl="0" eaLnBrk="1" latinLnBrk="0" hangingPunct="1">
+              <a:lnSpc>
+                <a:spcPct val="90000"/>
+              </a:lnSpc>
+              <a:spcBef>
+                <a:spcPts val="425"/>
+              </a:spcBef>
+              <a:buFont typeface="Arial" panose="020B0604020202020204" pitchFamily="34" charset="0"/>
+              <a:buNone/>
+              <a:defRPr sz="1400" kern="1200">
+                <a:solidFill>
+                  <a:schemeClr val="bg1"/>
+                </a:solidFill>
+                <a:latin typeface="+mn-lt"/>
+                <a:ea typeface="+mn-ea"/>
+                <a:cs typeface="+mn-cs"/>
+              </a:defRPr>
+            </a:lvl4pPr>
+            <a:lvl5pPr marL="1554480" indent="0" algn="l" defTabSz="777240" rtl="0" eaLnBrk="1" latinLnBrk="0" hangingPunct="1">
+              <a:lnSpc>
+                <a:spcPct val="90000"/>
+              </a:lnSpc>
+              <a:spcBef>
+                <a:spcPts val="425"/>
+              </a:spcBef>
+              <a:buFont typeface="Arial" panose="020B0604020202020204" pitchFamily="34" charset="0"/>
+              <a:buNone/>
+              <a:defRPr sz="1400" kern="1200">
+                <a:solidFill>
+                  <a:schemeClr val="bg1"/>
+                </a:solidFill>
+                <a:latin typeface="+mn-lt"/>
+                <a:ea typeface="+mn-ea"/>
+                <a:cs typeface="+mn-cs"/>
+              </a:defRPr>
+            </a:lvl5pPr>
+            <a:lvl6pPr marL="2137410" indent="-194310" algn="l" defTabSz="777240" rtl="0" eaLnBrk="1" latinLnBrk="0" hangingPunct="1">
+              <a:lnSpc>
+                <a:spcPct val="90000"/>
+              </a:lnSpc>
+              <a:spcBef>
+                <a:spcPts val="425"/>
+              </a:spcBef>
+              <a:buFont typeface="Arial" panose="020B0604020202020204" pitchFamily="34" charset="0"/>
+              <a:buChar char="•"/>
+              <a:defRPr sz="1530" kern="1200">
+                <a:solidFill>
+                  <a:schemeClr val="tx1"/>
+                </a:solidFill>
+                <a:latin typeface="+mn-lt"/>
+                <a:ea typeface="+mn-ea"/>
+                <a:cs typeface="+mn-cs"/>
+              </a:defRPr>
+            </a:lvl6pPr>
+            <a:lvl7pPr marL="2526030" indent="-194310" algn="l" defTabSz="777240" rtl="0" eaLnBrk="1" latinLnBrk="0" hangingPunct="1">
+              <a:lnSpc>
+                <a:spcPct val="90000"/>
+              </a:lnSpc>
+              <a:spcBef>
+                <a:spcPts val="425"/>
+              </a:spcBef>
+              <a:buFont typeface="Arial" panose="020B0604020202020204" pitchFamily="34" charset="0"/>
+              <a:buChar char="•"/>
+              <a:defRPr sz="1530" kern="1200">
+                <a:solidFill>
+                  <a:schemeClr val="tx1"/>
+                </a:solidFill>
+                <a:latin typeface="+mn-lt"/>
+                <a:ea typeface="+mn-ea"/>
+                <a:cs typeface="+mn-cs"/>
+              </a:defRPr>
+            </a:lvl7pPr>
+            <a:lvl8pPr marL="2914650" indent="-194310" algn="l" defTabSz="777240" rtl="0" eaLnBrk="1" latinLnBrk="0" hangingPunct="1">
+              <a:lnSpc>
+                <a:spcPct val="90000"/>
+              </a:lnSpc>
+              <a:spcBef>
+                <a:spcPts val="425"/>
+              </a:spcBef>
+              <a:buFont typeface="Arial" panose="020B0604020202020204" pitchFamily="34" charset="0"/>
+              <a:buChar char="•"/>
+              <a:defRPr sz="1530" kern="1200">
+                <a:solidFill>
+                  <a:schemeClr val="tx1"/>
+                </a:solidFill>
+                <a:latin typeface="+mn-lt"/>
+                <a:ea typeface="+mn-ea"/>
+                <a:cs typeface="+mn-cs"/>
+              </a:defRPr>
+            </a:lvl8pPr>
+            <a:lvl9pPr marL="3303270" indent="-194310" algn="l" defTabSz="777240" rtl="0" eaLnBrk="1" latinLnBrk="0" hangingPunct="1">
+              <a:lnSpc>
+                <a:spcPct val="90000"/>
+              </a:lnSpc>
+              <a:spcBef>
+                <a:spcPts val="425"/>
+              </a:spcBef>
+              <a:buFont typeface="Arial" panose="020B0604020202020204" pitchFamily="34" charset="0"/>
+              <a:buChar char="•"/>
+              <a:defRPr sz="1530" kern="1200">
+                <a:solidFill>
+                  <a:schemeClr val="tx1"/>
+                </a:solidFill>
+                <a:latin typeface="+mn-lt"/>
+                <a:ea typeface="+mn-ea"/>
+                <a:cs typeface="+mn-cs"/>
+              </a:defRPr>
+            </a:lvl9pPr>
+          </a:lstStyle>
+          <a:p>
+            <a:pPr marL="285750" indent="-285750">
+              <a:buFont typeface="Wingdings" panose="05000000000000000000" pitchFamily="2" charset="2"/>
+              <a:buChar char="v"/>
+            </a:pPr>
+            <a:r>
+              <a:rPr lang="en-US" sz="1600" b="1" dirty="0">
+                <a:latin typeface="+mn-lt"/>
+                <a:ea typeface="Calibri" panose="020F0502020204030204" pitchFamily="34" charset="0"/>
+                <a:cs typeface="Times New Roman" panose="02020603050405020304" pitchFamily="18" charset="0"/>
+              </a:rPr>
+              <a:t>How do your findings impact the world at large?</a:t>
+            </a:r>
+          </a:p>
+          <a:p>
+            <a:pPr marL="285750" indent="-285750">
+              <a:buFont typeface="Wingdings" panose="05000000000000000000" pitchFamily="2" charset="2"/>
+              <a:buChar char="v"/>
+            </a:pPr>
+            <a:r>
+              <a:rPr lang="en-US" sz="1600" b="1" dirty="0">
+                <a:latin typeface="+mn-lt"/>
+                <a:ea typeface="Calibri" panose="020F0502020204030204" pitchFamily="34" charset="0"/>
+                <a:cs typeface="Times New Roman" panose="02020603050405020304" pitchFamily="18" charset="0"/>
+              </a:rPr>
+              <a:t>What's important about this work?</a:t>
+            </a:r>
+          </a:p>
+          <a:p>
+            <a:pPr marL="285750" indent="-285750">
+              <a:buFont typeface="Wingdings" panose="05000000000000000000" pitchFamily="2" charset="2"/>
+              <a:buChar char="v"/>
+            </a:pPr>
+            <a:r>
+              <a:rPr lang="en-US" sz="1600" b="1" dirty="0">
+                <a:latin typeface="+mn-lt"/>
+                <a:ea typeface="Calibri" panose="020F0502020204030204" pitchFamily="34" charset="0"/>
+                <a:cs typeface="Times New Roman" panose="02020603050405020304" pitchFamily="18" charset="0"/>
+              </a:rPr>
+              <a:t>Big picture information</a:t>
+            </a:r>
+          </a:p>
+          <a:p>
+            <a:pPr lvl="1"/>
+            <a:endParaRPr lang="en-US" sz="1800" dirty="0">
+              <a:latin typeface="Calibri" panose="020F0502020204030204" pitchFamily="34" charset="0"/>
+              <a:ea typeface="Calibri" panose="020F0502020204030204" pitchFamily="34" charset="0"/>
+              <a:cs typeface="Times New Roman" panose="02020603050405020304" pitchFamily="18" charset="0"/>
+            </a:endParaRPr>
+          </a:p>
+          <a:p>
+            <a:pPr marL="674370" lvl="1" indent="-285750">
+              <a:buFont typeface="Wingdings" panose="05000000000000000000" pitchFamily="2" charset="2"/>
+              <a:buChar char="v"/>
+            </a:pPr>
+            <a:endParaRPr lang="en-US" sz="1600" dirty="0"/>
+          </a:p>
+        </p:txBody>
+      </p:sp>
+    </p:spTree>
+    <p:extLst>
+      <p:ext uri="{BB962C8B-B14F-4D97-AF65-F5344CB8AC3E}">
+        <p14:creationId xmlns:p14="http://schemas.microsoft.com/office/powerpoint/2010/main" val="156199875"/>
+      </p:ext>
+    </p:extLst>
+  </p:cSld>
+  <p:clrMapOvr>
+    <a:masterClrMapping/>
+  </p:clrMapOvr>
+</p:sld>
+</file>
+
+<file path=ppt/slides/slide14.xml><?xml version="1.0" encoding="utf-8"?>
+<p:sld xmlns:a="http://schemas.openxmlformats.org/drawingml/2006/main" xmlns:r="http://schemas.openxmlformats.org/officeDocument/2006/relationships" xmlns:p="http://schemas.openxmlformats.org/presentationml/2006/main">
+  <p:cSld>
+    <p:spTree>
+      <p:nvGrpSpPr>
+        <p:cNvPr id="1" name=""/>
+        <p:cNvGrpSpPr/>
+        <p:nvPr/>
+      </p:nvGrpSpPr>
+      <p:grpSpPr>
+        <a:xfrm>
+          <a:off x="0" y="0"/>
+          <a:ext cx="0" cy="0"/>
+          <a:chOff x="0" y="0"/>
+          <a:chExt cx="0" cy="0"/>
+        </a:xfrm>
+      </p:grpSpPr>
+      <p:sp>
+        <p:nvSpPr>
+          <p:cNvPr id="12" name="Text Placeholder 11">
+            <a:extLst>
+              <a:ext uri="{FF2B5EF4-FFF2-40B4-BE49-F238E27FC236}">
+                <a16:creationId xmlns:a16="http://schemas.microsoft.com/office/drawing/2014/main" id="{7D7B05AE-F1D3-F246-917E-3A73DC6FD61B}"/>
+              </a:ext>
+            </a:extLst>
+          </p:cNvPr>
+          <p:cNvSpPr>
+            <a:spLocks noGrp="1"/>
+          </p:cNvSpPr>
+          <p:nvPr>
+            <p:ph type="body" sz="quarter" idx="10"/>
+          </p:nvPr>
+        </p:nvSpPr>
+        <p:spPr>
+          <a:xfrm>
+            <a:off x="677940" y="2941320"/>
+            <a:ext cx="2616200" cy="1296988"/>
+          </a:xfrm>
+        </p:spPr>
+        <p:txBody>
+          <a:bodyPr/>
+          <a:lstStyle/>
+          <a:p>
+            <a:r>
+              <a:rPr lang="en-US" dirty="0"/>
+              <a:t>- Ian Franklin</a:t>
+            </a:r>
+          </a:p>
+        </p:txBody>
+      </p:sp>
+      <p:sp>
+        <p:nvSpPr>
+          <p:cNvPr id="13" name="Text Placeholder 12">
+            <a:extLst>
+              <a:ext uri="{FF2B5EF4-FFF2-40B4-BE49-F238E27FC236}">
+                <a16:creationId xmlns:a16="http://schemas.microsoft.com/office/drawing/2014/main" id="{44E7CDFD-7790-A640-9ACB-9D9F14E11463}"/>
+              </a:ext>
+            </a:extLst>
+          </p:cNvPr>
+          <p:cNvSpPr>
+            <a:spLocks noGrp="1"/>
+          </p:cNvSpPr>
+          <p:nvPr>
+            <p:ph type="body" sz="quarter" idx="11"/>
+          </p:nvPr>
+        </p:nvSpPr>
+        <p:spPr>
+          <a:xfrm>
+            <a:off x="4468569" y="2941320"/>
+            <a:ext cx="2616200" cy="1296988"/>
+          </a:xfrm>
+        </p:spPr>
+        <p:txBody>
+          <a:bodyPr/>
+          <a:lstStyle/>
+          <a:p>
+            <a:r>
+              <a:rPr lang="en-US" dirty="0"/>
+              <a:t>On how data can be used in the movie industry.</a:t>
+            </a:r>
+          </a:p>
+        </p:txBody>
+      </p:sp>
+      <p:sp>
+        <p:nvSpPr>
+          <p:cNvPr id="17" name="Text Placeholder 16">
+            <a:extLst>
+              <a:ext uri="{FF2B5EF4-FFF2-40B4-BE49-F238E27FC236}">
+                <a16:creationId xmlns:a16="http://schemas.microsoft.com/office/drawing/2014/main" id="{8159C9F5-3197-0445-A08E-D2D4FA7B6EEB}"/>
+              </a:ext>
+            </a:extLst>
+          </p:cNvPr>
+          <p:cNvSpPr>
+            <a:spLocks noGrp="1"/>
+          </p:cNvSpPr>
+          <p:nvPr>
+            <p:ph type="body" sz="quarter" idx="12"/>
+          </p:nvPr>
+        </p:nvSpPr>
+        <p:spPr>
+          <a:xfrm>
+            <a:off x="678403" y="2415382"/>
+            <a:ext cx="2615737" cy="396557"/>
+          </a:xfrm>
+        </p:spPr>
+        <p:txBody>
+          <a:bodyPr/>
+          <a:lstStyle/>
+          <a:p>
+            <a:r>
+              <a:rPr lang="en-US" dirty="0"/>
+              <a:t>Team Jupiter </a:t>
+            </a:r>
+          </a:p>
+        </p:txBody>
+      </p:sp>
+      <p:sp>
+        <p:nvSpPr>
+          <p:cNvPr id="18" name="Text Placeholder 17">
+            <a:extLst>
+              <a:ext uri="{FF2B5EF4-FFF2-40B4-BE49-F238E27FC236}">
+                <a16:creationId xmlns:a16="http://schemas.microsoft.com/office/drawing/2014/main" id="{E27F62D6-4966-064C-9DBA-65E5B2A7476D}"/>
+              </a:ext>
+            </a:extLst>
+          </p:cNvPr>
+          <p:cNvSpPr>
+            <a:spLocks noGrp="1"/>
+          </p:cNvSpPr>
+          <p:nvPr>
+            <p:ph type="body" sz="quarter" idx="13"/>
+          </p:nvPr>
+        </p:nvSpPr>
+        <p:spPr>
+          <a:xfrm>
+            <a:off x="3886200" y="2286001"/>
+            <a:ext cx="3207797" cy="655320"/>
+          </a:xfrm>
+        </p:spPr>
+        <p:txBody>
+          <a:bodyPr/>
+          <a:lstStyle/>
+          <a:p>
+            <a:r>
+              <a:rPr lang="en-US" dirty="0"/>
+              <a:t>A Quick Look Back</a:t>
+            </a:r>
+          </a:p>
+        </p:txBody>
+      </p:sp>
+      <p:sp>
+        <p:nvSpPr>
+          <p:cNvPr id="20" name="Title">
+            <a:extLst>
+              <a:ext uri="{FF2B5EF4-FFF2-40B4-BE49-F238E27FC236}">
+                <a16:creationId xmlns:a16="http://schemas.microsoft.com/office/drawing/2014/main" id="{9171DEF7-A61D-CC4C-A663-F3A746DA9307}"/>
+              </a:ext>
+            </a:extLst>
+          </p:cNvPr>
+          <p:cNvSpPr>
+            <a:spLocks noGrp="1"/>
+          </p:cNvSpPr>
+          <p:nvPr>
+            <p:ph type="body" sz="quarter" idx="15"/>
+          </p:nvPr>
+        </p:nvSpPr>
+        <p:spPr>
+          <a:xfrm>
+            <a:off x="1415845" y="9524683"/>
+            <a:ext cx="4955458" cy="396557"/>
+          </a:xfrm>
+        </p:spPr>
+        <p:txBody>
+          <a:bodyPr/>
+          <a:lstStyle/>
+          <a:p>
+            <a:r>
+              <a:rPr lang="en-US" dirty="0"/>
+              <a:t>Greensboro College – Data Science Program</a:t>
+            </a:r>
+          </a:p>
+        </p:txBody>
+      </p:sp>
+      <p:sp>
+        <p:nvSpPr>
+          <p:cNvPr id="4" name="Text Placeholder 3">
+            <a:extLst>
+              <a:ext uri="{FF2B5EF4-FFF2-40B4-BE49-F238E27FC236}">
+                <a16:creationId xmlns:a16="http://schemas.microsoft.com/office/drawing/2014/main" id="{2A3EF717-1FB0-914E-938F-9A05A994C939}"/>
+              </a:ext>
+            </a:extLst>
+          </p:cNvPr>
+          <p:cNvSpPr>
+            <a:spLocks noGrp="1"/>
+          </p:cNvSpPr>
+          <p:nvPr>
+            <p:ph type="body" sz="quarter" idx="16"/>
+          </p:nvPr>
+        </p:nvSpPr>
+        <p:spPr/>
+        <p:txBody>
+          <a:bodyPr/>
+          <a:lstStyle/>
+          <a:p>
+            <a:r>
+              <a:rPr lang="en-US" dirty="0"/>
+              <a:t>May 2023</a:t>
+            </a:r>
+          </a:p>
+        </p:txBody>
+      </p:sp>
+      <p:sp>
+        <p:nvSpPr>
+          <p:cNvPr id="22" name="Title 21">
+            <a:extLst>
+              <a:ext uri="{FF2B5EF4-FFF2-40B4-BE49-F238E27FC236}">
+                <a16:creationId xmlns:a16="http://schemas.microsoft.com/office/drawing/2014/main" id="{63144A03-4F69-4BAE-B210-2CAB9F69C35D}"/>
+              </a:ext>
+            </a:extLst>
+          </p:cNvPr>
+          <p:cNvSpPr>
+            <a:spLocks noGrp="1"/>
+          </p:cNvSpPr>
+          <p:nvPr>
+            <p:ph type="title"/>
+          </p:nvPr>
+        </p:nvSpPr>
+        <p:spPr/>
+        <p:txBody>
+          <a:bodyPr/>
+          <a:lstStyle/>
+          <a:p>
+            <a:pPr algn="ctr"/>
+            <a:r>
+              <a:rPr lang="en-US" sz="6000" dirty="0">
+                <a:solidFill>
+                  <a:srgbClr val="FF0000"/>
+                </a:solidFill>
+              </a:rPr>
+              <a:t>Questions</a:t>
+            </a:r>
+          </a:p>
+        </p:txBody>
+      </p:sp>
+    </p:spTree>
+    <p:extLst>
+      <p:ext uri="{BB962C8B-B14F-4D97-AF65-F5344CB8AC3E}">
+        <p14:creationId xmlns:p14="http://schemas.microsoft.com/office/powerpoint/2010/main" val="2543552930"/>
       </p:ext>
     </p:extLst>
   </p:cSld>
@@ -7517,6 +9579,376 @@
       </p:grpSpPr>
       <p:sp>
         <p:nvSpPr>
+          <p:cNvPr id="4" name="Text Placeholder 3">
+            <a:extLst>
+              <a:ext uri="{FF2B5EF4-FFF2-40B4-BE49-F238E27FC236}">
+                <a16:creationId xmlns:a16="http://schemas.microsoft.com/office/drawing/2014/main" id="{D0F7DDBF-002C-8A42-B3E2-F027F96131A1}"/>
+              </a:ext>
+            </a:extLst>
+          </p:cNvPr>
+          <p:cNvSpPr>
+            <a:spLocks noGrp="1"/>
+          </p:cNvSpPr>
+          <p:nvPr>
+            <p:ph type="body" sz="quarter" idx="12"/>
+          </p:nvPr>
+        </p:nvSpPr>
+        <p:spPr>
+          <a:xfrm>
+            <a:off x="678403" y="2346483"/>
+            <a:ext cx="2615737" cy="396557"/>
+          </a:xfrm>
+        </p:spPr>
+        <p:txBody>
+          <a:bodyPr/>
+          <a:lstStyle/>
+          <a:p>
+            <a:r>
+              <a:rPr lang="en-US" dirty="0">
+                <a:solidFill>
+                  <a:schemeClr val="accent6"/>
+                </a:solidFill>
+                <a:latin typeface="+mn-lt"/>
+              </a:rPr>
+              <a:t>Biography</a:t>
+            </a:r>
+          </a:p>
+        </p:txBody>
+      </p:sp>
+      <p:sp>
+        <p:nvSpPr>
+          <p:cNvPr id="5" name="Text Placeholder 4">
+            <a:extLst>
+              <a:ext uri="{FF2B5EF4-FFF2-40B4-BE49-F238E27FC236}">
+                <a16:creationId xmlns:a16="http://schemas.microsoft.com/office/drawing/2014/main" id="{EADB5102-EC7F-7D40-B13A-7F95B72A44B3}"/>
+              </a:ext>
+            </a:extLst>
+          </p:cNvPr>
+          <p:cNvSpPr>
+            <a:spLocks noGrp="1"/>
+          </p:cNvSpPr>
+          <p:nvPr>
+            <p:ph type="body" sz="quarter" idx="13"/>
+          </p:nvPr>
+        </p:nvSpPr>
+        <p:spPr>
+          <a:xfrm>
+            <a:off x="4479418" y="2346482"/>
+            <a:ext cx="2615737" cy="396557"/>
+          </a:xfrm>
+        </p:spPr>
+        <p:txBody>
+          <a:bodyPr/>
+          <a:lstStyle/>
+          <a:p>
+            <a:r>
+              <a:rPr lang="en-US" dirty="0">
+                <a:solidFill>
+                  <a:schemeClr val="accent6"/>
+                </a:solidFill>
+                <a:latin typeface="+mn-lt"/>
+              </a:rPr>
+              <a:t>Background</a:t>
+            </a:r>
+          </a:p>
+          <a:p>
+            <a:endParaRPr lang="en-US" dirty="0"/>
+          </a:p>
+        </p:txBody>
+      </p:sp>
+      <p:sp>
+        <p:nvSpPr>
+          <p:cNvPr id="6" name="Text Placeholder 5">
+            <a:extLst>
+              <a:ext uri="{FF2B5EF4-FFF2-40B4-BE49-F238E27FC236}">
+                <a16:creationId xmlns:a16="http://schemas.microsoft.com/office/drawing/2014/main" id="{C727D9F9-2C8E-6341-89DA-0014AD82B52D}"/>
+              </a:ext>
+            </a:extLst>
+          </p:cNvPr>
+          <p:cNvSpPr>
+            <a:spLocks noGrp="1"/>
+          </p:cNvSpPr>
+          <p:nvPr>
+            <p:ph type="body" sz="quarter" idx="15"/>
+          </p:nvPr>
+        </p:nvSpPr>
+        <p:spPr/>
+        <p:txBody>
+          <a:bodyPr/>
+          <a:lstStyle/>
+          <a:p>
+            <a:r>
+              <a:rPr lang="en-US" dirty="0">
+                <a:latin typeface="+mn-lt"/>
+              </a:rPr>
+              <a:t>github.com/IanFranklin</a:t>
+            </a:r>
+          </a:p>
+        </p:txBody>
+      </p:sp>
+      <p:sp>
+        <p:nvSpPr>
+          <p:cNvPr id="7" name="Text Placeholder 6">
+            <a:extLst>
+              <a:ext uri="{FF2B5EF4-FFF2-40B4-BE49-F238E27FC236}">
+                <a16:creationId xmlns:a16="http://schemas.microsoft.com/office/drawing/2014/main" id="{224F4421-C950-7F4C-943D-BF962C7E9A71}"/>
+              </a:ext>
+            </a:extLst>
+          </p:cNvPr>
+          <p:cNvSpPr>
+            <a:spLocks noGrp="1"/>
+          </p:cNvSpPr>
+          <p:nvPr>
+            <p:ph type="body" sz="quarter" idx="16"/>
+          </p:nvPr>
+        </p:nvSpPr>
+        <p:spPr/>
+        <p:txBody>
+          <a:bodyPr/>
+          <a:lstStyle/>
+          <a:p>
+            <a:r>
+              <a:rPr lang="en-US" dirty="0">
+                <a:solidFill>
+                  <a:schemeClr val="accent6"/>
+                </a:solidFill>
+                <a:latin typeface="+mn-lt"/>
+              </a:rPr>
+              <a:t>Team Jupiter</a:t>
+            </a:r>
+          </a:p>
+        </p:txBody>
+      </p:sp>
+      <p:sp>
+        <p:nvSpPr>
+          <p:cNvPr id="8" name="Title 7">
+            <a:extLst>
+              <a:ext uri="{FF2B5EF4-FFF2-40B4-BE49-F238E27FC236}">
+                <a16:creationId xmlns:a16="http://schemas.microsoft.com/office/drawing/2014/main" id="{962EE544-930F-B84B-9BCD-77AD4DC7A7AB}"/>
+              </a:ext>
+            </a:extLst>
+          </p:cNvPr>
+          <p:cNvSpPr>
+            <a:spLocks noGrp="1"/>
+          </p:cNvSpPr>
+          <p:nvPr>
+            <p:ph type="title"/>
+          </p:nvPr>
+        </p:nvSpPr>
+        <p:spPr>
+          <a:xfrm>
+            <a:off x="687631" y="963487"/>
+            <a:ext cx="6499382" cy="792162"/>
+          </a:xfrm>
+        </p:spPr>
+        <p:txBody>
+          <a:bodyPr/>
+          <a:lstStyle/>
+          <a:p>
+            <a:pPr algn="ctr"/>
+            <a:r>
+              <a:rPr lang="en-US" sz="6000" dirty="0">
+                <a:solidFill>
+                  <a:srgbClr val="FF0000"/>
+                </a:solidFill>
+              </a:rPr>
+              <a:t>Ian franklin</a:t>
+            </a:r>
+          </a:p>
+        </p:txBody>
+      </p:sp>
+      <p:grpSp>
+        <p:nvGrpSpPr>
+          <p:cNvPr id="11" name="Group 10">
+            <a:extLst>
+              <a:ext uri="{FF2B5EF4-FFF2-40B4-BE49-F238E27FC236}">
+                <a16:creationId xmlns:a16="http://schemas.microsoft.com/office/drawing/2014/main" id="{37554A45-FB00-B1A4-0481-FDBCCA53242C}"/>
+              </a:ext>
+            </a:extLst>
+          </p:cNvPr>
+          <p:cNvGrpSpPr/>
+          <p:nvPr/>
+        </p:nvGrpSpPr>
+        <p:grpSpPr>
+          <a:xfrm>
+            <a:off x="412515" y="4397993"/>
+            <a:ext cx="7083294" cy="179679"/>
+            <a:chOff x="412515" y="4397993"/>
+            <a:chExt cx="7083294" cy="179679"/>
+          </a:xfrm>
+        </p:grpSpPr>
+        <p:sp>
+          <p:nvSpPr>
+            <p:cNvPr id="9" name="Rectangle 8">
+              <a:extLst>
+                <a:ext uri="{FF2B5EF4-FFF2-40B4-BE49-F238E27FC236}">
+                  <a16:creationId xmlns:a16="http://schemas.microsoft.com/office/drawing/2014/main" id="{2FB05161-CB69-1C28-2958-9F313948512F}"/>
+                </a:ext>
+              </a:extLst>
+            </p:cNvPr>
+            <p:cNvSpPr/>
+            <p:nvPr/>
+          </p:nvSpPr>
+          <p:spPr>
+            <a:xfrm>
+              <a:off x="6095399" y="4397993"/>
+              <a:ext cx="1400410" cy="123567"/>
+            </a:xfrm>
+            <a:prstGeom prst="rect">
+              <a:avLst/>
+            </a:prstGeom>
+            <a:ln>
+              <a:noFill/>
+            </a:ln>
+          </p:spPr>
+          <p:style>
+            <a:lnRef idx="2">
+              <a:schemeClr val="dk1">
+                <a:shade val="50000"/>
+              </a:schemeClr>
+            </a:lnRef>
+            <a:fillRef idx="1">
+              <a:schemeClr val="dk1"/>
+            </a:fillRef>
+            <a:effectRef idx="0">
+              <a:schemeClr val="dk1"/>
+            </a:effectRef>
+            <a:fontRef idx="minor">
+              <a:schemeClr val="lt1"/>
+            </a:fontRef>
+          </p:style>
+          <p:txBody>
+            <a:bodyPr rtlCol="0" anchor="ctr"/>
+            <a:lstStyle/>
+            <a:p>
+              <a:pPr algn="ctr"/>
+              <a:endParaRPr lang="en-US" dirty="0"/>
+            </a:p>
+          </p:txBody>
+        </p:sp>
+        <p:sp>
+          <p:nvSpPr>
+            <p:cNvPr id="10" name="Rectangle 9">
+              <a:extLst>
+                <a:ext uri="{FF2B5EF4-FFF2-40B4-BE49-F238E27FC236}">
+                  <a16:creationId xmlns:a16="http://schemas.microsoft.com/office/drawing/2014/main" id="{91EF28B5-6F61-2EEA-0B12-49B1310D576C}"/>
+                </a:ext>
+              </a:extLst>
+            </p:cNvPr>
+            <p:cNvSpPr/>
+            <p:nvPr/>
+          </p:nvSpPr>
+          <p:spPr>
+            <a:xfrm>
+              <a:off x="412515" y="4454105"/>
+              <a:ext cx="1400410" cy="123567"/>
+            </a:xfrm>
+            <a:prstGeom prst="rect">
+              <a:avLst/>
+            </a:prstGeom>
+          </p:spPr>
+          <p:style>
+            <a:lnRef idx="2">
+              <a:schemeClr val="dk1">
+                <a:shade val="50000"/>
+              </a:schemeClr>
+            </a:lnRef>
+            <a:fillRef idx="1">
+              <a:schemeClr val="dk1"/>
+            </a:fillRef>
+            <a:effectRef idx="0">
+              <a:schemeClr val="dk1"/>
+            </a:effectRef>
+            <a:fontRef idx="minor">
+              <a:schemeClr val="lt1"/>
+            </a:fontRef>
+          </p:style>
+          <p:txBody>
+            <a:bodyPr rtlCol="0" anchor="ctr"/>
+            <a:lstStyle/>
+            <a:p>
+              <a:pPr algn="ctr"/>
+              <a:endParaRPr lang="en-US" dirty="0"/>
+            </a:p>
+          </p:txBody>
+        </p:sp>
+      </p:grpSp>
+      <p:sp>
+        <p:nvSpPr>
+          <p:cNvPr id="3" name="Text Placeholder 2">
+            <a:extLst>
+              <a:ext uri="{FF2B5EF4-FFF2-40B4-BE49-F238E27FC236}">
+                <a16:creationId xmlns:a16="http://schemas.microsoft.com/office/drawing/2014/main" id="{041CA2A1-9598-1D4C-B029-EAA6652D65A3}"/>
+              </a:ext>
+            </a:extLst>
+          </p:cNvPr>
+          <p:cNvSpPr>
+            <a:spLocks noGrp="1"/>
+          </p:cNvSpPr>
+          <p:nvPr>
+            <p:ph type="body" sz="quarter" idx="11"/>
+          </p:nvPr>
+        </p:nvSpPr>
+        <p:spPr>
+          <a:xfrm>
+            <a:off x="4085879" y="2830040"/>
+            <a:ext cx="3409930" cy="2063236"/>
+          </a:xfrm>
+        </p:spPr>
+        <p:txBody>
+          <a:bodyPr>
+            <a:noAutofit/>
+          </a:bodyPr>
+          <a:lstStyle/>
+          <a:p>
+            <a:pPr marL="285750" indent="-285750">
+              <a:buFont typeface="Wingdings" panose="05000000000000000000" pitchFamily="2" charset="2"/>
+              <a:buChar char="v"/>
+            </a:pPr>
+            <a:r>
+              <a:rPr lang="en-US" dirty="0">
+                <a:latin typeface="+mn-lt"/>
+              </a:rPr>
+              <a:t>Maricopa Community Colleges &amp; Greensboro College</a:t>
+            </a:r>
+          </a:p>
+          <a:p>
+            <a:pPr marL="285750" indent="-285750">
+              <a:buFont typeface="Wingdings" panose="05000000000000000000" pitchFamily="2" charset="2"/>
+              <a:buChar char="v"/>
+            </a:pPr>
+            <a:r>
+              <a:rPr lang="en-US" dirty="0">
+                <a:latin typeface="+mn-lt"/>
+              </a:rPr>
+              <a:t>Industry experience in Food, Labor, Manufacturing, Retail, Transportation, &amp; Sales</a:t>
+            </a:r>
+          </a:p>
+          <a:p>
+            <a:pPr marL="285750" indent="-285750">
+              <a:buFont typeface="Wingdings" panose="05000000000000000000" pitchFamily="2" charset="2"/>
+              <a:buChar char="v"/>
+            </a:pPr>
+            <a:r>
+              <a:rPr lang="en-US" dirty="0">
+                <a:latin typeface="+mn-lt"/>
+              </a:rPr>
+              <a:t>Entrepreneur</a:t>
+            </a:r>
+          </a:p>
+          <a:p>
+            <a:pPr marL="285750" indent="-285750">
+              <a:buFont typeface="Wingdings" panose="05000000000000000000" pitchFamily="2" charset="2"/>
+              <a:buChar char="v"/>
+            </a:pPr>
+            <a:endParaRPr lang="en-US" dirty="0">
+              <a:latin typeface="+mn-lt"/>
+            </a:endParaRPr>
+          </a:p>
+        </p:txBody>
+      </p:sp>
+      <p:sp>
+        <p:nvSpPr>
           <p:cNvPr id="2" name="Text Placeholder 1">
             <a:extLst>
               <a:ext uri="{FF2B5EF4-FFF2-40B4-BE49-F238E27FC236}">
@@ -7531,202 +9963,93 @@
             <p:ph type="body" sz="quarter" idx="10"/>
           </p:nvPr>
         </p:nvSpPr>
-        <p:spPr/>
-        <p:txBody>
-          <a:bodyPr/>
+        <p:spPr>
+          <a:xfrm>
+            <a:off x="678403" y="2898003"/>
+            <a:ext cx="3198569" cy="1538073"/>
+          </a:xfrm>
+        </p:spPr>
+        <p:txBody>
+          <a:bodyPr>
+            <a:normAutofit fontScale="85000" lnSpcReduction="20000"/>
+          </a:bodyPr>
           <a:lstStyle/>
           <a:p>
-            <a:r>
-              <a:rPr lang="en-US" dirty="0"/>
-              <a:t>Lorem ipsum dolor sit amet, consectetur adipiscing elit, sed do eiusmod Lorem ipsum dolor sit amet, consectetur adipiscing elit.</a:t>
-            </a:r>
-          </a:p>
-          <a:p>
-            <a:endParaRPr lang="en-US" dirty="0"/>
-          </a:p>
-        </p:txBody>
-      </p:sp>
-      <p:sp>
-        <p:nvSpPr>
-          <p:cNvPr id="3" name="Text Placeholder 2">
-            <a:extLst>
-              <a:ext uri="{FF2B5EF4-FFF2-40B4-BE49-F238E27FC236}">
-                <a16:creationId xmlns:a16="http://schemas.microsoft.com/office/drawing/2014/main" id="{041CA2A1-9598-1D4C-B029-EAA6652D65A3}"/>
-              </a:ext>
-            </a:extLst>
-          </p:cNvPr>
-          <p:cNvSpPr>
-            <a:spLocks noGrp="1"/>
-          </p:cNvSpPr>
-          <p:nvPr>
-            <p:ph type="body" sz="quarter" idx="11"/>
-          </p:nvPr>
-        </p:nvSpPr>
-        <p:spPr/>
-        <p:txBody>
-          <a:bodyPr/>
-          <a:lstStyle/>
-          <a:p>
-            <a:r>
-              <a:rPr lang="en-US" dirty="0"/>
-              <a:t>Lorem ipsum dolor sit amet, consectetur adipiscing elit, sed do eiusmod Lorem ipsum dolor sit amet, consectetur adipiscing elit.</a:t>
-            </a:r>
-          </a:p>
-          <a:p>
-            <a:endParaRPr lang="en-US" dirty="0"/>
-          </a:p>
-        </p:txBody>
-      </p:sp>
-      <p:sp>
-        <p:nvSpPr>
-          <p:cNvPr id="4" name="Text Placeholder 3">
-            <a:extLst>
-              <a:ext uri="{FF2B5EF4-FFF2-40B4-BE49-F238E27FC236}">
-                <a16:creationId xmlns:a16="http://schemas.microsoft.com/office/drawing/2014/main" id="{D0F7DDBF-002C-8A42-B3E2-F027F96131A1}"/>
-              </a:ext>
-            </a:extLst>
-          </p:cNvPr>
-          <p:cNvSpPr>
-            <a:spLocks noGrp="1"/>
-          </p:cNvSpPr>
-          <p:nvPr>
-            <p:ph type="body" sz="quarter" idx="12"/>
-          </p:nvPr>
-        </p:nvSpPr>
-        <p:spPr>
-          <a:xfrm>
-            <a:off x="687631" y="2544762"/>
-            <a:ext cx="2615737" cy="396557"/>
-          </a:xfrm>
-        </p:spPr>
-        <p:txBody>
-          <a:bodyPr/>
-          <a:lstStyle/>
-          <a:p>
-            <a:r>
-              <a:rPr lang="en-US" dirty="0"/>
-              <a:t>Biography</a:t>
-            </a:r>
-          </a:p>
-        </p:txBody>
-      </p:sp>
-      <p:sp>
-        <p:nvSpPr>
-          <p:cNvPr id="5" name="Text Placeholder 4">
-            <a:extLst>
-              <a:ext uri="{FF2B5EF4-FFF2-40B4-BE49-F238E27FC236}">
-                <a16:creationId xmlns:a16="http://schemas.microsoft.com/office/drawing/2014/main" id="{EADB5102-EC7F-7D40-B13A-7F95B72A44B3}"/>
-              </a:ext>
-            </a:extLst>
-          </p:cNvPr>
-          <p:cNvSpPr>
-            <a:spLocks noGrp="1"/>
-          </p:cNvSpPr>
-          <p:nvPr>
-            <p:ph type="body" sz="quarter" idx="13"/>
-          </p:nvPr>
-        </p:nvSpPr>
-        <p:spPr/>
-        <p:txBody>
-          <a:bodyPr/>
-          <a:lstStyle/>
-          <a:p>
-            <a:r>
-              <a:rPr lang="en-US" dirty="0"/>
-              <a:t>Background</a:t>
-            </a:r>
-          </a:p>
-          <a:p>
-            <a:endParaRPr lang="en-US" dirty="0"/>
-          </a:p>
-        </p:txBody>
-      </p:sp>
-      <p:sp>
-        <p:nvSpPr>
-          <p:cNvPr id="6" name="Text Placeholder 5">
-            <a:extLst>
-              <a:ext uri="{FF2B5EF4-FFF2-40B4-BE49-F238E27FC236}">
-                <a16:creationId xmlns:a16="http://schemas.microsoft.com/office/drawing/2014/main" id="{C727D9F9-2C8E-6341-89DA-0014AD82B52D}"/>
-              </a:ext>
-            </a:extLst>
-          </p:cNvPr>
-          <p:cNvSpPr>
-            <a:spLocks noGrp="1"/>
-          </p:cNvSpPr>
-          <p:nvPr>
-            <p:ph type="body" sz="quarter" idx="15"/>
-          </p:nvPr>
-        </p:nvSpPr>
-        <p:spPr/>
-        <p:txBody>
-          <a:bodyPr/>
-          <a:lstStyle/>
-          <a:p>
-            <a:r>
-              <a:rPr lang="en-US" dirty="0"/>
-              <a:t>MOVIES</a:t>
-            </a:r>
-          </a:p>
-        </p:txBody>
-      </p:sp>
-      <p:sp>
-        <p:nvSpPr>
-          <p:cNvPr id="7" name="Text Placeholder 6">
-            <a:extLst>
-              <a:ext uri="{FF2B5EF4-FFF2-40B4-BE49-F238E27FC236}">
-                <a16:creationId xmlns:a16="http://schemas.microsoft.com/office/drawing/2014/main" id="{224F4421-C950-7F4C-943D-BF962C7E9A71}"/>
-              </a:ext>
-            </a:extLst>
-          </p:cNvPr>
-          <p:cNvSpPr>
-            <a:spLocks noGrp="1"/>
-          </p:cNvSpPr>
-          <p:nvPr>
-            <p:ph type="body" sz="quarter" idx="16"/>
-          </p:nvPr>
-        </p:nvSpPr>
-        <p:spPr/>
-        <p:txBody>
-          <a:bodyPr/>
-          <a:lstStyle/>
-          <a:p>
-            <a:r>
-              <a:rPr lang="en-US" dirty="0"/>
-              <a:t>Team </a:t>
-            </a:r>
-            <a:r>
-              <a:rPr lang="en-US" dirty="0" err="1"/>
-              <a:t>jupiter</a:t>
-            </a:r>
-            <a:endParaRPr lang="en-US" dirty="0"/>
-          </a:p>
-        </p:txBody>
-      </p:sp>
-      <p:sp>
-        <p:nvSpPr>
-          <p:cNvPr id="8" name="Title 7">
-            <a:extLst>
-              <a:ext uri="{FF2B5EF4-FFF2-40B4-BE49-F238E27FC236}">
-                <a16:creationId xmlns:a16="http://schemas.microsoft.com/office/drawing/2014/main" id="{962EE544-930F-B84B-9BCD-77AD4DC7A7AB}"/>
-              </a:ext>
-            </a:extLst>
-          </p:cNvPr>
-          <p:cNvSpPr>
-            <a:spLocks noGrp="1"/>
-          </p:cNvSpPr>
-          <p:nvPr>
-            <p:ph type="title"/>
-          </p:nvPr>
-        </p:nvSpPr>
-        <p:spPr/>
-        <p:txBody>
-          <a:bodyPr/>
-          <a:lstStyle/>
-          <a:p>
-            <a:r>
-              <a:rPr lang="en-US" dirty="0"/>
-              <a:t>Ian franklin</a:t>
-            </a:r>
+            <a:pPr marL="285750" indent="-285750">
+              <a:lnSpc>
+                <a:spcPct val="100000"/>
+              </a:lnSpc>
+              <a:buFont typeface="Wingdings" panose="05000000000000000000" pitchFamily="2" charset="2"/>
+              <a:buChar char="v"/>
+            </a:pPr>
+            <a:r>
+              <a:rPr lang="en-US" dirty="0">
+                <a:latin typeface="+mn-lt"/>
+              </a:rPr>
+              <a:t>New father </a:t>
+            </a:r>
+          </a:p>
+          <a:p>
+            <a:pPr marL="285750" indent="-285750">
+              <a:lnSpc>
+                <a:spcPct val="100000"/>
+              </a:lnSpc>
+              <a:buFont typeface="Wingdings" panose="05000000000000000000" pitchFamily="2" charset="2"/>
+              <a:buChar char="v"/>
+            </a:pPr>
+            <a:r>
+              <a:rPr lang="en-US" dirty="0">
+                <a:latin typeface="+mn-lt"/>
+              </a:rPr>
+              <a:t>New Homeowner</a:t>
+            </a:r>
+          </a:p>
+          <a:p>
+            <a:pPr marL="285750" indent="-285750">
+              <a:lnSpc>
+                <a:spcPct val="100000"/>
+              </a:lnSpc>
+              <a:buFont typeface="Wingdings" panose="05000000000000000000" pitchFamily="2" charset="2"/>
+              <a:buChar char="v"/>
+            </a:pPr>
+            <a:r>
+              <a:rPr lang="en-US" dirty="0">
+                <a:latin typeface="+mn-lt"/>
+              </a:rPr>
+              <a:t>Moved across country in July ’22</a:t>
+            </a:r>
+          </a:p>
+          <a:p>
+            <a:pPr marL="285750" indent="-285750">
+              <a:lnSpc>
+                <a:spcPct val="100000"/>
+              </a:lnSpc>
+              <a:buFont typeface="Wingdings" panose="05000000000000000000" pitchFamily="2" charset="2"/>
+              <a:buChar char="v"/>
+            </a:pPr>
+            <a:r>
+              <a:rPr lang="en-US" dirty="0">
+                <a:latin typeface="+mn-lt"/>
+              </a:rPr>
+              <a:t>A learner, tinkerer, and curious cat</a:t>
+            </a:r>
+          </a:p>
+          <a:p>
+            <a:pPr marL="285750" indent="-285750">
+              <a:buFont typeface="Wingdings" panose="05000000000000000000" pitchFamily="2" charset="2"/>
+              <a:buChar char="v"/>
+            </a:pPr>
+            <a:r>
+              <a:rPr lang="en-US" dirty="0">
+                <a:latin typeface="+mn-lt"/>
+              </a:rPr>
+              <a:t>A reader and librarian without enough shelves</a:t>
+            </a:r>
+          </a:p>
+          <a:p>
+            <a:endParaRPr lang="en-US" dirty="0">
+              <a:latin typeface="+mn-lt"/>
+            </a:endParaRPr>
           </a:p>
         </p:txBody>
       </p:sp>
@@ -7760,12 +10083,131 @@
           <a:chExt cx="0" cy="0"/>
         </a:xfrm>
       </p:grpSpPr>
+      <p:grpSp>
+        <p:nvGrpSpPr>
+          <p:cNvPr id="13" name="Group 12">
+            <a:extLst>
+              <a:ext uri="{FF2B5EF4-FFF2-40B4-BE49-F238E27FC236}">
+                <a16:creationId xmlns:a16="http://schemas.microsoft.com/office/drawing/2014/main" id="{46CDAA8D-29BD-9760-6E4F-86D87B71746F}"/>
+              </a:ext>
+            </a:extLst>
+          </p:cNvPr>
+          <p:cNvGrpSpPr/>
+          <p:nvPr/>
+        </p:nvGrpSpPr>
+        <p:grpSpPr>
+          <a:xfrm>
+            <a:off x="677245" y="4398836"/>
+            <a:ext cx="6416752" cy="177113"/>
+            <a:chOff x="677245" y="4398836"/>
+            <a:chExt cx="6416752" cy="177113"/>
+          </a:xfrm>
+        </p:grpSpPr>
+        <p:sp>
+          <p:nvSpPr>
+            <p:cNvPr id="11" name="Rectangle 10">
+              <a:extLst>
+                <a:ext uri="{FF2B5EF4-FFF2-40B4-BE49-F238E27FC236}">
+                  <a16:creationId xmlns:a16="http://schemas.microsoft.com/office/drawing/2014/main" id="{E7617D3A-06B1-F837-35C4-82389FD2FA8E}"/>
+                </a:ext>
+              </a:extLst>
+            </p:cNvPr>
+            <p:cNvSpPr/>
+            <p:nvPr/>
+          </p:nvSpPr>
+          <p:spPr>
+            <a:xfrm>
+              <a:off x="677245" y="4398836"/>
+              <a:ext cx="929133" cy="148450"/>
+            </a:xfrm>
+            <a:prstGeom prst="rect">
+              <a:avLst/>
+            </a:prstGeom>
+            <a:ln>
+              <a:noFill/>
+            </a:ln>
+          </p:spPr>
+          <p:style>
+            <a:lnRef idx="2">
+              <a:schemeClr val="dk1">
+                <a:shade val="50000"/>
+              </a:schemeClr>
+            </a:lnRef>
+            <a:fillRef idx="1">
+              <a:schemeClr val="dk1"/>
+            </a:fillRef>
+            <a:effectRef idx="0">
+              <a:schemeClr val="dk1"/>
+            </a:effectRef>
+            <a:fontRef idx="minor">
+              <a:schemeClr val="lt1"/>
+            </a:fontRef>
+          </p:style>
+          <p:txBody>
+            <a:bodyPr rtlCol="0" anchor="ctr"/>
+            <a:lstStyle/>
+            <a:p>
+              <a:pPr algn="ctr"/>
+              <a:endParaRPr lang="en-US" dirty="0"/>
+            </a:p>
+          </p:txBody>
+        </p:sp>
+        <p:sp>
+          <p:nvSpPr>
+            <p:cNvPr id="12" name="Rectangle 11">
+              <a:extLst>
+                <a:ext uri="{FF2B5EF4-FFF2-40B4-BE49-F238E27FC236}">
+                  <a16:creationId xmlns:a16="http://schemas.microsoft.com/office/drawing/2014/main" id="{CAEA83B1-DCEF-8774-5A5B-F0E430E72643}"/>
+                </a:ext>
+              </a:extLst>
+            </p:cNvPr>
+            <p:cNvSpPr/>
+            <p:nvPr/>
+          </p:nvSpPr>
+          <p:spPr>
+            <a:xfrm>
+              <a:off x="6164864" y="4427499"/>
+              <a:ext cx="929133" cy="148450"/>
+            </a:xfrm>
+            <a:prstGeom prst="rect">
+              <a:avLst/>
+            </a:prstGeom>
+            <a:ln>
+              <a:noFill/>
+            </a:ln>
+          </p:spPr>
+          <p:style>
+            <a:lnRef idx="2">
+              <a:schemeClr val="dk1">
+                <a:shade val="50000"/>
+              </a:schemeClr>
+            </a:lnRef>
+            <a:fillRef idx="1">
+              <a:schemeClr val="dk1"/>
+            </a:fillRef>
+            <a:effectRef idx="0">
+              <a:schemeClr val="dk1"/>
+            </a:effectRef>
+            <a:fontRef idx="minor">
+              <a:schemeClr val="lt1"/>
+            </a:fontRef>
+          </p:style>
+          <p:txBody>
+            <a:bodyPr rtlCol="0" anchor="ctr"/>
+            <a:lstStyle/>
+            <a:p>
+              <a:pPr algn="ctr"/>
+              <a:endParaRPr lang="en-US" dirty="0"/>
+            </a:p>
+          </p:txBody>
+        </p:sp>
+      </p:grpSp>
       <p:sp>
         <p:nvSpPr>
           <p:cNvPr id="2" name="Text Placeholder 1">
             <a:extLst>
               <a:ext uri="{FF2B5EF4-FFF2-40B4-BE49-F238E27FC236}">
-                <a16:creationId xmlns:a16="http://schemas.microsoft.com/office/drawing/2014/main" id="{6AEA8D19-A16F-164D-AD78-93A2AB87E114}"/>
+                <a16:creationId xmlns:a16="http://schemas.microsoft.com/office/drawing/2014/main" id="{5365EAF3-759C-A949-B970-F44C78652977}"/>
               </a:ext>
             </a:extLst>
           </p:cNvPr>
@@ -7778,17 +10220,59 @@
         </p:nvSpPr>
         <p:spPr>
           <a:xfrm>
-            <a:off x="683091" y="2705771"/>
-            <a:ext cx="2616200" cy="1296988"/>
+            <a:off x="687631" y="4367419"/>
+            <a:ext cx="2616200" cy="3520518"/>
           </a:xfrm>
         </p:spPr>
         <p:txBody>
           <a:bodyPr/>
           <a:lstStyle/>
           <a:p>
-            <a:r>
-              <a:rPr lang="en-US" dirty="0"/>
-              <a:t>Lorem ipsum dolor sit amet, consectetur adipiscing elit, sed do eiusmod Lorem ipsum dolor sit amet, consectetur adipiscing elit.</a:t>
+            <a:pPr marL="285750" indent="-285750">
+              <a:buFont typeface="Wingdings" panose="05000000000000000000" pitchFamily="2" charset="2"/>
+              <a:buChar char="v"/>
+            </a:pPr>
+            <a:r>
+              <a:rPr lang="en-US" sz="1400" dirty="0">
+                <a:latin typeface="+mn-lt"/>
+              </a:rPr>
+              <a:t>According to the MPAA, in 2017 76% of people reported going to the movies at least once.</a:t>
+            </a:r>
+          </a:p>
+          <a:p>
+            <a:pPr marL="285750" indent="-285750">
+              <a:buFont typeface="Wingdings" panose="05000000000000000000" pitchFamily="2" charset="2"/>
+              <a:buChar char="v"/>
+            </a:pPr>
+            <a:r>
+              <a:rPr lang="en-US" sz="1400" dirty="0">
+                <a:latin typeface="+mn-lt"/>
+              </a:rPr>
+              <a:t>14% of American watch movies at the theaters once a month.</a:t>
+            </a:r>
+          </a:p>
+          <a:p>
+            <a:pPr marL="285750" indent="-285750">
+              <a:buFont typeface="Wingdings" panose="05000000000000000000" pitchFamily="2" charset="2"/>
+              <a:buChar char="v"/>
+            </a:pPr>
+            <a:r>
+              <a:rPr lang="en-US" sz="1400" dirty="0">
+                <a:latin typeface="+mn-lt"/>
+              </a:rPr>
+              <a:t>Hollywood provided $504 billion to the U.S. GDP before the pandemic. </a:t>
+            </a:r>
+          </a:p>
+          <a:p>
+            <a:pPr marL="285750" indent="-285750">
+              <a:buFont typeface="Wingdings" panose="05000000000000000000" pitchFamily="2" charset="2"/>
+              <a:buChar char="v"/>
+            </a:pPr>
+            <a:r>
+              <a:rPr lang="en-US" sz="1400" dirty="0">
+                <a:latin typeface="+mn-lt"/>
+              </a:rPr>
+              <a:t>The U.S. film industry has a net worth of around $91.83 billion.</a:t>
             </a:r>
           </a:p>
           <a:p>
@@ -7801,7 +10285,7 @@
           <p:cNvPr id="3" name="Text Placeholder 2">
             <a:extLst>
               <a:ext uri="{FF2B5EF4-FFF2-40B4-BE49-F238E27FC236}">
-                <a16:creationId xmlns:a16="http://schemas.microsoft.com/office/drawing/2014/main" id="{80E3D831-66E3-AF43-9613-E5B052F8D9C4}"/>
+                <a16:creationId xmlns:a16="http://schemas.microsoft.com/office/drawing/2014/main" id="{F7CC7CEE-321C-9C4C-AE98-D5C0B9FC38F4}"/>
               </a:ext>
             </a:extLst>
           </p:cNvPr>
@@ -7812,50 +10296,33 @@
             <p:ph type="body" sz="quarter" idx="11"/>
           </p:nvPr>
         </p:nvSpPr>
-        <p:spPr/>
+        <p:spPr>
+          <a:xfrm>
+            <a:off x="4468571" y="3707148"/>
+            <a:ext cx="2959813" cy="1296988"/>
+          </a:xfrm>
+        </p:spPr>
         <p:txBody>
           <a:bodyPr/>
           <a:lstStyle/>
           <a:p>
+            <a:pPr marL="285750" indent="-285750" algn="l">
+              <a:buFont typeface="Wingdings" panose="05000000000000000000" pitchFamily="2" charset="2"/>
+              <a:buChar char="v"/>
+            </a:pPr>
             <a:r>
               <a:rPr lang="en-US" dirty="0"/>
-              <a:t>Lorem ipsum dolor sit amet, consectetur adipiscing elit, sed do eiusmod Lorem ipsum dolor sit amet, consectetur adipiscing elit.</a:t>
-            </a:r>
-          </a:p>
-          <a:p>
-            <a:endParaRPr lang="en-US" dirty="0"/>
-          </a:p>
-        </p:txBody>
-      </p:sp>
-      <p:sp>
-        <p:nvSpPr>
-          <p:cNvPr id="4" name="Text Placeholder 3">
-            <a:extLst>
-              <a:ext uri="{FF2B5EF4-FFF2-40B4-BE49-F238E27FC236}">
-                <a16:creationId xmlns:a16="http://schemas.microsoft.com/office/drawing/2014/main" id="{30E2809E-BF67-6F46-940D-0EA90D4E1DFD}"/>
-              </a:ext>
-            </a:extLst>
-          </p:cNvPr>
-          <p:cNvSpPr>
-            <a:spLocks noGrp="1"/>
-          </p:cNvSpPr>
-          <p:nvPr>
-            <p:ph type="body" sz="quarter" idx="12"/>
-          </p:nvPr>
-        </p:nvSpPr>
-        <p:spPr>
-          <a:xfrm>
-            <a:off x="683091" y="2158876"/>
-            <a:ext cx="2738535" cy="792162"/>
-          </a:xfrm>
-        </p:spPr>
-        <p:txBody>
-          <a:bodyPr/>
-          <a:lstStyle/>
-          <a:p>
-            <a:r>
-              <a:rPr lang="en-US" sz="2000" dirty="0"/>
-              <a:t>Project Background</a:t>
+              <a:t> 19% of U.S. adults watch or stream movies every day.</a:t>
+            </a:r>
+          </a:p>
+          <a:p>
+            <a:pPr marL="285750" indent="-285750" algn="l">
+              <a:buFont typeface="Wingdings" panose="05000000000000000000" pitchFamily="2" charset="2"/>
+              <a:buChar char="v"/>
+            </a:pPr>
+            <a:r>
+              <a:rPr lang="en-US" dirty="0"/>
+              <a:t>26% state that they watch movies several times per week.</a:t>
             </a:r>
           </a:p>
         </p:txBody>
@@ -7865,7 +10332,7 @@
           <p:cNvPr id="5" name="Text Placeholder 4">
             <a:extLst>
               <a:ext uri="{FF2B5EF4-FFF2-40B4-BE49-F238E27FC236}">
-                <a16:creationId xmlns:a16="http://schemas.microsoft.com/office/drawing/2014/main" id="{6EED6964-EC4C-1C4C-96A1-7A2D2D4F184E}"/>
+                <a16:creationId xmlns:a16="http://schemas.microsoft.com/office/drawing/2014/main" id="{F098B7FF-D526-434D-900A-C245936A8F5A}"/>
               </a:ext>
             </a:extLst>
           </p:cNvPr>
@@ -7876,15 +10343,32 @@
             <p:ph type="body" sz="quarter" idx="13"/>
           </p:nvPr>
         </p:nvSpPr>
-        <p:spPr/>
+        <p:spPr>
+          <a:xfrm>
+            <a:off x="4478260" y="3267174"/>
+            <a:ext cx="2615737" cy="396557"/>
+          </a:xfrm>
+        </p:spPr>
         <p:txBody>
           <a:bodyPr/>
           <a:lstStyle/>
           <a:p>
-            <a:r>
-              <a:rPr lang="en-US" dirty="0"/>
-              <a:t>FEATURE TITLE</a:t>
-            </a:r>
+            <a:pPr algn="l"/>
+            <a:r>
+              <a:rPr lang="en-US" sz="2400" dirty="0">
+                <a:solidFill>
+                  <a:schemeClr val="accent6"/>
+                </a:solidFill>
+                <a:latin typeface="+mn-lt"/>
+              </a:rPr>
+              <a:t>Streaming</a:t>
+            </a:r>
+            <a:endParaRPr lang="en-US" dirty="0">
+              <a:solidFill>
+                <a:schemeClr val="accent6"/>
+              </a:solidFill>
+              <a:latin typeface="+mn-lt"/>
+            </a:endParaRPr>
           </a:p>
         </p:txBody>
       </p:sp>
@@ -7893,7 +10377,7 @@
           <p:cNvPr id="6" name="Text Placeholder 5">
             <a:extLst>
               <a:ext uri="{FF2B5EF4-FFF2-40B4-BE49-F238E27FC236}">
-                <a16:creationId xmlns:a16="http://schemas.microsoft.com/office/drawing/2014/main" id="{F66475D4-407F-B54B-ACC6-3C782B4B6DED}"/>
+                <a16:creationId xmlns:a16="http://schemas.microsoft.com/office/drawing/2014/main" id="{76FE1C0B-FF2B-8042-BCAA-611E0347C6CE}"/>
               </a:ext>
             </a:extLst>
           </p:cNvPr>
@@ -7910,8 +10394,10 @@
           <a:lstStyle/>
           <a:p>
             <a:r>
-              <a:rPr lang="en-US" dirty="0"/>
-              <a:t>Add A Footer</a:t>
+              <a:rPr lang="en-US" dirty="0">
+                <a:latin typeface="+mn-lt"/>
+              </a:rPr>
+              <a:t>github.com/IanFranklin</a:t>
             </a:r>
           </a:p>
         </p:txBody>
@@ -7921,7 +10407,7 @@
           <p:cNvPr id="7" name="Text Placeholder 6">
             <a:extLst>
               <a:ext uri="{FF2B5EF4-FFF2-40B4-BE49-F238E27FC236}">
-                <a16:creationId xmlns:a16="http://schemas.microsoft.com/office/drawing/2014/main" id="{71D7FEF1-5516-5F41-BA9D-7241957DA923}"/>
+                <a16:creationId xmlns:a16="http://schemas.microsoft.com/office/drawing/2014/main" id="{99B590BE-67D2-FF45-AB93-AC49F40EF4B6}"/>
               </a:ext>
             </a:extLst>
           </p:cNvPr>
@@ -7949,7 +10435,7 @@
           <p:cNvPr id="8" name="Title 7">
             <a:extLst>
               <a:ext uri="{FF2B5EF4-FFF2-40B4-BE49-F238E27FC236}">
-                <a16:creationId xmlns:a16="http://schemas.microsoft.com/office/drawing/2014/main" id="{3B50999C-688C-294B-A735-4312D1945B0E}"/>
+                <a16:creationId xmlns:a16="http://schemas.microsoft.com/office/drawing/2014/main" id="{B1C174B4-9A56-1846-8882-BEE04D940C8E}"/>
               </a:ext>
             </a:extLst>
           </p:cNvPr>
@@ -7965,22 +10451,479 @@
           <a:bodyPr/>
           <a:lstStyle/>
           <a:p>
-            <a:r>
-              <a:rPr lang="en-US" dirty="0"/>
-              <a:t>Movies </a:t>
-            </a:r>
-            <a:r>
-              <a:rPr lang="en-US" sz="2800" b="0" dirty="0"/>
+            <a:pPr algn="ctr"/>
+            <a:r>
+              <a:rPr lang="en-US" sz="6000" dirty="0">
+                <a:solidFill>
+                  <a:srgbClr val="FF0000"/>
+                </a:solidFill>
+              </a:rPr>
+              <a:t>Movies</a:t>
+            </a:r>
+            <a:r>
+              <a:rPr lang="en-US" dirty="0">
+                <a:solidFill>
+                  <a:srgbClr val="FF0000"/>
+                </a:solidFill>
+              </a:rPr>
+              <a:t> </a:t>
+            </a:r>
+            <a:r>
+              <a:rPr lang="en-US" sz="3600" b="0" dirty="0">
+                <a:solidFill>
+                  <a:srgbClr val="FF0000"/>
+                </a:solidFill>
+              </a:rPr>
               <a:t>BY THE NUMBERS</a:t>
             </a:r>
-            <a:endParaRPr lang="en-US" b="0" dirty="0"/>
+            <a:endParaRPr lang="en-US" sz="3600" dirty="0"/>
+          </a:p>
+        </p:txBody>
+      </p:sp>
+      <p:sp>
+        <p:nvSpPr>
+          <p:cNvPr id="14" name="Text Placeholder 4">
+            <a:extLst>
+              <a:ext uri="{FF2B5EF4-FFF2-40B4-BE49-F238E27FC236}">
+                <a16:creationId xmlns:a16="http://schemas.microsoft.com/office/drawing/2014/main" id="{B584F0AB-FA11-6478-EA56-101A13BB0B0A}"/>
+              </a:ext>
+            </a:extLst>
+          </p:cNvPr>
+          <p:cNvSpPr txBox="1">
+            <a:spLocks/>
+          </p:cNvSpPr>
+          <p:nvPr/>
+        </p:nvSpPr>
+        <p:spPr>
+          <a:xfrm>
+            <a:off x="677245" y="3938378"/>
+            <a:ext cx="2880463" cy="396557"/>
+          </a:xfrm>
+          <a:prstGeom prst="rect">
+            <a:avLst/>
+          </a:prstGeom>
+        </p:spPr>
+        <p:txBody>
+          <a:bodyPr lIns="0" rIns="0"/>
+          <a:lstStyle>
+            <a:lvl1pPr marL="0" indent="0" algn="r" defTabSz="777240" rtl="0" eaLnBrk="1" latinLnBrk="0" hangingPunct="1">
+              <a:lnSpc>
+                <a:spcPct val="90000"/>
+              </a:lnSpc>
+              <a:spcBef>
+                <a:spcPts val="850"/>
+              </a:spcBef>
+              <a:buFont typeface="Arial" panose="020B0604020202020204" pitchFamily="34" charset="0"/>
+              <a:buNone/>
+              <a:defRPr sz="2380" kern="1200">
+                <a:solidFill>
+                  <a:schemeClr val="bg1"/>
+                </a:solidFill>
+                <a:latin typeface="Century Gothic" panose="020B0502020202020204" pitchFamily="34" charset="0"/>
+                <a:ea typeface="+mn-ea"/>
+                <a:cs typeface="+mn-cs"/>
+              </a:defRPr>
+            </a:lvl1pPr>
+            <a:lvl2pPr marL="582930" indent="-194310" algn="l" defTabSz="777240" rtl="0" eaLnBrk="1" latinLnBrk="0" hangingPunct="1">
+              <a:lnSpc>
+                <a:spcPct val="90000"/>
+              </a:lnSpc>
+              <a:spcBef>
+                <a:spcPts val="425"/>
+              </a:spcBef>
+              <a:buFont typeface="Arial" panose="020B0604020202020204" pitchFamily="34" charset="0"/>
+              <a:buChar char="•"/>
+              <a:defRPr sz="2040" kern="1200">
+                <a:solidFill>
+                  <a:schemeClr val="accent6"/>
+                </a:solidFill>
+                <a:latin typeface="+mn-lt"/>
+                <a:ea typeface="+mn-ea"/>
+                <a:cs typeface="+mn-cs"/>
+              </a:defRPr>
+            </a:lvl2pPr>
+            <a:lvl3pPr marL="971550" indent="-194310" algn="l" defTabSz="777240" rtl="0" eaLnBrk="1" latinLnBrk="0" hangingPunct="1">
+              <a:lnSpc>
+                <a:spcPct val="90000"/>
+              </a:lnSpc>
+              <a:spcBef>
+                <a:spcPts val="425"/>
+              </a:spcBef>
+              <a:buFont typeface="Arial" panose="020B0604020202020204" pitchFamily="34" charset="0"/>
+              <a:buChar char="•"/>
+              <a:defRPr sz="1700" kern="1200">
+                <a:solidFill>
+                  <a:schemeClr val="accent6"/>
+                </a:solidFill>
+                <a:latin typeface="+mn-lt"/>
+                <a:ea typeface="+mn-ea"/>
+                <a:cs typeface="+mn-cs"/>
+              </a:defRPr>
+            </a:lvl3pPr>
+            <a:lvl4pPr marL="1360170" indent="-194310" algn="l" defTabSz="777240" rtl="0" eaLnBrk="1" latinLnBrk="0" hangingPunct="1">
+              <a:lnSpc>
+                <a:spcPct val="90000"/>
+              </a:lnSpc>
+              <a:spcBef>
+                <a:spcPts val="425"/>
+              </a:spcBef>
+              <a:buFont typeface="Arial" panose="020B0604020202020204" pitchFamily="34" charset="0"/>
+              <a:buChar char="•"/>
+              <a:defRPr sz="1530" kern="1200">
+                <a:solidFill>
+                  <a:schemeClr val="accent6"/>
+                </a:solidFill>
+                <a:latin typeface="+mn-lt"/>
+                <a:ea typeface="+mn-ea"/>
+                <a:cs typeface="+mn-cs"/>
+              </a:defRPr>
+            </a:lvl4pPr>
+            <a:lvl5pPr marL="1748790" indent="-194310" algn="l" defTabSz="777240" rtl="0" eaLnBrk="1" latinLnBrk="0" hangingPunct="1">
+              <a:lnSpc>
+                <a:spcPct val="90000"/>
+              </a:lnSpc>
+              <a:spcBef>
+                <a:spcPts val="425"/>
+              </a:spcBef>
+              <a:buFont typeface="Arial" panose="020B0604020202020204" pitchFamily="34" charset="0"/>
+              <a:buChar char="•"/>
+              <a:defRPr sz="1530" kern="1200">
+                <a:solidFill>
+                  <a:schemeClr val="accent6"/>
+                </a:solidFill>
+                <a:latin typeface="+mn-lt"/>
+                <a:ea typeface="+mn-ea"/>
+                <a:cs typeface="+mn-cs"/>
+              </a:defRPr>
+            </a:lvl5pPr>
+            <a:lvl6pPr marL="2137410" indent="-194310" algn="l" defTabSz="777240" rtl="0" eaLnBrk="1" latinLnBrk="0" hangingPunct="1">
+              <a:lnSpc>
+                <a:spcPct val="90000"/>
+              </a:lnSpc>
+              <a:spcBef>
+                <a:spcPts val="425"/>
+              </a:spcBef>
+              <a:buFont typeface="Arial" panose="020B0604020202020204" pitchFamily="34" charset="0"/>
+              <a:buChar char="•"/>
+              <a:defRPr sz="1530" kern="1200">
+                <a:solidFill>
+                  <a:schemeClr val="tx1"/>
+                </a:solidFill>
+                <a:latin typeface="+mn-lt"/>
+                <a:ea typeface="+mn-ea"/>
+                <a:cs typeface="+mn-cs"/>
+              </a:defRPr>
+            </a:lvl6pPr>
+            <a:lvl7pPr marL="2526030" indent="-194310" algn="l" defTabSz="777240" rtl="0" eaLnBrk="1" latinLnBrk="0" hangingPunct="1">
+              <a:lnSpc>
+                <a:spcPct val="90000"/>
+              </a:lnSpc>
+              <a:spcBef>
+                <a:spcPts val="425"/>
+              </a:spcBef>
+              <a:buFont typeface="Arial" panose="020B0604020202020204" pitchFamily="34" charset="0"/>
+              <a:buChar char="•"/>
+              <a:defRPr sz="1530" kern="1200">
+                <a:solidFill>
+                  <a:schemeClr val="tx1"/>
+                </a:solidFill>
+                <a:latin typeface="+mn-lt"/>
+                <a:ea typeface="+mn-ea"/>
+                <a:cs typeface="+mn-cs"/>
+              </a:defRPr>
+            </a:lvl7pPr>
+            <a:lvl8pPr marL="2914650" indent="-194310" algn="l" defTabSz="777240" rtl="0" eaLnBrk="1" latinLnBrk="0" hangingPunct="1">
+              <a:lnSpc>
+                <a:spcPct val="90000"/>
+              </a:lnSpc>
+              <a:spcBef>
+                <a:spcPts val="425"/>
+              </a:spcBef>
+              <a:buFont typeface="Arial" panose="020B0604020202020204" pitchFamily="34" charset="0"/>
+              <a:buChar char="•"/>
+              <a:defRPr sz="1530" kern="1200">
+                <a:solidFill>
+                  <a:schemeClr val="tx1"/>
+                </a:solidFill>
+                <a:latin typeface="+mn-lt"/>
+                <a:ea typeface="+mn-ea"/>
+                <a:cs typeface="+mn-cs"/>
+              </a:defRPr>
+            </a:lvl8pPr>
+            <a:lvl9pPr marL="3303270" indent="-194310" algn="l" defTabSz="777240" rtl="0" eaLnBrk="1" latinLnBrk="0" hangingPunct="1">
+              <a:lnSpc>
+                <a:spcPct val="90000"/>
+              </a:lnSpc>
+              <a:spcBef>
+                <a:spcPts val="425"/>
+              </a:spcBef>
+              <a:buFont typeface="Arial" panose="020B0604020202020204" pitchFamily="34" charset="0"/>
+              <a:buChar char="•"/>
+              <a:defRPr sz="1530" kern="1200">
+                <a:solidFill>
+                  <a:schemeClr val="tx1"/>
+                </a:solidFill>
+                <a:latin typeface="+mn-lt"/>
+                <a:ea typeface="+mn-ea"/>
+                <a:cs typeface="+mn-cs"/>
+              </a:defRPr>
+            </a:lvl9pPr>
+          </a:lstStyle>
+          <a:p>
+            <a:pPr algn="l"/>
+            <a:r>
+              <a:rPr lang="en-US" sz="2400" dirty="0">
+                <a:solidFill>
+                  <a:schemeClr val="accent6"/>
+                </a:solidFill>
+                <a:latin typeface="+mn-lt"/>
+              </a:rPr>
+              <a:t>Hollywood</a:t>
+            </a:r>
+          </a:p>
+        </p:txBody>
+      </p:sp>
+      <p:sp>
+        <p:nvSpPr>
+          <p:cNvPr id="15" name="Text Placeholder 2">
+            <a:extLst>
+              <a:ext uri="{FF2B5EF4-FFF2-40B4-BE49-F238E27FC236}">
+                <a16:creationId xmlns:a16="http://schemas.microsoft.com/office/drawing/2014/main" id="{8C8971AF-EB2D-C936-3553-A76D7DB1DDE7}"/>
+              </a:ext>
+            </a:extLst>
+          </p:cNvPr>
+          <p:cNvSpPr txBox="1">
+            <a:spLocks/>
+          </p:cNvSpPr>
+          <p:nvPr/>
+        </p:nvSpPr>
+        <p:spPr>
+          <a:xfrm>
+            <a:off x="366611" y="2237590"/>
+            <a:ext cx="3809973" cy="986166"/>
+          </a:xfrm>
+          <a:prstGeom prst="rect">
+            <a:avLst/>
+          </a:prstGeom>
+        </p:spPr>
+        <p:txBody>
+          <a:bodyPr lIns="0" rIns="0"/>
+          <a:lstStyle>
+            <a:lvl1pPr marL="0" indent="0" algn="r" defTabSz="777240" rtl="0" eaLnBrk="1" latinLnBrk="0" hangingPunct="1">
+              <a:lnSpc>
+                <a:spcPct val="110000"/>
+              </a:lnSpc>
+              <a:spcBef>
+                <a:spcPts val="850"/>
+              </a:spcBef>
+              <a:buFont typeface="Arial" panose="020B0604020202020204" pitchFamily="34" charset="0"/>
+              <a:buNone/>
+              <a:defRPr sz="1400" kern="1200">
+                <a:solidFill>
+                  <a:schemeClr val="bg1"/>
+                </a:solidFill>
+                <a:latin typeface="Century Gothic" panose="020B0502020202020204" pitchFamily="34" charset="0"/>
+                <a:ea typeface="+mn-ea"/>
+                <a:cs typeface="+mn-cs"/>
+              </a:defRPr>
+            </a:lvl1pPr>
+            <a:lvl2pPr marL="388620" indent="0" algn="r" defTabSz="777240" rtl="0" eaLnBrk="1" latinLnBrk="0" hangingPunct="1">
+              <a:lnSpc>
+                <a:spcPct val="90000"/>
+              </a:lnSpc>
+              <a:spcBef>
+                <a:spcPts val="425"/>
+              </a:spcBef>
+              <a:buFont typeface="Arial" panose="020B0604020202020204" pitchFamily="34" charset="0"/>
+              <a:buNone/>
+              <a:defRPr sz="1400" kern="1200">
+                <a:solidFill>
+                  <a:schemeClr val="bg1"/>
+                </a:solidFill>
+                <a:latin typeface="+mn-lt"/>
+                <a:ea typeface="+mn-ea"/>
+                <a:cs typeface="+mn-cs"/>
+              </a:defRPr>
+            </a:lvl2pPr>
+            <a:lvl3pPr marL="777240" indent="0" algn="r" defTabSz="777240" rtl="0" eaLnBrk="1" latinLnBrk="0" hangingPunct="1">
+              <a:lnSpc>
+                <a:spcPct val="90000"/>
+              </a:lnSpc>
+              <a:spcBef>
+                <a:spcPts val="425"/>
+              </a:spcBef>
+              <a:buFont typeface="Arial" panose="020B0604020202020204" pitchFamily="34" charset="0"/>
+              <a:buNone/>
+              <a:defRPr sz="1400" kern="1200">
+                <a:solidFill>
+                  <a:schemeClr val="bg1"/>
+                </a:solidFill>
+                <a:latin typeface="+mn-lt"/>
+                <a:ea typeface="+mn-ea"/>
+                <a:cs typeface="+mn-cs"/>
+              </a:defRPr>
+            </a:lvl3pPr>
+            <a:lvl4pPr marL="1165860" indent="0" algn="r" defTabSz="777240" rtl="0" eaLnBrk="1" latinLnBrk="0" hangingPunct="1">
+              <a:lnSpc>
+                <a:spcPct val="90000"/>
+              </a:lnSpc>
+              <a:spcBef>
+                <a:spcPts val="425"/>
+              </a:spcBef>
+              <a:buFont typeface="Arial" panose="020B0604020202020204" pitchFamily="34" charset="0"/>
+              <a:buNone/>
+              <a:defRPr sz="1400" kern="1200">
+                <a:solidFill>
+                  <a:schemeClr val="bg1"/>
+                </a:solidFill>
+                <a:latin typeface="+mn-lt"/>
+                <a:ea typeface="+mn-ea"/>
+                <a:cs typeface="+mn-cs"/>
+              </a:defRPr>
+            </a:lvl4pPr>
+            <a:lvl5pPr marL="1554480" indent="0" algn="r" defTabSz="777240" rtl="0" eaLnBrk="1" latinLnBrk="0" hangingPunct="1">
+              <a:lnSpc>
+                <a:spcPct val="90000"/>
+              </a:lnSpc>
+              <a:spcBef>
+                <a:spcPts val="425"/>
+              </a:spcBef>
+              <a:buFont typeface="Arial" panose="020B0604020202020204" pitchFamily="34" charset="0"/>
+              <a:buNone/>
+              <a:defRPr sz="1400" kern="1200">
+                <a:solidFill>
+                  <a:schemeClr val="bg1"/>
+                </a:solidFill>
+                <a:latin typeface="+mn-lt"/>
+                <a:ea typeface="+mn-ea"/>
+                <a:cs typeface="+mn-cs"/>
+              </a:defRPr>
+            </a:lvl5pPr>
+            <a:lvl6pPr marL="2137410" indent="-194310" algn="l" defTabSz="777240" rtl="0" eaLnBrk="1" latinLnBrk="0" hangingPunct="1">
+              <a:lnSpc>
+                <a:spcPct val="90000"/>
+              </a:lnSpc>
+              <a:spcBef>
+                <a:spcPts val="425"/>
+              </a:spcBef>
+              <a:buFont typeface="Arial" panose="020B0604020202020204" pitchFamily="34" charset="0"/>
+              <a:buChar char="•"/>
+              <a:defRPr sz="1530" kern="1200">
+                <a:solidFill>
+                  <a:schemeClr val="tx1"/>
+                </a:solidFill>
+                <a:latin typeface="+mn-lt"/>
+                <a:ea typeface="+mn-ea"/>
+                <a:cs typeface="+mn-cs"/>
+              </a:defRPr>
+            </a:lvl6pPr>
+            <a:lvl7pPr marL="2526030" indent="-194310" algn="l" defTabSz="777240" rtl="0" eaLnBrk="1" latinLnBrk="0" hangingPunct="1">
+              <a:lnSpc>
+                <a:spcPct val="90000"/>
+              </a:lnSpc>
+              <a:spcBef>
+                <a:spcPts val="425"/>
+              </a:spcBef>
+              <a:buFont typeface="Arial" panose="020B0604020202020204" pitchFamily="34" charset="0"/>
+              <a:buChar char="•"/>
+              <a:defRPr sz="1530" kern="1200">
+                <a:solidFill>
+                  <a:schemeClr val="tx1"/>
+                </a:solidFill>
+                <a:latin typeface="+mn-lt"/>
+                <a:ea typeface="+mn-ea"/>
+                <a:cs typeface="+mn-cs"/>
+              </a:defRPr>
+            </a:lvl7pPr>
+            <a:lvl8pPr marL="2914650" indent="-194310" algn="l" defTabSz="777240" rtl="0" eaLnBrk="1" latinLnBrk="0" hangingPunct="1">
+              <a:lnSpc>
+                <a:spcPct val="90000"/>
+              </a:lnSpc>
+              <a:spcBef>
+                <a:spcPts val="425"/>
+              </a:spcBef>
+              <a:buFont typeface="Arial" panose="020B0604020202020204" pitchFamily="34" charset="0"/>
+              <a:buChar char="•"/>
+              <a:defRPr sz="1530" kern="1200">
+                <a:solidFill>
+                  <a:schemeClr val="tx1"/>
+                </a:solidFill>
+                <a:latin typeface="+mn-lt"/>
+                <a:ea typeface="+mn-ea"/>
+                <a:cs typeface="+mn-cs"/>
+              </a:defRPr>
+            </a:lvl8pPr>
+            <a:lvl9pPr marL="3303270" indent="-194310" algn="l" defTabSz="777240" rtl="0" eaLnBrk="1" latinLnBrk="0" hangingPunct="1">
+              <a:lnSpc>
+                <a:spcPct val="90000"/>
+              </a:lnSpc>
+              <a:spcBef>
+                <a:spcPts val="425"/>
+              </a:spcBef>
+              <a:buFont typeface="Arial" panose="020B0604020202020204" pitchFamily="34" charset="0"/>
+              <a:buChar char="•"/>
+              <a:defRPr sz="1530" kern="1200">
+                <a:solidFill>
+                  <a:schemeClr val="tx1"/>
+                </a:solidFill>
+                <a:latin typeface="+mn-lt"/>
+                <a:ea typeface="+mn-ea"/>
+                <a:cs typeface="+mn-cs"/>
+              </a:defRPr>
+            </a:lvl9pPr>
+          </a:lstStyle>
+          <a:p>
+            <a:pPr algn="l"/>
+            <a:r>
+              <a:rPr lang="en-US" sz="1600" dirty="0">
+                <a:latin typeface="+mn-lt"/>
+              </a:rPr>
+              <a:t>Hollywood provided </a:t>
+            </a:r>
+            <a:r>
+              <a:rPr lang="en-US" sz="1600" dirty="0">
+                <a:solidFill>
+                  <a:schemeClr val="accent6"/>
+                </a:solidFill>
+                <a:latin typeface="+mn-lt"/>
+              </a:rPr>
+              <a:t>$504 billion </a:t>
+            </a:r>
+            <a:r>
+              <a:rPr lang="en-US" sz="1600" dirty="0">
+                <a:latin typeface="+mn-lt"/>
+              </a:rPr>
+              <a:t>to the U.S. GDP before the pandemic period. </a:t>
+            </a:r>
+          </a:p>
+          <a:p>
+            <a:pPr algn="l"/>
+            <a:r>
+              <a:rPr lang="en-US" sz="1600" dirty="0">
+                <a:latin typeface="+mn-lt"/>
+              </a:rPr>
+              <a:t>The U.S. film industry has a net worth of around </a:t>
+            </a:r>
+            <a:r>
+              <a:rPr lang="en-US" sz="1600" dirty="0">
+                <a:solidFill>
+                  <a:schemeClr val="accent6"/>
+                </a:solidFill>
+                <a:latin typeface="+mn-lt"/>
+              </a:rPr>
+              <a:t>$91.83 billion</a:t>
+            </a:r>
+            <a:r>
+              <a:rPr lang="en-US" sz="1600" dirty="0"/>
+              <a:t>.</a:t>
+            </a:r>
           </a:p>
         </p:txBody>
       </p:sp>
     </p:spTree>
     <p:extLst>
       <p:ext uri="{BB962C8B-B14F-4D97-AF65-F5344CB8AC3E}">
-        <p14:creationId xmlns:p14="http://schemas.microsoft.com/office/powerpoint/2010/main" val="1402331508"/>
+        <p14:creationId xmlns:p14="http://schemas.microsoft.com/office/powerpoint/2010/main" val="1601016127"/>
       </p:ext>
     </p:extLst>
   </p:cSld>
@@ -8007,6 +10950,125 @@
           <a:chExt cx="0" cy="0"/>
         </a:xfrm>
       </p:grpSpPr>
+      <p:grpSp>
+        <p:nvGrpSpPr>
+          <p:cNvPr id="13" name="Group 12">
+            <a:extLst>
+              <a:ext uri="{FF2B5EF4-FFF2-40B4-BE49-F238E27FC236}">
+                <a16:creationId xmlns:a16="http://schemas.microsoft.com/office/drawing/2014/main" id="{46CDAA8D-29BD-9760-6E4F-86D87B71746F}"/>
+              </a:ext>
+            </a:extLst>
+          </p:cNvPr>
+          <p:cNvGrpSpPr/>
+          <p:nvPr/>
+        </p:nvGrpSpPr>
+        <p:grpSpPr>
+          <a:xfrm>
+            <a:off x="677245" y="4398836"/>
+            <a:ext cx="6416752" cy="177113"/>
+            <a:chOff x="677245" y="4398836"/>
+            <a:chExt cx="6416752" cy="177113"/>
+          </a:xfrm>
+        </p:grpSpPr>
+        <p:sp>
+          <p:nvSpPr>
+            <p:cNvPr id="11" name="Rectangle 10">
+              <a:extLst>
+                <a:ext uri="{FF2B5EF4-FFF2-40B4-BE49-F238E27FC236}">
+                  <a16:creationId xmlns:a16="http://schemas.microsoft.com/office/drawing/2014/main" id="{E7617D3A-06B1-F837-35C4-82389FD2FA8E}"/>
+                </a:ext>
+              </a:extLst>
+            </p:cNvPr>
+            <p:cNvSpPr/>
+            <p:nvPr/>
+          </p:nvSpPr>
+          <p:spPr>
+            <a:xfrm>
+              <a:off x="677245" y="4398836"/>
+              <a:ext cx="929133" cy="148450"/>
+            </a:xfrm>
+            <a:prstGeom prst="rect">
+              <a:avLst/>
+            </a:prstGeom>
+            <a:ln>
+              <a:noFill/>
+            </a:ln>
+          </p:spPr>
+          <p:style>
+            <a:lnRef idx="2">
+              <a:schemeClr val="dk1">
+                <a:shade val="50000"/>
+              </a:schemeClr>
+            </a:lnRef>
+            <a:fillRef idx="1">
+              <a:schemeClr val="dk1"/>
+            </a:fillRef>
+            <a:effectRef idx="0">
+              <a:schemeClr val="dk1"/>
+            </a:effectRef>
+            <a:fontRef idx="minor">
+              <a:schemeClr val="lt1"/>
+            </a:fontRef>
+          </p:style>
+          <p:txBody>
+            <a:bodyPr rtlCol="0" anchor="ctr"/>
+            <a:lstStyle/>
+            <a:p>
+              <a:pPr algn="ctr"/>
+              <a:endParaRPr lang="en-US" dirty="0"/>
+            </a:p>
+          </p:txBody>
+        </p:sp>
+        <p:sp>
+          <p:nvSpPr>
+            <p:cNvPr id="12" name="Rectangle 11">
+              <a:extLst>
+                <a:ext uri="{FF2B5EF4-FFF2-40B4-BE49-F238E27FC236}">
+                  <a16:creationId xmlns:a16="http://schemas.microsoft.com/office/drawing/2014/main" id="{CAEA83B1-DCEF-8774-5A5B-F0E430E72643}"/>
+                </a:ext>
+              </a:extLst>
+            </p:cNvPr>
+            <p:cNvSpPr/>
+            <p:nvPr/>
+          </p:nvSpPr>
+          <p:spPr>
+            <a:xfrm>
+              <a:off x="6164864" y="4427499"/>
+              <a:ext cx="929133" cy="148450"/>
+            </a:xfrm>
+            <a:prstGeom prst="rect">
+              <a:avLst/>
+            </a:prstGeom>
+            <a:ln>
+              <a:noFill/>
+            </a:ln>
+          </p:spPr>
+          <p:style>
+            <a:lnRef idx="2">
+              <a:schemeClr val="dk1">
+                <a:shade val="50000"/>
+              </a:schemeClr>
+            </a:lnRef>
+            <a:fillRef idx="1">
+              <a:schemeClr val="dk1"/>
+            </a:fillRef>
+            <a:effectRef idx="0">
+              <a:schemeClr val="dk1"/>
+            </a:effectRef>
+            <a:fontRef idx="minor">
+              <a:schemeClr val="lt1"/>
+            </a:fontRef>
+          </p:style>
+          <p:txBody>
+            <a:bodyPr rtlCol="0" anchor="ctr"/>
+            <a:lstStyle/>
+            <a:p>
+              <a:pPr algn="ctr"/>
+              <a:endParaRPr lang="en-US" dirty="0"/>
+            </a:p>
+          </p:txBody>
+        </p:sp>
+      </p:grpSp>
       <p:sp>
         <p:nvSpPr>
           <p:cNvPr id="2" name="Text Placeholder 1">
@@ -8023,17 +11085,22 @@
             <p:ph type="body" sz="quarter" idx="10"/>
           </p:nvPr>
         </p:nvSpPr>
-        <p:spPr/>
+        <p:spPr>
+          <a:xfrm>
+            <a:off x="677245" y="2712802"/>
+            <a:ext cx="2616200" cy="3520518"/>
+          </a:xfrm>
+        </p:spPr>
         <p:txBody>
           <a:bodyPr/>
           <a:lstStyle/>
           <a:p>
             <a:r>
-              <a:rPr lang="en-US" dirty="0"/>
-              <a:t>Lorem ipsum dolor sit amet, consectetur adipiscing elit, sed do eiusmod Lorem ipsum dolor sit amet, consectetur adipiscing elit.</a:t>
-            </a:r>
-          </a:p>
-          <a:p>
+              <a:rPr lang="en-US" sz="1400" dirty="0">
+                <a:latin typeface="+mn-lt"/>
+              </a:rPr>
+              <a:t>Despite this added competition from streaming services, annual ticket sales have remained relatively stable for the past 10 years.</a:t>
+            </a:r>
             <a:endParaRPr lang="en-US" dirty="0"/>
           </a:p>
         </p:txBody>
@@ -8054,50 +11121,33 @@
             <p:ph type="body" sz="quarter" idx="11"/>
           </p:nvPr>
         </p:nvSpPr>
-        <p:spPr/>
+        <p:spPr>
+          <a:xfrm>
+            <a:off x="4445976" y="3101848"/>
+            <a:ext cx="2959813" cy="1296988"/>
+          </a:xfrm>
+        </p:spPr>
         <p:txBody>
           <a:bodyPr/>
           <a:lstStyle/>
           <a:p>
+            <a:pPr marL="285750" indent="-285750" algn="l">
+              <a:buFont typeface="Wingdings" panose="05000000000000000000" pitchFamily="2" charset="2"/>
+              <a:buChar char="v"/>
+            </a:pPr>
             <a:r>
               <a:rPr lang="en-US" dirty="0"/>
-              <a:t>Lorem ipsum dolor sit amet, consectetur adipiscing elit, sed do eiusmod Lorem ipsum dolor sit amet, consectetur adipiscing elit.</a:t>
-            </a:r>
-          </a:p>
-          <a:p>
-            <a:endParaRPr lang="en-US" dirty="0"/>
-          </a:p>
-        </p:txBody>
-      </p:sp>
-      <p:sp>
-        <p:nvSpPr>
-          <p:cNvPr id="4" name="Text Placeholder 3">
-            <a:extLst>
-              <a:ext uri="{FF2B5EF4-FFF2-40B4-BE49-F238E27FC236}">
-                <a16:creationId xmlns:a16="http://schemas.microsoft.com/office/drawing/2014/main" id="{FEE898AC-C413-C543-A3CE-512397571748}"/>
-              </a:ext>
-            </a:extLst>
-          </p:cNvPr>
-          <p:cNvSpPr>
-            <a:spLocks noGrp="1"/>
-          </p:cNvSpPr>
-          <p:nvPr>
-            <p:ph type="body" sz="quarter" idx="12"/>
-          </p:nvPr>
-        </p:nvSpPr>
-        <p:spPr>
-          <a:xfrm>
-            <a:off x="687631" y="2544763"/>
-            <a:ext cx="2615737" cy="396557"/>
-          </a:xfrm>
-        </p:spPr>
-        <p:txBody>
-          <a:bodyPr/>
-          <a:lstStyle/>
-          <a:p>
+              <a:t>Can data be used to help decide optimal movie budgets?</a:t>
+            </a:r>
+          </a:p>
+          <a:p>
+            <a:pPr marL="285750" indent="-285750" algn="l">
+              <a:buFont typeface="Wingdings" panose="05000000000000000000" pitchFamily="2" charset="2"/>
+              <a:buChar char="v"/>
+            </a:pPr>
             <a:r>
               <a:rPr lang="en-US" dirty="0"/>
-              <a:t>FEATURE</a:t>
+              <a:t>Are certain genres of movies a better return on money? </a:t>
             </a:r>
           </a:p>
         </p:txBody>
@@ -8118,14 +11168,25 @@
             <p:ph type="body" sz="quarter" idx="13"/>
           </p:nvPr>
         </p:nvSpPr>
-        <p:spPr/>
+        <p:spPr>
+          <a:xfrm>
+            <a:off x="4445976" y="2313275"/>
+            <a:ext cx="2615737" cy="396557"/>
+          </a:xfrm>
+        </p:spPr>
         <p:txBody>
           <a:bodyPr/>
           <a:lstStyle/>
           <a:p>
-            <a:r>
-              <a:rPr lang="en-US" dirty="0"/>
-              <a:t>FEATURE</a:t>
+            <a:pPr algn="l"/>
+            <a:r>
+              <a:rPr lang="en-US" dirty="0">
+                <a:solidFill>
+                  <a:schemeClr val="accent6"/>
+                </a:solidFill>
+                <a:latin typeface="+mn-lt"/>
+              </a:rPr>
+              <a:t>How can data help movie makers?</a:t>
             </a:r>
           </a:p>
         </p:txBody>
@@ -8152,8 +11213,10 @@
           <a:lstStyle/>
           <a:p>
             <a:r>
-              <a:rPr lang="en-US" dirty="0"/>
-              <a:t>MOVIES</a:t>
+              <a:rPr lang="en-US" dirty="0">
+                <a:latin typeface="+mn-lt"/>
+              </a:rPr>
+              <a:t>github.com/IanFranklin</a:t>
             </a:r>
           </a:p>
         </p:txBody>
@@ -8181,7 +11244,7 @@
           <a:p>
             <a:r>
               <a:rPr lang="en-US" dirty="0"/>
-              <a:t>May 2023</a:t>
+              <a:t>Team Jupiter</a:t>
             </a:r>
           </a:p>
         </p:txBody>
@@ -8207,17 +11270,437 @@
           <a:bodyPr/>
           <a:lstStyle/>
           <a:p>
-            <a:r>
-              <a:rPr lang="en-US" dirty="0"/>
-              <a:t>MOVIE-goer</a:t>
-            </a:r>
+            <a:pPr algn="ctr"/>
+            <a:r>
+              <a:rPr lang="en-US" sz="6000" dirty="0">
+                <a:solidFill>
+                  <a:srgbClr val="FF0000"/>
+                </a:solidFill>
+              </a:rPr>
+              <a:t>Movies</a:t>
+            </a:r>
+            <a:r>
+              <a:rPr lang="en-US" dirty="0">
+                <a:solidFill>
+                  <a:srgbClr val="FF0000"/>
+                </a:solidFill>
+              </a:rPr>
+              <a:t> </a:t>
+            </a:r>
+            <a:r>
+              <a:rPr lang="en-US" sz="3600" b="0" dirty="0">
+                <a:solidFill>
+                  <a:srgbClr val="FF0000"/>
+                </a:solidFill>
+              </a:rPr>
+              <a:t>BY THE NUMBERS</a:t>
+            </a:r>
+            <a:endParaRPr lang="en-US" sz="3600" dirty="0"/>
+          </a:p>
+        </p:txBody>
+      </p:sp>
+      <p:sp>
+        <p:nvSpPr>
+          <p:cNvPr id="14" name="Text Placeholder 4">
+            <a:extLst>
+              <a:ext uri="{FF2B5EF4-FFF2-40B4-BE49-F238E27FC236}">
+                <a16:creationId xmlns:a16="http://schemas.microsoft.com/office/drawing/2014/main" id="{B584F0AB-FA11-6478-EA56-101A13BB0B0A}"/>
+              </a:ext>
+            </a:extLst>
+          </p:cNvPr>
+          <p:cNvSpPr txBox="1">
+            <a:spLocks/>
+          </p:cNvSpPr>
+          <p:nvPr/>
+        </p:nvSpPr>
+        <p:spPr>
+          <a:xfrm>
+            <a:off x="687631" y="2287078"/>
+            <a:ext cx="2880463" cy="396557"/>
+          </a:xfrm>
+          <a:prstGeom prst="rect">
+            <a:avLst/>
+          </a:prstGeom>
+        </p:spPr>
+        <p:txBody>
+          <a:bodyPr lIns="0" rIns="0"/>
+          <a:lstStyle>
+            <a:lvl1pPr marL="0" indent="0" algn="r" defTabSz="777240" rtl="0" eaLnBrk="1" latinLnBrk="0" hangingPunct="1">
+              <a:lnSpc>
+                <a:spcPct val="90000"/>
+              </a:lnSpc>
+              <a:spcBef>
+                <a:spcPts val="850"/>
+              </a:spcBef>
+              <a:buFont typeface="Arial" panose="020B0604020202020204" pitchFamily="34" charset="0"/>
+              <a:buNone/>
+              <a:defRPr sz="2380" kern="1200">
+                <a:solidFill>
+                  <a:schemeClr val="bg1"/>
+                </a:solidFill>
+                <a:latin typeface="Century Gothic" panose="020B0502020202020204" pitchFamily="34" charset="0"/>
+                <a:ea typeface="+mn-ea"/>
+                <a:cs typeface="+mn-cs"/>
+              </a:defRPr>
+            </a:lvl1pPr>
+            <a:lvl2pPr marL="582930" indent="-194310" algn="l" defTabSz="777240" rtl="0" eaLnBrk="1" latinLnBrk="0" hangingPunct="1">
+              <a:lnSpc>
+                <a:spcPct val="90000"/>
+              </a:lnSpc>
+              <a:spcBef>
+                <a:spcPts val="425"/>
+              </a:spcBef>
+              <a:buFont typeface="Arial" panose="020B0604020202020204" pitchFamily="34" charset="0"/>
+              <a:buChar char="•"/>
+              <a:defRPr sz="2040" kern="1200">
+                <a:solidFill>
+                  <a:schemeClr val="accent6"/>
+                </a:solidFill>
+                <a:latin typeface="+mn-lt"/>
+                <a:ea typeface="+mn-ea"/>
+                <a:cs typeface="+mn-cs"/>
+              </a:defRPr>
+            </a:lvl2pPr>
+            <a:lvl3pPr marL="971550" indent="-194310" algn="l" defTabSz="777240" rtl="0" eaLnBrk="1" latinLnBrk="0" hangingPunct="1">
+              <a:lnSpc>
+                <a:spcPct val="90000"/>
+              </a:lnSpc>
+              <a:spcBef>
+                <a:spcPts val="425"/>
+              </a:spcBef>
+              <a:buFont typeface="Arial" panose="020B0604020202020204" pitchFamily="34" charset="0"/>
+              <a:buChar char="•"/>
+              <a:defRPr sz="1700" kern="1200">
+                <a:solidFill>
+                  <a:schemeClr val="accent6"/>
+                </a:solidFill>
+                <a:latin typeface="+mn-lt"/>
+                <a:ea typeface="+mn-ea"/>
+                <a:cs typeface="+mn-cs"/>
+              </a:defRPr>
+            </a:lvl3pPr>
+            <a:lvl4pPr marL="1360170" indent="-194310" algn="l" defTabSz="777240" rtl="0" eaLnBrk="1" latinLnBrk="0" hangingPunct="1">
+              <a:lnSpc>
+                <a:spcPct val="90000"/>
+              </a:lnSpc>
+              <a:spcBef>
+                <a:spcPts val="425"/>
+              </a:spcBef>
+              <a:buFont typeface="Arial" panose="020B0604020202020204" pitchFamily="34" charset="0"/>
+              <a:buChar char="•"/>
+              <a:defRPr sz="1530" kern="1200">
+                <a:solidFill>
+                  <a:schemeClr val="accent6"/>
+                </a:solidFill>
+                <a:latin typeface="+mn-lt"/>
+                <a:ea typeface="+mn-ea"/>
+                <a:cs typeface="+mn-cs"/>
+              </a:defRPr>
+            </a:lvl4pPr>
+            <a:lvl5pPr marL="1748790" indent="-194310" algn="l" defTabSz="777240" rtl="0" eaLnBrk="1" latinLnBrk="0" hangingPunct="1">
+              <a:lnSpc>
+                <a:spcPct val="90000"/>
+              </a:lnSpc>
+              <a:spcBef>
+                <a:spcPts val="425"/>
+              </a:spcBef>
+              <a:buFont typeface="Arial" panose="020B0604020202020204" pitchFamily="34" charset="0"/>
+              <a:buChar char="•"/>
+              <a:defRPr sz="1530" kern="1200">
+                <a:solidFill>
+                  <a:schemeClr val="accent6"/>
+                </a:solidFill>
+                <a:latin typeface="+mn-lt"/>
+                <a:ea typeface="+mn-ea"/>
+                <a:cs typeface="+mn-cs"/>
+              </a:defRPr>
+            </a:lvl5pPr>
+            <a:lvl6pPr marL="2137410" indent="-194310" algn="l" defTabSz="777240" rtl="0" eaLnBrk="1" latinLnBrk="0" hangingPunct="1">
+              <a:lnSpc>
+                <a:spcPct val="90000"/>
+              </a:lnSpc>
+              <a:spcBef>
+                <a:spcPts val="425"/>
+              </a:spcBef>
+              <a:buFont typeface="Arial" panose="020B0604020202020204" pitchFamily="34" charset="0"/>
+              <a:buChar char="•"/>
+              <a:defRPr sz="1530" kern="1200">
+                <a:solidFill>
+                  <a:schemeClr val="tx1"/>
+                </a:solidFill>
+                <a:latin typeface="+mn-lt"/>
+                <a:ea typeface="+mn-ea"/>
+                <a:cs typeface="+mn-cs"/>
+              </a:defRPr>
+            </a:lvl6pPr>
+            <a:lvl7pPr marL="2526030" indent="-194310" algn="l" defTabSz="777240" rtl="0" eaLnBrk="1" latinLnBrk="0" hangingPunct="1">
+              <a:lnSpc>
+                <a:spcPct val="90000"/>
+              </a:lnSpc>
+              <a:spcBef>
+                <a:spcPts val="425"/>
+              </a:spcBef>
+              <a:buFont typeface="Arial" panose="020B0604020202020204" pitchFamily="34" charset="0"/>
+              <a:buChar char="•"/>
+              <a:defRPr sz="1530" kern="1200">
+                <a:solidFill>
+                  <a:schemeClr val="tx1"/>
+                </a:solidFill>
+                <a:latin typeface="+mn-lt"/>
+                <a:ea typeface="+mn-ea"/>
+                <a:cs typeface="+mn-cs"/>
+              </a:defRPr>
+            </a:lvl7pPr>
+            <a:lvl8pPr marL="2914650" indent="-194310" algn="l" defTabSz="777240" rtl="0" eaLnBrk="1" latinLnBrk="0" hangingPunct="1">
+              <a:lnSpc>
+                <a:spcPct val="90000"/>
+              </a:lnSpc>
+              <a:spcBef>
+                <a:spcPts val="425"/>
+              </a:spcBef>
+              <a:buFont typeface="Arial" panose="020B0604020202020204" pitchFamily="34" charset="0"/>
+              <a:buChar char="•"/>
+              <a:defRPr sz="1530" kern="1200">
+                <a:solidFill>
+                  <a:schemeClr val="tx1"/>
+                </a:solidFill>
+                <a:latin typeface="+mn-lt"/>
+                <a:ea typeface="+mn-ea"/>
+                <a:cs typeface="+mn-cs"/>
+              </a:defRPr>
+            </a:lvl8pPr>
+            <a:lvl9pPr marL="3303270" indent="-194310" algn="l" defTabSz="777240" rtl="0" eaLnBrk="1" latinLnBrk="0" hangingPunct="1">
+              <a:lnSpc>
+                <a:spcPct val="90000"/>
+              </a:lnSpc>
+              <a:spcBef>
+                <a:spcPts val="425"/>
+              </a:spcBef>
+              <a:buFont typeface="Arial" panose="020B0604020202020204" pitchFamily="34" charset="0"/>
+              <a:buChar char="•"/>
+              <a:defRPr sz="1530" kern="1200">
+                <a:solidFill>
+                  <a:schemeClr val="tx1"/>
+                </a:solidFill>
+                <a:latin typeface="+mn-lt"/>
+                <a:ea typeface="+mn-ea"/>
+                <a:cs typeface="+mn-cs"/>
+              </a:defRPr>
+            </a:lvl9pPr>
+          </a:lstStyle>
+          <a:p>
+            <a:pPr algn="l"/>
+            <a:r>
+              <a:rPr lang="en-US" sz="2400" dirty="0">
+                <a:solidFill>
+                  <a:schemeClr val="accent6"/>
+                </a:solidFill>
+                <a:latin typeface="+mn-lt"/>
+              </a:rPr>
+              <a:t>And yet… </a:t>
+            </a:r>
+          </a:p>
+        </p:txBody>
+      </p:sp>
+      <p:sp>
+        <p:nvSpPr>
+          <p:cNvPr id="15" name="Text Placeholder 2">
+            <a:extLst>
+              <a:ext uri="{FF2B5EF4-FFF2-40B4-BE49-F238E27FC236}">
+                <a16:creationId xmlns:a16="http://schemas.microsoft.com/office/drawing/2014/main" id="{8C8971AF-EB2D-C936-3553-A76D7DB1DDE7}"/>
+              </a:ext>
+            </a:extLst>
+          </p:cNvPr>
+          <p:cNvSpPr txBox="1">
+            <a:spLocks/>
+          </p:cNvSpPr>
+          <p:nvPr/>
+        </p:nvSpPr>
+        <p:spPr>
+          <a:xfrm>
+            <a:off x="366611" y="2309703"/>
+            <a:ext cx="3809973" cy="986166"/>
+          </a:xfrm>
+          <a:prstGeom prst="rect">
+            <a:avLst/>
+          </a:prstGeom>
+        </p:spPr>
+        <p:txBody>
+          <a:bodyPr lIns="0" rIns="0"/>
+          <a:lstStyle>
+            <a:lvl1pPr marL="0" indent="0" algn="r" defTabSz="777240" rtl="0" eaLnBrk="1" latinLnBrk="0" hangingPunct="1">
+              <a:lnSpc>
+                <a:spcPct val="110000"/>
+              </a:lnSpc>
+              <a:spcBef>
+                <a:spcPts val="850"/>
+              </a:spcBef>
+              <a:buFont typeface="Arial" panose="020B0604020202020204" pitchFamily="34" charset="0"/>
+              <a:buNone/>
+              <a:defRPr sz="1400" kern="1200">
+                <a:solidFill>
+                  <a:schemeClr val="bg1"/>
+                </a:solidFill>
+                <a:latin typeface="Century Gothic" panose="020B0502020202020204" pitchFamily="34" charset="0"/>
+                <a:ea typeface="+mn-ea"/>
+                <a:cs typeface="+mn-cs"/>
+              </a:defRPr>
+            </a:lvl1pPr>
+            <a:lvl2pPr marL="388620" indent="0" algn="r" defTabSz="777240" rtl="0" eaLnBrk="1" latinLnBrk="0" hangingPunct="1">
+              <a:lnSpc>
+                <a:spcPct val="90000"/>
+              </a:lnSpc>
+              <a:spcBef>
+                <a:spcPts val="425"/>
+              </a:spcBef>
+              <a:buFont typeface="Arial" panose="020B0604020202020204" pitchFamily="34" charset="0"/>
+              <a:buNone/>
+              <a:defRPr sz="1400" kern="1200">
+                <a:solidFill>
+                  <a:schemeClr val="bg1"/>
+                </a:solidFill>
+                <a:latin typeface="+mn-lt"/>
+                <a:ea typeface="+mn-ea"/>
+                <a:cs typeface="+mn-cs"/>
+              </a:defRPr>
+            </a:lvl2pPr>
+            <a:lvl3pPr marL="777240" indent="0" algn="r" defTabSz="777240" rtl="0" eaLnBrk="1" latinLnBrk="0" hangingPunct="1">
+              <a:lnSpc>
+                <a:spcPct val="90000"/>
+              </a:lnSpc>
+              <a:spcBef>
+                <a:spcPts val="425"/>
+              </a:spcBef>
+              <a:buFont typeface="Arial" panose="020B0604020202020204" pitchFamily="34" charset="0"/>
+              <a:buNone/>
+              <a:defRPr sz="1400" kern="1200">
+                <a:solidFill>
+                  <a:schemeClr val="bg1"/>
+                </a:solidFill>
+                <a:latin typeface="+mn-lt"/>
+                <a:ea typeface="+mn-ea"/>
+                <a:cs typeface="+mn-cs"/>
+              </a:defRPr>
+            </a:lvl3pPr>
+            <a:lvl4pPr marL="1165860" indent="0" algn="r" defTabSz="777240" rtl="0" eaLnBrk="1" latinLnBrk="0" hangingPunct="1">
+              <a:lnSpc>
+                <a:spcPct val="90000"/>
+              </a:lnSpc>
+              <a:spcBef>
+                <a:spcPts val="425"/>
+              </a:spcBef>
+              <a:buFont typeface="Arial" panose="020B0604020202020204" pitchFamily="34" charset="0"/>
+              <a:buNone/>
+              <a:defRPr sz="1400" kern="1200">
+                <a:solidFill>
+                  <a:schemeClr val="bg1"/>
+                </a:solidFill>
+                <a:latin typeface="+mn-lt"/>
+                <a:ea typeface="+mn-ea"/>
+                <a:cs typeface="+mn-cs"/>
+              </a:defRPr>
+            </a:lvl4pPr>
+            <a:lvl5pPr marL="1554480" indent="0" algn="r" defTabSz="777240" rtl="0" eaLnBrk="1" latinLnBrk="0" hangingPunct="1">
+              <a:lnSpc>
+                <a:spcPct val="90000"/>
+              </a:lnSpc>
+              <a:spcBef>
+                <a:spcPts val="425"/>
+              </a:spcBef>
+              <a:buFont typeface="Arial" panose="020B0604020202020204" pitchFamily="34" charset="0"/>
+              <a:buNone/>
+              <a:defRPr sz="1400" kern="1200">
+                <a:solidFill>
+                  <a:schemeClr val="bg1"/>
+                </a:solidFill>
+                <a:latin typeface="+mn-lt"/>
+                <a:ea typeface="+mn-ea"/>
+                <a:cs typeface="+mn-cs"/>
+              </a:defRPr>
+            </a:lvl5pPr>
+            <a:lvl6pPr marL="2137410" indent="-194310" algn="l" defTabSz="777240" rtl="0" eaLnBrk="1" latinLnBrk="0" hangingPunct="1">
+              <a:lnSpc>
+                <a:spcPct val="90000"/>
+              </a:lnSpc>
+              <a:spcBef>
+                <a:spcPts val="425"/>
+              </a:spcBef>
+              <a:buFont typeface="Arial" panose="020B0604020202020204" pitchFamily="34" charset="0"/>
+              <a:buChar char="•"/>
+              <a:defRPr sz="1530" kern="1200">
+                <a:solidFill>
+                  <a:schemeClr val="tx1"/>
+                </a:solidFill>
+                <a:latin typeface="+mn-lt"/>
+                <a:ea typeface="+mn-ea"/>
+                <a:cs typeface="+mn-cs"/>
+              </a:defRPr>
+            </a:lvl6pPr>
+            <a:lvl7pPr marL="2526030" indent="-194310" algn="l" defTabSz="777240" rtl="0" eaLnBrk="1" latinLnBrk="0" hangingPunct="1">
+              <a:lnSpc>
+                <a:spcPct val="90000"/>
+              </a:lnSpc>
+              <a:spcBef>
+                <a:spcPts val="425"/>
+              </a:spcBef>
+              <a:buFont typeface="Arial" panose="020B0604020202020204" pitchFamily="34" charset="0"/>
+              <a:buChar char="•"/>
+              <a:defRPr sz="1530" kern="1200">
+                <a:solidFill>
+                  <a:schemeClr val="tx1"/>
+                </a:solidFill>
+                <a:latin typeface="+mn-lt"/>
+                <a:ea typeface="+mn-ea"/>
+                <a:cs typeface="+mn-cs"/>
+              </a:defRPr>
+            </a:lvl7pPr>
+            <a:lvl8pPr marL="2914650" indent="-194310" algn="l" defTabSz="777240" rtl="0" eaLnBrk="1" latinLnBrk="0" hangingPunct="1">
+              <a:lnSpc>
+                <a:spcPct val="90000"/>
+              </a:lnSpc>
+              <a:spcBef>
+                <a:spcPts val="425"/>
+              </a:spcBef>
+              <a:buFont typeface="Arial" panose="020B0604020202020204" pitchFamily="34" charset="0"/>
+              <a:buChar char="•"/>
+              <a:defRPr sz="1530" kern="1200">
+                <a:solidFill>
+                  <a:schemeClr val="tx1"/>
+                </a:solidFill>
+                <a:latin typeface="+mn-lt"/>
+                <a:ea typeface="+mn-ea"/>
+                <a:cs typeface="+mn-cs"/>
+              </a:defRPr>
+            </a:lvl8pPr>
+            <a:lvl9pPr marL="3303270" indent="-194310" algn="l" defTabSz="777240" rtl="0" eaLnBrk="1" latinLnBrk="0" hangingPunct="1">
+              <a:lnSpc>
+                <a:spcPct val="90000"/>
+              </a:lnSpc>
+              <a:spcBef>
+                <a:spcPts val="425"/>
+              </a:spcBef>
+              <a:buFont typeface="Arial" panose="020B0604020202020204" pitchFamily="34" charset="0"/>
+              <a:buChar char="•"/>
+              <a:defRPr sz="1530" kern="1200">
+                <a:solidFill>
+                  <a:schemeClr val="tx1"/>
+                </a:solidFill>
+                <a:latin typeface="+mn-lt"/>
+                <a:ea typeface="+mn-ea"/>
+                <a:cs typeface="+mn-cs"/>
+              </a:defRPr>
+            </a:lvl9pPr>
+          </a:lstStyle>
+          <a:p>
+            <a:pPr algn="l"/>
+            <a:endParaRPr lang="en-US" sz="1600" dirty="0"/>
           </a:p>
         </p:txBody>
       </p:sp>
     </p:spTree>
     <p:extLst>
       <p:ext uri="{BB962C8B-B14F-4D97-AF65-F5344CB8AC3E}">
-        <p14:creationId xmlns:p14="http://schemas.microsoft.com/office/powerpoint/2010/main" val="1601016127"/>
+        <p14:creationId xmlns:p14="http://schemas.microsoft.com/office/powerpoint/2010/main" val="2584684736"/>
       </p:ext>
     </p:extLst>
   </p:cSld>
@@ -8246,10 +11729,143 @@
       </p:grpSpPr>
       <p:sp>
         <p:nvSpPr>
+          <p:cNvPr id="3" name="Text Placeholder 2">
+            <a:extLst>
+              <a:ext uri="{FF2B5EF4-FFF2-40B4-BE49-F238E27FC236}">
+                <a16:creationId xmlns:a16="http://schemas.microsoft.com/office/drawing/2014/main" id="{80E3D831-66E3-AF43-9613-E5B052F8D9C4}"/>
+              </a:ext>
+            </a:extLst>
+          </p:cNvPr>
+          <p:cNvSpPr>
+            <a:spLocks noGrp="1"/>
+          </p:cNvSpPr>
+          <p:nvPr>
+            <p:ph type="body" sz="quarter" idx="11"/>
+          </p:nvPr>
+        </p:nvSpPr>
+        <p:spPr>
+          <a:xfrm>
+            <a:off x="4469034" y="2637386"/>
+            <a:ext cx="2717980" cy="1576268"/>
+          </a:xfrm>
+        </p:spPr>
+        <p:txBody>
+          <a:bodyPr>
+            <a:normAutofit fontScale="92500" lnSpcReduction="10000"/>
+          </a:bodyPr>
+          <a:lstStyle/>
+          <a:p>
+            <a:pPr marL="285750" indent="-285750">
+              <a:lnSpc>
+                <a:spcPct val="100000"/>
+              </a:lnSpc>
+              <a:buFont typeface="Wingdings" panose="05000000000000000000" pitchFamily="2" charset="2"/>
+              <a:buChar char="v"/>
+            </a:pPr>
+            <a:r>
+              <a:rPr lang="en-US" sz="1600" dirty="0">
+                <a:latin typeface="+mn-lt"/>
+              </a:rPr>
+              <a:t>MS Suite (Excel, PowerPoint, Word)</a:t>
+            </a:r>
+          </a:p>
+          <a:p>
+            <a:pPr marL="285750" indent="-285750">
+              <a:lnSpc>
+                <a:spcPct val="100000"/>
+              </a:lnSpc>
+              <a:buFont typeface="Wingdings" panose="05000000000000000000" pitchFamily="2" charset="2"/>
+              <a:buChar char="v"/>
+            </a:pPr>
+            <a:r>
+              <a:rPr lang="en-US" sz="1600" dirty="0">
+                <a:latin typeface="+mn-lt"/>
+              </a:rPr>
+              <a:t>Python </a:t>
+            </a:r>
+          </a:p>
+          <a:p>
+            <a:pPr marL="285750" indent="-285750">
+              <a:lnSpc>
+                <a:spcPct val="100000"/>
+              </a:lnSpc>
+              <a:buFont typeface="Wingdings" panose="05000000000000000000" pitchFamily="2" charset="2"/>
+              <a:buChar char="v"/>
+            </a:pPr>
+            <a:r>
+              <a:rPr lang="en-US" sz="1600" dirty="0">
+                <a:latin typeface="+mn-lt"/>
+              </a:rPr>
+              <a:t>Jupyter Notebook</a:t>
+            </a:r>
+          </a:p>
+          <a:p>
+            <a:pPr marL="285750" indent="-285750">
+              <a:lnSpc>
+                <a:spcPct val="100000"/>
+              </a:lnSpc>
+              <a:buFont typeface="Wingdings" panose="05000000000000000000" pitchFamily="2" charset="2"/>
+              <a:buChar char="v"/>
+            </a:pPr>
+            <a:r>
+              <a:rPr lang="en-US" sz="1600" dirty="0">
+                <a:latin typeface="+mn-lt"/>
+              </a:rPr>
+              <a:t>Slack</a:t>
+            </a:r>
+          </a:p>
+          <a:p>
+            <a:endParaRPr lang="en-US" dirty="0"/>
+          </a:p>
+          <a:p>
+            <a:endParaRPr lang="en-US" dirty="0"/>
+          </a:p>
+        </p:txBody>
+      </p:sp>
+      <p:sp>
+        <p:nvSpPr>
+          <p:cNvPr id="5" name="Text Placeholder 4">
+            <a:extLst>
+              <a:ext uri="{FF2B5EF4-FFF2-40B4-BE49-F238E27FC236}">
+                <a16:creationId xmlns:a16="http://schemas.microsoft.com/office/drawing/2014/main" id="{6EED6964-EC4C-1C4C-96A1-7A2D2D4F184E}"/>
+              </a:ext>
+            </a:extLst>
+          </p:cNvPr>
+          <p:cNvSpPr>
+            <a:spLocks noGrp="1"/>
+          </p:cNvSpPr>
+          <p:nvPr>
+            <p:ph type="body" sz="quarter" idx="13"/>
+          </p:nvPr>
+        </p:nvSpPr>
+        <p:spPr>
+          <a:xfrm>
+            <a:off x="4391654" y="2158554"/>
+            <a:ext cx="2795360" cy="396557"/>
+          </a:xfrm>
+        </p:spPr>
+        <p:txBody>
+          <a:bodyPr/>
+          <a:lstStyle/>
+          <a:p>
+            <a:r>
+              <a:rPr lang="en-US" sz="2400" dirty="0">
+                <a:solidFill>
+                  <a:schemeClr val="accent6"/>
+                </a:solidFill>
+                <a:latin typeface="+mn-lt"/>
+              </a:rPr>
+              <a:t>Programs Used</a:t>
+            </a:r>
+          </a:p>
+        </p:txBody>
+      </p:sp>
+      <p:sp>
+        <p:nvSpPr>
           <p:cNvPr id="2" name="Text Placeholder 1">
             <a:extLst>
               <a:ext uri="{FF2B5EF4-FFF2-40B4-BE49-F238E27FC236}">
-                <a16:creationId xmlns:a16="http://schemas.microsoft.com/office/drawing/2014/main" id="{245014B5-DC63-2F42-B6DB-63B7759157E9}"/>
+                <a16:creationId xmlns:a16="http://schemas.microsoft.com/office/drawing/2014/main" id="{6AEA8D19-A16F-164D-AD78-93A2AB87E114}"/>
               </a:ext>
             </a:extLst>
           </p:cNvPr>
@@ -8260,105 +11876,82 @@
             <p:ph type="body" sz="quarter" idx="10"/>
           </p:nvPr>
         </p:nvSpPr>
-        <p:spPr/>
+        <p:spPr>
+          <a:xfrm>
+            <a:off x="687632" y="2723357"/>
+            <a:ext cx="3704022" cy="1076959"/>
+          </a:xfrm>
+        </p:spPr>
         <p:txBody>
           <a:bodyPr/>
           <a:lstStyle/>
           <a:p>
-            <a:r>
-              <a:rPr lang="en-US" dirty="0"/>
-              <a:t>Lorem ipsum dolor sit amet, consectetur adipiscing elit, sed do eiusmod Lorem ipsum dolor sit amet, consectetur adipiscing elit.</a:t>
-            </a:r>
-          </a:p>
-          <a:p>
-            <a:endParaRPr lang="en-US" dirty="0"/>
-          </a:p>
-        </p:txBody>
-      </p:sp>
-      <p:sp>
-        <p:nvSpPr>
-          <p:cNvPr id="3" name="Text Placeholder 2">
-            <a:extLst>
-              <a:ext uri="{FF2B5EF4-FFF2-40B4-BE49-F238E27FC236}">
-                <a16:creationId xmlns:a16="http://schemas.microsoft.com/office/drawing/2014/main" id="{ABA34425-AE37-4844-B5BF-2D28152D0F11}"/>
-              </a:ext>
-            </a:extLst>
-          </p:cNvPr>
-          <p:cNvSpPr>
-            <a:spLocks noGrp="1"/>
-          </p:cNvSpPr>
-          <p:nvPr>
-            <p:ph type="body" sz="quarter" idx="11"/>
-          </p:nvPr>
-        </p:nvSpPr>
-        <p:spPr/>
-        <p:txBody>
-          <a:bodyPr/>
-          <a:lstStyle/>
-          <a:p>
-            <a:r>
-              <a:rPr lang="en-US" dirty="0"/>
-              <a:t>Lorem ipsum dolor sit amet, consectetur adipiscing elit, sed do eiusmod Lorem ipsum dolor sit amet, consectetur adipiscing elit.</a:t>
-            </a:r>
-          </a:p>
-          <a:p>
-            <a:endParaRPr lang="en-US" dirty="0"/>
-          </a:p>
-        </p:txBody>
-      </p:sp>
-      <p:sp>
-        <p:nvSpPr>
-          <p:cNvPr id="4" name="Text Placeholder 3">
-            <a:extLst>
-              <a:ext uri="{FF2B5EF4-FFF2-40B4-BE49-F238E27FC236}">
-                <a16:creationId xmlns:a16="http://schemas.microsoft.com/office/drawing/2014/main" id="{E1D7A8E9-DE82-0942-BCA5-0F21820D846E}"/>
-              </a:ext>
-            </a:extLst>
-          </p:cNvPr>
-          <p:cNvSpPr>
-            <a:spLocks noGrp="1"/>
-          </p:cNvSpPr>
-          <p:nvPr>
-            <p:ph type="body" sz="quarter" idx="12"/>
-          </p:nvPr>
-        </p:nvSpPr>
-        <p:spPr/>
-        <p:txBody>
-          <a:bodyPr/>
-          <a:lstStyle/>
-          <a:p>
-            <a:r>
-              <a:rPr lang="en-US" dirty="0"/>
-              <a:t>FEATURE</a:t>
-            </a:r>
-          </a:p>
-        </p:txBody>
-      </p:sp>
-      <p:sp>
-        <p:nvSpPr>
-          <p:cNvPr id="5" name="Text Placeholder 4">
-            <a:extLst>
-              <a:ext uri="{FF2B5EF4-FFF2-40B4-BE49-F238E27FC236}">
-                <a16:creationId xmlns:a16="http://schemas.microsoft.com/office/drawing/2014/main" id="{37A25D6E-FE64-C346-A250-B0F62A92BF52}"/>
-              </a:ext>
-            </a:extLst>
-          </p:cNvPr>
-          <p:cNvSpPr>
-            <a:spLocks noGrp="1"/>
-          </p:cNvSpPr>
-          <p:nvPr>
-            <p:ph type="body" sz="quarter" idx="13"/>
-          </p:nvPr>
-        </p:nvSpPr>
-        <p:spPr/>
-        <p:txBody>
-          <a:bodyPr/>
-          <a:lstStyle/>
-          <a:p>
-            <a:r>
-              <a:rPr lang="en-US" dirty="0"/>
-              <a:t>FEATURE</a:t>
-            </a:r>
+            <a:pPr marL="285750" indent="-285750">
+              <a:buFont typeface="Wingdings" panose="05000000000000000000" pitchFamily="2" charset="2"/>
+              <a:buChar char="v"/>
+            </a:pPr>
+            <a:r>
+              <a:rPr lang="en-US" sz="1600" dirty="0">
+                <a:latin typeface="+mn-lt"/>
+              </a:rPr>
+              <a:t>The Hollywood Insider Data</a:t>
+            </a:r>
+          </a:p>
+          <a:p>
+            <a:pPr marL="285750" indent="-285750">
+              <a:lnSpc>
+                <a:spcPct val="150000"/>
+              </a:lnSpc>
+              <a:buFont typeface="Wingdings" panose="05000000000000000000" pitchFamily="2" charset="2"/>
+              <a:buChar char="v"/>
+            </a:pPr>
+            <a:r>
+              <a:rPr lang="en-US" sz="1600" dirty="0">
+                <a:latin typeface="+mn-lt"/>
+              </a:rPr>
+              <a:t>Most Profitable Movies – Top 500</a:t>
+            </a:r>
+          </a:p>
+          <a:p>
+            <a:pPr lvl="1"/>
+            <a:r>
+              <a:rPr lang="en-US" sz="1600" b="1" dirty="0">
+                <a:effectLst/>
+                <a:ea typeface="Calibri" panose="020F0502020204030204" pitchFamily="34" charset="0"/>
+                <a:cs typeface="Times New Roman" panose="02020603050405020304" pitchFamily="18" charset="0"/>
+              </a:rPr>
+              <a:t>informationisbeautiful</a:t>
+            </a:r>
+            <a:r>
+              <a:rPr lang="en-US" sz="1800" b="1" dirty="0">
+                <a:effectLst/>
+                <a:ea typeface="Calibri" panose="020F0502020204030204" pitchFamily="34" charset="0"/>
+                <a:cs typeface="Times New Roman" panose="02020603050405020304" pitchFamily="18" charset="0"/>
+              </a:rPr>
+              <a:t>.net </a:t>
+            </a:r>
+            <a:endParaRPr lang="en-US" sz="1800" b="1" dirty="0">
+              <a:ea typeface="Calibri" panose="020F0502020204030204" pitchFamily="34" charset="0"/>
+              <a:cs typeface="Times New Roman" panose="02020603050405020304" pitchFamily="18" charset="0"/>
+            </a:endParaRPr>
+          </a:p>
+          <a:p>
+            <a:pPr lvl="1"/>
+            <a:endParaRPr lang="en-US" sz="1800" dirty="0">
+              <a:effectLst/>
+              <a:latin typeface="Calibri" panose="020F0502020204030204" pitchFamily="34" charset="0"/>
+              <a:ea typeface="Calibri" panose="020F0502020204030204" pitchFamily="34" charset="0"/>
+              <a:cs typeface="Times New Roman" panose="02020603050405020304" pitchFamily="18" charset="0"/>
+            </a:endParaRPr>
+          </a:p>
+          <a:p>
+            <a:pPr marL="674370" lvl="1" indent="-285750">
+              <a:buFont typeface="Wingdings" panose="05000000000000000000" pitchFamily="2" charset="2"/>
+              <a:buChar char="v"/>
+            </a:pPr>
+            <a:endParaRPr lang="en-US" sz="1600" dirty="0">
+              <a:latin typeface="+mn-lt"/>
+            </a:endParaRPr>
           </a:p>
         </p:txBody>
       </p:sp>
@@ -8367,7 +11960,7 @@
           <p:cNvPr id="6" name="Text Placeholder 5">
             <a:extLst>
               <a:ext uri="{FF2B5EF4-FFF2-40B4-BE49-F238E27FC236}">
-                <a16:creationId xmlns:a16="http://schemas.microsoft.com/office/drawing/2014/main" id="{71A66EB3-9FC7-F94C-BDC9-0598A3553733}"/>
+                <a16:creationId xmlns:a16="http://schemas.microsoft.com/office/drawing/2014/main" id="{F66475D4-407F-B54B-ACC6-3C782B4B6DED}"/>
               </a:ext>
             </a:extLst>
           </p:cNvPr>
@@ -8385,7 +11978,7 @@
           <a:p>
             <a:r>
               <a:rPr lang="en-US" dirty="0"/>
-              <a:t>MOVIES</a:t>
+              <a:t>Add A Footer</a:t>
             </a:r>
           </a:p>
         </p:txBody>
@@ -8395,7 +11988,7 @@
           <p:cNvPr id="7" name="Text Placeholder 6">
             <a:extLst>
               <a:ext uri="{FF2B5EF4-FFF2-40B4-BE49-F238E27FC236}">
-                <a16:creationId xmlns:a16="http://schemas.microsoft.com/office/drawing/2014/main" id="{2117CA98-FF13-0146-9AEF-CE4134AC9D5E}"/>
+                <a16:creationId xmlns:a16="http://schemas.microsoft.com/office/drawing/2014/main" id="{71D7FEF1-5516-5F41-BA9D-7241957DA923}"/>
               </a:ext>
             </a:extLst>
           </p:cNvPr>
@@ -8412,18 +12005,22 @@
           <a:lstStyle/>
           <a:p>
             <a:r>
-              <a:rPr lang="en-US" dirty="0"/>
-              <a:t>JANUARY [YEAR]</a:t>
-            </a:r>
-          </a:p>
-        </p:txBody>
-      </p:sp>
-      <p:sp>
-        <p:nvSpPr>
-          <p:cNvPr id="8" name="Title 7">
-            <a:extLst>
-              <a:ext uri="{FF2B5EF4-FFF2-40B4-BE49-F238E27FC236}">
-                <a16:creationId xmlns:a16="http://schemas.microsoft.com/office/drawing/2014/main" id="{F05D883A-41DA-F04D-A545-C4AFF0D866BF}"/>
+              <a:rPr lang="en-US" dirty="0">
+                <a:solidFill>
+                  <a:schemeClr val="accent6"/>
+                </a:solidFill>
+              </a:rPr>
+              <a:t>Team Jupiter</a:t>
+            </a:r>
+          </a:p>
+        </p:txBody>
+      </p:sp>
+      <p:sp>
+        <p:nvSpPr>
+          <p:cNvPr id="13" name="Title 7">
+            <a:extLst>
+              <a:ext uri="{FF2B5EF4-FFF2-40B4-BE49-F238E27FC236}">
+                <a16:creationId xmlns:a16="http://schemas.microsoft.com/office/drawing/2014/main" id="{27AC60BD-F3E0-907F-16DA-A4901BFE9B96}"/>
               </a:ext>
             </a:extLst>
           </p:cNvPr>
@@ -8434,22 +12031,717 @@
             <p:ph type="title"/>
           </p:nvPr>
         </p:nvSpPr>
-        <p:spPr/>
+        <p:spPr>
+          <a:xfrm>
+            <a:off x="687631" y="963487"/>
+            <a:ext cx="6499382" cy="792162"/>
+          </a:xfrm>
+        </p:spPr>
         <p:txBody>
           <a:bodyPr/>
           <a:lstStyle/>
           <a:p>
-            <a:r>
-              <a:rPr lang="en-US" dirty="0"/>
-              <a:t>MOVIE Fun</a:t>
-            </a:r>
+            <a:pPr algn="ctr"/>
+            <a:r>
+              <a:rPr lang="en-US" sz="6000" dirty="0">
+                <a:solidFill>
+                  <a:srgbClr val="FF0000"/>
+                </a:solidFill>
+              </a:rPr>
+              <a:t>Methods</a:t>
+            </a:r>
+          </a:p>
+        </p:txBody>
+      </p:sp>
+      <p:sp>
+        <p:nvSpPr>
+          <p:cNvPr id="16" name="Text Placeholder 4">
+            <a:extLst>
+              <a:ext uri="{FF2B5EF4-FFF2-40B4-BE49-F238E27FC236}">
+                <a16:creationId xmlns:a16="http://schemas.microsoft.com/office/drawing/2014/main" id="{EAB29E62-03F9-9BC4-0248-F40A920D75A1}"/>
+              </a:ext>
+            </a:extLst>
+          </p:cNvPr>
+          <p:cNvSpPr txBox="1">
+            <a:spLocks/>
+          </p:cNvSpPr>
+          <p:nvPr/>
+        </p:nvSpPr>
+        <p:spPr>
+          <a:xfrm>
+            <a:off x="687631" y="2326800"/>
+            <a:ext cx="2615737" cy="396557"/>
+          </a:xfrm>
+          <a:prstGeom prst="rect">
+            <a:avLst/>
+          </a:prstGeom>
+        </p:spPr>
+        <p:txBody>
+          <a:bodyPr lIns="0" rIns="0"/>
+          <a:lstStyle>
+            <a:lvl1pPr marL="0" indent="0" algn="r" defTabSz="777240" rtl="0" eaLnBrk="1" latinLnBrk="0" hangingPunct="1">
+              <a:lnSpc>
+                <a:spcPct val="90000"/>
+              </a:lnSpc>
+              <a:spcBef>
+                <a:spcPts val="850"/>
+              </a:spcBef>
+              <a:buFont typeface="Arial" panose="020B0604020202020204" pitchFamily="34" charset="0"/>
+              <a:buNone/>
+              <a:defRPr sz="2380" b="1" kern="1200" spc="300">
+                <a:solidFill>
+                  <a:schemeClr val="bg1"/>
+                </a:solidFill>
+                <a:latin typeface="Century Gothic" panose="020B0502020202020204" pitchFamily="34" charset="0"/>
+                <a:ea typeface="+mn-ea"/>
+                <a:cs typeface="+mn-cs"/>
+              </a:defRPr>
+            </a:lvl1pPr>
+            <a:lvl2pPr marL="582930" indent="-194310" algn="l" defTabSz="777240" rtl="0" eaLnBrk="1" latinLnBrk="0" hangingPunct="1">
+              <a:lnSpc>
+                <a:spcPct val="90000"/>
+              </a:lnSpc>
+              <a:spcBef>
+                <a:spcPts val="425"/>
+              </a:spcBef>
+              <a:buFont typeface="Arial" panose="020B0604020202020204" pitchFamily="34" charset="0"/>
+              <a:buChar char="•"/>
+              <a:defRPr sz="2040" kern="1200">
+                <a:solidFill>
+                  <a:schemeClr val="accent6"/>
+                </a:solidFill>
+                <a:latin typeface="+mn-lt"/>
+                <a:ea typeface="+mn-ea"/>
+                <a:cs typeface="+mn-cs"/>
+              </a:defRPr>
+            </a:lvl2pPr>
+            <a:lvl3pPr marL="971550" indent="-194310" algn="l" defTabSz="777240" rtl="0" eaLnBrk="1" latinLnBrk="0" hangingPunct="1">
+              <a:lnSpc>
+                <a:spcPct val="90000"/>
+              </a:lnSpc>
+              <a:spcBef>
+                <a:spcPts val="425"/>
+              </a:spcBef>
+              <a:buFont typeface="Arial" panose="020B0604020202020204" pitchFamily="34" charset="0"/>
+              <a:buChar char="•"/>
+              <a:defRPr sz="1700" kern="1200">
+                <a:solidFill>
+                  <a:schemeClr val="accent6"/>
+                </a:solidFill>
+                <a:latin typeface="+mn-lt"/>
+                <a:ea typeface="+mn-ea"/>
+                <a:cs typeface="+mn-cs"/>
+              </a:defRPr>
+            </a:lvl3pPr>
+            <a:lvl4pPr marL="1360170" indent="-194310" algn="l" defTabSz="777240" rtl="0" eaLnBrk="1" latinLnBrk="0" hangingPunct="1">
+              <a:lnSpc>
+                <a:spcPct val="90000"/>
+              </a:lnSpc>
+              <a:spcBef>
+                <a:spcPts val="425"/>
+              </a:spcBef>
+              <a:buFont typeface="Arial" panose="020B0604020202020204" pitchFamily="34" charset="0"/>
+              <a:buChar char="•"/>
+              <a:defRPr sz="1530" kern="1200">
+                <a:solidFill>
+                  <a:schemeClr val="accent6"/>
+                </a:solidFill>
+                <a:latin typeface="+mn-lt"/>
+                <a:ea typeface="+mn-ea"/>
+                <a:cs typeface="+mn-cs"/>
+              </a:defRPr>
+            </a:lvl4pPr>
+            <a:lvl5pPr marL="1748790" indent="-194310" algn="l" defTabSz="777240" rtl="0" eaLnBrk="1" latinLnBrk="0" hangingPunct="1">
+              <a:lnSpc>
+                <a:spcPct val="90000"/>
+              </a:lnSpc>
+              <a:spcBef>
+                <a:spcPts val="425"/>
+              </a:spcBef>
+              <a:buFont typeface="Arial" panose="020B0604020202020204" pitchFamily="34" charset="0"/>
+              <a:buChar char="•"/>
+              <a:defRPr sz="1530" kern="1200">
+                <a:solidFill>
+                  <a:schemeClr val="accent6"/>
+                </a:solidFill>
+                <a:latin typeface="+mn-lt"/>
+                <a:ea typeface="+mn-ea"/>
+                <a:cs typeface="+mn-cs"/>
+              </a:defRPr>
+            </a:lvl5pPr>
+            <a:lvl6pPr marL="2137410" indent="-194310" algn="l" defTabSz="777240" rtl="0" eaLnBrk="1" latinLnBrk="0" hangingPunct="1">
+              <a:lnSpc>
+                <a:spcPct val="90000"/>
+              </a:lnSpc>
+              <a:spcBef>
+                <a:spcPts val="425"/>
+              </a:spcBef>
+              <a:buFont typeface="Arial" panose="020B0604020202020204" pitchFamily="34" charset="0"/>
+              <a:buChar char="•"/>
+              <a:defRPr sz="1530" kern="1200">
+                <a:solidFill>
+                  <a:schemeClr val="tx1"/>
+                </a:solidFill>
+                <a:latin typeface="+mn-lt"/>
+                <a:ea typeface="+mn-ea"/>
+                <a:cs typeface="+mn-cs"/>
+              </a:defRPr>
+            </a:lvl6pPr>
+            <a:lvl7pPr marL="2526030" indent="-194310" algn="l" defTabSz="777240" rtl="0" eaLnBrk="1" latinLnBrk="0" hangingPunct="1">
+              <a:lnSpc>
+                <a:spcPct val="90000"/>
+              </a:lnSpc>
+              <a:spcBef>
+                <a:spcPts val="425"/>
+              </a:spcBef>
+              <a:buFont typeface="Arial" panose="020B0604020202020204" pitchFamily="34" charset="0"/>
+              <a:buChar char="•"/>
+              <a:defRPr sz="1530" kern="1200">
+                <a:solidFill>
+                  <a:schemeClr val="tx1"/>
+                </a:solidFill>
+                <a:latin typeface="+mn-lt"/>
+                <a:ea typeface="+mn-ea"/>
+                <a:cs typeface="+mn-cs"/>
+              </a:defRPr>
+            </a:lvl7pPr>
+            <a:lvl8pPr marL="2914650" indent="-194310" algn="l" defTabSz="777240" rtl="0" eaLnBrk="1" latinLnBrk="0" hangingPunct="1">
+              <a:lnSpc>
+                <a:spcPct val="90000"/>
+              </a:lnSpc>
+              <a:spcBef>
+                <a:spcPts val="425"/>
+              </a:spcBef>
+              <a:buFont typeface="Arial" panose="020B0604020202020204" pitchFamily="34" charset="0"/>
+              <a:buChar char="•"/>
+              <a:defRPr sz="1530" kern="1200">
+                <a:solidFill>
+                  <a:schemeClr val="tx1"/>
+                </a:solidFill>
+                <a:latin typeface="+mn-lt"/>
+                <a:ea typeface="+mn-ea"/>
+                <a:cs typeface="+mn-cs"/>
+              </a:defRPr>
+            </a:lvl8pPr>
+            <a:lvl9pPr marL="3303270" indent="-194310" algn="l" defTabSz="777240" rtl="0" eaLnBrk="1" latinLnBrk="0" hangingPunct="1">
+              <a:lnSpc>
+                <a:spcPct val="90000"/>
+              </a:lnSpc>
+              <a:spcBef>
+                <a:spcPts val="425"/>
+              </a:spcBef>
+              <a:buFont typeface="Arial" panose="020B0604020202020204" pitchFamily="34" charset="0"/>
+              <a:buChar char="•"/>
+              <a:defRPr sz="1530" kern="1200">
+                <a:solidFill>
+                  <a:schemeClr val="tx1"/>
+                </a:solidFill>
+                <a:latin typeface="+mn-lt"/>
+                <a:ea typeface="+mn-ea"/>
+                <a:cs typeface="+mn-cs"/>
+              </a:defRPr>
+            </a:lvl9pPr>
+          </a:lstStyle>
+          <a:p>
+            <a:pPr algn="l"/>
+            <a:r>
+              <a:rPr lang="en-US" sz="2400" dirty="0">
+                <a:solidFill>
+                  <a:schemeClr val="accent6"/>
+                </a:solidFill>
+                <a:latin typeface="+mn-lt"/>
+              </a:rPr>
+              <a:t>Datasets</a:t>
+            </a:r>
+            <a:endParaRPr lang="en-US" dirty="0">
+              <a:solidFill>
+                <a:schemeClr val="accent6"/>
+              </a:solidFill>
+              <a:latin typeface="+mn-lt"/>
+            </a:endParaRPr>
+          </a:p>
+        </p:txBody>
+      </p:sp>
+      <p:sp>
+        <p:nvSpPr>
+          <p:cNvPr id="18" name="Text Placeholder 4">
+            <a:extLst>
+              <a:ext uri="{FF2B5EF4-FFF2-40B4-BE49-F238E27FC236}">
+                <a16:creationId xmlns:a16="http://schemas.microsoft.com/office/drawing/2014/main" id="{09448CE7-FDB0-1FFC-3C6B-F6156B8167ED}"/>
+              </a:ext>
+            </a:extLst>
+          </p:cNvPr>
+          <p:cNvSpPr txBox="1">
+            <a:spLocks/>
+          </p:cNvSpPr>
+          <p:nvPr/>
+        </p:nvSpPr>
+        <p:spPr>
+          <a:xfrm>
+            <a:off x="687631" y="4419554"/>
+            <a:ext cx="2615737" cy="396557"/>
+          </a:xfrm>
+          <a:prstGeom prst="rect">
+            <a:avLst/>
+          </a:prstGeom>
+        </p:spPr>
+        <p:txBody>
+          <a:bodyPr lIns="0" rIns="0"/>
+          <a:lstStyle>
+            <a:lvl1pPr marL="0" indent="0" algn="r" defTabSz="777240" rtl="0" eaLnBrk="1" latinLnBrk="0" hangingPunct="1">
+              <a:lnSpc>
+                <a:spcPct val="90000"/>
+              </a:lnSpc>
+              <a:spcBef>
+                <a:spcPts val="850"/>
+              </a:spcBef>
+              <a:buFont typeface="Arial" panose="020B0604020202020204" pitchFamily="34" charset="0"/>
+              <a:buNone/>
+              <a:defRPr sz="2380" b="1" kern="1200" spc="300">
+                <a:solidFill>
+                  <a:schemeClr val="bg1"/>
+                </a:solidFill>
+                <a:latin typeface="Century Gothic" panose="020B0502020202020204" pitchFamily="34" charset="0"/>
+                <a:ea typeface="+mn-ea"/>
+                <a:cs typeface="+mn-cs"/>
+              </a:defRPr>
+            </a:lvl1pPr>
+            <a:lvl2pPr marL="582930" indent="-194310" algn="l" defTabSz="777240" rtl="0" eaLnBrk="1" latinLnBrk="0" hangingPunct="1">
+              <a:lnSpc>
+                <a:spcPct val="90000"/>
+              </a:lnSpc>
+              <a:spcBef>
+                <a:spcPts val="425"/>
+              </a:spcBef>
+              <a:buFont typeface="Arial" panose="020B0604020202020204" pitchFamily="34" charset="0"/>
+              <a:buChar char="•"/>
+              <a:defRPr sz="2040" kern="1200">
+                <a:solidFill>
+                  <a:schemeClr val="accent6"/>
+                </a:solidFill>
+                <a:latin typeface="+mn-lt"/>
+                <a:ea typeface="+mn-ea"/>
+                <a:cs typeface="+mn-cs"/>
+              </a:defRPr>
+            </a:lvl2pPr>
+            <a:lvl3pPr marL="971550" indent="-194310" algn="l" defTabSz="777240" rtl="0" eaLnBrk="1" latinLnBrk="0" hangingPunct="1">
+              <a:lnSpc>
+                <a:spcPct val="90000"/>
+              </a:lnSpc>
+              <a:spcBef>
+                <a:spcPts val="425"/>
+              </a:spcBef>
+              <a:buFont typeface="Arial" panose="020B0604020202020204" pitchFamily="34" charset="0"/>
+              <a:buChar char="•"/>
+              <a:defRPr sz="1700" kern="1200">
+                <a:solidFill>
+                  <a:schemeClr val="accent6"/>
+                </a:solidFill>
+                <a:latin typeface="+mn-lt"/>
+                <a:ea typeface="+mn-ea"/>
+                <a:cs typeface="+mn-cs"/>
+              </a:defRPr>
+            </a:lvl3pPr>
+            <a:lvl4pPr marL="1360170" indent="-194310" algn="l" defTabSz="777240" rtl="0" eaLnBrk="1" latinLnBrk="0" hangingPunct="1">
+              <a:lnSpc>
+                <a:spcPct val="90000"/>
+              </a:lnSpc>
+              <a:spcBef>
+                <a:spcPts val="425"/>
+              </a:spcBef>
+              <a:buFont typeface="Arial" panose="020B0604020202020204" pitchFamily="34" charset="0"/>
+              <a:buChar char="•"/>
+              <a:defRPr sz="1530" kern="1200">
+                <a:solidFill>
+                  <a:schemeClr val="accent6"/>
+                </a:solidFill>
+                <a:latin typeface="+mn-lt"/>
+                <a:ea typeface="+mn-ea"/>
+                <a:cs typeface="+mn-cs"/>
+              </a:defRPr>
+            </a:lvl4pPr>
+            <a:lvl5pPr marL="1748790" indent="-194310" algn="l" defTabSz="777240" rtl="0" eaLnBrk="1" latinLnBrk="0" hangingPunct="1">
+              <a:lnSpc>
+                <a:spcPct val="90000"/>
+              </a:lnSpc>
+              <a:spcBef>
+                <a:spcPts val="425"/>
+              </a:spcBef>
+              <a:buFont typeface="Arial" panose="020B0604020202020204" pitchFamily="34" charset="0"/>
+              <a:buChar char="•"/>
+              <a:defRPr sz="1530" kern="1200">
+                <a:solidFill>
+                  <a:schemeClr val="accent6"/>
+                </a:solidFill>
+                <a:latin typeface="+mn-lt"/>
+                <a:ea typeface="+mn-ea"/>
+                <a:cs typeface="+mn-cs"/>
+              </a:defRPr>
+            </a:lvl5pPr>
+            <a:lvl6pPr marL="2137410" indent="-194310" algn="l" defTabSz="777240" rtl="0" eaLnBrk="1" latinLnBrk="0" hangingPunct="1">
+              <a:lnSpc>
+                <a:spcPct val="90000"/>
+              </a:lnSpc>
+              <a:spcBef>
+                <a:spcPts val="425"/>
+              </a:spcBef>
+              <a:buFont typeface="Arial" panose="020B0604020202020204" pitchFamily="34" charset="0"/>
+              <a:buChar char="•"/>
+              <a:defRPr sz="1530" kern="1200">
+                <a:solidFill>
+                  <a:schemeClr val="tx1"/>
+                </a:solidFill>
+                <a:latin typeface="+mn-lt"/>
+                <a:ea typeface="+mn-ea"/>
+                <a:cs typeface="+mn-cs"/>
+              </a:defRPr>
+            </a:lvl6pPr>
+            <a:lvl7pPr marL="2526030" indent="-194310" algn="l" defTabSz="777240" rtl="0" eaLnBrk="1" latinLnBrk="0" hangingPunct="1">
+              <a:lnSpc>
+                <a:spcPct val="90000"/>
+              </a:lnSpc>
+              <a:spcBef>
+                <a:spcPts val="425"/>
+              </a:spcBef>
+              <a:buFont typeface="Arial" panose="020B0604020202020204" pitchFamily="34" charset="0"/>
+              <a:buChar char="•"/>
+              <a:defRPr sz="1530" kern="1200">
+                <a:solidFill>
+                  <a:schemeClr val="tx1"/>
+                </a:solidFill>
+                <a:latin typeface="+mn-lt"/>
+                <a:ea typeface="+mn-ea"/>
+                <a:cs typeface="+mn-cs"/>
+              </a:defRPr>
+            </a:lvl7pPr>
+            <a:lvl8pPr marL="2914650" indent="-194310" algn="l" defTabSz="777240" rtl="0" eaLnBrk="1" latinLnBrk="0" hangingPunct="1">
+              <a:lnSpc>
+                <a:spcPct val="90000"/>
+              </a:lnSpc>
+              <a:spcBef>
+                <a:spcPts val="425"/>
+              </a:spcBef>
+              <a:buFont typeface="Arial" panose="020B0604020202020204" pitchFamily="34" charset="0"/>
+              <a:buChar char="•"/>
+              <a:defRPr sz="1530" kern="1200">
+                <a:solidFill>
+                  <a:schemeClr val="tx1"/>
+                </a:solidFill>
+                <a:latin typeface="+mn-lt"/>
+                <a:ea typeface="+mn-ea"/>
+                <a:cs typeface="+mn-cs"/>
+              </a:defRPr>
+            </a:lvl8pPr>
+            <a:lvl9pPr marL="3303270" indent="-194310" algn="l" defTabSz="777240" rtl="0" eaLnBrk="1" latinLnBrk="0" hangingPunct="1">
+              <a:lnSpc>
+                <a:spcPct val="90000"/>
+              </a:lnSpc>
+              <a:spcBef>
+                <a:spcPts val="425"/>
+              </a:spcBef>
+              <a:buFont typeface="Arial" panose="020B0604020202020204" pitchFamily="34" charset="0"/>
+              <a:buChar char="•"/>
+              <a:defRPr sz="1530" kern="1200">
+                <a:solidFill>
+                  <a:schemeClr val="tx1"/>
+                </a:solidFill>
+                <a:latin typeface="+mn-lt"/>
+                <a:ea typeface="+mn-ea"/>
+                <a:cs typeface="+mn-cs"/>
+              </a:defRPr>
+            </a:lvl9pPr>
+          </a:lstStyle>
+          <a:p>
+            <a:pPr algn="l"/>
+            <a:r>
+              <a:rPr lang="en-US" sz="2400" dirty="0">
+                <a:solidFill>
+                  <a:schemeClr val="accent6"/>
+                </a:solidFill>
+                <a:latin typeface="+mn-lt"/>
+              </a:rPr>
+              <a:t>Wrangling</a:t>
+            </a:r>
+            <a:endParaRPr lang="en-US" dirty="0">
+              <a:solidFill>
+                <a:schemeClr val="accent6"/>
+              </a:solidFill>
+              <a:latin typeface="+mn-lt"/>
+            </a:endParaRPr>
+          </a:p>
+        </p:txBody>
+      </p:sp>
+      <p:sp>
+        <p:nvSpPr>
+          <p:cNvPr id="19" name="Text Placeholder 1">
+            <a:extLst>
+              <a:ext uri="{FF2B5EF4-FFF2-40B4-BE49-F238E27FC236}">
+                <a16:creationId xmlns:a16="http://schemas.microsoft.com/office/drawing/2014/main" id="{3383F537-4773-3553-8164-66FAD181CBF0}"/>
+              </a:ext>
+            </a:extLst>
+          </p:cNvPr>
+          <p:cNvSpPr txBox="1">
+            <a:spLocks/>
+          </p:cNvSpPr>
+          <p:nvPr/>
+        </p:nvSpPr>
+        <p:spPr>
+          <a:xfrm>
+            <a:off x="687631" y="4816111"/>
+            <a:ext cx="3704022" cy="1076959"/>
+          </a:xfrm>
+          <a:prstGeom prst="rect">
+            <a:avLst/>
+          </a:prstGeom>
+        </p:spPr>
+        <p:txBody>
+          <a:bodyPr lIns="0" rIns="0"/>
+          <a:lstStyle>
+            <a:lvl1pPr marL="0" indent="0" algn="l" defTabSz="777240" rtl="0" eaLnBrk="1" latinLnBrk="0" hangingPunct="1">
+              <a:lnSpc>
+                <a:spcPct val="110000"/>
+              </a:lnSpc>
+              <a:spcBef>
+                <a:spcPts val="850"/>
+              </a:spcBef>
+              <a:buFont typeface="Arial" panose="020B0604020202020204" pitchFamily="34" charset="0"/>
+              <a:buNone/>
+              <a:defRPr sz="1400" b="1" kern="1200">
+                <a:solidFill>
+                  <a:schemeClr val="bg1"/>
+                </a:solidFill>
+                <a:latin typeface="Century Gothic" panose="020B0502020202020204" pitchFamily="34" charset="0"/>
+                <a:ea typeface="+mn-ea"/>
+                <a:cs typeface="+mn-cs"/>
+              </a:defRPr>
+            </a:lvl1pPr>
+            <a:lvl2pPr marL="388620" indent="0" algn="l" defTabSz="777240" rtl="0" eaLnBrk="1" latinLnBrk="0" hangingPunct="1">
+              <a:lnSpc>
+                <a:spcPct val="90000"/>
+              </a:lnSpc>
+              <a:spcBef>
+                <a:spcPts val="425"/>
+              </a:spcBef>
+              <a:buFont typeface="Arial" panose="020B0604020202020204" pitchFamily="34" charset="0"/>
+              <a:buNone/>
+              <a:defRPr sz="1400" kern="1200">
+                <a:solidFill>
+                  <a:schemeClr val="bg1"/>
+                </a:solidFill>
+                <a:latin typeface="+mn-lt"/>
+                <a:ea typeface="+mn-ea"/>
+                <a:cs typeface="+mn-cs"/>
+              </a:defRPr>
+            </a:lvl2pPr>
+            <a:lvl3pPr marL="777240" indent="0" algn="l" defTabSz="777240" rtl="0" eaLnBrk="1" latinLnBrk="0" hangingPunct="1">
+              <a:lnSpc>
+                <a:spcPct val="90000"/>
+              </a:lnSpc>
+              <a:spcBef>
+                <a:spcPts val="425"/>
+              </a:spcBef>
+              <a:buFont typeface="Arial" panose="020B0604020202020204" pitchFamily="34" charset="0"/>
+              <a:buNone/>
+              <a:defRPr sz="1400" kern="1200">
+                <a:solidFill>
+                  <a:schemeClr val="bg1"/>
+                </a:solidFill>
+                <a:latin typeface="+mn-lt"/>
+                <a:ea typeface="+mn-ea"/>
+                <a:cs typeface="+mn-cs"/>
+              </a:defRPr>
+            </a:lvl3pPr>
+            <a:lvl4pPr marL="1165860" indent="0" algn="l" defTabSz="777240" rtl="0" eaLnBrk="1" latinLnBrk="0" hangingPunct="1">
+              <a:lnSpc>
+                <a:spcPct val="90000"/>
+              </a:lnSpc>
+              <a:spcBef>
+                <a:spcPts val="425"/>
+              </a:spcBef>
+              <a:buFont typeface="Arial" panose="020B0604020202020204" pitchFamily="34" charset="0"/>
+              <a:buNone/>
+              <a:defRPr sz="1400" kern="1200">
+                <a:solidFill>
+                  <a:schemeClr val="bg1"/>
+                </a:solidFill>
+                <a:latin typeface="+mn-lt"/>
+                <a:ea typeface="+mn-ea"/>
+                <a:cs typeface="+mn-cs"/>
+              </a:defRPr>
+            </a:lvl4pPr>
+            <a:lvl5pPr marL="1554480" indent="0" algn="l" defTabSz="777240" rtl="0" eaLnBrk="1" latinLnBrk="0" hangingPunct="1">
+              <a:lnSpc>
+                <a:spcPct val="90000"/>
+              </a:lnSpc>
+              <a:spcBef>
+                <a:spcPts val="425"/>
+              </a:spcBef>
+              <a:buFont typeface="Arial" panose="020B0604020202020204" pitchFamily="34" charset="0"/>
+              <a:buNone/>
+              <a:defRPr sz="1400" kern="1200">
+                <a:solidFill>
+                  <a:schemeClr val="bg1"/>
+                </a:solidFill>
+                <a:latin typeface="+mn-lt"/>
+                <a:ea typeface="+mn-ea"/>
+                <a:cs typeface="+mn-cs"/>
+              </a:defRPr>
+            </a:lvl5pPr>
+            <a:lvl6pPr marL="2137410" indent="-194310" algn="l" defTabSz="777240" rtl="0" eaLnBrk="1" latinLnBrk="0" hangingPunct="1">
+              <a:lnSpc>
+                <a:spcPct val="90000"/>
+              </a:lnSpc>
+              <a:spcBef>
+                <a:spcPts val="425"/>
+              </a:spcBef>
+              <a:buFont typeface="Arial" panose="020B0604020202020204" pitchFamily="34" charset="0"/>
+              <a:buChar char="•"/>
+              <a:defRPr sz="1530" kern="1200">
+                <a:solidFill>
+                  <a:schemeClr val="tx1"/>
+                </a:solidFill>
+                <a:latin typeface="+mn-lt"/>
+                <a:ea typeface="+mn-ea"/>
+                <a:cs typeface="+mn-cs"/>
+              </a:defRPr>
+            </a:lvl6pPr>
+            <a:lvl7pPr marL="2526030" indent="-194310" algn="l" defTabSz="777240" rtl="0" eaLnBrk="1" latinLnBrk="0" hangingPunct="1">
+              <a:lnSpc>
+                <a:spcPct val="90000"/>
+              </a:lnSpc>
+              <a:spcBef>
+                <a:spcPts val="425"/>
+              </a:spcBef>
+              <a:buFont typeface="Arial" panose="020B0604020202020204" pitchFamily="34" charset="0"/>
+              <a:buChar char="•"/>
+              <a:defRPr sz="1530" kern="1200">
+                <a:solidFill>
+                  <a:schemeClr val="tx1"/>
+                </a:solidFill>
+                <a:latin typeface="+mn-lt"/>
+                <a:ea typeface="+mn-ea"/>
+                <a:cs typeface="+mn-cs"/>
+              </a:defRPr>
+            </a:lvl7pPr>
+            <a:lvl8pPr marL="2914650" indent="-194310" algn="l" defTabSz="777240" rtl="0" eaLnBrk="1" latinLnBrk="0" hangingPunct="1">
+              <a:lnSpc>
+                <a:spcPct val="90000"/>
+              </a:lnSpc>
+              <a:spcBef>
+                <a:spcPts val="425"/>
+              </a:spcBef>
+              <a:buFont typeface="Arial" panose="020B0604020202020204" pitchFamily="34" charset="0"/>
+              <a:buChar char="•"/>
+              <a:defRPr sz="1530" kern="1200">
+                <a:solidFill>
+                  <a:schemeClr val="tx1"/>
+                </a:solidFill>
+                <a:latin typeface="+mn-lt"/>
+                <a:ea typeface="+mn-ea"/>
+                <a:cs typeface="+mn-cs"/>
+              </a:defRPr>
+            </a:lvl8pPr>
+            <a:lvl9pPr marL="3303270" indent="-194310" algn="l" defTabSz="777240" rtl="0" eaLnBrk="1" latinLnBrk="0" hangingPunct="1">
+              <a:lnSpc>
+                <a:spcPct val="90000"/>
+              </a:lnSpc>
+              <a:spcBef>
+                <a:spcPts val="425"/>
+              </a:spcBef>
+              <a:buFont typeface="Arial" panose="020B0604020202020204" pitchFamily="34" charset="0"/>
+              <a:buChar char="•"/>
+              <a:defRPr sz="1530" kern="1200">
+                <a:solidFill>
+                  <a:schemeClr val="tx1"/>
+                </a:solidFill>
+                <a:latin typeface="+mn-lt"/>
+                <a:ea typeface="+mn-ea"/>
+                <a:cs typeface="+mn-cs"/>
+              </a:defRPr>
+            </a:lvl9pPr>
+          </a:lstStyle>
+          <a:p>
+            <a:pPr marL="285750" indent="-285750">
+              <a:buFont typeface="Wingdings" panose="05000000000000000000" pitchFamily="2" charset="2"/>
+              <a:buChar char="v"/>
+            </a:pPr>
+            <a:r>
+              <a:rPr lang="en-US" sz="1600" b="1" dirty="0">
+                <a:latin typeface="+mn-lt"/>
+                <a:ea typeface="Calibri" panose="020F0502020204030204" pitchFamily="34" charset="0"/>
+                <a:cs typeface="Times New Roman" panose="02020603050405020304" pitchFamily="18" charset="0"/>
+              </a:rPr>
+              <a:t>Created data frames copies</a:t>
+            </a:r>
+          </a:p>
+          <a:p>
+            <a:pPr marL="285750" indent="-285750">
+              <a:buFont typeface="Wingdings" panose="05000000000000000000" pitchFamily="2" charset="2"/>
+              <a:buChar char="v"/>
+            </a:pPr>
+            <a:r>
+              <a:rPr lang="en-US" sz="1600" dirty="0">
+                <a:latin typeface="+mn-lt"/>
+                <a:ea typeface="Calibri" panose="020F0502020204030204" pitchFamily="34" charset="0"/>
+                <a:cs typeface="Times New Roman" panose="02020603050405020304" pitchFamily="18" charset="0"/>
+              </a:rPr>
+              <a:t>Reformatted column values</a:t>
+            </a:r>
+          </a:p>
+          <a:p>
+            <a:pPr marL="285750" indent="-285750">
+              <a:buFont typeface="Wingdings" panose="05000000000000000000" pitchFamily="2" charset="2"/>
+              <a:buChar char="v"/>
+            </a:pPr>
+            <a:r>
+              <a:rPr lang="en-US" sz="1600" b="1" dirty="0">
+                <a:latin typeface="+mn-lt"/>
+                <a:ea typeface="Calibri" panose="020F0502020204030204" pitchFamily="34" charset="0"/>
+                <a:cs typeface="Times New Roman" panose="02020603050405020304" pitchFamily="18" charset="0"/>
+              </a:rPr>
+              <a:t>Recoded column values</a:t>
+            </a:r>
+          </a:p>
+          <a:p>
+            <a:pPr marL="285750" indent="-285750">
+              <a:buFont typeface="Wingdings" panose="05000000000000000000" pitchFamily="2" charset="2"/>
+              <a:buChar char="v"/>
+            </a:pPr>
+            <a:r>
+              <a:rPr lang="en-US" sz="1600" dirty="0">
+                <a:latin typeface="+mn-lt"/>
+                <a:ea typeface="Calibri" panose="020F0502020204030204" pitchFamily="34" charset="0"/>
+                <a:cs typeface="Times New Roman" panose="02020603050405020304" pitchFamily="18" charset="0"/>
+              </a:rPr>
+              <a:t>Transformed variable values</a:t>
+            </a:r>
+            <a:endParaRPr lang="en-US" sz="1600" b="1" dirty="0">
+              <a:latin typeface="+mn-lt"/>
+              <a:ea typeface="Calibri" panose="020F0502020204030204" pitchFamily="34" charset="0"/>
+              <a:cs typeface="Times New Roman" panose="02020603050405020304" pitchFamily="18" charset="0"/>
+            </a:endParaRPr>
+          </a:p>
+          <a:p>
+            <a:pPr lvl="1"/>
+            <a:endParaRPr lang="en-US" sz="1800" dirty="0">
+              <a:latin typeface="Calibri" panose="020F0502020204030204" pitchFamily="34" charset="0"/>
+              <a:ea typeface="Calibri" panose="020F0502020204030204" pitchFamily="34" charset="0"/>
+              <a:cs typeface="Times New Roman" panose="02020603050405020304" pitchFamily="18" charset="0"/>
+            </a:endParaRPr>
+          </a:p>
+          <a:p>
+            <a:pPr marL="674370" lvl="1" indent="-285750">
+              <a:buFont typeface="Wingdings" panose="05000000000000000000" pitchFamily="2" charset="2"/>
+              <a:buChar char="v"/>
+            </a:pPr>
+            <a:endParaRPr lang="en-US" sz="1600" dirty="0"/>
           </a:p>
         </p:txBody>
       </p:sp>
     </p:spTree>
     <p:extLst>
       <p:ext uri="{BB962C8B-B14F-4D97-AF65-F5344CB8AC3E}">
-        <p14:creationId xmlns:p14="http://schemas.microsoft.com/office/powerpoint/2010/main" val="3237990862"/>
+        <p14:creationId xmlns:p14="http://schemas.microsoft.com/office/powerpoint/2010/main" val="1402331508"/>
       </p:ext>
     </p:extLst>
   </p:cSld>
@@ -8492,105 +12784,58 @@
             <p:ph type="body" sz="quarter" idx="10"/>
           </p:nvPr>
         </p:nvSpPr>
-        <p:spPr/>
+        <p:spPr>
+          <a:xfrm>
+            <a:off x="5201356" y="2572599"/>
+            <a:ext cx="2571044" cy="2335299"/>
+          </a:xfrm>
+        </p:spPr>
         <p:txBody>
           <a:bodyPr/>
           <a:lstStyle/>
           <a:p>
-            <a:r>
-              <a:rPr lang="en-US" dirty="0"/>
-              <a:t>Lorem ipsum dolor sit amet, consectetur adipiscing elit, sed do eiusmod Lorem ipsum dolor sit amet, consectetur adipiscing elit.</a:t>
-            </a:r>
-          </a:p>
-          <a:p>
-            <a:endParaRPr lang="en-US" dirty="0"/>
-          </a:p>
-        </p:txBody>
-      </p:sp>
-      <p:sp>
-        <p:nvSpPr>
-          <p:cNvPr id="3" name="Text Placeholder 2">
-            <a:extLst>
-              <a:ext uri="{FF2B5EF4-FFF2-40B4-BE49-F238E27FC236}">
-                <a16:creationId xmlns:a16="http://schemas.microsoft.com/office/drawing/2014/main" id="{CA92EE40-0AE5-5144-8ABC-CA64A1E04E33}"/>
-              </a:ext>
-            </a:extLst>
-          </p:cNvPr>
-          <p:cNvSpPr>
-            <a:spLocks noGrp="1"/>
-          </p:cNvSpPr>
-          <p:nvPr>
-            <p:ph type="body" sz="quarter" idx="11"/>
-          </p:nvPr>
-        </p:nvSpPr>
-        <p:spPr/>
-        <p:txBody>
-          <a:bodyPr/>
-          <a:lstStyle/>
-          <a:p>
-            <a:r>
-              <a:rPr lang="en-US" dirty="0"/>
-              <a:t>Lorem ipsum dolor sit amet, consectetur adipiscing elit, sed do eiusmod Lorem ipsum dolor sit amet, consectetur adipiscing elit.</a:t>
-            </a:r>
-          </a:p>
-          <a:p>
-            <a:endParaRPr lang="en-US" dirty="0"/>
-          </a:p>
-        </p:txBody>
-      </p:sp>
-      <p:sp>
-        <p:nvSpPr>
-          <p:cNvPr id="4" name="Text Placeholder 3">
-            <a:extLst>
-              <a:ext uri="{FF2B5EF4-FFF2-40B4-BE49-F238E27FC236}">
-                <a16:creationId xmlns:a16="http://schemas.microsoft.com/office/drawing/2014/main" id="{E153B7F6-A072-F440-9744-CF36C6F3AAB9}"/>
-              </a:ext>
-            </a:extLst>
-          </p:cNvPr>
-          <p:cNvSpPr>
-            <a:spLocks noGrp="1"/>
-          </p:cNvSpPr>
-          <p:nvPr>
-            <p:ph type="body" sz="quarter" idx="12"/>
-          </p:nvPr>
-        </p:nvSpPr>
-        <p:spPr/>
-        <p:txBody>
-          <a:bodyPr/>
-          <a:lstStyle/>
-          <a:p>
-            <a:r>
-              <a:rPr lang="en-US" dirty="0"/>
-              <a:t>FEATURE</a:t>
-            </a:r>
-          </a:p>
-        </p:txBody>
-      </p:sp>
-      <p:sp>
-        <p:nvSpPr>
-          <p:cNvPr id="5" name="Text Placeholder 4">
-            <a:extLst>
-              <a:ext uri="{FF2B5EF4-FFF2-40B4-BE49-F238E27FC236}">
-                <a16:creationId xmlns:a16="http://schemas.microsoft.com/office/drawing/2014/main" id="{2D3E033B-7726-4E4E-B48E-79728B115E33}"/>
-              </a:ext>
-            </a:extLst>
-          </p:cNvPr>
-          <p:cNvSpPr>
-            <a:spLocks noGrp="1"/>
-          </p:cNvSpPr>
-          <p:nvPr>
-            <p:ph type="body" sz="quarter" idx="13"/>
-          </p:nvPr>
-        </p:nvSpPr>
-        <p:spPr/>
-        <p:txBody>
-          <a:bodyPr/>
-          <a:lstStyle/>
-          <a:p>
-            <a:r>
-              <a:rPr lang="en-US" dirty="0"/>
-              <a:t>FEATURE</a:t>
-            </a:r>
+            <a:pPr marL="285750" indent="-285750">
+              <a:buFont typeface="Wingdings" panose="05000000000000000000" pitchFamily="2" charset="2"/>
+              <a:buChar char="v"/>
+            </a:pPr>
+            <a:r>
+              <a:rPr lang="en-US" sz="1600" dirty="0">
+                <a:latin typeface="+mn-lt"/>
+              </a:rPr>
+              <a:t>Over time box office sales have increased, and so have budgets.</a:t>
+            </a:r>
+          </a:p>
+          <a:p>
+            <a:pPr marL="285750" indent="-285750">
+              <a:buFont typeface="Wingdings" panose="05000000000000000000" pitchFamily="2" charset="2"/>
+              <a:buChar char="v"/>
+            </a:pPr>
+            <a:endParaRPr lang="en-US" sz="1600" dirty="0">
+              <a:latin typeface="+mn-lt"/>
+            </a:endParaRPr>
+          </a:p>
+          <a:p>
+            <a:r>
+              <a:rPr lang="en-US" sz="1600" dirty="0">
+                <a:latin typeface="+mn-lt"/>
+              </a:rPr>
+              <a:t> </a:t>
+            </a:r>
+          </a:p>
+          <a:p>
+            <a:pPr marL="285750" indent="-285750">
+              <a:buFont typeface="Wingdings" panose="05000000000000000000" pitchFamily="2" charset="2"/>
+              <a:buChar char="v"/>
+            </a:pPr>
+            <a:r>
+              <a:rPr lang="en-US" sz="1600" dirty="0">
+                <a:latin typeface="+mn-lt"/>
+              </a:rPr>
+              <a:t>2010’s saw a return of smaller budget movies.</a:t>
+            </a:r>
+          </a:p>
+          <a:p>
+            <a:endParaRPr lang="en-US" sz="1800" dirty="0"/>
           </a:p>
         </p:txBody>
       </p:sp>
@@ -8617,7 +12862,7 @@
           <a:p>
             <a:r>
               <a:rPr lang="en-US" dirty="0"/>
-              <a:t>MOVIES</a:t>
+              <a:t>Greensboro College</a:t>
             </a:r>
           </a:p>
         </p:txBody>
@@ -8638,46 +12883,146 @@
             <p:ph type="body" sz="quarter" idx="16"/>
           </p:nvPr>
         </p:nvSpPr>
-        <p:spPr/>
+        <p:spPr>
+          <a:xfrm>
+            <a:off x="687631" y="472352"/>
+            <a:ext cx="6499382" cy="342900"/>
+          </a:xfrm>
+        </p:spPr>
         <p:txBody>
           <a:bodyPr/>
           <a:lstStyle/>
           <a:p>
             <a:r>
-              <a:rPr lang="en-US" dirty="0"/>
-              <a:t>JANUARY [YEAR]</a:t>
-            </a:r>
-          </a:p>
-        </p:txBody>
-      </p:sp>
-      <p:sp>
-        <p:nvSpPr>
-          <p:cNvPr id="8" name="Title 7">
-            <a:extLst>
-              <a:ext uri="{FF2B5EF4-FFF2-40B4-BE49-F238E27FC236}">
-                <a16:creationId xmlns:a16="http://schemas.microsoft.com/office/drawing/2014/main" id="{B7361972-9B59-0343-BF16-C27A91621E25}"/>
-              </a:ext>
-            </a:extLst>
-          </p:cNvPr>
-          <p:cNvSpPr>
-            <a:spLocks noGrp="1"/>
-          </p:cNvSpPr>
-          <p:nvPr>
-            <p:ph type="title"/>
-          </p:nvPr>
-        </p:nvSpPr>
-        <p:spPr/>
-        <p:txBody>
-          <a:bodyPr/>
-          <a:lstStyle/>
-          <a:p>
-            <a:r>
-              <a:rPr lang="en-US" dirty="0"/>
-              <a:t>Tinseltown</a:t>
-            </a:r>
-          </a:p>
-        </p:txBody>
-      </p:sp>
+              <a:rPr lang="en-US" dirty="0">
+                <a:solidFill>
+                  <a:schemeClr val="accent6"/>
+                </a:solidFill>
+                <a:latin typeface="+mn-lt"/>
+              </a:rPr>
+              <a:t>Team Jupiter</a:t>
+            </a:r>
+          </a:p>
+        </p:txBody>
+      </p:sp>
+      <p:sp>
+        <p:nvSpPr>
+          <p:cNvPr id="9" name="Title 7">
+            <a:extLst>
+              <a:ext uri="{FF2B5EF4-FFF2-40B4-BE49-F238E27FC236}">
+                <a16:creationId xmlns:a16="http://schemas.microsoft.com/office/drawing/2014/main" id="{A0A94243-749F-A734-84CE-9C917825D8E9}"/>
+              </a:ext>
+            </a:extLst>
+          </p:cNvPr>
+          <p:cNvSpPr txBox="1">
+            <a:spLocks/>
+          </p:cNvSpPr>
+          <p:nvPr/>
+        </p:nvSpPr>
+        <p:spPr>
+          <a:xfrm>
+            <a:off x="585386" y="909479"/>
+            <a:ext cx="6499382" cy="931677"/>
+          </a:xfrm>
+          <a:prstGeom prst="rect">
+            <a:avLst/>
+          </a:prstGeom>
+        </p:spPr>
+        <p:txBody>
+          <a:bodyPr lIns="0" rIns="0" anchor="ctr"/>
+          <a:lstStyle>
+            <a:lvl1pPr algn="l" defTabSz="777240" rtl="0" eaLnBrk="1" latinLnBrk="0" hangingPunct="1">
+              <a:lnSpc>
+                <a:spcPct val="90000"/>
+              </a:lnSpc>
+              <a:spcBef>
+                <a:spcPct val="0"/>
+              </a:spcBef>
+              <a:buNone/>
+              <a:defRPr lang="en-US" sz="8800" b="1" kern="1200" cap="all" spc="-300" baseline="0">
+                <a:solidFill>
+                  <a:schemeClr val="accent4"/>
+                </a:solidFill>
+                <a:latin typeface="+mj-lt"/>
+                <a:ea typeface="+mn-ea"/>
+                <a:cs typeface="+mn-cs"/>
+              </a:defRPr>
+            </a:lvl1pPr>
+          </a:lstStyle>
+          <a:p>
+            <a:pPr algn="ctr"/>
+            <a:r>
+              <a:rPr lang="en-US" sz="4800" dirty="0">
+                <a:solidFill>
+                  <a:srgbClr val="FF0000"/>
+                </a:solidFill>
+              </a:rPr>
+              <a:t>Does big budget equal success?</a:t>
+            </a:r>
+            <a:endParaRPr lang="en-US" sz="2800" dirty="0"/>
+          </a:p>
+        </p:txBody>
+      </p:sp>
+      <p:pic>
+        <p:nvPicPr>
+          <p:cNvPr id="30" name="Picture 29" descr="A picture containing text, screenshot, plot, software&#10;&#10;Description automatically generated">
+            <a:extLst>
+              <a:ext uri="{FF2B5EF4-FFF2-40B4-BE49-F238E27FC236}">
+                <a16:creationId xmlns:a16="http://schemas.microsoft.com/office/drawing/2014/main" id="{95833165-83AE-DA16-AB25-0FD5E9DF2C72}"/>
+              </a:ext>
+            </a:extLst>
+          </p:cNvPr>
+          <p:cNvPicPr>
+            <a:picLocks noChangeAspect="1"/>
+          </p:cNvPicPr>
+          <p:nvPr/>
+        </p:nvPicPr>
+        <p:blipFill>
+          <a:blip r:embed="rId2"/>
+          <a:stretch>
+            <a:fillRect/>
+          </a:stretch>
+        </p:blipFill>
+        <p:spPr>
+          <a:xfrm>
+            <a:off x="147442" y="2199630"/>
+            <a:ext cx="4906472" cy="3081239"/>
+          </a:xfrm>
+          <a:prstGeom prst="rect">
+            <a:avLst/>
+          </a:prstGeom>
+        </p:spPr>
+      </p:pic>
+      <p:pic>
+        <p:nvPicPr>
+          <p:cNvPr id="36" name="Picture 35" descr="A picture containing text, screenshot, diagram&#10;&#10;Description automatically generated">
+            <a:extLst>
+              <a:ext uri="{FF2B5EF4-FFF2-40B4-BE49-F238E27FC236}">
+                <a16:creationId xmlns:a16="http://schemas.microsoft.com/office/drawing/2014/main" id="{9F65623F-E2AF-E03E-4B07-3C963D4614DC}"/>
+              </a:ext>
+            </a:extLst>
+          </p:cNvPr>
+          <p:cNvPicPr>
+            <a:picLocks noChangeAspect="1"/>
+          </p:cNvPicPr>
+          <p:nvPr/>
+        </p:nvPicPr>
+        <p:blipFill>
+          <a:blip r:embed="rId3"/>
+          <a:stretch>
+            <a:fillRect/>
+          </a:stretch>
+        </p:blipFill>
+        <p:spPr>
+          <a:xfrm>
+            <a:off x="687631" y="5439253"/>
+            <a:ext cx="6382266" cy="3709668"/>
+          </a:xfrm>
+          <a:prstGeom prst="rect">
+            <a:avLst/>
+          </a:prstGeom>
+        </p:spPr>
+      </p:pic>
     </p:spTree>
     <p:extLst>
       <p:ext uri="{BB962C8B-B14F-4D97-AF65-F5344CB8AC3E}">
@@ -8710,10 +13055,10 @@
       </p:grpSpPr>
       <p:sp>
         <p:nvSpPr>
-          <p:cNvPr id="12" name="Text Placeholder 11">
-            <a:extLst>
-              <a:ext uri="{FF2B5EF4-FFF2-40B4-BE49-F238E27FC236}">
-                <a16:creationId xmlns:a16="http://schemas.microsoft.com/office/drawing/2014/main" id="{7D7B05AE-F1D3-F246-917E-3A73DC6FD61B}"/>
+          <p:cNvPr id="2" name="Text Placeholder 1">
+            <a:extLst>
+              <a:ext uri="{FF2B5EF4-FFF2-40B4-BE49-F238E27FC236}">
+                <a16:creationId xmlns:a16="http://schemas.microsoft.com/office/drawing/2014/main" id="{5E80B8A2-89A7-4B47-B1B6-6AE513CBD0BD}"/>
               </a:ext>
             </a:extLst>
           </p:cNvPr>
@@ -8724,24 +13069,29 @@
             <p:ph type="body" sz="quarter" idx="10"/>
           </p:nvPr>
         </p:nvSpPr>
-        <p:spPr/>
+        <p:spPr>
+          <a:xfrm>
+            <a:off x="585386" y="2232788"/>
+            <a:ext cx="5012225" cy="596909"/>
+          </a:xfrm>
+        </p:spPr>
         <p:txBody>
           <a:bodyPr/>
           <a:lstStyle/>
           <a:p>
             <a:r>
               <a:rPr lang="en-US" dirty="0"/>
-              <a:t>Lorem ipsum dolor sit amet, consectetur adipiscing elit, sed do eiusmod Lorem ipsum dolor sit amet, consectetur adipiscing elit.</a:t>
-            </a:r>
-          </a:p>
-        </p:txBody>
-      </p:sp>
-      <p:sp>
-        <p:nvSpPr>
-          <p:cNvPr id="13" name="Text Placeholder 12">
-            <a:extLst>
-              <a:ext uri="{FF2B5EF4-FFF2-40B4-BE49-F238E27FC236}">
-                <a16:creationId xmlns:a16="http://schemas.microsoft.com/office/drawing/2014/main" id="{44E7CDFD-7790-A640-9ACB-9D9F14E11463}"/>
+              <a:t>Does the amount of movie spent on making a movie influence box office sales?</a:t>
+            </a:r>
+          </a:p>
+        </p:txBody>
+      </p:sp>
+      <p:sp>
+        <p:nvSpPr>
+          <p:cNvPr id="3" name="Text Placeholder 2">
+            <a:extLst>
+              <a:ext uri="{FF2B5EF4-FFF2-40B4-BE49-F238E27FC236}">
+                <a16:creationId xmlns:a16="http://schemas.microsoft.com/office/drawing/2014/main" id="{CA92EE40-0AE5-5144-8ABC-CA64A1E04E33}"/>
               </a:ext>
             </a:extLst>
           </p:cNvPr>
@@ -8752,52 +13102,34 @@
             <p:ph type="body" sz="quarter" idx="11"/>
           </p:nvPr>
         </p:nvSpPr>
-        <p:spPr/>
+        <p:spPr>
+          <a:xfrm>
+            <a:off x="4651375" y="3020045"/>
+            <a:ext cx="2616200" cy="1296988"/>
+          </a:xfrm>
+        </p:spPr>
         <p:txBody>
           <a:bodyPr/>
           <a:lstStyle/>
           <a:p>
+            <a:pPr algn="r"/>
             <a:r>
               <a:rPr lang="en-US" dirty="0"/>
-              <a:t>Lorem ipsum dolor sit amet consectetur adipiscing elit sed do eiusmodLorem ipsum dolor sit amet, consectetur adipiscing elit.</a:t>
-            </a:r>
-          </a:p>
-        </p:txBody>
-      </p:sp>
-      <p:sp>
-        <p:nvSpPr>
-          <p:cNvPr id="17" name="Text Placeholder 16">
-            <a:extLst>
-              <a:ext uri="{FF2B5EF4-FFF2-40B4-BE49-F238E27FC236}">
-                <a16:creationId xmlns:a16="http://schemas.microsoft.com/office/drawing/2014/main" id="{8159C9F5-3197-0445-A08E-D2D4FA7B6EEB}"/>
-              </a:ext>
-            </a:extLst>
-          </p:cNvPr>
-          <p:cNvSpPr>
-            <a:spLocks noGrp="1"/>
-          </p:cNvSpPr>
-          <p:nvPr>
-            <p:ph type="body" sz="quarter" idx="12"/>
-          </p:nvPr>
-        </p:nvSpPr>
-        <p:spPr/>
-        <p:txBody>
-          <a:bodyPr/>
-          <a:lstStyle/>
-          <a:p>
-            <a:r>
-              <a:rPr lang="en-US" dirty="0"/>
-              <a:t>FEATURE TITLE</a:t>
-            </a:r>
-          </a:p>
-        </p:txBody>
-      </p:sp>
-      <p:sp>
-        <p:nvSpPr>
-          <p:cNvPr id="18" name="Text Placeholder 17">
-            <a:extLst>
-              <a:ext uri="{FF2B5EF4-FFF2-40B4-BE49-F238E27FC236}">
-                <a16:creationId xmlns:a16="http://schemas.microsoft.com/office/drawing/2014/main" id="{E27F62D6-4966-064C-9DBA-65E5B2A7476D}"/>
+              <a:t>Looking at how a movies budget (millions) affects Worldwide or Domestic Gross </a:t>
+            </a:r>
+          </a:p>
+          <a:p>
+            <a:pPr algn="r"/>
+            <a:endParaRPr lang="en-US" dirty="0"/>
+          </a:p>
+        </p:txBody>
+      </p:sp>
+      <p:sp>
+        <p:nvSpPr>
+          <p:cNvPr id="5" name="Text Placeholder 4">
+            <a:extLst>
+              <a:ext uri="{FF2B5EF4-FFF2-40B4-BE49-F238E27FC236}">
+                <a16:creationId xmlns:a16="http://schemas.microsoft.com/office/drawing/2014/main" id="{2D3E033B-7726-4E4E-B48E-79728B115E33}"/>
               </a:ext>
             </a:extLst>
           </p:cNvPr>
@@ -8808,24 +13140,33 @@
             <p:ph type="body" sz="quarter" idx="13"/>
           </p:nvPr>
         </p:nvSpPr>
-        <p:spPr/>
+        <p:spPr>
+          <a:xfrm>
+            <a:off x="4069991" y="2623488"/>
+            <a:ext cx="3591198" cy="396557"/>
+          </a:xfrm>
+        </p:spPr>
         <p:txBody>
           <a:bodyPr/>
           <a:lstStyle/>
           <a:p>
             <a:r>
-              <a:rPr lang="en-US" dirty="0"/>
-              <a:t>FEATURE TITLE</a:t>
-            </a:r>
-          </a:p>
-        </p:txBody>
-      </p:sp>
-      <p:sp>
-        <p:nvSpPr>
-          <p:cNvPr id="20" name="Title">
-            <a:extLst>
-              <a:ext uri="{FF2B5EF4-FFF2-40B4-BE49-F238E27FC236}">
-                <a16:creationId xmlns:a16="http://schemas.microsoft.com/office/drawing/2014/main" id="{9171DEF7-A61D-CC4C-A663-F3A746DA9307}"/>
+              <a:rPr lang="en-US" dirty="0">
+                <a:solidFill>
+                  <a:schemeClr val="accent6"/>
+                </a:solidFill>
+              </a:rPr>
+              <a:t>Linear Regression</a:t>
+            </a:r>
+          </a:p>
+        </p:txBody>
+      </p:sp>
+      <p:sp>
+        <p:nvSpPr>
+          <p:cNvPr id="6" name="Text Placeholder 5">
+            <a:extLst>
+              <a:ext uri="{FF2B5EF4-FFF2-40B4-BE49-F238E27FC236}">
+                <a16:creationId xmlns:a16="http://schemas.microsoft.com/office/drawing/2014/main" id="{FC50AA9E-8736-7046-B34C-EE91E892ABE6}"/>
               </a:ext>
             </a:extLst>
           </p:cNvPr>
@@ -8843,17 +13184,17 @@
           <a:p>
             <a:r>
               <a:rPr lang="en-US" dirty="0"/>
-              <a:t>MOVIES</a:t>
-            </a:r>
-          </a:p>
-        </p:txBody>
-      </p:sp>
-      <p:sp>
-        <p:nvSpPr>
-          <p:cNvPr id="4" name="Text Placeholder 3">
-            <a:extLst>
-              <a:ext uri="{FF2B5EF4-FFF2-40B4-BE49-F238E27FC236}">
-                <a16:creationId xmlns:a16="http://schemas.microsoft.com/office/drawing/2014/main" id="{2A3EF717-1FB0-914E-938F-9A05A994C939}"/>
+              <a:t>Greensboro College</a:t>
+            </a:r>
+          </a:p>
+        </p:txBody>
+      </p:sp>
+      <p:sp>
+        <p:nvSpPr>
+          <p:cNvPr id="7" name="Text Placeholder 6">
+            <a:extLst>
+              <a:ext uri="{FF2B5EF4-FFF2-40B4-BE49-F238E27FC236}">
+                <a16:creationId xmlns:a16="http://schemas.microsoft.com/office/drawing/2014/main" id="{53DB799C-D020-A24F-84A8-14D813FD91BB}"/>
               </a:ext>
             </a:extLst>
           </p:cNvPr>
@@ -8874,65 +13215,105 @@
                 <a:solidFill>
                   <a:schemeClr val="accent6"/>
                 </a:solidFill>
+                <a:latin typeface="+mn-lt"/>
               </a:rPr>
-              <a:t>JANUARY</a:t>
-            </a:r>
-            <a:r>
-              <a:rPr lang="en-US" dirty="0"/>
-              <a:t> </a:t>
-            </a:r>
-            <a:r>
-              <a:rPr lang="en-US" dirty="0">
-                <a:solidFill>
-                  <a:schemeClr val="accent6"/>
+              <a:t>Team Jupiter</a:t>
+            </a:r>
+          </a:p>
+        </p:txBody>
+      </p:sp>
+      <p:sp>
+        <p:nvSpPr>
+          <p:cNvPr id="9" name="Title 7">
+            <a:extLst>
+              <a:ext uri="{FF2B5EF4-FFF2-40B4-BE49-F238E27FC236}">
+                <a16:creationId xmlns:a16="http://schemas.microsoft.com/office/drawing/2014/main" id="{A0A94243-749F-A734-84CE-9C917825D8E9}"/>
+              </a:ext>
+            </a:extLst>
+          </p:cNvPr>
+          <p:cNvSpPr txBox="1">
+            <a:spLocks/>
+          </p:cNvSpPr>
+          <p:nvPr/>
+        </p:nvSpPr>
+        <p:spPr>
+          <a:xfrm>
+            <a:off x="585386" y="900019"/>
+            <a:ext cx="6499382" cy="941137"/>
+          </a:xfrm>
+          <a:prstGeom prst="rect">
+            <a:avLst/>
+          </a:prstGeom>
+        </p:spPr>
+        <p:txBody>
+          <a:bodyPr lIns="0" rIns="0" anchor="ctr"/>
+          <a:lstStyle>
+            <a:lvl1pPr algn="l" defTabSz="777240" rtl="0" eaLnBrk="1" latinLnBrk="0" hangingPunct="1">
+              <a:lnSpc>
+                <a:spcPct val="90000"/>
+              </a:lnSpc>
+              <a:spcBef>
+                <a:spcPct val="0"/>
+              </a:spcBef>
+              <a:buNone/>
+              <a:defRPr lang="en-US" sz="8800" b="1" kern="1200" cap="all" spc="-300" baseline="0">
+                <a:solidFill>
+                  <a:schemeClr val="accent4"/>
+                </a:solidFill>
+                <a:latin typeface="+mj-lt"/>
+                <a:ea typeface="+mn-ea"/>
+                <a:cs typeface="+mn-cs"/>
+              </a:defRPr>
+            </a:lvl1pPr>
+          </a:lstStyle>
+          <a:p>
+            <a:pPr algn="ctr"/>
+            <a:r>
+              <a:rPr lang="en-US" sz="4800" dirty="0">
+                <a:solidFill>
+                  <a:srgbClr val="FF0000"/>
                 </a:solidFill>
               </a:rPr>
-              <a:t>[YEAR]</a:t>
-            </a:r>
-          </a:p>
-        </p:txBody>
-      </p:sp>
-      <p:sp>
-        <p:nvSpPr>
-          <p:cNvPr id="22" name="Title 21">
-            <a:extLst>
-              <a:ext uri="{FF2B5EF4-FFF2-40B4-BE49-F238E27FC236}">
-                <a16:creationId xmlns:a16="http://schemas.microsoft.com/office/drawing/2014/main" id="{63144A03-4F69-4BAE-B210-2CAB9F69C35D}"/>
-              </a:ext>
-            </a:extLst>
-          </p:cNvPr>
-          <p:cNvSpPr>
-            <a:spLocks noGrp="1"/>
-          </p:cNvSpPr>
-          <p:nvPr>
-            <p:ph type="title"/>
-          </p:nvPr>
-        </p:nvSpPr>
+              <a:t>Does big budget equal success?</a:t>
+            </a:r>
+            <a:endParaRPr lang="en-US" sz="2800" dirty="0"/>
+          </a:p>
+        </p:txBody>
+      </p:sp>
+      <p:pic>
+        <p:nvPicPr>
+          <p:cNvPr id="11" name="Picture 10" descr="A picture containing text, screenshot, diagram, line&#10;&#10;Description automatically generated">
+            <a:extLst>
+              <a:ext uri="{FF2B5EF4-FFF2-40B4-BE49-F238E27FC236}">
+                <a16:creationId xmlns:a16="http://schemas.microsoft.com/office/drawing/2014/main" id="{C46C6C1C-B258-C98E-DBFB-988299FCDD11}"/>
+              </a:ext>
+            </a:extLst>
+          </p:cNvPr>
+          <p:cNvPicPr>
+            <a:picLocks noChangeAspect="1"/>
+          </p:cNvPicPr>
+          <p:nvPr/>
+        </p:nvPicPr>
+        <p:blipFill>
+          <a:blip r:embed="rId2"/>
+          <a:stretch>
+            <a:fillRect/>
+          </a:stretch>
+        </p:blipFill>
         <p:spPr>
           <a:xfrm>
-            <a:off x="687631" y="963487"/>
-            <a:ext cx="6499382" cy="792162"/>
-          </a:xfrm>
-        </p:spPr>
-        <p:txBody>
-          <a:bodyPr/>
-          <a:lstStyle/>
-          <a:p>
-            <a:r>
-              <a:rPr lang="en-US" dirty="0">
-                <a:solidFill>
-                  <a:schemeClr val="accent6"/>
-                </a:solidFill>
-              </a:rPr>
-              <a:t>Movie Time</a:t>
-            </a:r>
-          </a:p>
-        </p:txBody>
-      </p:sp>
+            <a:off x="206442" y="4317033"/>
+            <a:ext cx="7359516" cy="4425318"/>
+          </a:xfrm>
+          <a:prstGeom prst="rect">
+            <a:avLst/>
+          </a:prstGeom>
+        </p:spPr>
+      </p:pic>
     </p:spTree>
     <p:extLst>
       <p:ext uri="{BB962C8B-B14F-4D97-AF65-F5344CB8AC3E}">
-        <p14:creationId xmlns:p14="http://schemas.microsoft.com/office/powerpoint/2010/main" val="1431513937"/>
+        <p14:creationId xmlns:p14="http://schemas.microsoft.com/office/powerpoint/2010/main" val="1154545916"/>
       </p:ext>
     </p:extLst>
   </p:cSld>
@@ -8961,10 +13342,317 @@
       </p:grpSpPr>
       <p:sp>
         <p:nvSpPr>
+          <p:cNvPr id="3" name="Text Placeholder 2">
+            <a:extLst>
+              <a:ext uri="{FF2B5EF4-FFF2-40B4-BE49-F238E27FC236}">
+                <a16:creationId xmlns:a16="http://schemas.microsoft.com/office/drawing/2014/main" id="{CA92EE40-0AE5-5144-8ABC-CA64A1E04E33}"/>
+              </a:ext>
+            </a:extLst>
+          </p:cNvPr>
+          <p:cNvSpPr>
+            <a:spLocks noGrp="1"/>
+          </p:cNvSpPr>
+          <p:nvPr>
+            <p:ph type="body" sz="quarter" idx="11"/>
+          </p:nvPr>
+        </p:nvSpPr>
+        <p:spPr>
+          <a:xfrm>
+            <a:off x="687631" y="2573999"/>
+            <a:ext cx="5898520" cy="1296988"/>
+          </a:xfrm>
+        </p:spPr>
+        <p:txBody>
+          <a:bodyPr/>
+          <a:lstStyle/>
+          <a:p>
+            <a:pPr marL="285750" indent="-285750">
+              <a:buFont typeface="Wingdings" panose="05000000000000000000" pitchFamily="2" charset="2"/>
+              <a:buChar char="v"/>
+            </a:pPr>
+            <a:r>
+              <a:rPr lang="en-US" dirty="0"/>
+              <a:t>A movie's Budget has a significant effect on how much a movie grosses Worldwide.</a:t>
+            </a:r>
+          </a:p>
+          <a:p>
+            <a:pPr marL="285750" indent="-285750">
+              <a:buFont typeface="Wingdings" panose="05000000000000000000" pitchFamily="2" charset="2"/>
+              <a:buChar char="v"/>
+            </a:pPr>
+            <a:r>
+              <a:rPr lang="en-US" dirty="0"/>
+              <a:t>A movies budget size has less of an effect on Gross in the US than worldwide!</a:t>
+            </a:r>
+          </a:p>
+          <a:p>
+            <a:endParaRPr lang="en-US" dirty="0"/>
+          </a:p>
+        </p:txBody>
+      </p:sp>
+      <p:sp>
+        <p:nvSpPr>
+          <p:cNvPr id="5" name="Text Placeholder 4">
+            <a:extLst>
+              <a:ext uri="{FF2B5EF4-FFF2-40B4-BE49-F238E27FC236}">
+                <a16:creationId xmlns:a16="http://schemas.microsoft.com/office/drawing/2014/main" id="{2D3E033B-7726-4E4E-B48E-79728B115E33}"/>
+              </a:ext>
+            </a:extLst>
+          </p:cNvPr>
+          <p:cNvSpPr>
+            <a:spLocks noGrp="1"/>
+          </p:cNvSpPr>
+          <p:nvPr>
+            <p:ph type="body" sz="quarter" idx="13"/>
+          </p:nvPr>
+        </p:nvSpPr>
+        <p:spPr>
+          <a:xfrm>
+            <a:off x="687631" y="2104276"/>
+            <a:ext cx="3591198" cy="396557"/>
+          </a:xfrm>
+        </p:spPr>
+        <p:txBody>
+          <a:bodyPr/>
+          <a:lstStyle/>
+          <a:p>
+            <a:r>
+              <a:rPr lang="en-US" dirty="0">
+                <a:solidFill>
+                  <a:schemeClr val="accent6"/>
+                </a:solidFill>
+              </a:rPr>
+              <a:t>Linear Regression</a:t>
+            </a:r>
+          </a:p>
+        </p:txBody>
+      </p:sp>
+      <p:sp>
+        <p:nvSpPr>
+          <p:cNvPr id="6" name="Text Placeholder 5">
+            <a:extLst>
+              <a:ext uri="{FF2B5EF4-FFF2-40B4-BE49-F238E27FC236}">
+                <a16:creationId xmlns:a16="http://schemas.microsoft.com/office/drawing/2014/main" id="{FC50AA9E-8736-7046-B34C-EE91E892ABE6}"/>
+              </a:ext>
+            </a:extLst>
+          </p:cNvPr>
+          <p:cNvSpPr>
+            <a:spLocks noGrp="1"/>
+          </p:cNvSpPr>
+          <p:nvPr>
+            <p:ph type="body" sz="quarter" idx="15"/>
+          </p:nvPr>
+        </p:nvSpPr>
+        <p:spPr/>
+        <p:txBody>
+          <a:bodyPr/>
+          <a:lstStyle/>
+          <a:p>
+            <a:r>
+              <a:rPr lang="en-US" dirty="0"/>
+              <a:t>Greensboro College</a:t>
+            </a:r>
+          </a:p>
+        </p:txBody>
+      </p:sp>
+      <p:sp>
+        <p:nvSpPr>
+          <p:cNvPr id="7" name="Text Placeholder 6">
+            <a:extLst>
+              <a:ext uri="{FF2B5EF4-FFF2-40B4-BE49-F238E27FC236}">
+                <a16:creationId xmlns:a16="http://schemas.microsoft.com/office/drawing/2014/main" id="{53DB799C-D020-A24F-84A8-14D813FD91BB}"/>
+              </a:ext>
+            </a:extLst>
+          </p:cNvPr>
+          <p:cNvSpPr>
+            <a:spLocks noGrp="1"/>
+          </p:cNvSpPr>
+          <p:nvPr>
+            <p:ph type="body" sz="quarter" idx="16"/>
+          </p:nvPr>
+        </p:nvSpPr>
+        <p:spPr/>
+        <p:txBody>
+          <a:bodyPr/>
+          <a:lstStyle/>
+          <a:p>
+            <a:r>
+              <a:rPr lang="en-US" dirty="0">
+                <a:solidFill>
+                  <a:schemeClr val="accent6"/>
+                </a:solidFill>
+                <a:latin typeface="+mn-lt"/>
+              </a:rPr>
+              <a:t>Team Jupiter</a:t>
+            </a:r>
+          </a:p>
+        </p:txBody>
+      </p:sp>
+      <p:sp>
+        <p:nvSpPr>
+          <p:cNvPr id="9" name="Title 7">
+            <a:extLst>
+              <a:ext uri="{FF2B5EF4-FFF2-40B4-BE49-F238E27FC236}">
+                <a16:creationId xmlns:a16="http://schemas.microsoft.com/office/drawing/2014/main" id="{A0A94243-749F-A734-84CE-9C917825D8E9}"/>
+              </a:ext>
+            </a:extLst>
+          </p:cNvPr>
+          <p:cNvSpPr txBox="1">
+            <a:spLocks/>
+          </p:cNvSpPr>
+          <p:nvPr/>
+        </p:nvSpPr>
+        <p:spPr>
+          <a:xfrm>
+            <a:off x="585386" y="900019"/>
+            <a:ext cx="6499382" cy="941137"/>
+          </a:xfrm>
+          <a:prstGeom prst="rect">
+            <a:avLst/>
+          </a:prstGeom>
+        </p:spPr>
+        <p:txBody>
+          <a:bodyPr lIns="0" rIns="0" anchor="ctr"/>
+          <a:lstStyle>
+            <a:lvl1pPr algn="l" defTabSz="777240" rtl="0" eaLnBrk="1" latinLnBrk="0" hangingPunct="1">
+              <a:lnSpc>
+                <a:spcPct val="90000"/>
+              </a:lnSpc>
+              <a:spcBef>
+                <a:spcPct val="0"/>
+              </a:spcBef>
+              <a:buNone/>
+              <a:defRPr lang="en-US" sz="8800" b="1" kern="1200" cap="all" spc="-300" baseline="0">
+                <a:solidFill>
+                  <a:schemeClr val="accent4"/>
+                </a:solidFill>
+                <a:latin typeface="+mj-lt"/>
+                <a:ea typeface="+mn-ea"/>
+                <a:cs typeface="+mn-cs"/>
+              </a:defRPr>
+            </a:lvl1pPr>
+          </a:lstStyle>
+          <a:p>
+            <a:pPr algn="ctr"/>
+            <a:r>
+              <a:rPr lang="en-US" sz="4800" dirty="0">
+                <a:solidFill>
+                  <a:srgbClr val="FF0000"/>
+                </a:solidFill>
+              </a:rPr>
+              <a:t>Does big budget equal success?</a:t>
+            </a:r>
+            <a:endParaRPr lang="en-US" sz="2800" dirty="0"/>
+          </a:p>
+        </p:txBody>
+      </p:sp>
+      <p:pic>
+        <p:nvPicPr>
+          <p:cNvPr id="8" name="Picture 7" descr="A picture containing text, screenshot, diagram, line&#10;&#10;Description automatically generated">
+            <a:extLst>
+              <a:ext uri="{FF2B5EF4-FFF2-40B4-BE49-F238E27FC236}">
+                <a16:creationId xmlns:a16="http://schemas.microsoft.com/office/drawing/2014/main" id="{F1A5D430-9FF2-C387-0F1E-85C7114315B3}"/>
+              </a:ext>
+            </a:extLst>
+          </p:cNvPr>
+          <p:cNvPicPr>
+            <a:picLocks noChangeAspect="1"/>
+          </p:cNvPicPr>
+          <p:nvPr/>
+        </p:nvPicPr>
+        <p:blipFill>
+          <a:blip r:embed="rId2"/>
+          <a:stretch>
+            <a:fillRect/>
+          </a:stretch>
+        </p:blipFill>
+        <p:spPr>
+          <a:xfrm>
+            <a:off x="585386" y="3767542"/>
+            <a:ext cx="6734432" cy="4063022"/>
+          </a:xfrm>
+          <a:prstGeom prst="rect">
+            <a:avLst/>
+          </a:prstGeom>
+        </p:spPr>
+      </p:pic>
+      <p:sp>
+        <p:nvSpPr>
+          <p:cNvPr id="13" name="TextBox 12">
+            <a:extLst>
+              <a:ext uri="{FF2B5EF4-FFF2-40B4-BE49-F238E27FC236}">
+                <a16:creationId xmlns:a16="http://schemas.microsoft.com/office/drawing/2014/main" id="{20D70E39-372A-08CA-32BF-CD1EC09D7578}"/>
+              </a:ext>
+            </a:extLst>
+          </p:cNvPr>
+          <p:cNvSpPr txBox="1"/>
+          <p:nvPr/>
+        </p:nvSpPr>
+        <p:spPr>
+          <a:xfrm>
+            <a:off x="585387" y="8038497"/>
+            <a:ext cx="6734431" cy="941137"/>
+          </a:xfrm>
+          <a:prstGeom prst="rect">
+            <a:avLst/>
+          </a:prstGeom>
+          <a:noFill/>
+        </p:spPr>
+        <p:txBody>
+          <a:bodyPr wrap="square">
+            <a:spAutoFit/>
+          </a:bodyPr>
+          <a:lstStyle/>
+          <a:p>
+            <a:pPr algn="l"/>
+            <a:r>
+              <a:rPr lang="en-US" b="1" i="0" dirty="0">
+                <a:solidFill>
+                  <a:schemeClr val="bg1"/>
+                </a:solidFill>
+                <a:effectLst/>
+              </a:rPr>
+              <a:t>Do Americans prefer smaller budget, indie type movies or do only the big budget movies get promotion/advertising worldwide?</a:t>
+            </a:r>
+          </a:p>
+        </p:txBody>
+      </p:sp>
+    </p:spTree>
+    <p:extLst>
+      <p:ext uri="{BB962C8B-B14F-4D97-AF65-F5344CB8AC3E}">
+        <p14:creationId xmlns:p14="http://schemas.microsoft.com/office/powerpoint/2010/main" val="147668194"/>
+      </p:ext>
+    </p:extLst>
+  </p:cSld>
+  <p:clrMapOvr>
+    <a:masterClrMapping/>
+  </p:clrMapOvr>
+</p:sld>
+</file>
+
+<file path=ppt/slides/slide9.xml><?xml version="1.0" encoding="utf-8"?>
+<p:sld xmlns:a="http://schemas.openxmlformats.org/drawingml/2006/main" xmlns:r="http://schemas.openxmlformats.org/officeDocument/2006/relationships" xmlns:p="http://schemas.openxmlformats.org/presentationml/2006/main">
+  <p:cSld>
+    <p:spTree>
+      <p:nvGrpSpPr>
+        <p:cNvPr id="1" name=""/>
+        <p:cNvGrpSpPr/>
+        <p:nvPr/>
+      </p:nvGrpSpPr>
+      <p:grpSpPr>
+        <a:xfrm>
+          <a:off x="0" y="0"/>
+          <a:ext cx="0" cy="0"/>
+          <a:chOff x="0" y="0"/>
+          <a:chExt cx="0" cy="0"/>
+        </a:xfrm>
+      </p:grpSpPr>
+      <p:sp>
+        <p:nvSpPr>
           <p:cNvPr id="2" name="Text Placeholder 1">
             <a:extLst>
               <a:ext uri="{FF2B5EF4-FFF2-40B4-BE49-F238E27FC236}">
-                <a16:creationId xmlns:a16="http://schemas.microsoft.com/office/drawing/2014/main" id="{91F66F5D-C043-3647-9565-4AA5F19AE050}"/>
+                <a16:creationId xmlns:a16="http://schemas.microsoft.com/office/drawing/2014/main" id="{245014B5-DC63-2F42-B6DB-63B7759157E9}"/>
               </a:ext>
             </a:extLst>
           </p:cNvPr>
@@ -8995,7 +13683,7 @@
           <p:cNvPr id="3" name="Text Placeholder 2">
             <a:extLst>
               <a:ext uri="{FF2B5EF4-FFF2-40B4-BE49-F238E27FC236}">
-                <a16:creationId xmlns:a16="http://schemas.microsoft.com/office/drawing/2014/main" id="{66ED0322-6048-4E48-B93F-AD452622DF4A}"/>
+                <a16:creationId xmlns:a16="http://schemas.microsoft.com/office/drawing/2014/main" id="{ABA34425-AE37-4844-B5BF-2D28152D0F11}"/>
               </a:ext>
             </a:extLst>
           </p:cNvPr>
@@ -9026,7 +13714,7 @@
           <p:cNvPr id="4" name="Text Placeholder 3">
             <a:extLst>
               <a:ext uri="{FF2B5EF4-FFF2-40B4-BE49-F238E27FC236}">
-                <a16:creationId xmlns:a16="http://schemas.microsoft.com/office/drawing/2014/main" id="{917B2698-71B5-EA4F-8291-9E422C5E6746}"/>
+                <a16:creationId xmlns:a16="http://schemas.microsoft.com/office/drawing/2014/main" id="{E1D7A8E9-DE82-0942-BCA5-0F21820D846E}"/>
               </a:ext>
             </a:extLst>
           </p:cNvPr>
@@ -9044,7 +13732,7 @@
           <a:p>
             <a:r>
               <a:rPr lang="en-US" dirty="0"/>
-              <a:t>FEATURE TITLE</a:t>
+              <a:t>FEATURE</a:t>
             </a:r>
           </a:p>
         </p:txBody>
@@ -9054,7 +13742,7 @@
           <p:cNvPr id="5" name="Text Placeholder 4">
             <a:extLst>
               <a:ext uri="{FF2B5EF4-FFF2-40B4-BE49-F238E27FC236}">
-                <a16:creationId xmlns:a16="http://schemas.microsoft.com/office/drawing/2014/main" id="{A4E67D4A-6448-0E48-BC92-ABE4BA250B69}"/>
+                <a16:creationId xmlns:a16="http://schemas.microsoft.com/office/drawing/2014/main" id="{37A25D6E-FE64-C346-A250-B0F62A92BF52}"/>
               </a:ext>
             </a:extLst>
           </p:cNvPr>
@@ -9072,7 +13760,7 @@
           <a:p>
             <a:r>
               <a:rPr lang="en-US" dirty="0"/>
-              <a:t>FEATURE TITLE</a:t>
+              <a:t>FEATURE</a:t>
             </a:r>
           </a:p>
         </p:txBody>
@@ -9082,7 +13770,7 @@
           <p:cNvPr id="6" name="Text Placeholder 5">
             <a:extLst>
               <a:ext uri="{FF2B5EF4-FFF2-40B4-BE49-F238E27FC236}">
-                <a16:creationId xmlns:a16="http://schemas.microsoft.com/office/drawing/2014/main" id="{2E195014-15EA-FA44-A689-47F0DDB88820}"/>
+                <a16:creationId xmlns:a16="http://schemas.microsoft.com/office/drawing/2014/main" id="{71A66EB3-9FC7-F94C-BDC9-0598A3553733}"/>
               </a:ext>
             </a:extLst>
           </p:cNvPr>
@@ -9098,7 +13786,10 @@
           <a:bodyPr/>
           <a:lstStyle/>
           <a:p>
-            <a:endParaRPr lang="en-US" dirty="0"/>
+            <a:r>
+              <a:rPr lang="en-US" dirty="0"/>
+              <a:t>MOVIES</a:t>
+            </a:r>
           </a:p>
         </p:txBody>
       </p:sp>
@@ -9107,7 +13798,7 @@
           <p:cNvPr id="7" name="Text Placeholder 6">
             <a:extLst>
               <a:ext uri="{FF2B5EF4-FFF2-40B4-BE49-F238E27FC236}">
-                <a16:creationId xmlns:a16="http://schemas.microsoft.com/office/drawing/2014/main" id="{849FDC09-6F3E-0A44-8BAD-E6FC08CC013F}"/>
+                <a16:creationId xmlns:a16="http://schemas.microsoft.com/office/drawing/2014/main" id="{2117CA98-FF13-0146-9AEF-CE4134AC9D5E}"/>
               </a:ext>
             </a:extLst>
           </p:cNvPr>
@@ -9135,7 +13826,7 @@
           <p:cNvPr id="8" name="Title 7">
             <a:extLst>
               <a:ext uri="{FF2B5EF4-FFF2-40B4-BE49-F238E27FC236}">
-                <a16:creationId xmlns:a16="http://schemas.microsoft.com/office/drawing/2014/main" id="{CC2E676A-0E5D-B946-92F0-D7C96AEB7529}"/>
+                <a16:creationId xmlns:a16="http://schemas.microsoft.com/office/drawing/2014/main" id="{F05D883A-41DA-F04D-A545-C4AFF0D866BF}"/>
               </a:ext>
             </a:extLst>
           </p:cNvPr>
@@ -9153,7 +13844,7 @@
           <a:p>
             <a:r>
               <a:rPr lang="en-US" dirty="0"/>
-              <a:t>CINEMA</a:t>
+              <a:t>Question 2</a:t>
             </a:r>
           </a:p>
         </p:txBody>
@@ -9161,7 +13852,7 @@
     </p:spTree>
     <p:extLst>
       <p:ext uri="{BB962C8B-B14F-4D97-AF65-F5344CB8AC3E}">
-        <p14:creationId xmlns:p14="http://schemas.microsoft.com/office/powerpoint/2010/main" val="2512527782"/>
+        <p14:creationId xmlns:p14="http://schemas.microsoft.com/office/powerpoint/2010/main" val="3237990862"/>
       </p:ext>
     </p:extLst>
   </p:cSld>
@@ -9437,6 +14128,23 @@
 </file>
 
 <file path=customXml/item1.xml><?xml version="1.0" encoding="utf-8"?>
+<?mso-contentType ?>
+<FormTemplates xmlns="http://schemas.microsoft.com/sharepoint/v3/contenttype/forms">
+  <Display>DocumentLibraryForm</Display>
+  <Edit>DocumentLibraryForm</Edit>
+  <New>DocumentLibraryForm</New>
+</FormTemplates>
+</file>
+
+<file path=customXml/item2.xml><?xml version="1.0" encoding="utf-8"?>
+<p:properties xmlns:p="http://schemas.microsoft.com/office/2006/metadata/properties" xmlns:xsi="http://www.w3.org/2001/XMLSchema-instance" xmlns:pc="http://schemas.microsoft.com/office/infopath/2007/PartnerControls">
+  <documentManagement>
+    <MediaServiceKeyPoints xmlns="ef88797d-310b-4d46-ad9c-0c23fa0c8d45" xsi:nil="true"/>
+  </documentManagement>
+</p:properties>
+</file>
+
+<file path=customXml/item3.xml><?xml version="1.0" encoding="utf-8"?>
 <ct:contentTypeSchema xmlns:ct="http://schemas.microsoft.com/office/2006/metadata/contentType" xmlns:ma="http://schemas.microsoft.com/office/2006/metadata/properties/metaAttributes" ct:_="" ma:_="" ma:contentTypeName="Document" ma:contentTypeID="0x0101005F02E0EF7D44C04B9FA644DBFF45FF6A" ma:contentTypeVersion="13" ma:contentTypeDescription="Create a new document." ma:contentTypeScope="" ma:versionID="206b9469efed5238e3299da57cdc015e">
   <xsd:schema xmlns:xsd="http://www.w3.org/2001/XMLSchema" xmlns:xs="http://www.w3.org/2001/XMLSchema" xmlns:p="http://schemas.microsoft.com/office/2006/metadata/properties" xmlns:ns2="876de33e-aaa5-4507-9b92-b84e676ded0d" xmlns:ns3="ef88797d-310b-4d46-ad9c-0c23fa0c8d45" targetNamespace="http://schemas.microsoft.com/office/2006/metadata/properties" ma:root="true" ma:fieldsID="281ed500249cd3fe925a7af84a8b56c4" ns2:_="" ns3:_="">
     <xsd:import namespace="876de33e-aaa5-4507-9b92-b84e676ded0d"/>
@@ -9659,24 +14367,25 @@
 </ct:contentTypeSchema>
 </file>
 
-<file path=customXml/item2.xml><?xml version="1.0" encoding="utf-8"?>
-<p:properties xmlns:p="http://schemas.microsoft.com/office/2006/metadata/properties" xmlns:xsi="http://www.w3.org/2001/XMLSchema-instance" xmlns:pc="http://schemas.microsoft.com/office/infopath/2007/PartnerControls">
-  <documentManagement>
-    <MediaServiceKeyPoints xmlns="ef88797d-310b-4d46-ad9c-0c23fa0c8d45" xsi:nil="true"/>
-  </documentManagement>
-</p:properties>
+<file path=customXml/itemProps1.xml><?xml version="1.0" encoding="utf-8"?>
+<ds:datastoreItem xmlns:ds="http://schemas.openxmlformats.org/officeDocument/2006/customXml" ds:itemID="{CFB929D3-A7CA-4AB1-8061-FCB8D56D3FEE}">
+  <ds:schemaRefs>
+    <ds:schemaRef ds:uri="http://schemas.microsoft.com/sharepoint/v3/contenttype/forms"/>
+  </ds:schemaRefs>
+</ds:datastoreItem>
 </file>
 
-<file path=customXml/item3.xml><?xml version="1.0" encoding="utf-8"?>
-<?mso-contentType ?>
-<FormTemplates xmlns="http://schemas.microsoft.com/sharepoint/v3/contenttype/forms">
-  <Display>DocumentLibraryForm</Display>
-  <Edit>DocumentLibraryForm</Edit>
-  <New>DocumentLibraryForm</New>
-</FormTemplates>
+<file path=customXml/itemProps2.xml><?xml version="1.0" encoding="utf-8"?>
+<ds:datastoreItem xmlns:ds="http://schemas.openxmlformats.org/officeDocument/2006/customXml" ds:itemID="{52924D36-B4C1-4B06-A9EC-CDCE768B3FD3}">
+  <ds:schemaRefs>
+    <ds:schemaRef ds:uri="http://schemas.microsoft.com/office/2006/metadata/properties"/>
+    <ds:schemaRef ds:uri="http://schemas.microsoft.com/office/infopath/2007/PartnerControls"/>
+    <ds:schemaRef ds:uri="ef88797d-310b-4d46-ad9c-0c23fa0c8d45"/>
+  </ds:schemaRefs>
+</ds:datastoreItem>
 </file>
 
-<file path=customXml/itemProps1.xml><?xml version="1.0" encoding="utf-8"?>
+<file path=customXml/itemProps3.xml><?xml version="1.0" encoding="utf-8"?>
 <ds:datastoreItem xmlns:ds="http://schemas.openxmlformats.org/officeDocument/2006/customXml" ds:itemID="{D4DD53C0-11D2-4509-936F-323E14647893}">
   <ds:schemaRefs>
     <ds:schemaRef ds:uri="http://schemas.microsoft.com/office/2006/metadata/contentType"/>
@@ -9693,22 +14402,4 @@
     <ds:schemaRef ds:uri="http://schemas.microsoft.com/internal/obd"/>
   </ds:schemaRefs>
 </ds:datastoreItem>
-</file>
-
-<file path=customXml/itemProps2.xml><?xml version="1.0" encoding="utf-8"?>
-<ds:datastoreItem xmlns:ds="http://schemas.openxmlformats.org/officeDocument/2006/customXml" ds:itemID="{52924D36-B4C1-4B06-A9EC-CDCE768B3FD3}">
-  <ds:schemaRefs>
-    <ds:schemaRef ds:uri="http://schemas.microsoft.com/office/2006/metadata/properties"/>
-    <ds:schemaRef ds:uri="http://schemas.microsoft.com/office/infopath/2007/PartnerControls"/>
-    <ds:schemaRef ds:uri="ef88797d-310b-4d46-ad9c-0c23fa0c8d45"/>
-  </ds:schemaRefs>
-</ds:datastoreItem>
-</file>
-
-<file path=customXml/itemProps3.xml><?xml version="1.0" encoding="utf-8"?>
-<ds:datastoreItem xmlns:ds="http://schemas.openxmlformats.org/officeDocument/2006/customXml" ds:itemID="{CFB929D3-A7CA-4AB1-8061-FCB8D56D3FEE}">
-  <ds:schemaRefs>
-    <ds:schemaRef ds:uri="http://schemas.microsoft.com/sharepoint/v3/contenttype/forms"/>
-  </ds:schemaRefs>
-</ds:datastoreItem>
 </file>
--- a/Media/Box Office Success.pptx
+++ b/Media/Box Office Success.pptx
@@ -10,15 +10,19 @@
     <p:sldId id="262" r:id="rId7"/>
     <p:sldId id="267" r:id="rId8"/>
     <p:sldId id="266" r:id="rId9"/>
-    <p:sldId id="263" r:id="rId10"/>
-    <p:sldId id="268" r:id="rId11"/>
-    <p:sldId id="269" r:id="rId12"/>
-    <p:sldId id="261" r:id="rId13"/>
-    <p:sldId id="270" r:id="rId14"/>
-    <p:sldId id="271" r:id="rId15"/>
-    <p:sldId id="264" r:id="rId16"/>
-    <p:sldId id="272" r:id="rId17"/>
-    <p:sldId id="273" r:id="rId18"/>
+    <p:sldId id="277" r:id="rId10"/>
+    <p:sldId id="278" r:id="rId11"/>
+    <p:sldId id="274" r:id="rId12"/>
+    <p:sldId id="263" r:id="rId13"/>
+    <p:sldId id="268" r:id="rId14"/>
+    <p:sldId id="269" r:id="rId15"/>
+    <p:sldId id="261" r:id="rId16"/>
+    <p:sldId id="276" r:id="rId17"/>
+    <p:sldId id="275" r:id="rId18"/>
+    <p:sldId id="279" r:id="rId19"/>
+    <p:sldId id="264" r:id="rId20"/>
+    <p:sldId id="272" r:id="rId21"/>
+    <p:sldId id="273" r:id="rId22"/>
   </p:sldIdLst>
   <p:sldSz cx="7772400" cy="10058400"/>
   <p:notesSz cx="6858000" cy="9144000"/>
@@ -7311,7 +7315,7 @@
           <a:lstStyle/>
           <a:p>
             <a:r>
-              <a:rPr lang="en-US" dirty="0"/>
+              <a:rPr lang="en-US" sz="1800" dirty="0"/>
               <a:t>- Ian Franklin</a:t>
             </a:r>
           </a:p>
@@ -7335,7 +7339,7 @@
         </p:nvSpPr>
         <p:spPr>
           <a:xfrm>
-            <a:off x="4468569" y="2941320"/>
+            <a:off x="4478262" y="3122987"/>
             <a:ext cx="2616200" cy="1296988"/>
           </a:xfrm>
         </p:spPr>
@@ -7344,7 +7348,7 @@
           <a:lstStyle/>
           <a:p>
             <a:r>
-              <a:rPr lang="en-US" dirty="0"/>
+              <a:rPr lang="en-US" sz="1600" dirty="0"/>
               <a:t>A look at how much a movie does in both gross ticket sales and return on investment..</a:t>
             </a:r>
           </a:p>
@@ -7377,7 +7381,7 @@
           <a:lstStyle/>
           <a:p>
             <a:r>
-              <a:rPr lang="en-US" dirty="0"/>
+              <a:rPr lang="en-US" sz="2800" dirty="0"/>
               <a:t>Team Jupiter </a:t>
             </a:r>
           </a:p>
@@ -7410,7 +7414,7 @@
           <a:lstStyle/>
           <a:p>
             <a:r>
-              <a:rPr lang="en-US" dirty="0"/>
+              <a:rPr lang="en-US" sz="2800" dirty="0"/>
               <a:t>A Look into a Movies Success</a:t>
             </a:r>
           </a:p>
@@ -7545,7 +7549,7 @@
           <p:cNvPr id="2" name="Text Placeholder 1">
             <a:extLst>
               <a:ext uri="{FF2B5EF4-FFF2-40B4-BE49-F238E27FC236}">
-                <a16:creationId xmlns:a16="http://schemas.microsoft.com/office/drawing/2014/main" id="{245014B5-DC63-2F42-B6DB-63B7759157E9}"/>
+                <a16:creationId xmlns:a16="http://schemas.microsoft.com/office/drawing/2014/main" id="{5E80B8A2-89A7-4B47-B1B6-6AE513CBD0BD}"/>
               </a:ext>
             </a:extLst>
           </p:cNvPr>
@@ -7556,18 +7560,23 @@
             <p:ph type="body" sz="quarter" idx="10"/>
           </p:nvPr>
         </p:nvSpPr>
-        <p:spPr/>
+        <p:spPr>
+          <a:xfrm>
+            <a:off x="1431209" y="2232788"/>
+            <a:ext cx="5012225" cy="596909"/>
+          </a:xfrm>
+        </p:spPr>
         <p:txBody>
           <a:bodyPr/>
           <a:lstStyle/>
           <a:p>
-            <a:r>
-              <a:rPr lang="en-US" dirty="0"/>
-              <a:t>Lorem ipsum dolor sit amet, consectetur adipiscing elit, sed do eiusmod Lorem ipsum dolor sit amet, consectetur adipiscing elit.</a:t>
-            </a:r>
-          </a:p>
-          <a:p>
-            <a:endParaRPr lang="en-US" dirty="0"/>
+            <a:pPr algn="ctr"/>
+            <a:r>
+              <a:rPr lang="en-US" sz="1800" dirty="0">
+                <a:latin typeface="+mn-lt"/>
+              </a:rPr>
+              <a:t>Does the amount of movie spent on making a movie influence box office sales?</a:t>
+            </a:r>
           </a:p>
         </p:txBody>
       </p:sp>
@@ -7576,7 +7585,7 @@
           <p:cNvPr id="3" name="Text Placeholder 2">
             <a:extLst>
               <a:ext uri="{FF2B5EF4-FFF2-40B4-BE49-F238E27FC236}">
-                <a16:creationId xmlns:a16="http://schemas.microsoft.com/office/drawing/2014/main" id="{ABA34425-AE37-4844-B5BF-2D28152D0F11}"/>
+                <a16:creationId xmlns:a16="http://schemas.microsoft.com/office/drawing/2014/main" id="{CA92EE40-0AE5-5144-8ABC-CA64A1E04E33}"/>
               </a:ext>
             </a:extLst>
           </p:cNvPr>
@@ -7587,46 +7596,29 @@
             <p:ph type="body" sz="quarter" idx="11"/>
           </p:nvPr>
         </p:nvSpPr>
-        <p:spPr/>
+        <p:spPr>
+          <a:xfrm>
+            <a:off x="2282067" y="9121692"/>
+            <a:ext cx="3310508" cy="1296988"/>
+          </a:xfrm>
+        </p:spPr>
         <p:txBody>
           <a:bodyPr/>
           <a:lstStyle/>
           <a:p>
-            <a:r>
-              <a:rPr lang="en-US" dirty="0"/>
-              <a:t>Lorem ipsum dolor sit amet, consectetur adipiscing elit, sed do eiusmod Lorem ipsum dolor sit amet, consectetur adipiscing elit.</a:t>
-            </a:r>
-          </a:p>
-          <a:p>
-            <a:endParaRPr lang="en-US" dirty="0"/>
-          </a:p>
-        </p:txBody>
-      </p:sp>
-      <p:sp>
-        <p:nvSpPr>
-          <p:cNvPr id="4" name="Text Placeholder 3">
-            <a:extLst>
-              <a:ext uri="{FF2B5EF4-FFF2-40B4-BE49-F238E27FC236}">
-                <a16:creationId xmlns:a16="http://schemas.microsoft.com/office/drawing/2014/main" id="{E1D7A8E9-DE82-0942-BCA5-0F21820D846E}"/>
-              </a:ext>
-            </a:extLst>
-          </p:cNvPr>
-          <p:cNvSpPr>
-            <a:spLocks noGrp="1"/>
-          </p:cNvSpPr>
-          <p:nvPr>
-            <p:ph type="body" sz="quarter" idx="12"/>
-          </p:nvPr>
-        </p:nvSpPr>
-        <p:spPr/>
-        <p:txBody>
-          <a:bodyPr/>
-          <a:lstStyle/>
-          <a:p>
-            <a:r>
-              <a:rPr lang="en-US" dirty="0"/>
-              <a:t>FEATURE</a:t>
-            </a:r>
+            <a:pPr algn="ctr"/>
+            <a:r>
+              <a:rPr lang="en-US" sz="1600" dirty="0">
+                <a:latin typeface="+mn-lt"/>
+              </a:rPr>
+              <a:t>Looking at how a movies budget (millions) affects Worldwide or Domestic Gross </a:t>
+            </a:r>
+          </a:p>
+          <a:p>
+            <a:pPr algn="ctr"/>
+            <a:endParaRPr lang="en-US" sz="1600" dirty="0">
+              <a:latin typeface="+mn-lt"/>
+            </a:endParaRPr>
           </a:p>
         </p:txBody>
       </p:sp>
@@ -7635,7 +7627,7 @@
           <p:cNvPr id="5" name="Text Placeholder 4">
             <a:extLst>
               <a:ext uri="{FF2B5EF4-FFF2-40B4-BE49-F238E27FC236}">
-                <a16:creationId xmlns:a16="http://schemas.microsoft.com/office/drawing/2014/main" id="{37A25D6E-FE64-C346-A250-B0F62A92BF52}"/>
+                <a16:creationId xmlns:a16="http://schemas.microsoft.com/office/drawing/2014/main" id="{2D3E033B-7726-4E4E-B48E-79728B115E33}"/>
               </a:ext>
             </a:extLst>
           </p:cNvPr>
@@ -7646,42 +7638,25 @@
             <p:ph type="body" sz="quarter" idx="13"/>
           </p:nvPr>
         </p:nvSpPr>
-        <p:spPr/>
+        <p:spPr>
+          <a:xfrm>
+            <a:off x="2039478" y="8459409"/>
+            <a:ext cx="3591198" cy="396557"/>
+          </a:xfrm>
+        </p:spPr>
         <p:txBody>
           <a:bodyPr/>
           <a:lstStyle/>
           <a:p>
-            <a:r>
-              <a:rPr lang="en-US" dirty="0"/>
-              <a:t>FEATURE</a:t>
-            </a:r>
-          </a:p>
-        </p:txBody>
-      </p:sp>
-      <p:sp>
-        <p:nvSpPr>
-          <p:cNvPr id="6" name="Text Placeholder 5">
-            <a:extLst>
-              <a:ext uri="{FF2B5EF4-FFF2-40B4-BE49-F238E27FC236}">
-                <a16:creationId xmlns:a16="http://schemas.microsoft.com/office/drawing/2014/main" id="{71A66EB3-9FC7-F94C-BDC9-0598A3553733}"/>
-              </a:ext>
-            </a:extLst>
-          </p:cNvPr>
-          <p:cNvSpPr>
-            <a:spLocks noGrp="1"/>
-          </p:cNvSpPr>
-          <p:nvPr>
-            <p:ph type="body" sz="quarter" idx="15"/>
-          </p:nvPr>
-        </p:nvSpPr>
-        <p:spPr/>
-        <p:txBody>
-          <a:bodyPr/>
-          <a:lstStyle/>
-          <a:p>
-            <a:r>
-              <a:rPr lang="en-US" dirty="0"/>
-              <a:t>MOVIES</a:t>
+            <a:pPr algn="ctr"/>
+            <a:r>
+              <a:rPr lang="en-US" dirty="0">
+                <a:solidFill>
+                  <a:schemeClr val="accent6"/>
+                </a:solidFill>
+                <a:latin typeface="+mn-lt"/>
+              </a:rPr>
+              <a:t>Linear Regression</a:t>
             </a:r>
           </a:p>
         </p:txBody>
@@ -7691,7 +7666,7 @@
           <p:cNvPr id="7" name="Text Placeholder 6">
             <a:extLst>
               <a:ext uri="{FF2B5EF4-FFF2-40B4-BE49-F238E27FC236}">
-                <a16:creationId xmlns:a16="http://schemas.microsoft.com/office/drawing/2014/main" id="{2117CA98-FF13-0146-9AEF-CE4134AC9D5E}"/>
+                <a16:creationId xmlns:a16="http://schemas.microsoft.com/office/drawing/2014/main" id="{53DB799C-D020-A24F-84A8-14D813FD91BB}"/>
               </a:ext>
             </a:extLst>
           </p:cNvPr>
@@ -7708,44 +7683,109 @@
           <a:lstStyle/>
           <a:p>
             <a:r>
-              <a:rPr lang="en-US" dirty="0"/>
-              <a:t>JANUARY [YEAR]</a:t>
-            </a:r>
-          </a:p>
-        </p:txBody>
-      </p:sp>
-      <p:sp>
-        <p:nvSpPr>
-          <p:cNvPr id="8" name="Title 7">
-            <a:extLst>
-              <a:ext uri="{FF2B5EF4-FFF2-40B4-BE49-F238E27FC236}">
-                <a16:creationId xmlns:a16="http://schemas.microsoft.com/office/drawing/2014/main" id="{F05D883A-41DA-F04D-A545-C4AFF0D866BF}"/>
-              </a:ext>
-            </a:extLst>
-          </p:cNvPr>
-          <p:cNvSpPr>
-            <a:spLocks noGrp="1"/>
+              <a:rPr lang="en-US" dirty="0">
+                <a:solidFill>
+                  <a:schemeClr val="accent6"/>
+                </a:solidFill>
+                <a:latin typeface="+mn-lt"/>
+              </a:rPr>
+              <a:t>Team Jupiter</a:t>
+            </a:r>
+          </a:p>
+        </p:txBody>
+      </p:sp>
+      <p:sp>
+        <p:nvSpPr>
+          <p:cNvPr id="9" name="Title 7">
+            <a:extLst>
+              <a:ext uri="{FF2B5EF4-FFF2-40B4-BE49-F238E27FC236}">
+                <a16:creationId xmlns:a16="http://schemas.microsoft.com/office/drawing/2014/main" id="{A0A94243-749F-A734-84CE-9C917825D8E9}"/>
+              </a:ext>
+            </a:extLst>
+          </p:cNvPr>
+          <p:cNvSpPr txBox="1">
+            <a:spLocks/>
           </p:cNvSpPr>
-          <p:nvPr>
-            <p:ph type="title"/>
-          </p:nvPr>
-        </p:nvSpPr>
-        <p:spPr/>
-        <p:txBody>
-          <a:bodyPr/>
-          <a:lstStyle/>
-          <a:p>
-            <a:r>
-              <a:rPr lang="en-US" dirty="0"/>
-              <a:t>Question 2</a:t>
-            </a:r>
-          </a:p>
-        </p:txBody>
-      </p:sp>
+          <p:nvPr/>
+        </p:nvSpPr>
+        <p:spPr>
+          <a:xfrm>
+            <a:off x="585386" y="900019"/>
+            <a:ext cx="6499382" cy="941137"/>
+          </a:xfrm>
+          <a:prstGeom prst="rect">
+            <a:avLst/>
+          </a:prstGeom>
+        </p:spPr>
+        <p:txBody>
+          <a:bodyPr lIns="0" rIns="0" anchor="ctr"/>
+          <a:lstStyle>
+            <a:lvl1pPr algn="l" defTabSz="777240" rtl="0" eaLnBrk="1" latinLnBrk="0" hangingPunct="1">
+              <a:lnSpc>
+                <a:spcPct val="90000"/>
+              </a:lnSpc>
+              <a:spcBef>
+                <a:spcPct val="0"/>
+              </a:spcBef>
+              <a:buNone/>
+              <a:defRPr lang="en-US" sz="8800" b="1" kern="1200" cap="all" spc="-300" baseline="0">
+                <a:solidFill>
+                  <a:schemeClr val="accent4"/>
+                </a:solidFill>
+                <a:latin typeface="+mj-lt"/>
+                <a:ea typeface="+mn-ea"/>
+                <a:cs typeface="+mn-cs"/>
+              </a:defRPr>
+            </a:lvl1pPr>
+          </a:lstStyle>
+          <a:p>
+            <a:pPr algn="ctr"/>
+            <a:r>
+              <a:rPr lang="en-US" sz="4800" dirty="0">
+                <a:solidFill>
+                  <a:srgbClr val="FF0000"/>
+                </a:solidFill>
+              </a:rPr>
+              <a:t>Does big budget equal success?</a:t>
+            </a:r>
+            <a:endParaRPr lang="en-US" sz="2800" dirty="0"/>
+          </a:p>
+        </p:txBody>
+      </p:sp>
+      <p:pic>
+        <p:nvPicPr>
+          <p:cNvPr id="11" name="Picture 10" descr="A picture containing text, screenshot, diagram, line&#10;&#10;Description automatically generated">
+            <a:extLst>
+              <a:ext uri="{FF2B5EF4-FFF2-40B4-BE49-F238E27FC236}">
+                <a16:creationId xmlns:a16="http://schemas.microsoft.com/office/drawing/2014/main" id="{C46C6C1C-B258-C98E-DBFB-988299FCDD11}"/>
+              </a:ext>
+            </a:extLst>
+          </p:cNvPr>
+          <p:cNvPicPr>
+            <a:picLocks noChangeAspect="1"/>
+          </p:cNvPicPr>
+          <p:nvPr/>
+        </p:nvPicPr>
+        <p:blipFill>
+          <a:blip r:embed="rId2"/>
+          <a:stretch>
+            <a:fillRect/>
+          </a:stretch>
+        </p:blipFill>
+        <p:spPr>
+          <a:xfrm>
+            <a:off x="206442" y="3003843"/>
+            <a:ext cx="7359516" cy="4611704"/>
+          </a:xfrm>
+          <a:prstGeom prst="rect">
+            <a:avLst/>
+          </a:prstGeom>
+        </p:spPr>
+      </p:pic>
     </p:spTree>
     <p:extLst>
       <p:ext uri="{BB962C8B-B14F-4D97-AF65-F5344CB8AC3E}">
-        <p14:creationId xmlns:p14="http://schemas.microsoft.com/office/powerpoint/2010/main" val="53076368"/>
+        <p14:creationId xmlns:p14="http://schemas.microsoft.com/office/powerpoint/2010/main" val="1154545916"/>
       </p:ext>
     </p:extLst>
   </p:cSld>
@@ -7774,41 +7814,10 @@
       </p:grpSpPr>
       <p:sp>
         <p:nvSpPr>
-          <p:cNvPr id="2" name="Text Placeholder 1">
-            <a:extLst>
-              <a:ext uri="{FF2B5EF4-FFF2-40B4-BE49-F238E27FC236}">
-                <a16:creationId xmlns:a16="http://schemas.microsoft.com/office/drawing/2014/main" id="{245014B5-DC63-2F42-B6DB-63B7759157E9}"/>
-              </a:ext>
-            </a:extLst>
-          </p:cNvPr>
-          <p:cNvSpPr>
-            <a:spLocks noGrp="1"/>
-          </p:cNvSpPr>
-          <p:nvPr>
-            <p:ph type="body" sz="quarter" idx="10"/>
-          </p:nvPr>
-        </p:nvSpPr>
-        <p:spPr/>
-        <p:txBody>
-          <a:bodyPr/>
-          <a:lstStyle/>
-          <a:p>
-            <a:r>
-              <a:rPr lang="en-US" dirty="0"/>
-              <a:t>Lorem ipsum dolor sit amet, consectetur adipiscing elit, sed do eiusmod Lorem ipsum dolor sit amet, consectetur adipiscing elit.</a:t>
-            </a:r>
-          </a:p>
-          <a:p>
-            <a:endParaRPr lang="en-US" dirty="0"/>
-          </a:p>
-        </p:txBody>
-      </p:sp>
-      <p:sp>
-        <p:nvSpPr>
           <p:cNvPr id="3" name="Text Placeholder 2">
             <a:extLst>
               <a:ext uri="{FF2B5EF4-FFF2-40B4-BE49-F238E27FC236}">
-                <a16:creationId xmlns:a16="http://schemas.microsoft.com/office/drawing/2014/main" id="{ABA34425-AE37-4844-B5BF-2D28152D0F11}"/>
+                <a16:creationId xmlns:a16="http://schemas.microsoft.com/office/drawing/2014/main" id="{CA92EE40-0AE5-5144-8ABC-CA64A1E04E33}"/>
               </a:ext>
             </a:extLst>
           </p:cNvPr>
@@ -7819,14 +7828,33 @@
             <p:ph type="body" sz="quarter" idx="11"/>
           </p:nvPr>
         </p:nvSpPr>
-        <p:spPr/>
+        <p:spPr>
+          <a:xfrm>
+            <a:off x="687631" y="2573999"/>
+            <a:ext cx="5898520" cy="1296988"/>
+          </a:xfrm>
+        </p:spPr>
         <p:txBody>
           <a:bodyPr/>
           <a:lstStyle/>
           <a:p>
+            <a:pPr marL="285750" indent="-285750">
+              <a:buFont typeface="Wingdings" panose="05000000000000000000" pitchFamily="2" charset="2"/>
+              <a:buChar char="v"/>
+            </a:pPr>
             <a:r>
               <a:rPr lang="en-US" dirty="0"/>
-              <a:t>Lorem ipsum dolor sit amet, consectetur adipiscing elit, sed do eiusmod Lorem ipsum dolor sit amet, consectetur adipiscing elit.</a:t>
+              <a:t>A movie's Budget has a significant effect on how much a movie grosses Worldwide.</a:t>
+            </a:r>
+          </a:p>
+          <a:p>
+            <a:pPr marL="285750" indent="-285750">
+              <a:buFont typeface="Wingdings" panose="05000000000000000000" pitchFamily="2" charset="2"/>
+              <a:buChar char="v"/>
+            </a:pPr>
+            <a:r>
+              <a:rPr lang="en-US" dirty="0"/>
+              <a:t>A movies budget size has less of an effect on Gross in the US than worldwide!</a:t>
             </a:r>
           </a:p>
           <a:p>
@@ -7836,38 +7864,10 @@
       </p:sp>
       <p:sp>
         <p:nvSpPr>
-          <p:cNvPr id="4" name="Text Placeholder 3">
-            <a:extLst>
-              <a:ext uri="{FF2B5EF4-FFF2-40B4-BE49-F238E27FC236}">
-                <a16:creationId xmlns:a16="http://schemas.microsoft.com/office/drawing/2014/main" id="{E1D7A8E9-DE82-0942-BCA5-0F21820D846E}"/>
-              </a:ext>
-            </a:extLst>
-          </p:cNvPr>
-          <p:cNvSpPr>
-            <a:spLocks noGrp="1"/>
-          </p:cNvSpPr>
-          <p:nvPr>
-            <p:ph type="body" sz="quarter" idx="12"/>
-          </p:nvPr>
-        </p:nvSpPr>
-        <p:spPr/>
-        <p:txBody>
-          <a:bodyPr/>
-          <a:lstStyle/>
-          <a:p>
-            <a:r>
-              <a:rPr lang="en-US" dirty="0"/>
-              <a:t>FEATURE</a:t>
-            </a:r>
-          </a:p>
-        </p:txBody>
-      </p:sp>
-      <p:sp>
-        <p:nvSpPr>
           <p:cNvPr id="5" name="Text Placeholder 4">
             <a:extLst>
               <a:ext uri="{FF2B5EF4-FFF2-40B4-BE49-F238E27FC236}">
-                <a16:creationId xmlns:a16="http://schemas.microsoft.com/office/drawing/2014/main" id="{37A25D6E-FE64-C346-A250-B0F62A92BF52}"/>
+                <a16:creationId xmlns:a16="http://schemas.microsoft.com/office/drawing/2014/main" id="{2D3E033B-7726-4E4E-B48E-79728B115E33}"/>
               </a:ext>
             </a:extLst>
           </p:cNvPr>
@@ -7878,42 +7878,23 @@
             <p:ph type="body" sz="quarter" idx="13"/>
           </p:nvPr>
         </p:nvSpPr>
-        <p:spPr/>
+        <p:spPr>
+          <a:xfrm>
+            <a:off x="687631" y="2104276"/>
+            <a:ext cx="3591198" cy="396557"/>
+          </a:xfrm>
+        </p:spPr>
         <p:txBody>
           <a:bodyPr/>
           <a:lstStyle/>
           <a:p>
             <a:r>
-              <a:rPr lang="en-US" dirty="0"/>
-              <a:t>FEATURE</a:t>
-            </a:r>
-          </a:p>
-        </p:txBody>
-      </p:sp>
-      <p:sp>
-        <p:nvSpPr>
-          <p:cNvPr id="6" name="Text Placeholder 5">
-            <a:extLst>
-              <a:ext uri="{FF2B5EF4-FFF2-40B4-BE49-F238E27FC236}">
-                <a16:creationId xmlns:a16="http://schemas.microsoft.com/office/drawing/2014/main" id="{71A66EB3-9FC7-F94C-BDC9-0598A3553733}"/>
-              </a:ext>
-            </a:extLst>
-          </p:cNvPr>
-          <p:cNvSpPr>
-            <a:spLocks noGrp="1"/>
-          </p:cNvSpPr>
-          <p:nvPr>
-            <p:ph type="body" sz="quarter" idx="15"/>
-          </p:nvPr>
-        </p:nvSpPr>
-        <p:spPr/>
-        <p:txBody>
-          <a:bodyPr/>
-          <a:lstStyle/>
-          <a:p>
-            <a:r>
-              <a:rPr lang="en-US" dirty="0"/>
-              <a:t>MOVIES</a:t>
+              <a:rPr lang="en-US" dirty="0">
+                <a:solidFill>
+                  <a:schemeClr val="accent6"/>
+                </a:solidFill>
+              </a:rPr>
+              <a:t>Linear Regression</a:t>
             </a:r>
           </a:p>
         </p:txBody>
@@ -7923,7 +7904,7 @@
           <p:cNvPr id="7" name="Text Placeholder 6">
             <a:extLst>
               <a:ext uri="{FF2B5EF4-FFF2-40B4-BE49-F238E27FC236}">
-                <a16:creationId xmlns:a16="http://schemas.microsoft.com/office/drawing/2014/main" id="{2117CA98-FF13-0146-9AEF-CE4134AC9D5E}"/>
+                <a16:creationId xmlns:a16="http://schemas.microsoft.com/office/drawing/2014/main" id="{53DB799C-D020-A24F-84A8-14D813FD91BB}"/>
               </a:ext>
             </a:extLst>
           </p:cNvPr>
@@ -7934,42 +7915,153 @@
             <p:ph type="body" sz="quarter" idx="16"/>
           </p:nvPr>
         </p:nvSpPr>
-        <p:spPr/>
+        <p:spPr>
+          <a:xfrm>
+            <a:off x="687631" y="483953"/>
+            <a:ext cx="6499382" cy="342900"/>
+          </a:xfrm>
+        </p:spPr>
         <p:txBody>
           <a:bodyPr/>
           <a:lstStyle/>
           <a:p>
             <a:r>
-              <a:rPr lang="en-US" dirty="0"/>
-              <a:t>JANUARY [YEAR]</a:t>
-            </a:r>
-          </a:p>
-        </p:txBody>
-      </p:sp>
-      <p:sp>
-        <p:nvSpPr>
-          <p:cNvPr id="8" name="Title 7">
-            <a:extLst>
-              <a:ext uri="{FF2B5EF4-FFF2-40B4-BE49-F238E27FC236}">
-                <a16:creationId xmlns:a16="http://schemas.microsoft.com/office/drawing/2014/main" id="{F05D883A-41DA-F04D-A545-C4AFF0D866BF}"/>
-              </a:ext>
-            </a:extLst>
-          </p:cNvPr>
-          <p:cNvSpPr>
-            <a:spLocks noGrp="1"/>
+              <a:rPr lang="en-US" dirty="0">
+                <a:solidFill>
+                  <a:schemeClr val="accent6"/>
+                </a:solidFill>
+                <a:latin typeface="+mn-lt"/>
+              </a:rPr>
+              <a:t>Team Jupiter</a:t>
+            </a:r>
+          </a:p>
+        </p:txBody>
+      </p:sp>
+      <p:sp>
+        <p:nvSpPr>
+          <p:cNvPr id="9" name="Title 7">
+            <a:extLst>
+              <a:ext uri="{FF2B5EF4-FFF2-40B4-BE49-F238E27FC236}">
+                <a16:creationId xmlns:a16="http://schemas.microsoft.com/office/drawing/2014/main" id="{A0A94243-749F-A734-84CE-9C917825D8E9}"/>
+              </a:ext>
+            </a:extLst>
+          </p:cNvPr>
+          <p:cNvSpPr txBox="1">
+            <a:spLocks/>
           </p:cNvSpPr>
-          <p:nvPr>
-            <p:ph type="title"/>
-          </p:nvPr>
-        </p:nvSpPr>
-        <p:spPr/>
-        <p:txBody>
-          <a:bodyPr/>
+          <p:nvPr/>
+        </p:nvSpPr>
+        <p:spPr>
+          <a:xfrm>
+            <a:off x="585386" y="900019"/>
+            <a:ext cx="6499382" cy="941137"/>
+          </a:xfrm>
+          <a:prstGeom prst="rect">
+            <a:avLst/>
+          </a:prstGeom>
+        </p:spPr>
+        <p:txBody>
+          <a:bodyPr lIns="0" rIns="0" anchor="ctr"/>
+          <a:lstStyle>
+            <a:lvl1pPr algn="l" defTabSz="777240" rtl="0" eaLnBrk="1" latinLnBrk="0" hangingPunct="1">
+              <a:lnSpc>
+                <a:spcPct val="90000"/>
+              </a:lnSpc>
+              <a:spcBef>
+                <a:spcPct val="0"/>
+              </a:spcBef>
+              <a:buNone/>
+              <a:defRPr lang="en-US" sz="8800" b="1" kern="1200" cap="all" spc="-300" baseline="0">
+                <a:solidFill>
+                  <a:schemeClr val="accent4"/>
+                </a:solidFill>
+                <a:latin typeface="+mj-lt"/>
+                <a:ea typeface="+mn-ea"/>
+                <a:cs typeface="+mn-cs"/>
+              </a:defRPr>
+            </a:lvl1pPr>
+          </a:lstStyle>
+          <a:p>
+            <a:pPr algn="ctr"/>
+            <a:r>
+              <a:rPr lang="en-US" sz="4800" dirty="0">
+                <a:solidFill>
+                  <a:srgbClr val="FF0000"/>
+                </a:solidFill>
+              </a:rPr>
+              <a:t>Does big budget equal success?</a:t>
+            </a:r>
+            <a:endParaRPr lang="en-US" sz="2800" dirty="0"/>
+          </a:p>
+        </p:txBody>
+      </p:sp>
+      <p:pic>
+        <p:nvPicPr>
+          <p:cNvPr id="8" name="Picture 7" descr="A picture containing text, screenshot, diagram, line&#10;&#10;Description automatically generated">
+            <a:extLst>
+              <a:ext uri="{FF2B5EF4-FFF2-40B4-BE49-F238E27FC236}">
+                <a16:creationId xmlns:a16="http://schemas.microsoft.com/office/drawing/2014/main" id="{F1A5D430-9FF2-C387-0F1E-85C7114315B3}"/>
+              </a:ext>
+            </a:extLst>
+          </p:cNvPr>
+          <p:cNvPicPr>
+            <a:picLocks noChangeAspect="1"/>
+          </p:cNvPicPr>
+          <p:nvPr/>
+        </p:nvPicPr>
+        <p:blipFill>
+          <a:blip r:embed="rId2"/>
+          <a:stretch>
+            <a:fillRect/>
+          </a:stretch>
+        </p:blipFill>
+        <p:spPr>
+          <a:xfrm>
+            <a:off x="585386" y="3767542"/>
+            <a:ext cx="6734432" cy="4063022"/>
+          </a:xfrm>
+          <a:prstGeom prst="rect">
+            <a:avLst/>
+          </a:prstGeom>
+        </p:spPr>
+      </p:pic>
+      <p:sp>
+        <p:nvSpPr>
+          <p:cNvPr id="13" name="TextBox 12">
+            <a:extLst>
+              <a:ext uri="{FF2B5EF4-FFF2-40B4-BE49-F238E27FC236}">
+                <a16:creationId xmlns:a16="http://schemas.microsoft.com/office/drawing/2014/main" id="{20D70E39-372A-08CA-32BF-CD1EC09D7578}"/>
+              </a:ext>
+            </a:extLst>
+          </p:cNvPr>
+          <p:cNvSpPr txBox="1"/>
+          <p:nvPr/>
+        </p:nvSpPr>
+        <p:spPr>
+          <a:xfrm>
+            <a:off x="585387" y="8038497"/>
+            <a:ext cx="6734431" cy="941137"/>
+          </a:xfrm>
+          <a:prstGeom prst="rect">
+            <a:avLst/>
+          </a:prstGeom>
+          <a:noFill/>
+        </p:spPr>
+        <p:txBody>
+          <a:bodyPr wrap="square">
+            <a:spAutoFit/>
+          </a:bodyPr>
           <a:lstStyle/>
           <a:p>
-            <a:r>
-              <a:rPr lang="en-US" dirty="0"/>
-              <a:t>Question 2</a:t>
+            <a:pPr algn="l"/>
+            <a:r>
+              <a:rPr lang="en-US" b="1" i="0" dirty="0">
+                <a:solidFill>
+                  <a:schemeClr val="bg1"/>
+                </a:solidFill>
+                <a:effectLst/>
+              </a:rPr>
+              <a:t>Do Americans prefer smaller budget, indie type movies or do only the big budget movies get promotion/advertising worldwide?</a:t>
             </a:r>
           </a:p>
         </p:txBody>
@@ -7977,7 +8069,7 @@
     </p:spTree>
     <p:extLst>
       <p:ext uri="{BB962C8B-B14F-4D97-AF65-F5344CB8AC3E}">
-        <p14:creationId xmlns:p14="http://schemas.microsoft.com/office/powerpoint/2010/main" val="139698231"/>
+        <p14:creationId xmlns:p14="http://schemas.microsoft.com/office/powerpoint/2010/main" val="147668194"/>
       </p:ext>
     </p:extLst>
   </p:cSld>
@@ -8009,7 +8101,7 @@
           <p:cNvPr id="2" name="Text Placeholder 1">
             <a:extLst>
               <a:ext uri="{FF2B5EF4-FFF2-40B4-BE49-F238E27FC236}">
-                <a16:creationId xmlns:a16="http://schemas.microsoft.com/office/drawing/2014/main" id="{91F66F5D-C043-3647-9565-4AA5F19AE050}"/>
+                <a16:creationId xmlns:a16="http://schemas.microsoft.com/office/drawing/2014/main" id="{245014B5-DC63-2F42-B6DB-63B7759157E9}"/>
               </a:ext>
             </a:extLst>
           </p:cNvPr>
@@ -8026,12 +8118,14 @@
           <a:lstStyle/>
           <a:p>
             <a:r>
-              <a:rPr lang="en-US" dirty="0"/>
-              <a:t>A movies budget does have a significant effect on gross sales. </a:t>
-            </a:r>
-          </a:p>
-          <a:p>
-            <a:endParaRPr lang="en-US" dirty="0"/>
+              <a:rPr lang="en-US" sz="2000" dirty="0">
+                <a:solidFill>
+                  <a:schemeClr val="bg1"/>
+                </a:solidFill>
+                <a:latin typeface="+mn-lt"/>
+              </a:rPr>
+              <a:t>Does a movies rating or genre influence how profitable a movie is?</a:t>
+            </a:r>
           </a:p>
         </p:txBody>
       </p:sp>
@@ -8040,7 +8134,7 @@
           <p:cNvPr id="3" name="Text Placeholder 2">
             <a:extLst>
               <a:ext uri="{FF2B5EF4-FFF2-40B4-BE49-F238E27FC236}">
-                <a16:creationId xmlns:a16="http://schemas.microsoft.com/office/drawing/2014/main" id="{66ED0322-6048-4E48-B93F-AD452622DF4A}"/>
+                <a16:creationId xmlns:a16="http://schemas.microsoft.com/office/drawing/2014/main" id="{ABA34425-AE37-4844-B5BF-2D28152D0F11}"/>
               </a:ext>
             </a:extLst>
           </p:cNvPr>
@@ -8051,33 +8145,24 @@
             <p:ph type="body" sz="quarter" idx="11"/>
           </p:nvPr>
         </p:nvSpPr>
-        <p:spPr>
-          <a:xfrm>
-            <a:off x="798089" y="5040986"/>
-            <a:ext cx="2616200" cy="1296988"/>
-          </a:xfrm>
-        </p:spPr>
+        <p:spPr/>
         <p:txBody>
           <a:bodyPr/>
           <a:lstStyle/>
           <a:p>
             <a:r>
-              <a:rPr lang="en-US" dirty="0"/>
-              <a:t>Genre has no overall significant effect on budget recovered, except Horror and Thriller movies due to extreme outliers.</a:t>
-            </a:r>
-          </a:p>
-          <a:p>
-            <a:r>
-              <a:rPr lang="en-US" dirty="0"/>
-              <a:t>Rating has no overall significant effect on budget recovered.</a:t>
+              <a:rPr lang="en-US" sz="2000" dirty="0">
+                <a:solidFill>
+                  <a:schemeClr val="bg1"/>
+                </a:solidFill>
+                <a:latin typeface="+mn-lt"/>
+              </a:rPr>
+              <a:t>Do higher rated movies have a better return on investment ?</a:t>
             </a:r>
           </a:p>
           <a:p>
             <a:endParaRPr lang="en-US" dirty="0"/>
           </a:p>
-          <a:p>
-            <a:endParaRPr lang="en-US" dirty="0"/>
-          </a:p>
         </p:txBody>
       </p:sp>
       <p:sp>
@@ -8085,7 +8170,7 @@
           <p:cNvPr id="4" name="Text Placeholder 3">
             <a:extLst>
               <a:ext uri="{FF2B5EF4-FFF2-40B4-BE49-F238E27FC236}">
-                <a16:creationId xmlns:a16="http://schemas.microsoft.com/office/drawing/2014/main" id="{917B2698-71B5-EA4F-8291-9E422C5E6746}"/>
+                <a16:creationId xmlns:a16="http://schemas.microsoft.com/office/drawing/2014/main" id="{E1D7A8E9-DE82-0942-BCA5-0F21820D846E}"/>
               </a:ext>
             </a:extLst>
           </p:cNvPr>
@@ -8102,8 +8187,10 @@
           <a:lstStyle/>
           <a:p>
             <a:r>
-              <a:rPr lang="en-US" dirty="0"/>
-              <a:t>Question #1</a:t>
+              <a:rPr lang="en-US" sz="2800" dirty="0">
+                <a:latin typeface="+mn-lt"/>
+              </a:rPr>
+              <a:t>Genre ROI</a:t>
             </a:r>
           </a:p>
         </p:txBody>
@@ -8113,7 +8200,7 @@
           <p:cNvPr id="5" name="Text Placeholder 4">
             <a:extLst>
               <a:ext uri="{FF2B5EF4-FFF2-40B4-BE49-F238E27FC236}">
-                <a16:creationId xmlns:a16="http://schemas.microsoft.com/office/drawing/2014/main" id="{A4E67D4A-6448-0E48-BC92-ABE4BA250B69}"/>
+                <a16:creationId xmlns:a16="http://schemas.microsoft.com/office/drawing/2014/main" id="{37A25D6E-FE64-C346-A250-B0F62A92BF52}"/>
               </a:ext>
             </a:extLst>
           </p:cNvPr>
@@ -8126,8 +8213,8 @@
         </p:nvSpPr>
         <p:spPr>
           <a:xfrm>
-            <a:off x="797394" y="4644429"/>
-            <a:ext cx="2615737" cy="396557"/>
+            <a:off x="3558746" y="2544763"/>
+            <a:ext cx="3535251" cy="396557"/>
           </a:xfrm>
         </p:spPr>
         <p:txBody>
@@ -8135,38 +8222,28 @@
           <a:lstStyle/>
           <a:p>
             <a:r>
-              <a:rPr lang="en-US" dirty="0"/>
-              <a:t>Question #2</a:t>
-            </a:r>
-          </a:p>
-        </p:txBody>
-      </p:sp>
-      <p:sp>
-        <p:nvSpPr>
-          <p:cNvPr id="6" name="Text Placeholder 5">
-            <a:extLst>
-              <a:ext uri="{FF2B5EF4-FFF2-40B4-BE49-F238E27FC236}">
-                <a16:creationId xmlns:a16="http://schemas.microsoft.com/office/drawing/2014/main" id="{2E195014-15EA-FA44-A689-47F0DDB88820}"/>
-              </a:ext>
-            </a:extLst>
-          </p:cNvPr>
-          <p:cNvSpPr>
-            <a:spLocks noGrp="1"/>
-          </p:cNvSpPr>
-          <p:nvPr>
-            <p:ph type="body" sz="quarter" idx="15"/>
-          </p:nvPr>
-        </p:nvSpPr>
-        <p:spPr/>
-        <p:txBody>
-          <a:bodyPr/>
-          <a:lstStyle/>
-          <a:p>
+              <a:rPr lang="en-US" sz="2800" dirty="0">
+                <a:latin typeface="+mn-lt"/>
+              </a:rPr>
+              <a:t>Good</a:t>
+            </a:r>
             <a:r>
               <a:rPr lang="en-US" dirty="0">
                 <a:latin typeface="+mn-lt"/>
               </a:rPr>
-              <a:t>github.com/IanFranklin</a:t>
+              <a:t> </a:t>
+            </a:r>
+            <a:r>
+              <a:rPr lang="en-US" sz="2800" dirty="0">
+                <a:latin typeface="+mn-lt"/>
+              </a:rPr>
+              <a:t>Movies</a:t>
+            </a:r>
+            <a:r>
+              <a:rPr lang="en-US" dirty="0">
+                <a:latin typeface="+mn-lt"/>
+              </a:rPr>
+              <a:t> = Profit?</a:t>
             </a:r>
           </a:p>
         </p:txBody>
@@ -8176,7 +8253,7 @@
           <p:cNvPr id="7" name="Text Placeholder 6">
             <a:extLst>
               <a:ext uri="{FF2B5EF4-FFF2-40B4-BE49-F238E27FC236}">
-                <a16:creationId xmlns:a16="http://schemas.microsoft.com/office/drawing/2014/main" id="{849FDC09-6F3E-0A44-8BAD-E6FC08CC013F}"/>
+                <a16:creationId xmlns:a16="http://schemas.microsoft.com/office/drawing/2014/main" id="{2117CA98-FF13-0146-9AEF-CE4134AC9D5E}"/>
               </a:ext>
             </a:extLst>
           </p:cNvPr>
@@ -8209,7 +8286,7 @@
           <p:cNvPr id="8" name="Title 7">
             <a:extLst>
               <a:ext uri="{FF2B5EF4-FFF2-40B4-BE49-F238E27FC236}">
-                <a16:creationId xmlns:a16="http://schemas.microsoft.com/office/drawing/2014/main" id="{CC2E676A-0E5D-B946-92F0-D7C96AEB7529}"/>
+                <a16:creationId xmlns:a16="http://schemas.microsoft.com/office/drawing/2014/main" id="{F05D883A-41DA-F04D-A545-C4AFF0D866BF}"/>
               </a:ext>
             </a:extLst>
           </p:cNvPr>
@@ -8226,25 +8303,250 @@
           <a:lstStyle/>
           <a:p>
             <a:r>
-              <a:rPr lang="en-US" sz="6000" dirty="0">
+              <a:rPr lang="en-US" dirty="0">
                 <a:solidFill>
                   <a:srgbClr val="FF0000"/>
                 </a:solidFill>
               </a:rPr>
-              <a:t>summary</a:t>
-            </a:r>
-            <a:endParaRPr lang="en-US" dirty="0">
-              <a:solidFill>
-                <a:srgbClr val="FF0000"/>
-              </a:solidFill>
-            </a:endParaRPr>
+              <a:t>Profitability</a:t>
+            </a:r>
+          </a:p>
+        </p:txBody>
+      </p:sp>
+      <p:pic>
+        <p:nvPicPr>
+          <p:cNvPr id="11" name="Picture 10" descr="A screenshot of a computer screen&#10;&#10;Description automatically generated with low confidence">
+            <a:extLst>
+              <a:ext uri="{FF2B5EF4-FFF2-40B4-BE49-F238E27FC236}">
+                <a16:creationId xmlns:a16="http://schemas.microsoft.com/office/drawing/2014/main" id="{8E18221B-1757-367B-4781-E07204C5C0AD}"/>
+              </a:ext>
+            </a:extLst>
+          </p:cNvPr>
+          <p:cNvPicPr>
+            <a:picLocks noChangeAspect="1"/>
+          </p:cNvPicPr>
+          <p:nvPr/>
+        </p:nvPicPr>
+        <p:blipFill>
+          <a:blip r:embed="rId2"/>
+          <a:stretch>
+            <a:fillRect/>
+          </a:stretch>
+        </p:blipFill>
+        <p:spPr>
+          <a:xfrm>
+            <a:off x="790832" y="5029200"/>
+            <a:ext cx="6190735" cy="3691561"/>
+          </a:xfrm>
+          <a:prstGeom prst="rect">
+            <a:avLst/>
+          </a:prstGeom>
+        </p:spPr>
+      </p:pic>
+      <p:sp>
+        <p:nvSpPr>
+          <p:cNvPr id="12" name="Text Placeholder 4">
+            <a:extLst>
+              <a:ext uri="{FF2B5EF4-FFF2-40B4-BE49-F238E27FC236}">
+                <a16:creationId xmlns:a16="http://schemas.microsoft.com/office/drawing/2014/main" id="{D66407AA-2740-968B-CF8F-D4540D8C3596}"/>
+              </a:ext>
+            </a:extLst>
+          </p:cNvPr>
+          <p:cNvSpPr txBox="1">
+            <a:spLocks/>
+          </p:cNvSpPr>
+          <p:nvPr/>
+        </p:nvSpPr>
+        <p:spPr>
+          <a:xfrm>
+            <a:off x="2090601" y="9353817"/>
+            <a:ext cx="3591198" cy="396557"/>
+          </a:xfrm>
+          <a:prstGeom prst="rect">
+            <a:avLst/>
+          </a:prstGeom>
+        </p:spPr>
+        <p:txBody>
+          <a:bodyPr lIns="0" rIns="0"/>
+          <a:lstStyle>
+            <a:lvl1pPr marL="0" indent="0" algn="r" defTabSz="777240" rtl="0" eaLnBrk="1" latinLnBrk="0" hangingPunct="1">
+              <a:lnSpc>
+                <a:spcPct val="90000"/>
+              </a:lnSpc>
+              <a:spcBef>
+                <a:spcPts val="850"/>
+              </a:spcBef>
+              <a:buFont typeface="Arial" panose="020B0604020202020204" pitchFamily="34" charset="0"/>
+              <a:buNone/>
+              <a:defRPr sz="2380" kern="1200">
+                <a:solidFill>
+                  <a:schemeClr val="accent6"/>
+                </a:solidFill>
+                <a:latin typeface="Century Gothic" panose="020B0502020202020204" pitchFamily="34" charset="0"/>
+                <a:ea typeface="+mn-ea"/>
+                <a:cs typeface="+mn-cs"/>
+              </a:defRPr>
+            </a:lvl1pPr>
+            <a:lvl2pPr marL="582930" indent="-194310" algn="l" defTabSz="777240" rtl="0" eaLnBrk="1" latinLnBrk="0" hangingPunct="1">
+              <a:lnSpc>
+                <a:spcPct val="90000"/>
+              </a:lnSpc>
+              <a:spcBef>
+                <a:spcPts val="425"/>
+              </a:spcBef>
+              <a:buFont typeface="Arial" panose="020B0604020202020204" pitchFamily="34" charset="0"/>
+              <a:buChar char="•"/>
+              <a:defRPr sz="2040" kern="1200">
+                <a:solidFill>
+                  <a:schemeClr val="accent6"/>
+                </a:solidFill>
+                <a:latin typeface="+mn-lt"/>
+                <a:ea typeface="+mn-ea"/>
+                <a:cs typeface="+mn-cs"/>
+              </a:defRPr>
+            </a:lvl2pPr>
+            <a:lvl3pPr marL="971550" indent="-194310" algn="l" defTabSz="777240" rtl="0" eaLnBrk="1" latinLnBrk="0" hangingPunct="1">
+              <a:lnSpc>
+                <a:spcPct val="90000"/>
+              </a:lnSpc>
+              <a:spcBef>
+                <a:spcPts val="425"/>
+              </a:spcBef>
+              <a:buFont typeface="Arial" panose="020B0604020202020204" pitchFamily="34" charset="0"/>
+              <a:buChar char="•"/>
+              <a:defRPr sz="1700" kern="1200">
+                <a:solidFill>
+                  <a:schemeClr val="accent6"/>
+                </a:solidFill>
+                <a:latin typeface="+mn-lt"/>
+                <a:ea typeface="+mn-ea"/>
+                <a:cs typeface="+mn-cs"/>
+              </a:defRPr>
+            </a:lvl3pPr>
+            <a:lvl4pPr marL="1360170" indent="-194310" algn="l" defTabSz="777240" rtl="0" eaLnBrk="1" latinLnBrk="0" hangingPunct="1">
+              <a:lnSpc>
+                <a:spcPct val="90000"/>
+              </a:lnSpc>
+              <a:spcBef>
+                <a:spcPts val="425"/>
+              </a:spcBef>
+              <a:buFont typeface="Arial" panose="020B0604020202020204" pitchFamily="34" charset="0"/>
+              <a:buChar char="•"/>
+              <a:defRPr sz="1530" kern="1200">
+                <a:solidFill>
+                  <a:schemeClr val="accent6"/>
+                </a:solidFill>
+                <a:latin typeface="+mn-lt"/>
+                <a:ea typeface="+mn-ea"/>
+                <a:cs typeface="+mn-cs"/>
+              </a:defRPr>
+            </a:lvl4pPr>
+            <a:lvl5pPr marL="1748790" indent="-194310" algn="l" defTabSz="777240" rtl="0" eaLnBrk="1" latinLnBrk="0" hangingPunct="1">
+              <a:lnSpc>
+                <a:spcPct val="90000"/>
+              </a:lnSpc>
+              <a:spcBef>
+                <a:spcPts val="425"/>
+              </a:spcBef>
+              <a:buFont typeface="Arial" panose="020B0604020202020204" pitchFamily="34" charset="0"/>
+              <a:buChar char="•"/>
+              <a:defRPr sz="1530" kern="1200">
+                <a:solidFill>
+                  <a:schemeClr val="accent6"/>
+                </a:solidFill>
+                <a:latin typeface="+mn-lt"/>
+                <a:ea typeface="+mn-ea"/>
+                <a:cs typeface="+mn-cs"/>
+              </a:defRPr>
+            </a:lvl5pPr>
+            <a:lvl6pPr marL="2137410" indent="-194310" algn="l" defTabSz="777240" rtl="0" eaLnBrk="1" latinLnBrk="0" hangingPunct="1">
+              <a:lnSpc>
+                <a:spcPct val="90000"/>
+              </a:lnSpc>
+              <a:spcBef>
+                <a:spcPts val="425"/>
+              </a:spcBef>
+              <a:buFont typeface="Arial" panose="020B0604020202020204" pitchFamily="34" charset="0"/>
+              <a:buChar char="•"/>
+              <a:defRPr sz="1530" kern="1200">
+                <a:solidFill>
+                  <a:schemeClr val="tx1"/>
+                </a:solidFill>
+                <a:latin typeface="+mn-lt"/>
+                <a:ea typeface="+mn-ea"/>
+                <a:cs typeface="+mn-cs"/>
+              </a:defRPr>
+            </a:lvl6pPr>
+            <a:lvl7pPr marL="2526030" indent="-194310" algn="l" defTabSz="777240" rtl="0" eaLnBrk="1" latinLnBrk="0" hangingPunct="1">
+              <a:lnSpc>
+                <a:spcPct val="90000"/>
+              </a:lnSpc>
+              <a:spcBef>
+                <a:spcPts val="425"/>
+              </a:spcBef>
+              <a:buFont typeface="Arial" panose="020B0604020202020204" pitchFamily="34" charset="0"/>
+              <a:buChar char="•"/>
+              <a:defRPr sz="1530" kern="1200">
+                <a:solidFill>
+                  <a:schemeClr val="tx1"/>
+                </a:solidFill>
+                <a:latin typeface="+mn-lt"/>
+                <a:ea typeface="+mn-ea"/>
+                <a:cs typeface="+mn-cs"/>
+              </a:defRPr>
+            </a:lvl7pPr>
+            <a:lvl8pPr marL="2914650" indent="-194310" algn="l" defTabSz="777240" rtl="0" eaLnBrk="1" latinLnBrk="0" hangingPunct="1">
+              <a:lnSpc>
+                <a:spcPct val="90000"/>
+              </a:lnSpc>
+              <a:spcBef>
+                <a:spcPts val="425"/>
+              </a:spcBef>
+              <a:buFont typeface="Arial" panose="020B0604020202020204" pitchFamily="34" charset="0"/>
+              <a:buChar char="•"/>
+              <a:defRPr sz="1530" kern="1200">
+                <a:solidFill>
+                  <a:schemeClr val="tx1"/>
+                </a:solidFill>
+                <a:latin typeface="+mn-lt"/>
+                <a:ea typeface="+mn-ea"/>
+                <a:cs typeface="+mn-cs"/>
+              </a:defRPr>
+            </a:lvl8pPr>
+            <a:lvl9pPr marL="3303270" indent="-194310" algn="l" defTabSz="777240" rtl="0" eaLnBrk="1" latinLnBrk="0" hangingPunct="1">
+              <a:lnSpc>
+                <a:spcPct val="90000"/>
+              </a:lnSpc>
+              <a:spcBef>
+                <a:spcPts val="425"/>
+              </a:spcBef>
+              <a:buFont typeface="Arial" panose="020B0604020202020204" pitchFamily="34" charset="0"/>
+              <a:buChar char="•"/>
+              <a:defRPr sz="1530" kern="1200">
+                <a:solidFill>
+                  <a:schemeClr val="tx1"/>
+                </a:solidFill>
+                <a:latin typeface="+mn-lt"/>
+                <a:ea typeface="+mn-ea"/>
+                <a:cs typeface="+mn-cs"/>
+              </a:defRPr>
+            </a:lvl9pPr>
+          </a:lstStyle>
+          <a:p>
+            <a:pPr algn="ctr"/>
+            <a:r>
+              <a:rPr lang="en-US" dirty="0">
+                <a:latin typeface="+mn-lt"/>
+              </a:rPr>
+              <a:t>Two Way ANOVA</a:t>
+            </a:r>
           </a:p>
         </p:txBody>
       </p:sp>
     </p:spTree>
     <p:extLst>
       <p:ext uri="{BB962C8B-B14F-4D97-AF65-F5344CB8AC3E}">
-        <p14:creationId xmlns:p14="http://schemas.microsoft.com/office/powerpoint/2010/main" val="2512527782"/>
+        <p14:creationId xmlns:p14="http://schemas.microsoft.com/office/powerpoint/2010/main" val="3237990862"/>
       </p:ext>
     </p:extLst>
   </p:cSld>
@@ -8271,12 +8573,107 @@
           <a:chExt cx="0" cy="0"/>
         </a:xfrm>
       </p:grpSpPr>
+      <p:pic>
+        <p:nvPicPr>
+          <p:cNvPr id="9" name="Picture 8" descr="A picture containing text, number, software, font&#10;&#10;Description automatically generated">
+            <a:extLst>
+              <a:ext uri="{FF2B5EF4-FFF2-40B4-BE49-F238E27FC236}">
+                <a16:creationId xmlns:a16="http://schemas.microsoft.com/office/drawing/2014/main" id="{F0293A89-78A8-76FB-DB77-ABBA6B3E6583}"/>
+              </a:ext>
+            </a:extLst>
+          </p:cNvPr>
+          <p:cNvPicPr>
+            <a:picLocks noChangeAspect="1"/>
+          </p:cNvPicPr>
+          <p:nvPr/>
+        </p:nvPicPr>
+        <p:blipFill>
+          <a:blip r:embed="rId2"/>
+          <a:stretch>
+            <a:fillRect/>
+          </a:stretch>
+        </p:blipFill>
+        <p:spPr>
+          <a:xfrm>
+            <a:off x="364762" y="4726677"/>
+            <a:ext cx="7042875" cy="3806343"/>
+          </a:xfrm>
+          <a:prstGeom prst="rect">
+            <a:avLst/>
+          </a:prstGeom>
+        </p:spPr>
+      </p:pic>
+      <p:sp>
+        <p:nvSpPr>
+          <p:cNvPr id="2" name="Text Placeholder 1">
+            <a:extLst>
+              <a:ext uri="{FF2B5EF4-FFF2-40B4-BE49-F238E27FC236}">
+                <a16:creationId xmlns:a16="http://schemas.microsoft.com/office/drawing/2014/main" id="{245014B5-DC63-2F42-B6DB-63B7759157E9}"/>
+              </a:ext>
+            </a:extLst>
+          </p:cNvPr>
+          <p:cNvSpPr>
+            <a:spLocks noGrp="1"/>
+          </p:cNvSpPr>
+          <p:nvPr>
+            <p:ph type="body" sz="quarter" idx="10"/>
+          </p:nvPr>
+        </p:nvSpPr>
+        <p:spPr>
+          <a:xfrm>
+            <a:off x="677244" y="2219337"/>
+            <a:ext cx="3319569" cy="1614661"/>
+          </a:xfrm>
+        </p:spPr>
+        <p:txBody>
+          <a:bodyPr/>
+          <a:lstStyle/>
+          <a:p>
+            <a:pPr marL="285750" indent="-285750">
+              <a:buFont typeface="Wingdings" panose="05000000000000000000" pitchFamily="2" charset="2"/>
+              <a:buChar char="v"/>
+            </a:pPr>
+            <a:r>
+              <a:rPr lang="en-US" sz="1800" dirty="0">
+                <a:solidFill>
+                  <a:schemeClr val="bg1"/>
+                </a:solidFill>
+                <a:latin typeface="+mn-lt"/>
+              </a:rPr>
+              <a:t>Bigger budget films tend to be Action, Adventure, &amp; Animation</a:t>
+            </a:r>
+          </a:p>
+          <a:p>
+            <a:pPr marL="285750" indent="-285750">
+              <a:buFont typeface="Wingdings" panose="05000000000000000000" pitchFamily="2" charset="2"/>
+              <a:buChar char="v"/>
+            </a:pPr>
+            <a:r>
+              <a:rPr lang="en-US" sz="1800" dirty="0">
+                <a:solidFill>
+                  <a:schemeClr val="bg1"/>
+                </a:solidFill>
+                <a:latin typeface="+mn-lt"/>
+              </a:rPr>
+              <a:t>Paranormal Activity made $193millon on a budget of $15,000</a:t>
+            </a:r>
+            <a:endParaRPr lang="en-US" dirty="0">
+              <a:solidFill>
+                <a:schemeClr val="bg1"/>
+              </a:solidFill>
+            </a:endParaRPr>
+          </a:p>
+          <a:p>
+            <a:endParaRPr lang="en-US" dirty="0"/>
+          </a:p>
+        </p:txBody>
+      </p:sp>
       <p:sp>
         <p:nvSpPr>
           <p:cNvPr id="3" name="Text Placeholder 2">
             <a:extLst>
               <a:ext uri="{FF2B5EF4-FFF2-40B4-BE49-F238E27FC236}">
-                <a16:creationId xmlns:a16="http://schemas.microsoft.com/office/drawing/2014/main" id="{80E3D831-66E3-AF43-9613-E5B052F8D9C4}"/>
+                <a16:creationId xmlns:a16="http://schemas.microsoft.com/office/drawing/2014/main" id="{ABA34425-AE37-4844-B5BF-2D28152D0F11}"/>
               </a:ext>
             </a:extLst>
           </p:cNvPr>
@@ -8289,268 +8686,41 @@
         </p:nvSpPr>
         <p:spPr>
           <a:xfrm>
-            <a:off x="4469034" y="2637386"/>
-            <a:ext cx="2717980" cy="1576268"/>
-          </a:xfrm>
-        </p:spPr>
-        <p:txBody>
-          <a:bodyPr>
-            <a:normAutofit/>
-          </a:bodyPr>
-          <a:lstStyle/>
-          <a:p>
-            <a:pPr>
-              <a:lnSpc>
-                <a:spcPct val="100000"/>
-              </a:lnSpc>
-            </a:pPr>
-            <a:r>
-              <a:rPr lang="en-US" sz="1600" dirty="0" err="1">
-                <a:latin typeface="+mn-lt"/>
-              </a:rPr>
-              <a:t>Sadasdasdasdasdsadasdasdasdasdasdasdas</a:t>
-            </a:r>
-            <a:r>
-              <a:rPr lang="en-US" sz="1600" dirty="0">
-                <a:latin typeface="+mn-lt"/>
-              </a:rPr>
-              <a:t> </a:t>
-            </a:r>
-            <a:r>
-              <a:rPr lang="en-US" sz="1600" dirty="0" err="1">
-                <a:latin typeface="+mn-lt"/>
-              </a:rPr>
-              <a:t>asd</a:t>
-            </a:r>
-            <a:r>
-              <a:rPr lang="en-US" sz="1600" dirty="0">
-                <a:latin typeface="+mn-lt"/>
-              </a:rPr>
-              <a:t> </a:t>
-            </a:r>
-            <a:r>
-              <a:rPr lang="en-US" sz="1600" dirty="0" err="1">
-                <a:latin typeface="+mn-lt"/>
-              </a:rPr>
-              <a:t>asd</a:t>
-            </a:r>
-            <a:r>
-              <a:rPr lang="en-US" sz="1600" dirty="0">
-                <a:latin typeface="+mn-lt"/>
-              </a:rPr>
-              <a:t> </a:t>
-            </a:r>
-            <a:r>
-              <a:rPr lang="en-US" sz="1600" dirty="0" err="1">
-                <a:latin typeface="+mn-lt"/>
-              </a:rPr>
-              <a:t>asd</a:t>
-            </a:r>
-            <a:r>
-              <a:rPr lang="en-US" sz="1600" dirty="0">
-                <a:latin typeface="+mn-lt"/>
-              </a:rPr>
-              <a:t> sad </a:t>
-            </a:r>
-            <a:r>
-              <a:rPr lang="en-US" sz="1600" dirty="0" err="1">
-                <a:latin typeface="+mn-lt"/>
-              </a:rPr>
-              <a:t>asd</a:t>
-            </a:r>
-            <a:r>
-              <a:rPr lang="en-US" sz="1600" dirty="0">
-                <a:latin typeface="+mn-lt"/>
-              </a:rPr>
-              <a:t> as da </a:t>
-            </a:r>
-            <a:r>
-              <a:rPr lang="en-US" sz="1600" dirty="0" err="1">
-                <a:latin typeface="+mn-lt"/>
-              </a:rPr>
-              <a:t>sdsa</a:t>
-            </a:r>
-            <a:r>
-              <a:rPr lang="en-US" sz="1600" dirty="0">
-                <a:latin typeface="+mn-lt"/>
-              </a:rPr>
-              <a:t> d</a:t>
-            </a:r>
-            <a:endParaRPr lang="en-US" dirty="0"/>
-          </a:p>
-        </p:txBody>
-      </p:sp>
-      <p:sp>
-        <p:nvSpPr>
-          <p:cNvPr id="5" name="Text Placeholder 4">
-            <a:extLst>
-              <a:ext uri="{FF2B5EF4-FFF2-40B4-BE49-F238E27FC236}">
-                <a16:creationId xmlns:a16="http://schemas.microsoft.com/office/drawing/2014/main" id="{6EED6964-EC4C-1C4C-96A1-7A2D2D4F184E}"/>
-              </a:ext>
-            </a:extLst>
-          </p:cNvPr>
-          <p:cNvSpPr>
-            <a:spLocks noGrp="1"/>
-          </p:cNvSpPr>
-          <p:nvPr>
-            <p:ph type="body" sz="quarter" idx="13"/>
-          </p:nvPr>
-        </p:nvSpPr>
-        <p:spPr>
-          <a:xfrm>
-            <a:off x="4391654" y="2158554"/>
-            <a:ext cx="2795360" cy="396557"/>
+            <a:off x="4262284" y="2218515"/>
+            <a:ext cx="2832871" cy="1296988"/>
           </a:xfrm>
         </p:spPr>
         <p:txBody>
           <a:bodyPr/>
           <a:lstStyle/>
           <a:p>
-            <a:r>
-              <a:rPr lang="en-US" sz="2400" dirty="0" err="1">
-                <a:solidFill>
-                  <a:schemeClr val="accent6"/>
-                </a:solidFill>
-                <a:latin typeface="+mn-lt"/>
-              </a:rPr>
-              <a:t>asdasdasdsad</a:t>
-            </a:r>
-            <a:endParaRPr lang="en-US" sz="2400" dirty="0">
-              <a:solidFill>
-                <a:schemeClr val="accent6"/>
-              </a:solidFill>
-              <a:latin typeface="+mn-lt"/>
-            </a:endParaRPr>
-          </a:p>
-        </p:txBody>
-      </p:sp>
-      <p:sp>
-        <p:nvSpPr>
-          <p:cNvPr id="2" name="Text Placeholder 1">
-            <a:extLst>
-              <a:ext uri="{FF2B5EF4-FFF2-40B4-BE49-F238E27FC236}">
-                <a16:creationId xmlns:a16="http://schemas.microsoft.com/office/drawing/2014/main" id="{6AEA8D19-A16F-164D-AD78-93A2AB87E114}"/>
-              </a:ext>
-            </a:extLst>
-          </p:cNvPr>
-          <p:cNvSpPr>
-            <a:spLocks noGrp="1"/>
-          </p:cNvSpPr>
-          <p:nvPr>
-            <p:ph type="body" sz="quarter" idx="10"/>
-          </p:nvPr>
-        </p:nvSpPr>
-        <p:spPr>
-          <a:xfrm>
-            <a:off x="687631" y="2723358"/>
-            <a:ext cx="3704022" cy="1186308"/>
-          </a:xfrm>
-        </p:spPr>
-        <p:txBody>
-          <a:bodyPr>
-            <a:noAutofit/>
-          </a:bodyPr>
-          <a:lstStyle/>
-          <a:p>
-            <a:pPr marL="342900" marR="0" lvl="0" indent="-342900">
-              <a:lnSpc>
-                <a:spcPct val="107000"/>
-              </a:lnSpc>
-              <a:spcBef>
-                <a:spcPts val="0"/>
-              </a:spcBef>
-              <a:spcAft>
-                <a:spcPts val="800"/>
-              </a:spcAft>
-              <a:buSzPts val="1000"/>
-              <a:buFont typeface="Wingdings" panose="05000000000000000000" pitchFamily="2" charset="2"/>
-              <a:buChar char="v"/>
-              <a:tabLst>
-                <a:tab pos="457200" algn="l"/>
-              </a:tabLst>
-            </a:pPr>
-            <a:r>
-              <a:rPr lang="en-US" sz="1800" dirty="0">
-                <a:effectLst/>
-                <a:latin typeface="+mn-lt"/>
-                <a:ea typeface="Times New Roman" panose="02020603050405020304" pitchFamily="18" charset="0"/>
-                <a:cs typeface="Times New Roman" panose="02020603050405020304" pitchFamily="18" charset="0"/>
-              </a:rPr>
-              <a:t>How do your findings impact the world at large?</a:t>
-            </a:r>
-            <a:endParaRPr lang="en-US" sz="1800" dirty="0">
-              <a:effectLst/>
-              <a:latin typeface="+mn-lt"/>
-              <a:ea typeface="Calibri" panose="020F0502020204030204" pitchFamily="34" charset="0"/>
-              <a:cs typeface="Times New Roman" panose="02020603050405020304" pitchFamily="18" charset="0"/>
-            </a:endParaRPr>
-          </a:p>
-          <a:p>
-            <a:pPr marL="342900" marR="0" lvl="0" indent="-342900">
-              <a:lnSpc>
-                <a:spcPct val="107000"/>
-              </a:lnSpc>
-              <a:spcBef>
-                <a:spcPts val="0"/>
-              </a:spcBef>
-              <a:spcAft>
-                <a:spcPts val="800"/>
-              </a:spcAft>
-              <a:buSzPts val="1000"/>
-              <a:buFont typeface="Wingdings" panose="05000000000000000000" pitchFamily="2" charset="2"/>
-              <a:buChar char="v"/>
-              <a:tabLst>
-                <a:tab pos="457200" algn="l"/>
-              </a:tabLst>
-            </a:pPr>
-            <a:r>
-              <a:rPr lang="en-US" sz="1800" dirty="0">
-                <a:effectLst/>
-                <a:latin typeface="+mn-lt"/>
-                <a:ea typeface="Times New Roman" panose="02020603050405020304" pitchFamily="18" charset="0"/>
-                <a:cs typeface="Times New Roman" panose="02020603050405020304" pitchFamily="18" charset="0"/>
-              </a:rPr>
-              <a:t>What's important about this work?</a:t>
-            </a:r>
-            <a:endParaRPr lang="en-US" sz="1800" dirty="0">
-              <a:effectLst/>
-              <a:ea typeface="Calibri" panose="020F0502020204030204" pitchFamily="34" charset="0"/>
-              <a:cs typeface="Times New Roman" panose="02020603050405020304" pitchFamily="18" charset="0"/>
-            </a:endParaRPr>
-          </a:p>
-          <a:p>
-            <a:pPr marL="674370" lvl="1" indent="-285750">
+            <a:pPr marL="285750" indent="-285750">
               <a:buFont typeface="Wingdings" panose="05000000000000000000" pitchFamily="2" charset="2"/>
               <a:buChar char="v"/>
             </a:pPr>
-            <a:endParaRPr lang="en-US" sz="1600" dirty="0"/>
-          </a:p>
-        </p:txBody>
-      </p:sp>
-      <p:sp>
-        <p:nvSpPr>
-          <p:cNvPr id="6" name="Text Placeholder 5">
-            <a:extLst>
-              <a:ext uri="{FF2B5EF4-FFF2-40B4-BE49-F238E27FC236}">
-                <a16:creationId xmlns:a16="http://schemas.microsoft.com/office/drawing/2014/main" id="{F66475D4-407F-B54B-ACC6-3C782B4B6DED}"/>
-              </a:ext>
-            </a:extLst>
-          </p:cNvPr>
-          <p:cNvSpPr>
-            <a:spLocks noGrp="1"/>
-          </p:cNvSpPr>
-          <p:nvPr>
-            <p:ph type="body" sz="quarter" idx="15"/>
-          </p:nvPr>
-        </p:nvSpPr>
-        <p:spPr/>
-        <p:txBody>
-          <a:bodyPr/>
-          <a:lstStyle/>
-          <a:p>
-            <a:r>
-              <a:rPr lang="en-US" dirty="0"/>
-              <a:t>Add A Footer</a:t>
+            <a:r>
+              <a:rPr lang="en-US" sz="1800" dirty="0">
+                <a:solidFill>
+                  <a:schemeClr val="bg1"/>
+                </a:solidFill>
+                <a:latin typeface="+mn-lt"/>
+              </a:rPr>
+              <a:t>15% of movies did not turn a profit</a:t>
+            </a:r>
+          </a:p>
+          <a:p>
+            <a:pPr marL="285750" indent="-285750">
+              <a:buFont typeface="Wingdings" panose="05000000000000000000" pitchFamily="2" charset="2"/>
+              <a:buChar char="v"/>
+            </a:pPr>
+            <a:r>
+              <a:rPr lang="en-US" sz="1800" dirty="0">
+                <a:solidFill>
+                  <a:schemeClr val="bg1"/>
+                </a:solidFill>
+                <a:latin typeface="+mn-lt"/>
+              </a:rPr>
+              <a:t>37% made over a 1000x return on budget </a:t>
             </a:r>
           </a:p>
         </p:txBody>
@@ -8560,7 +8730,7 @@
           <p:cNvPr id="7" name="Text Placeholder 6">
             <a:extLst>
               <a:ext uri="{FF2B5EF4-FFF2-40B4-BE49-F238E27FC236}">
-                <a16:creationId xmlns:a16="http://schemas.microsoft.com/office/drawing/2014/main" id="{71D7FEF1-5516-5F41-BA9D-7241957DA923}"/>
+                <a16:creationId xmlns:a16="http://schemas.microsoft.com/office/drawing/2014/main" id="{2117CA98-FF13-0146-9AEF-CE4134AC9D5E}"/>
               </a:ext>
             </a:extLst>
           </p:cNvPr>
@@ -8581,6 +8751,7 @@
                 <a:solidFill>
                   <a:schemeClr val="accent6"/>
                 </a:solidFill>
+                <a:latin typeface="+mn-lt"/>
               </a:rPr>
               <a:t>Team Jupiter</a:t>
             </a:r>
@@ -8589,10 +8760,10 @@
       </p:sp>
       <p:sp>
         <p:nvSpPr>
-          <p:cNvPr id="13" name="Title 7">
-            <a:extLst>
-              <a:ext uri="{FF2B5EF4-FFF2-40B4-BE49-F238E27FC236}">
-                <a16:creationId xmlns:a16="http://schemas.microsoft.com/office/drawing/2014/main" id="{27AC60BD-F3E0-907F-16DA-A4901BFE9B96}"/>
+          <p:cNvPr id="8" name="Title 7">
+            <a:extLst>
+              <a:ext uri="{FF2B5EF4-FFF2-40B4-BE49-F238E27FC236}">
+                <a16:creationId xmlns:a16="http://schemas.microsoft.com/office/drawing/2014/main" id="{F05D883A-41DA-F04D-A545-C4AFF0D866BF}"/>
               </a:ext>
             </a:extLst>
           </p:cNvPr>
@@ -8603,698 +8774,26 @@
             <p:ph type="title"/>
           </p:nvPr>
         </p:nvSpPr>
-        <p:spPr>
-          <a:xfrm>
-            <a:off x="687631" y="963487"/>
-            <a:ext cx="6499382" cy="792162"/>
-          </a:xfrm>
-        </p:spPr>
+        <p:spPr/>
         <p:txBody>
           <a:bodyPr/>
           <a:lstStyle/>
           <a:p>
-            <a:pPr algn="ctr"/>
-            <a:r>
-              <a:rPr lang="en-US" sz="6000" dirty="0">
+            <a:r>
+              <a:rPr lang="en-US" dirty="0">
                 <a:solidFill>
                   <a:srgbClr val="FF0000"/>
                 </a:solidFill>
               </a:rPr>
-              <a:t>Conclusions</a:t>
-            </a:r>
-          </a:p>
-        </p:txBody>
-      </p:sp>
-      <p:sp>
-        <p:nvSpPr>
-          <p:cNvPr id="16" name="Text Placeholder 4">
-            <a:extLst>
-              <a:ext uri="{FF2B5EF4-FFF2-40B4-BE49-F238E27FC236}">
-                <a16:creationId xmlns:a16="http://schemas.microsoft.com/office/drawing/2014/main" id="{EAB29E62-03F9-9BC4-0248-F40A920D75A1}"/>
-              </a:ext>
-            </a:extLst>
-          </p:cNvPr>
-          <p:cNvSpPr txBox="1">
-            <a:spLocks/>
-          </p:cNvSpPr>
-          <p:nvPr/>
-        </p:nvSpPr>
-        <p:spPr>
-          <a:xfrm>
-            <a:off x="687631" y="2326800"/>
-            <a:ext cx="2615737" cy="396557"/>
-          </a:xfrm>
-          <a:prstGeom prst="rect">
-            <a:avLst/>
-          </a:prstGeom>
-        </p:spPr>
-        <p:txBody>
-          <a:bodyPr lIns="0" rIns="0"/>
-          <a:lstStyle>
-            <a:lvl1pPr marL="0" indent="0" algn="r" defTabSz="777240" rtl="0" eaLnBrk="1" latinLnBrk="0" hangingPunct="1">
-              <a:lnSpc>
-                <a:spcPct val="90000"/>
-              </a:lnSpc>
-              <a:spcBef>
-                <a:spcPts val="850"/>
-              </a:spcBef>
-              <a:buFont typeface="Arial" panose="020B0604020202020204" pitchFamily="34" charset="0"/>
-              <a:buNone/>
-              <a:defRPr sz="2380" b="1" kern="1200" spc="300">
-                <a:solidFill>
-                  <a:schemeClr val="bg1"/>
-                </a:solidFill>
-                <a:latin typeface="Century Gothic" panose="020B0502020202020204" pitchFamily="34" charset="0"/>
-                <a:ea typeface="+mn-ea"/>
-                <a:cs typeface="+mn-cs"/>
-              </a:defRPr>
-            </a:lvl1pPr>
-            <a:lvl2pPr marL="582930" indent="-194310" algn="l" defTabSz="777240" rtl="0" eaLnBrk="1" latinLnBrk="0" hangingPunct="1">
-              <a:lnSpc>
-                <a:spcPct val="90000"/>
-              </a:lnSpc>
-              <a:spcBef>
-                <a:spcPts val="425"/>
-              </a:spcBef>
-              <a:buFont typeface="Arial" panose="020B0604020202020204" pitchFamily="34" charset="0"/>
-              <a:buChar char="•"/>
-              <a:defRPr sz="2040" kern="1200">
-                <a:solidFill>
-                  <a:schemeClr val="accent6"/>
-                </a:solidFill>
-                <a:latin typeface="+mn-lt"/>
-                <a:ea typeface="+mn-ea"/>
-                <a:cs typeface="+mn-cs"/>
-              </a:defRPr>
-            </a:lvl2pPr>
-            <a:lvl3pPr marL="971550" indent="-194310" algn="l" defTabSz="777240" rtl="0" eaLnBrk="1" latinLnBrk="0" hangingPunct="1">
-              <a:lnSpc>
-                <a:spcPct val="90000"/>
-              </a:lnSpc>
-              <a:spcBef>
-                <a:spcPts val="425"/>
-              </a:spcBef>
-              <a:buFont typeface="Arial" panose="020B0604020202020204" pitchFamily="34" charset="0"/>
-              <a:buChar char="•"/>
-              <a:defRPr sz="1700" kern="1200">
-                <a:solidFill>
-                  <a:schemeClr val="accent6"/>
-                </a:solidFill>
-                <a:latin typeface="+mn-lt"/>
-                <a:ea typeface="+mn-ea"/>
-                <a:cs typeface="+mn-cs"/>
-              </a:defRPr>
-            </a:lvl3pPr>
-            <a:lvl4pPr marL="1360170" indent="-194310" algn="l" defTabSz="777240" rtl="0" eaLnBrk="1" latinLnBrk="0" hangingPunct="1">
-              <a:lnSpc>
-                <a:spcPct val="90000"/>
-              </a:lnSpc>
-              <a:spcBef>
-                <a:spcPts val="425"/>
-              </a:spcBef>
-              <a:buFont typeface="Arial" panose="020B0604020202020204" pitchFamily="34" charset="0"/>
-              <a:buChar char="•"/>
-              <a:defRPr sz="1530" kern="1200">
-                <a:solidFill>
-                  <a:schemeClr val="accent6"/>
-                </a:solidFill>
-                <a:latin typeface="+mn-lt"/>
-                <a:ea typeface="+mn-ea"/>
-                <a:cs typeface="+mn-cs"/>
-              </a:defRPr>
-            </a:lvl4pPr>
-            <a:lvl5pPr marL="1748790" indent="-194310" algn="l" defTabSz="777240" rtl="0" eaLnBrk="1" latinLnBrk="0" hangingPunct="1">
-              <a:lnSpc>
-                <a:spcPct val="90000"/>
-              </a:lnSpc>
-              <a:spcBef>
-                <a:spcPts val="425"/>
-              </a:spcBef>
-              <a:buFont typeface="Arial" panose="020B0604020202020204" pitchFamily="34" charset="0"/>
-              <a:buChar char="•"/>
-              <a:defRPr sz="1530" kern="1200">
-                <a:solidFill>
-                  <a:schemeClr val="accent6"/>
-                </a:solidFill>
-                <a:latin typeface="+mn-lt"/>
-                <a:ea typeface="+mn-ea"/>
-                <a:cs typeface="+mn-cs"/>
-              </a:defRPr>
-            </a:lvl5pPr>
-            <a:lvl6pPr marL="2137410" indent="-194310" algn="l" defTabSz="777240" rtl="0" eaLnBrk="1" latinLnBrk="0" hangingPunct="1">
-              <a:lnSpc>
-                <a:spcPct val="90000"/>
-              </a:lnSpc>
-              <a:spcBef>
-                <a:spcPts val="425"/>
-              </a:spcBef>
-              <a:buFont typeface="Arial" panose="020B0604020202020204" pitchFamily="34" charset="0"/>
-              <a:buChar char="•"/>
-              <a:defRPr sz="1530" kern="1200">
-                <a:solidFill>
-                  <a:schemeClr val="tx1"/>
-                </a:solidFill>
-                <a:latin typeface="+mn-lt"/>
-                <a:ea typeface="+mn-ea"/>
-                <a:cs typeface="+mn-cs"/>
-              </a:defRPr>
-            </a:lvl6pPr>
-            <a:lvl7pPr marL="2526030" indent="-194310" algn="l" defTabSz="777240" rtl="0" eaLnBrk="1" latinLnBrk="0" hangingPunct="1">
-              <a:lnSpc>
-                <a:spcPct val="90000"/>
-              </a:lnSpc>
-              <a:spcBef>
-                <a:spcPts val="425"/>
-              </a:spcBef>
-              <a:buFont typeface="Arial" panose="020B0604020202020204" pitchFamily="34" charset="0"/>
-              <a:buChar char="•"/>
-              <a:defRPr sz="1530" kern="1200">
-                <a:solidFill>
-                  <a:schemeClr val="tx1"/>
-                </a:solidFill>
-                <a:latin typeface="+mn-lt"/>
-                <a:ea typeface="+mn-ea"/>
-                <a:cs typeface="+mn-cs"/>
-              </a:defRPr>
-            </a:lvl7pPr>
-            <a:lvl8pPr marL="2914650" indent="-194310" algn="l" defTabSz="777240" rtl="0" eaLnBrk="1" latinLnBrk="0" hangingPunct="1">
-              <a:lnSpc>
-                <a:spcPct val="90000"/>
-              </a:lnSpc>
-              <a:spcBef>
-                <a:spcPts val="425"/>
-              </a:spcBef>
-              <a:buFont typeface="Arial" panose="020B0604020202020204" pitchFamily="34" charset="0"/>
-              <a:buChar char="•"/>
-              <a:defRPr sz="1530" kern="1200">
-                <a:solidFill>
-                  <a:schemeClr val="tx1"/>
-                </a:solidFill>
-                <a:latin typeface="+mn-lt"/>
-                <a:ea typeface="+mn-ea"/>
-                <a:cs typeface="+mn-cs"/>
-              </a:defRPr>
-            </a:lvl8pPr>
-            <a:lvl9pPr marL="3303270" indent="-194310" algn="l" defTabSz="777240" rtl="0" eaLnBrk="1" latinLnBrk="0" hangingPunct="1">
-              <a:lnSpc>
-                <a:spcPct val="90000"/>
-              </a:lnSpc>
-              <a:spcBef>
-                <a:spcPts val="425"/>
-              </a:spcBef>
-              <a:buFont typeface="Arial" panose="020B0604020202020204" pitchFamily="34" charset="0"/>
-              <a:buChar char="•"/>
-              <a:defRPr sz="1530" kern="1200">
-                <a:solidFill>
-                  <a:schemeClr val="tx1"/>
-                </a:solidFill>
-                <a:latin typeface="+mn-lt"/>
-                <a:ea typeface="+mn-ea"/>
-                <a:cs typeface="+mn-cs"/>
-              </a:defRPr>
-            </a:lvl9pPr>
-          </a:lstStyle>
-          <a:p>
-            <a:pPr algn="l"/>
-            <a:r>
-              <a:rPr lang="en-US" sz="2400" dirty="0">
-                <a:solidFill>
-                  <a:schemeClr val="accent6"/>
-                </a:solidFill>
-                <a:latin typeface="+mn-lt"/>
-              </a:rPr>
-              <a:t>Datasets</a:t>
-            </a:r>
-            <a:endParaRPr lang="en-US" dirty="0">
-              <a:solidFill>
-                <a:schemeClr val="accent6"/>
-              </a:solidFill>
-              <a:latin typeface="+mn-lt"/>
-            </a:endParaRPr>
-          </a:p>
-        </p:txBody>
-      </p:sp>
-      <p:sp>
-        <p:nvSpPr>
-          <p:cNvPr id="18" name="Text Placeholder 4">
-            <a:extLst>
-              <a:ext uri="{FF2B5EF4-FFF2-40B4-BE49-F238E27FC236}">
-                <a16:creationId xmlns:a16="http://schemas.microsoft.com/office/drawing/2014/main" id="{09448CE7-FDB0-1FFC-3C6B-F6156B8167ED}"/>
-              </a:ext>
-            </a:extLst>
-          </p:cNvPr>
-          <p:cNvSpPr txBox="1">
-            <a:spLocks/>
-          </p:cNvSpPr>
-          <p:nvPr/>
-        </p:nvSpPr>
-        <p:spPr>
-          <a:xfrm>
-            <a:off x="687631" y="4419554"/>
-            <a:ext cx="2615737" cy="396557"/>
-          </a:xfrm>
-          <a:prstGeom prst="rect">
-            <a:avLst/>
-          </a:prstGeom>
-        </p:spPr>
-        <p:txBody>
-          <a:bodyPr lIns="0" rIns="0"/>
-          <a:lstStyle>
-            <a:lvl1pPr marL="0" indent="0" algn="r" defTabSz="777240" rtl="0" eaLnBrk="1" latinLnBrk="0" hangingPunct="1">
-              <a:lnSpc>
-                <a:spcPct val="90000"/>
-              </a:lnSpc>
-              <a:spcBef>
-                <a:spcPts val="850"/>
-              </a:spcBef>
-              <a:buFont typeface="Arial" panose="020B0604020202020204" pitchFamily="34" charset="0"/>
-              <a:buNone/>
-              <a:defRPr sz="2380" b="1" kern="1200" spc="300">
-                <a:solidFill>
-                  <a:schemeClr val="bg1"/>
-                </a:solidFill>
-                <a:latin typeface="Century Gothic" panose="020B0502020202020204" pitchFamily="34" charset="0"/>
-                <a:ea typeface="+mn-ea"/>
-                <a:cs typeface="+mn-cs"/>
-              </a:defRPr>
-            </a:lvl1pPr>
-            <a:lvl2pPr marL="582930" indent="-194310" algn="l" defTabSz="777240" rtl="0" eaLnBrk="1" latinLnBrk="0" hangingPunct="1">
-              <a:lnSpc>
-                <a:spcPct val="90000"/>
-              </a:lnSpc>
-              <a:spcBef>
-                <a:spcPts val="425"/>
-              </a:spcBef>
-              <a:buFont typeface="Arial" panose="020B0604020202020204" pitchFamily="34" charset="0"/>
-              <a:buChar char="•"/>
-              <a:defRPr sz="2040" kern="1200">
-                <a:solidFill>
-                  <a:schemeClr val="accent6"/>
-                </a:solidFill>
-                <a:latin typeface="+mn-lt"/>
-                <a:ea typeface="+mn-ea"/>
-                <a:cs typeface="+mn-cs"/>
-              </a:defRPr>
-            </a:lvl2pPr>
-            <a:lvl3pPr marL="971550" indent="-194310" algn="l" defTabSz="777240" rtl="0" eaLnBrk="1" latinLnBrk="0" hangingPunct="1">
-              <a:lnSpc>
-                <a:spcPct val="90000"/>
-              </a:lnSpc>
-              <a:spcBef>
-                <a:spcPts val="425"/>
-              </a:spcBef>
-              <a:buFont typeface="Arial" panose="020B0604020202020204" pitchFamily="34" charset="0"/>
-              <a:buChar char="•"/>
-              <a:defRPr sz="1700" kern="1200">
-                <a:solidFill>
-                  <a:schemeClr val="accent6"/>
-                </a:solidFill>
-                <a:latin typeface="+mn-lt"/>
-                <a:ea typeface="+mn-ea"/>
-                <a:cs typeface="+mn-cs"/>
-              </a:defRPr>
-            </a:lvl3pPr>
-            <a:lvl4pPr marL="1360170" indent="-194310" algn="l" defTabSz="777240" rtl="0" eaLnBrk="1" latinLnBrk="0" hangingPunct="1">
-              <a:lnSpc>
-                <a:spcPct val="90000"/>
-              </a:lnSpc>
-              <a:spcBef>
-                <a:spcPts val="425"/>
-              </a:spcBef>
-              <a:buFont typeface="Arial" panose="020B0604020202020204" pitchFamily="34" charset="0"/>
-              <a:buChar char="•"/>
-              <a:defRPr sz="1530" kern="1200">
-                <a:solidFill>
-                  <a:schemeClr val="accent6"/>
-                </a:solidFill>
-                <a:latin typeface="+mn-lt"/>
-                <a:ea typeface="+mn-ea"/>
-                <a:cs typeface="+mn-cs"/>
-              </a:defRPr>
-            </a:lvl4pPr>
-            <a:lvl5pPr marL="1748790" indent="-194310" algn="l" defTabSz="777240" rtl="0" eaLnBrk="1" latinLnBrk="0" hangingPunct="1">
-              <a:lnSpc>
-                <a:spcPct val="90000"/>
-              </a:lnSpc>
-              <a:spcBef>
-                <a:spcPts val="425"/>
-              </a:spcBef>
-              <a:buFont typeface="Arial" panose="020B0604020202020204" pitchFamily="34" charset="0"/>
-              <a:buChar char="•"/>
-              <a:defRPr sz="1530" kern="1200">
-                <a:solidFill>
-                  <a:schemeClr val="accent6"/>
-                </a:solidFill>
-                <a:latin typeface="+mn-lt"/>
-                <a:ea typeface="+mn-ea"/>
-                <a:cs typeface="+mn-cs"/>
-              </a:defRPr>
-            </a:lvl5pPr>
-            <a:lvl6pPr marL="2137410" indent="-194310" algn="l" defTabSz="777240" rtl="0" eaLnBrk="1" latinLnBrk="0" hangingPunct="1">
-              <a:lnSpc>
-                <a:spcPct val="90000"/>
-              </a:lnSpc>
-              <a:spcBef>
-                <a:spcPts val="425"/>
-              </a:spcBef>
-              <a:buFont typeface="Arial" panose="020B0604020202020204" pitchFamily="34" charset="0"/>
-              <a:buChar char="•"/>
-              <a:defRPr sz="1530" kern="1200">
-                <a:solidFill>
-                  <a:schemeClr val="tx1"/>
-                </a:solidFill>
-                <a:latin typeface="+mn-lt"/>
-                <a:ea typeface="+mn-ea"/>
-                <a:cs typeface="+mn-cs"/>
-              </a:defRPr>
-            </a:lvl6pPr>
-            <a:lvl7pPr marL="2526030" indent="-194310" algn="l" defTabSz="777240" rtl="0" eaLnBrk="1" latinLnBrk="0" hangingPunct="1">
-              <a:lnSpc>
-                <a:spcPct val="90000"/>
-              </a:lnSpc>
-              <a:spcBef>
-                <a:spcPts val="425"/>
-              </a:spcBef>
-              <a:buFont typeface="Arial" panose="020B0604020202020204" pitchFamily="34" charset="0"/>
-              <a:buChar char="•"/>
-              <a:defRPr sz="1530" kern="1200">
-                <a:solidFill>
-                  <a:schemeClr val="tx1"/>
-                </a:solidFill>
-                <a:latin typeface="+mn-lt"/>
-                <a:ea typeface="+mn-ea"/>
-                <a:cs typeface="+mn-cs"/>
-              </a:defRPr>
-            </a:lvl7pPr>
-            <a:lvl8pPr marL="2914650" indent="-194310" algn="l" defTabSz="777240" rtl="0" eaLnBrk="1" latinLnBrk="0" hangingPunct="1">
-              <a:lnSpc>
-                <a:spcPct val="90000"/>
-              </a:lnSpc>
-              <a:spcBef>
-                <a:spcPts val="425"/>
-              </a:spcBef>
-              <a:buFont typeface="Arial" panose="020B0604020202020204" pitchFamily="34" charset="0"/>
-              <a:buChar char="•"/>
-              <a:defRPr sz="1530" kern="1200">
-                <a:solidFill>
-                  <a:schemeClr val="tx1"/>
-                </a:solidFill>
-                <a:latin typeface="+mn-lt"/>
-                <a:ea typeface="+mn-ea"/>
-                <a:cs typeface="+mn-cs"/>
-              </a:defRPr>
-            </a:lvl8pPr>
-            <a:lvl9pPr marL="3303270" indent="-194310" algn="l" defTabSz="777240" rtl="0" eaLnBrk="1" latinLnBrk="0" hangingPunct="1">
-              <a:lnSpc>
-                <a:spcPct val="90000"/>
-              </a:lnSpc>
-              <a:spcBef>
-                <a:spcPts val="425"/>
-              </a:spcBef>
-              <a:buFont typeface="Arial" panose="020B0604020202020204" pitchFamily="34" charset="0"/>
-              <a:buChar char="•"/>
-              <a:defRPr sz="1530" kern="1200">
-                <a:solidFill>
-                  <a:schemeClr val="tx1"/>
-                </a:solidFill>
-                <a:latin typeface="+mn-lt"/>
-                <a:ea typeface="+mn-ea"/>
-                <a:cs typeface="+mn-cs"/>
-              </a:defRPr>
-            </a:lvl9pPr>
-          </a:lstStyle>
-          <a:p>
-            <a:pPr algn="l"/>
-            <a:r>
-              <a:rPr lang="en-US" sz="2400" dirty="0">
-                <a:solidFill>
-                  <a:schemeClr val="accent6"/>
-                </a:solidFill>
-                <a:latin typeface="+mn-lt"/>
-              </a:rPr>
-              <a:t>Wrangling</a:t>
-            </a:r>
-            <a:endParaRPr lang="en-US" dirty="0">
-              <a:solidFill>
-                <a:schemeClr val="accent6"/>
-              </a:solidFill>
-              <a:latin typeface="+mn-lt"/>
-            </a:endParaRPr>
-          </a:p>
-        </p:txBody>
-      </p:sp>
-      <p:sp>
-        <p:nvSpPr>
-          <p:cNvPr id="19" name="Text Placeholder 1">
-            <a:extLst>
-              <a:ext uri="{FF2B5EF4-FFF2-40B4-BE49-F238E27FC236}">
-                <a16:creationId xmlns:a16="http://schemas.microsoft.com/office/drawing/2014/main" id="{3383F537-4773-3553-8164-66FAD181CBF0}"/>
-              </a:ext>
-            </a:extLst>
-          </p:cNvPr>
-          <p:cNvSpPr txBox="1">
-            <a:spLocks/>
-          </p:cNvSpPr>
-          <p:nvPr/>
-        </p:nvSpPr>
-        <p:spPr>
-          <a:xfrm>
-            <a:off x="687631" y="4816111"/>
-            <a:ext cx="3704022" cy="1076959"/>
-          </a:xfrm>
-          <a:prstGeom prst="rect">
-            <a:avLst/>
-          </a:prstGeom>
-        </p:spPr>
-        <p:txBody>
-          <a:bodyPr lIns="0" rIns="0"/>
-          <a:lstStyle>
-            <a:lvl1pPr marL="0" indent="0" algn="l" defTabSz="777240" rtl="0" eaLnBrk="1" latinLnBrk="0" hangingPunct="1">
-              <a:lnSpc>
-                <a:spcPct val="110000"/>
-              </a:lnSpc>
-              <a:spcBef>
-                <a:spcPts val="850"/>
-              </a:spcBef>
-              <a:buFont typeface="Arial" panose="020B0604020202020204" pitchFamily="34" charset="0"/>
-              <a:buNone/>
-              <a:defRPr sz="1400" b="1" kern="1200">
-                <a:solidFill>
-                  <a:schemeClr val="bg1"/>
-                </a:solidFill>
-                <a:latin typeface="Century Gothic" panose="020B0502020202020204" pitchFamily="34" charset="0"/>
-                <a:ea typeface="+mn-ea"/>
-                <a:cs typeface="+mn-cs"/>
-              </a:defRPr>
-            </a:lvl1pPr>
-            <a:lvl2pPr marL="388620" indent="0" algn="l" defTabSz="777240" rtl="0" eaLnBrk="1" latinLnBrk="0" hangingPunct="1">
-              <a:lnSpc>
-                <a:spcPct val="90000"/>
-              </a:lnSpc>
-              <a:spcBef>
-                <a:spcPts val="425"/>
-              </a:spcBef>
-              <a:buFont typeface="Arial" panose="020B0604020202020204" pitchFamily="34" charset="0"/>
-              <a:buNone/>
-              <a:defRPr sz="1400" kern="1200">
-                <a:solidFill>
-                  <a:schemeClr val="bg1"/>
-                </a:solidFill>
-                <a:latin typeface="+mn-lt"/>
-                <a:ea typeface="+mn-ea"/>
-                <a:cs typeface="+mn-cs"/>
-              </a:defRPr>
-            </a:lvl2pPr>
-            <a:lvl3pPr marL="777240" indent="0" algn="l" defTabSz="777240" rtl="0" eaLnBrk="1" latinLnBrk="0" hangingPunct="1">
-              <a:lnSpc>
-                <a:spcPct val="90000"/>
-              </a:lnSpc>
-              <a:spcBef>
-                <a:spcPts val="425"/>
-              </a:spcBef>
-              <a:buFont typeface="Arial" panose="020B0604020202020204" pitchFamily="34" charset="0"/>
-              <a:buNone/>
-              <a:defRPr sz="1400" kern="1200">
-                <a:solidFill>
-                  <a:schemeClr val="bg1"/>
-                </a:solidFill>
-                <a:latin typeface="+mn-lt"/>
-                <a:ea typeface="+mn-ea"/>
-                <a:cs typeface="+mn-cs"/>
-              </a:defRPr>
-            </a:lvl3pPr>
-            <a:lvl4pPr marL="1165860" indent="0" algn="l" defTabSz="777240" rtl="0" eaLnBrk="1" latinLnBrk="0" hangingPunct="1">
-              <a:lnSpc>
-                <a:spcPct val="90000"/>
-              </a:lnSpc>
-              <a:spcBef>
-                <a:spcPts val="425"/>
-              </a:spcBef>
-              <a:buFont typeface="Arial" panose="020B0604020202020204" pitchFamily="34" charset="0"/>
-              <a:buNone/>
-              <a:defRPr sz="1400" kern="1200">
-                <a:solidFill>
-                  <a:schemeClr val="bg1"/>
-                </a:solidFill>
-                <a:latin typeface="+mn-lt"/>
-                <a:ea typeface="+mn-ea"/>
-                <a:cs typeface="+mn-cs"/>
-              </a:defRPr>
-            </a:lvl4pPr>
-            <a:lvl5pPr marL="1554480" indent="0" algn="l" defTabSz="777240" rtl="0" eaLnBrk="1" latinLnBrk="0" hangingPunct="1">
-              <a:lnSpc>
-                <a:spcPct val="90000"/>
-              </a:lnSpc>
-              <a:spcBef>
-                <a:spcPts val="425"/>
-              </a:spcBef>
-              <a:buFont typeface="Arial" panose="020B0604020202020204" pitchFamily="34" charset="0"/>
-              <a:buNone/>
-              <a:defRPr sz="1400" kern="1200">
-                <a:solidFill>
-                  <a:schemeClr val="bg1"/>
-                </a:solidFill>
-                <a:latin typeface="+mn-lt"/>
-                <a:ea typeface="+mn-ea"/>
-                <a:cs typeface="+mn-cs"/>
-              </a:defRPr>
-            </a:lvl5pPr>
-            <a:lvl6pPr marL="2137410" indent="-194310" algn="l" defTabSz="777240" rtl="0" eaLnBrk="1" latinLnBrk="0" hangingPunct="1">
-              <a:lnSpc>
-                <a:spcPct val="90000"/>
-              </a:lnSpc>
-              <a:spcBef>
-                <a:spcPts val="425"/>
-              </a:spcBef>
-              <a:buFont typeface="Arial" panose="020B0604020202020204" pitchFamily="34" charset="0"/>
-              <a:buChar char="•"/>
-              <a:defRPr sz="1530" kern="1200">
-                <a:solidFill>
-                  <a:schemeClr val="tx1"/>
-                </a:solidFill>
-                <a:latin typeface="+mn-lt"/>
-                <a:ea typeface="+mn-ea"/>
-                <a:cs typeface="+mn-cs"/>
-              </a:defRPr>
-            </a:lvl6pPr>
-            <a:lvl7pPr marL="2526030" indent="-194310" algn="l" defTabSz="777240" rtl="0" eaLnBrk="1" latinLnBrk="0" hangingPunct="1">
-              <a:lnSpc>
-                <a:spcPct val="90000"/>
-              </a:lnSpc>
-              <a:spcBef>
-                <a:spcPts val="425"/>
-              </a:spcBef>
-              <a:buFont typeface="Arial" panose="020B0604020202020204" pitchFamily="34" charset="0"/>
-              <a:buChar char="•"/>
-              <a:defRPr sz="1530" kern="1200">
-                <a:solidFill>
-                  <a:schemeClr val="tx1"/>
-                </a:solidFill>
-                <a:latin typeface="+mn-lt"/>
-                <a:ea typeface="+mn-ea"/>
-                <a:cs typeface="+mn-cs"/>
-              </a:defRPr>
-            </a:lvl7pPr>
-            <a:lvl8pPr marL="2914650" indent="-194310" algn="l" defTabSz="777240" rtl="0" eaLnBrk="1" latinLnBrk="0" hangingPunct="1">
-              <a:lnSpc>
-                <a:spcPct val="90000"/>
-              </a:lnSpc>
-              <a:spcBef>
-                <a:spcPts val="425"/>
-              </a:spcBef>
-              <a:buFont typeface="Arial" panose="020B0604020202020204" pitchFamily="34" charset="0"/>
-              <a:buChar char="•"/>
-              <a:defRPr sz="1530" kern="1200">
-                <a:solidFill>
-                  <a:schemeClr val="tx1"/>
-                </a:solidFill>
-                <a:latin typeface="+mn-lt"/>
-                <a:ea typeface="+mn-ea"/>
-                <a:cs typeface="+mn-cs"/>
-              </a:defRPr>
-            </a:lvl8pPr>
-            <a:lvl9pPr marL="3303270" indent="-194310" algn="l" defTabSz="777240" rtl="0" eaLnBrk="1" latinLnBrk="0" hangingPunct="1">
-              <a:lnSpc>
-                <a:spcPct val="90000"/>
-              </a:lnSpc>
-              <a:spcBef>
-                <a:spcPts val="425"/>
-              </a:spcBef>
-              <a:buFont typeface="Arial" panose="020B0604020202020204" pitchFamily="34" charset="0"/>
-              <a:buChar char="•"/>
-              <a:defRPr sz="1530" kern="1200">
-                <a:solidFill>
-                  <a:schemeClr val="tx1"/>
-                </a:solidFill>
-                <a:latin typeface="+mn-lt"/>
-                <a:ea typeface="+mn-ea"/>
-                <a:cs typeface="+mn-cs"/>
-              </a:defRPr>
-            </a:lvl9pPr>
-          </a:lstStyle>
-          <a:p>
-            <a:pPr marL="285750" indent="-285750">
-              <a:buFont typeface="Wingdings" panose="05000000000000000000" pitchFamily="2" charset="2"/>
-              <a:buChar char="v"/>
-            </a:pPr>
-            <a:r>
-              <a:rPr lang="en-US" sz="1600" b="1" dirty="0">
-                <a:latin typeface="+mn-lt"/>
-                <a:ea typeface="Calibri" panose="020F0502020204030204" pitchFamily="34" charset="0"/>
-                <a:cs typeface="Times New Roman" panose="02020603050405020304" pitchFamily="18" charset="0"/>
-              </a:rPr>
-              <a:t>How do your findings impact the world at large?</a:t>
-            </a:r>
-          </a:p>
-          <a:p>
-            <a:pPr marL="285750" indent="-285750">
-              <a:buFont typeface="Wingdings" panose="05000000000000000000" pitchFamily="2" charset="2"/>
-              <a:buChar char="v"/>
-            </a:pPr>
-            <a:r>
-              <a:rPr lang="en-US" sz="1600" b="1" dirty="0">
-                <a:latin typeface="+mn-lt"/>
-                <a:ea typeface="Calibri" panose="020F0502020204030204" pitchFamily="34" charset="0"/>
-                <a:cs typeface="Times New Roman" panose="02020603050405020304" pitchFamily="18" charset="0"/>
-              </a:rPr>
-              <a:t>What's important about this work?</a:t>
-            </a:r>
-          </a:p>
-          <a:p>
-            <a:pPr marL="285750" indent="-285750">
-              <a:buFont typeface="Wingdings" panose="05000000000000000000" pitchFamily="2" charset="2"/>
-              <a:buChar char="v"/>
-            </a:pPr>
-            <a:r>
-              <a:rPr lang="en-US" sz="1600" b="1" dirty="0">
-                <a:latin typeface="+mn-lt"/>
-                <a:ea typeface="Calibri" panose="020F0502020204030204" pitchFamily="34" charset="0"/>
-                <a:cs typeface="Times New Roman" panose="02020603050405020304" pitchFamily="18" charset="0"/>
-              </a:rPr>
-              <a:t>Big picture information</a:t>
-            </a:r>
-          </a:p>
-          <a:p>
-            <a:pPr lvl="1"/>
-            <a:endParaRPr lang="en-US" sz="1800" dirty="0">
-              <a:latin typeface="Calibri" panose="020F0502020204030204" pitchFamily="34" charset="0"/>
-              <a:ea typeface="Calibri" panose="020F0502020204030204" pitchFamily="34" charset="0"/>
-              <a:cs typeface="Times New Roman" panose="02020603050405020304" pitchFamily="18" charset="0"/>
-            </a:endParaRPr>
-          </a:p>
-          <a:p>
-            <a:pPr marL="674370" lvl="1" indent="-285750">
-              <a:buFont typeface="Wingdings" panose="05000000000000000000" pitchFamily="2" charset="2"/>
-              <a:buChar char="v"/>
-            </a:pPr>
-            <a:endParaRPr lang="en-US" sz="1600" dirty="0"/>
+              <a:t>Profitability</a:t>
+            </a:r>
           </a:p>
         </p:txBody>
       </p:sp>
     </p:spTree>
     <p:extLst>
       <p:ext uri="{BB962C8B-B14F-4D97-AF65-F5344CB8AC3E}">
-        <p14:creationId xmlns:p14="http://schemas.microsoft.com/office/powerpoint/2010/main" val="156199875"/>
+        <p14:creationId xmlns:p14="http://schemas.microsoft.com/office/powerpoint/2010/main" val="2656886781"/>
       </p:ext>
     </p:extLst>
   </p:cSld>
@@ -9323,10 +8822,10 @@
       </p:grpSpPr>
       <p:sp>
         <p:nvSpPr>
-          <p:cNvPr id="12" name="Text Placeholder 11">
-            <a:extLst>
-              <a:ext uri="{FF2B5EF4-FFF2-40B4-BE49-F238E27FC236}">
-                <a16:creationId xmlns:a16="http://schemas.microsoft.com/office/drawing/2014/main" id="{7D7B05AE-F1D3-F246-917E-3A73DC6FD61B}"/>
+          <p:cNvPr id="2" name="Text Placeholder 1">
+            <a:extLst>
+              <a:ext uri="{FF2B5EF4-FFF2-40B4-BE49-F238E27FC236}">
+                <a16:creationId xmlns:a16="http://schemas.microsoft.com/office/drawing/2014/main" id="{245014B5-DC63-2F42-B6DB-63B7759157E9}"/>
               </a:ext>
             </a:extLst>
           </p:cNvPr>
@@ -9339,27 +8838,51 @@
         </p:nvSpPr>
         <p:spPr>
           <a:xfrm>
-            <a:off x="677940" y="2941320"/>
-            <a:ext cx="2616200" cy="1296988"/>
+            <a:off x="540338" y="2669745"/>
+            <a:ext cx="2891865" cy="1296988"/>
           </a:xfrm>
         </p:spPr>
         <p:txBody>
           <a:bodyPr/>
           <a:lstStyle/>
           <a:p>
-            <a:r>
-              <a:rPr lang="en-US" dirty="0"/>
-              <a:t>- Ian Franklin</a:t>
-            </a:r>
-          </a:p>
-        </p:txBody>
-      </p:sp>
-      <p:sp>
-        <p:nvSpPr>
-          <p:cNvPr id="13" name="Text Placeholder 12">
-            <a:extLst>
-              <a:ext uri="{FF2B5EF4-FFF2-40B4-BE49-F238E27FC236}">
-                <a16:creationId xmlns:a16="http://schemas.microsoft.com/office/drawing/2014/main" id="{44E7CDFD-7790-A640-9ACB-9D9F14E11463}"/>
+            <a:pPr marL="285750" indent="-285750">
+              <a:buFont typeface="Wingdings" panose="05000000000000000000" pitchFamily="2" charset="2"/>
+              <a:buChar char="v"/>
+            </a:pPr>
+            <a:r>
+              <a:rPr lang="en-US" sz="1800" dirty="0">
+                <a:solidFill>
+                  <a:schemeClr val="bg1"/>
+                </a:solidFill>
+                <a:latin typeface="+mn-lt"/>
+              </a:rPr>
+              <a:t>Horror and Thriller have the best return.</a:t>
+            </a:r>
+          </a:p>
+          <a:p>
+            <a:pPr marL="285750" indent="-285750">
+              <a:buFont typeface="Wingdings" panose="05000000000000000000" pitchFamily="2" charset="2"/>
+              <a:buChar char="v"/>
+            </a:pPr>
+            <a:r>
+              <a:rPr lang="en-US" sz="1800" dirty="0">
+                <a:solidFill>
+                  <a:schemeClr val="bg1"/>
+                </a:solidFill>
+                <a:latin typeface="+mn-lt"/>
+              </a:rPr>
+              <a:t>Crime, Mystery, &amp; Fantasy have the lowest.</a:t>
+            </a:r>
+          </a:p>
+        </p:txBody>
+      </p:sp>
+      <p:sp>
+        <p:nvSpPr>
+          <p:cNvPr id="3" name="Text Placeholder 2">
+            <a:extLst>
+              <a:ext uri="{FF2B5EF4-FFF2-40B4-BE49-F238E27FC236}">
+                <a16:creationId xmlns:a16="http://schemas.microsoft.com/office/drawing/2014/main" id="{ABA34425-AE37-4844-B5BF-2D28152D0F11}"/>
               </a:ext>
             </a:extLst>
           </p:cNvPr>
@@ -9372,27 +8895,57 @@
         </p:nvSpPr>
         <p:spPr>
           <a:xfrm>
-            <a:off x="4468569" y="2941320"/>
-            <a:ext cx="2616200" cy="1296988"/>
+            <a:off x="3886200" y="2707910"/>
+            <a:ext cx="3208955" cy="1296988"/>
           </a:xfrm>
         </p:spPr>
         <p:txBody>
           <a:bodyPr/>
           <a:lstStyle/>
           <a:p>
-            <a:r>
-              <a:rPr lang="en-US" dirty="0"/>
-              <a:t>On how data can be used in the movie industry.</a:t>
-            </a:r>
-          </a:p>
-        </p:txBody>
-      </p:sp>
-      <p:sp>
-        <p:nvSpPr>
-          <p:cNvPr id="17" name="Text Placeholder 16">
-            <a:extLst>
-              <a:ext uri="{FF2B5EF4-FFF2-40B4-BE49-F238E27FC236}">
-                <a16:creationId xmlns:a16="http://schemas.microsoft.com/office/drawing/2014/main" id="{8159C9F5-3197-0445-A08E-D2D4FA7B6EEB}"/>
+            <a:pPr marL="285750" indent="-285750" algn="l">
+              <a:buFont typeface="Wingdings" panose="05000000000000000000" pitchFamily="2" charset="2"/>
+              <a:buChar char="v"/>
+            </a:pPr>
+            <a:r>
+              <a:rPr lang="en-US" sz="1800" b="0" dirty="0">
+                <a:solidFill>
+                  <a:schemeClr val="bg1"/>
+                </a:solidFill>
+                <a:effectLst/>
+                <a:latin typeface="+mn-lt"/>
+              </a:rPr>
+              <a:t>The thriller genre losses significance .</a:t>
+            </a:r>
+          </a:p>
+          <a:p>
+            <a:pPr marL="285750" indent="-285750" algn="l">
+              <a:buFont typeface="Wingdings" panose="05000000000000000000" pitchFamily="2" charset="2"/>
+              <a:buChar char="v"/>
+            </a:pPr>
+            <a:r>
+              <a:rPr lang="en-US" sz="1800" b="0" dirty="0">
+                <a:solidFill>
+                  <a:schemeClr val="bg1"/>
+                </a:solidFill>
+                <a:effectLst/>
+                <a:latin typeface="+mn-lt"/>
+              </a:rPr>
+              <a:t>Mean for Horror drops by 92% but still eclipses other genres by 2 to 3 times the return on budget!!</a:t>
+            </a:r>
+          </a:p>
+          <a:p>
+            <a:pPr algn="l"/>
+            <a:endParaRPr lang="en-US" dirty="0"/>
+          </a:p>
+        </p:txBody>
+      </p:sp>
+      <p:sp>
+        <p:nvSpPr>
+          <p:cNvPr id="4" name="Text Placeholder 3">
+            <a:extLst>
+              <a:ext uri="{FF2B5EF4-FFF2-40B4-BE49-F238E27FC236}">
+                <a16:creationId xmlns:a16="http://schemas.microsoft.com/office/drawing/2014/main" id="{E1D7A8E9-DE82-0942-BCA5-0F21820D846E}"/>
               </a:ext>
             </a:extLst>
           </p:cNvPr>
@@ -9405,7 +8958,7 @@
         </p:nvSpPr>
         <p:spPr>
           <a:xfrm>
-            <a:off x="678403" y="2415382"/>
+            <a:off x="540338" y="2235736"/>
             <a:ext cx="2615737" cy="396557"/>
           </a:xfrm>
         </p:spPr>
@@ -9414,18 +8967,29 @@
           <a:lstStyle/>
           <a:p>
             <a:r>
-              <a:rPr lang="en-US" dirty="0"/>
-              <a:t>Team Jupiter </a:t>
-            </a:r>
-          </a:p>
-        </p:txBody>
-      </p:sp>
-      <p:sp>
-        <p:nvSpPr>
-          <p:cNvPr id="18" name="Text Placeholder 17">
-            <a:extLst>
-              <a:ext uri="{FF2B5EF4-FFF2-40B4-BE49-F238E27FC236}">
-                <a16:creationId xmlns:a16="http://schemas.microsoft.com/office/drawing/2014/main" id="{E27F62D6-4966-064C-9DBA-65E5B2A7476D}"/>
+              <a:rPr lang="en-US" dirty="0">
+                <a:latin typeface="+mn-lt"/>
+              </a:rPr>
+              <a:t>Genre </a:t>
+            </a:r>
+            <a:r>
+              <a:rPr lang="en-US" sz="2400" dirty="0">
+                <a:latin typeface="+mn-lt"/>
+              </a:rPr>
+              <a:t>Returns</a:t>
+            </a:r>
+            <a:endParaRPr lang="en-US" dirty="0">
+              <a:latin typeface="+mn-lt"/>
+            </a:endParaRPr>
+          </a:p>
+        </p:txBody>
+      </p:sp>
+      <p:sp>
+        <p:nvSpPr>
+          <p:cNvPr id="5" name="Text Placeholder 4">
+            <a:extLst>
+              <a:ext uri="{FF2B5EF4-FFF2-40B4-BE49-F238E27FC236}">
+                <a16:creationId xmlns:a16="http://schemas.microsoft.com/office/drawing/2014/main" id="{37A25D6E-FE64-C346-A250-B0F62A92BF52}"/>
               </a:ext>
             </a:extLst>
           </p:cNvPr>
@@ -9438,8 +9002,8 @@
         </p:nvSpPr>
         <p:spPr>
           <a:xfrm>
-            <a:off x="3886200" y="2286001"/>
-            <a:ext cx="3207797" cy="655320"/>
+            <a:off x="3886200" y="2235736"/>
+            <a:ext cx="3208955" cy="396557"/>
           </a:xfrm>
         </p:spPr>
         <p:txBody>
@@ -9447,8 +9011,2861 @@
           <a:lstStyle/>
           <a:p>
             <a:r>
+              <a:rPr lang="en-US" sz="2400" dirty="0">
+                <a:latin typeface="+mn-lt"/>
+              </a:rPr>
+              <a:t>Correcting for Outliers</a:t>
+            </a:r>
+          </a:p>
+        </p:txBody>
+      </p:sp>
+      <p:sp>
+        <p:nvSpPr>
+          <p:cNvPr id="7" name="Text Placeholder 6">
+            <a:extLst>
+              <a:ext uri="{FF2B5EF4-FFF2-40B4-BE49-F238E27FC236}">
+                <a16:creationId xmlns:a16="http://schemas.microsoft.com/office/drawing/2014/main" id="{2117CA98-FF13-0146-9AEF-CE4134AC9D5E}"/>
+              </a:ext>
+            </a:extLst>
+          </p:cNvPr>
+          <p:cNvSpPr>
+            <a:spLocks noGrp="1"/>
+          </p:cNvSpPr>
+          <p:nvPr>
+            <p:ph type="body" sz="quarter" idx="16"/>
+          </p:nvPr>
+        </p:nvSpPr>
+        <p:spPr/>
+        <p:txBody>
+          <a:bodyPr/>
+          <a:lstStyle/>
+          <a:p>
+            <a:r>
+              <a:rPr lang="en-US" dirty="0">
+                <a:solidFill>
+                  <a:schemeClr val="accent6"/>
+                </a:solidFill>
+                <a:latin typeface="+mn-lt"/>
+              </a:rPr>
+              <a:t>Team Jupiter</a:t>
+            </a:r>
+          </a:p>
+        </p:txBody>
+      </p:sp>
+      <p:sp>
+        <p:nvSpPr>
+          <p:cNvPr id="8" name="Title 7">
+            <a:extLst>
+              <a:ext uri="{FF2B5EF4-FFF2-40B4-BE49-F238E27FC236}">
+                <a16:creationId xmlns:a16="http://schemas.microsoft.com/office/drawing/2014/main" id="{F05D883A-41DA-F04D-A545-C4AFF0D866BF}"/>
+              </a:ext>
+            </a:extLst>
+          </p:cNvPr>
+          <p:cNvSpPr>
+            <a:spLocks noGrp="1"/>
+          </p:cNvSpPr>
+          <p:nvPr>
+            <p:ph type="title"/>
+          </p:nvPr>
+        </p:nvSpPr>
+        <p:spPr/>
+        <p:txBody>
+          <a:bodyPr/>
+          <a:lstStyle/>
+          <a:p>
+            <a:r>
+              <a:rPr lang="en-US" dirty="0">
+                <a:solidFill>
+                  <a:srgbClr val="FF0000"/>
+                </a:solidFill>
+              </a:rPr>
+              <a:t>Profitability</a:t>
+            </a:r>
+          </a:p>
+        </p:txBody>
+      </p:sp>
+      <p:pic>
+        <p:nvPicPr>
+          <p:cNvPr id="9" name="Picture 8" descr="A screenshot of a computer screen&#10;&#10;Description automatically generated with low confidence">
+            <a:extLst>
+              <a:ext uri="{FF2B5EF4-FFF2-40B4-BE49-F238E27FC236}">
+                <a16:creationId xmlns:a16="http://schemas.microsoft.com/office/drawing/2014/main" id="{21814A38-C98E-71BD-C6EE-47BE8645FAF3}"/>
+              </a:ext>
+            </a:extLst>
+          </p:cNvPr>
+          <p:cNvPicPr>
+            <a:picLocks noChangeAspect="1"/>
+          </p:cNvPicPr>
+          <p:nvPr/>
+        </p:nvPicPr>
+        <p:blipFill>
+          <a:blip r:embed="rId2"/>
+          <a:stretch>
+            <a:fillRect/>
+          </a:stretch>
+        </p:blipFill>
+        <p:spPr>
+          <a:xfrm>
+            <a:off x="187793" y="4831972"/>
+            <a:ext cx="7396813" cy="4020216"/>
+          </a:xfrm>
+          <a:prstGeom prst="rect">
+            <a:avLst/>
+          </a:prstGeom>
+        </p:spPr>
+      </p:pic>
+    </p:spTree>
+    <p:extLst>
+      <p:ext uri="{BB962C8B-B14F-4D97-AF65-F5344CB8AC3E}">
+        <p14:creationId xmlns:p14="http://schemas.microsoft.com/office/powerpoint/2010/main" val="3325612177"/>
+      </p:ext>
+    </p:extLst>
+  </p:cSld>
+  <p:clrMapOvr>
+    <a:masterClrMapping/>
+  </p:clrMapOvr>
+</p:sld>
+</file>
+
+<file path=ppt/slides/slide15.xml><?xml version="1.0" encoding="utf-8"?>
+<p:sld xmlns:a="http://schemas.openxmlformats.org/drawingml/2006/main" xmlns:r="http://schemas.openxmlformats.org/officeDocument/2006/relationships" xmlns:p="http://schemas.openxmlformats.org/presentationml/2006/main">
+  <p:cSld>
+    <p:spTree>
+      <p:nvGrpSpPr>
+        <p:cNvPr id="1" name=""/>
+        <p:cNvGrpSpPr/>
+        <p:nvPr/>
+      </p:nvGrpSpPr>
+      <p:grpSpPr>
+        <a:xfrm>
+          <a:off x="0" y="0"/>
+          <a:ext cx="0" cy="0"/>
+          <a:chOff x="0" y="0"/>
+          <a:chExt cx="0" cy="0"/>
+        </a:xfrm>
+      </p:grpSpPr>
+      <p:sp>
+        <p:nvSpPr>
+          <p:cNvPr id="2" name="Text Placeholder 1">
+            <a:extLst>
+              <a:ext uri="{FF2B5EF4-FFF2-40B4-BE49-F238E27FC236}">
+                <a16:creationId xmlns:a16="http://schemas.microsoft.com/office/drawing/2014/main" id="{245014B5-DC63-2F42-B6DB-63B7759157E9}"/>
+              </a:ext>
+            </a:extLst>
+          </p:cNvPr>
+          <p:cNvSpPr>
+            <a:spLocks noGrp="1"/>
+          </p:cNvSpPr>
+          <p:nvPr>
+            <p:ph type="body" sz="quarter" idx="10"/>
+          </p:nvPr>
+        </p:nvSpPr>
+        <p:spPr>
+          <a:xfrm>
+            <a:off x="585387" y="2745206"/>
+            <a:ext cx="2616200" cy="1296988"/>
+          </a:xfrm>
+        </p:spPr>
+        <p:txBody>
+          <a:bodyPr/>
+          <a:lstStyle/>
+          <a:p>
+            <a:pPr marL="342900" indent="-342900">
+              <a:buFont typeface="Wingdings" panose="05000000000000000000" pitchFamily="2" charset="2"/>
+              <a:buChar char="v"/>
+            </a:pPr>
+            <a:r>
+              <a:rPr lang="en-US" sz="2000" dirty="0">
+                <a:solidFill>
+                  <a:schemeClr val="bg1"/>
+                </a:solidFill>
+                <a:latin typeface="+mn-lt"/>
+              </a:rPr>
+              <a:t>Ratings does have a significant effect on Budget recovered</a:t>
+            </a:r>
+          </a:p>
+        </p:txBody>
+      </p:sp>
+      <p:sp>
+        <p:nvSpPr>
+          <p:cNvPr id="3" name="Text Placeholder 2">
+            <a:extLst>
+              <a:ext uri="{FF2B5EF4-FFF2-40B4-BE49-F238E27FC236}">
+                <a16:creationId xmlns:a16="http://schemas.microsoft.com/office/drawing/2014/main" id="{ABA34425-AE37-4844-B5BF-2D28152D0F11}"/>
+              </a:ext>
+            </a:extLst>
+          </p:cNvPr>
+          <p:cNvSpPr>
+            <a:spLocks noGrp="1"/>
+          </p:cNvSpPr>
+          <p:nvPr>
+            <p:ph type="body" sz="quarter" idx="11"/>
+          </p:nvPr>
+        </p:nvSpPr>
+        <p:spPr>
+          <a:xfrm>
+            <a:off x="3449834" y="2745206"/>
+            <a:ext cx="3737182" cy="1296988"/>
+          </a:xfrm>
+        </p:spPr>
+        <p:txBody>
+          <a:bodyPr/>
+          <a:lstStyle/>
+          <a:p>
+            <a:pPr marL="342900" indent="-342900">
+              <a:buFont typeface="Wingdings" panose="05000000000000000000" pitchFamily="2" charset="2"/>
+              <a:buChar char="v"/>
+            </a:pPr>
+            <a:r>
+              <a:rPr lang="en-US" sz="2000" dirty="0">
+                <a:solidFill>
+                  <a:schemeClr val="bg1"/>
+                </a:solidFill>
+                <a:latin typeface="+mn-lt"/>
+              </a:rPr>
+              <a:t>Average movies has the worst return.</a:t>
+            </a:r>
+          </a:p>
+          <a:p>
+            <a:pPr marL="342900" indent="-342900">
+              <a:buFont typeface="Wingdings" panose="05000000000000000000" pitchFamily="2" charset="2"/>
+              <a:buChar char="v"/>
+            </a:pPr>
+            <a:r>
+              <a:rPr lang="en-US" sz="2000" dirty="0">
+                <a:solidFill>
+                  <a:schemeClr val="bg1"/>
+                </a:solidFill>
+                <a:latin typeface="+mn-lt"/>
+              </a:rPr>
+              <a:t>The lowest rated movies have the greatest return!</a:t>
+            </a:r>
+          </a:p>
+          <a:p>
+            <a:endParaRPr lang="en-US" dirty="0"/>
+          </a:p>
+        </p:txBody>
+      </p:sp>
+      <p:sp>
+        <p:nvSpPr>
+          <p:cNvPr id="4" name="Text Placeholder 3">
+            <a:extLst>
+              <a:ext uri="{FF2B5EF4-FFF2-40B4-BE49-F238E27FC236}">
+                <a16:creationId xmlns:a16="http://schemas.microsoft.com/office/drawing/2014/main" id="{E1D7A8E9-DE82-0942-BCA5-0F21820D846E}"/>
+              </a:ext>
+            </a:extLst>
+          </p:cNvPr>
+          <p:cNvSpPr>
+            <a:spLocks noGrp="1"/>
+          </p:cNvSpPr>
+          <p:nvPr>
+            <p:ph type="body" sz="quarter" idx="12"/>
+          </p:nvPr>
+        </p:nvSpPr>
+        <p:spPr>
+          <a:xfrm>
+            <a:off x="585387" y="2305945"/>
+            <a:ext cx="2615737" cy="396557"/>
+          </a:xfrm>
+        </p:spPr>
+        <p:txBody>
+          <a:bodyPr/>
+          <a:lstStyle/>
+          <a:p>
+            <a:r>
+              <a:rPr lang="en-US" sz="2400" dirty="0">
+                <a:latin typeface="+mn-lt"/>
+              </a:rPr>
+              <a:t>Ratings</a:t>
+            </a:r>
+            <a:r>
+              <a:rPr lang="en-US" sz="2800" dirty="0">
+                <a:latin typeface="+mn-lt"/>
+              </a:rPr>
+              <a:t> Return</a:t>
+            </a:r>
+          </a:p>
+        </p:txBody>
+      </p:sp>
+      <p:sp>
+        <p:nvSpPr>
+          <p:cNvPr id="5" name="Text Placeholder 4">
+            <a:extLst>
+              <a:ext uri="{FF2B5EF4-FFF2-40B4-BE49-F238E27FC236}">
+                <a16:creationId xmlns:a16="http://schemas.microsoft.com/office/drawing/2014/main" id="{37A25D6E-FE64-C346-A250-B0F62A92BF52}"/>
+              </a:ext>
+            </a:extLst>
+          </p:cNvPr>
+          <p:cNvSpPr>
+            <a:spLocks noGrp="1"/>
+          </p:cNvSpPr>
+          <p:nvPr>
+            <p:ph type="body" sz="quarter" idx="13"/>
+          </p:nvPr>
+        </p:nvSpPr>
+        <p:spPr>
+          <a:xfrm>
+            <a:off x="3449833" y="2305945"/>
+            <a:ext cx="3737180" cy="396557"/>
+          </a:xfrm>
+        </p:spPr>
+        <p:txBody>
+          <a:bodyPr/>
+          <a:lstStyle/>
+          <a:p>
+            <a:r>
+              <a:rPr lang="en-US" sz="2400" dirty="0">
+                <a:latin typeface="+mn-lt"/>
+              </a:rPr>
+              <a:t>Correcting</a:t>
+            </a:r>
+            <a:r>
+              <a:rPr lang="en-US" sz="2800" dirty="0">
+                <a:latin typeface="+mn-lt"/>
+              </a:rPr>
+              <a:t> for Outliers</a:t>
+            </a:r>
+          </a:p>
+        </p:txBody>
+      </p:sp>
+      <p:sp>
+        <p:nvSpPr>
+          <p:cNvPr id="7" name="Text Placeholder 6">
+            <a:extLst>
+              <a:ext uri="{FF2B5EF4-FFF2-40B4-BE49-F238E27FC236}">
+                <a16:creationId xmlns:a16="http://schemas.microsoft.com/office/drawing/2014/main" id="{2117CA98-FF13-0146-9AEF-CE4134AC9D5E}"/>
+              </a:ext>
+            </a:extLst>
+          </p:cNvPr>
+          <p:cNvSpPr>
+            <a:spLocks noGrp="1"/>
+          </p:cNvSpPr>
+          <p:nvPr>
+            <p:ph type="body" sz="quarter" idx="16"/>
+          </p:nvPr>
+        </p:nvSpPr>
+        <p:spPr/>
+        <p:txBody>
+          <a:bodyPr/>
+          <a:lstStyle/>
+          <a:p>
+            <a:r>
+              <a:rPr lang="en-US" dirty="0">
+                <a:solidFill>
+                  <a:schemeClr val="accent6"/>
+                </a:solidFill>
+                <a:latin typeface="+mn-lt"/>
+              </a:rPr>
+              <a:t>Team Jupiter</a:t>
+            </a:r>
+          </a:p>
+        </p:txBody>
+      </p:sp>
+      <p:sp>
+        <p:nvSpPr>
+          <p:cNvPr id="8" name="Title 7">
+            <a:extLst>
+              <a:ext uri="{FF2B5EF4-FFF2-40B4-BE49-F238E27FC236}">
+                <a16:creationId xmlns:a16="http://schemas.microsoft.com/office/drawing/2014/main" id="{F05D883A-41DA-F04D-A545-C4AFF0D866BF}"/>
+              </a:ext>
+            </a:extLst>
+          </p:cNvPr>
+          <p:cNvSpPr>
+            <a:spLocks noGrp="1"/>
+          </p:cNvSpPr>
+          <p:nvPr>
+            <p:ph type="title"/>
+          </p:nvPr>
+        </p:nvSpPr>
+        <p:spPr/>
+        <p:txBody>
+          <a:bodyPr/>
+          <a:lstStyle/>
+          <a:p>
+            <a:r>
+              <a:rPr lang="en-US" dirty="0">
+                <a:solidFill>
+                  <a:srgbClr val="FF0000"/>
+                </a:solidFill>
+              </a:rPr>
+              <a:t>Profitability</a:t>
+            </a:r>
+          </a:p>
+        </p:txBody>
+      </p:sp>
+      <p:sp>
+        <p:nvSpPr>
+          <p:cNvPr id="12" name="Text Placeholder 4">
+            <a:extLst>
+              <a:ext uri="{FF2B5EF4-FFF2-40B4-BE49-F238E27FC236}">
+                <a16:creationId xmlns:a16="http://schemas.microsoft.com/office/drawing/2014/main" id="{D66407AA-2740-968B-CF8F-D4540D8C3596}"/>
+              </a:ext>
+            </a:extLst>
+          </p:cNvPr>
+          <p:cNvSpPr txBox="1">
+            <a:spLocks/>
+          </p:cNvSpPr>
+          <p:nvPr/>
+        </p:nvSpPr>
+        <p:spPr>
+          <a:xfrm>
+            <a:off x="2090601" y="9353817"/>
+            <a:ext cx="3591198" cy="396557"/>
+          </a:xfrm>
+          <a:prstGeom prst="rect">
+            <a:avLst/>
+          </a:prstGeom>
+        </p:spPr>
+        <p:txBody>
+          <a:bodyPr lIns="0" rIns="0"/>
+          <a:lstStyle>
+            <a:lvl1pPr marL="0" indent="0" algn="r" defTabSz="777240" rtl="0" eaLnBrk="1" latinLnBrk="0" hangingPunct="1">
+              <a:lnSpc>
+                <a:spcPct val="90000"/>
+              </a:lnSpc>
+              <a:spcBef>
+                <a:spcPts val="850"/>
+              </a:spcBef>
+              <a:buFont typeface="Arial" panose="020B0604020202020204" pitchFamily="34" charset="0"/>
+              <a:buNone/>
+              <a:defRPr sz="2380" kern="1200">
+                <a:solidFill>
+                  <a:schemeClr val="accent6"/>
+                </a:solidFill>
+                <a:latin typeface="Century Gothic" panose="020B0502020202020204" pitchFamily="34" charset="0"/>
+                <a:ea typeface="+mn-ea"/>
+                <a:cs typeface="+mn-cs"/>
+              </a:defRPr>
+            </a:lvl1pPr>
+            <a:lvl2pPr marL="582930" indent="-194310" algn="l" defTabSz="777240" rtl="0" eaLnBrk="1" latinLnBrk="0" hangingPunct="1">
+              <a:lnSpc>
+                <a:spcPct val="90000"/>
+              </a:lnSpc>
+              <a:spcBef>
+                <a:spcPts val="425"/>
+              </a:spcBef>
+              <a:buFont typeface="Arial" panose="020B0604020202020204" pitchFamily="34" charset="0"/>
+              <a:buChar char="•"/>
+              <a:defRPr sz="2040" kern="1200">
+                <a:solidFill>
+                  <a:schemeClr val="accent6"/>
+                </a:solidFill>
+                <a:latin typeface="+mn-lt"/>
+                <a:ea typeface="+mn-ea"/>
+                <a:cs typeface="+mn-cs"/>
+              </a:defRPr>
+            </a:lvl2pPr>
+            <a:lvl3pPr marL="971550" indent="-194310" algn="l" defTabSz="777240" rtl="0" eaLnBrk="1" latinLnBrk="0" hangingPunct="1">
+              <a:lnSpc>
+                <a:spcPct val="90000"/>
+              </a:lnSpc>
+              <a:spcBef>
+                <a:spcPts val="425"/>
+              </a:spcBef>
+              <a:buFont typeface="Arial" panose="020B0604020202020204" pitchFamily="34" charset="0"/>
+              <a:buChar char="•"/>
+              <a:defRPr sz="1700" kern="1200">
+                <a:solidFill>
+                  <a:schemeClr val="accent6"/>
+                </a:solidFill>
+                <a:latin typeface="+mn-lt"/>
+                <a:ea typeface="+mn-ea"/>
+                <a:cs typeface="+mn-cs"/>
+              </a:defRPr>
+            </a:lvl3pPr>
+            <a:lvl4pPr marL="1360170" indent="-194310" algn="l" defTabSz="777240" rtl="0" eaLnBrk="1" latinLnBrk="0" hangingPunct="1">
+              <a:lnSpc>
+                <a:spcPct val="90000"/>
+              </a:lnSpc>
+              <a:spcBef>
+                <a:spcPts val="425"/>
+              </a:spcBef>
+              <a:buFont typeface="Arial" panose="020B0604020202020204" pitchFamily="34" charset="0"/>
+              <a:buChar char="•"/>
+              <a:defRPr sz="1530" kern="1200">
+                <a:solidFill>
+                  <a:schemeClr val="accent6"/>
+                </a:solidFill>
+                <a:latin typeface="+mn-lt"/>
+                <a:ea typeface="+mn-ea"/>
+                <a:cs typeface="+mn-cs"/>
+              </a:defRPr>
+            </a:lvl4pPr>
+            <a:lvl5pPr marL="1748790" indent="-194310" algn="l" defTabSz="777240" rtl="0" eaLnBrk="1" latinLnBrk="0" hangingPunct="1">
+              <a:lnSpc>
+                <a:spcPct val="90000"/>
+              </a:lnSpc>
+              <a:spcBef>
+                <a:spcPts val="425"/>
+              </a:spcBef>
+              <a:buFont typeface="Arial" panose="020B0604020202020204" pitchFamily="34" charset="0"/>
+              <a:buChar char="•"/>
+              <a:defRPr sz="1530" kern="1200">
+                <a:solidFill>
+                  <a:schemeClr val="accent6"/>
+                </a:solidFill>
+                <a:latin typeface="+mn-lt"/>
+                <a:ea typeface="+mn-ea"/>
+                <a:cs typeface="+mn-cs"/>
+              </a:defRPr>
+            </a:lvl5pPr>
+            <a:lvl6pPr marL="2137410" indent="-194310" algn="l" defTabSz="777240" rtl="0" eaLnBrk="1" latinLnBrk="0" hangingPunct="1">
+              <a:lnSpc>
+                <a:spcPct val="90000"/>
+              </a:lnSpc>
+              <a:spcBef>
+                <a:spcPts val="425"/>
+              </a:spcBef>
+              <a:buFont typeface="Arial" panose="020B0604020202020204" pitchFamily="34" charset="0"/>
+              <a:buChar char="•"/>
+              <a:defRPr sz="1530" kern="1200">
+                <a:solidFill>
+                  <a:schemeClr val="tx1"/>
+                </a:solidFill>
+                <a:latin typeface="+mn-lt"/>
+                <a:ea typeface="+mn-ea"/>
+                <a:cs typeface="+mn-cs"/>
+              </a:defRPr>
+            </a:lvl6pPr>
+            <a:lvl7pPr marL="2526030" indent="-194310" algn="l" defTabSz="777240" rtl="0" eaLnBrk="1" latinLnBrk="0" hangingPunct="1">
+              <a:lnSpc>
+                <a:spcPct val="90000"/>
+              </a:lnSpc>
+              <a:spcBef>
+                <a:spcPts val="425"/>
+              </a:spcBef>
+              <a:buFont typeface="Arial" panose="020B0604020202020204" pitchFamily="34" charset="0"/>
+              <a:buChar char="•"/>
+              <a:defRPr sz="1530" kern="1200">
+                <a:solidFill>
+                  <a:schemeClr val="tx1"/>
+                </a:solidFill>
+                <a:latin typeface="+mn-lt"/>
+                <a:ea typeface="+mn-ea"/>
+                <a:cs typeface="+mn-cs"/>
+              </a:defRPr>
+            </a:lvl7pPr>
+            <a:lvl8pPr marL="2914650" indent="-194310" algn="l" defTabSz="777240" rtl="0" eaLnBrk="1" latinLnBrk="0" hangingPunct="1">
+              <a:lnSpc>
+                <a:spcPct val="90000"/>
+              </a:lnSpc>
+              <a:spcBef>
+                <a:spcPts val="425"/>
+              </a:spcBef>
+              <a:buFont typeface="Arial" panose="020B0604020202020204" pitchFamily="34" charset="0"/>
+              <a:buChar char="•"/>
+              <a:defRPr sz="1530" kern="1200">
+                <a:solidFill>
+                  <a:schemeClr val="tx1"/>
+                </a:solidFill>
+                <a:latin typeface="+mn-lt"/>
+                <a:ea typeface="+mn-ea"/>
+                <a:cs typeface="+mn-cs"/>
+              </a:defRPr>
+            </a:lvl8pPr>
+            <a:lvl9pPr marL="3303270" indent="-194310" algn="l" defTabSz="777240" rtl="0" eaLnBrk="1" latinLnBrk="0" hangingPunct="1">
+              <a:lnSpc>
+                <a:spcPct val="90000"/>
+              </a:lnSpc>
+              <a:spcBef>
+                <a:spcPts val="425"/>
+              </a:spcBef>
+              <a:buFont typeface="Arial" panose="020B0604020202020204" pitchFamily="34" charset="0"/>
+              <a:buChar char="•"/>
+              <a:defRPr sz="1530" kern="1200">
+                <a:solidFill>
+                  <a:schemeClr val="tx1"/>
+                </a:solidFill>
+                <a:latin typeface="+mn-lt"/>
+                <a:ea typeface="+mn-ea"/>
+                <a:cs typeface="+mn-cs"/>
+              </a:defRPr>
+            </a:lvl9pPr>
+          </a:lstStyle>
+          <a:p>
+            <a:pPr algn="ctr"/>
+            <a:r>
+              <a:rPr lang="en-US" dirty="0">
+                <a:latin typeface="+mn-lt"/>
+              </a:rPr>
+              <a:t>Two Way ANOVA</a:t>
+            </a:r>
+          </a:p>
+        </p:txBody>
+      </p:sp>
+      <p:pic>
+        <p:nvPicPr>
+          <p:cNvPr id="13" name="Picture 12">
+            <a:extLst>
+              <a:ext uri="{FF2B5EF4-FFF2-40B4-BE49-F238E27FC236}">
+                <a16:creationId xmlns:a16="http://schemas.microsoft.com/office/drawing/2014/main" id="{AEB6F802-27D4-17D1-D66A-D6C05325CDF8}"/>
+              </a:ext>
+            </a:extLst>
+          </p:cNvPr>
+          <p:cNvPicPr>
+            <a:picLocks noChangeAspect="1"/>
+          </p:cNvPicPr>
+          <p:nvPr/>
+        </p:nvPicPr>
+        <p:blipFill>
+          <a:blip r:embed="rId2"/>
+          <a:srcRect/>
+          <a:stretch/>
+        </p:blipFill>
+        <p:spPr>
+          <a:xfrm>
+            <a:off x="516193" y="5020545"/>
+            <a:ext cx="6740013" cy="3989632"/>
+          </a:xfrm>
+          <a:prstGeom prst="rect">
+            <a:avLst/>
+          </a:prstGeom>
+        </p:spPr>
+      </p:pic>
+    </p:spTree>
+    <p:extLst>
+      <p:ext uri="{BB962C8B-B14F-4D97-AF65-F5344CB8AC3E}">
+        <p14:creationId xmlns:p14="http://schemas.microsoft.com/office/powerpoint/2010/main" val="3904587061"/>
+      </p:ext>
+    </p:extLst>
+  </p:cSld>
+  <p:clrMapOvr>
+    <a:masterClrMapping/>
+  </p:clrMapOvr>
+</p:sld>
+</file>
+
+<file path=ppt/slides/slide16.xml><?xml version="1.0" encoding="utf-8"?>
+<p:sld xmlns:a="http://schemas.openxmlformats.org/drawingml/2006/main" xmlns:r="http://schemas.openxmlformats.org/officeDocument/2006/relationships" xmlns:p="http://schemas.openxmlformats.org/presentationml/2006/main">
+  <p:cSld>
+    <p:spTree>
+      <p:nvGrpSpPr>
+        <p:cNvPr id="1" name=""/>
+        <p:cNvGrpSpPr/>
+        <p:nvPr/>
+      </p:nvGrpSpPr>
+      <p:grpSpPr>
+        <a:xfrm>
+          <a:off x="0" y="0"/>
+          <a:ext cx="0" cy="0"/>
+          <a:chOff x="0" y="0"/>
+          <a:chExt cx="0" cy="0"/>
+        </a:xfrm>
+      </p:grpSpPr>
+      <p:sp>
+        <p:nvSpPr>
+          <p:cNvPr id="2" name="Text Placeholder 1">
+            <a:extLst>
+              <a:ext uri="{FF2B5EF4-FFF2-40B4-BE49-F238E27FC236}">
+                <a16:creationId xmlns:a16="http://schemas.microsoft.com/office/drawing/2014/main" id="{91F66F5D-C043-3647-9565-4AA5F19AE050}"/>
+              </a:ext>
+            </a:extLst>
+          </p:cNvPr>
+          <p:cNvSpPr>
+            <a:spLocks noGrp="1"/>
+          </p:cNvSpPr>
+          <p:nvPr>
+            <p:ph type="body" sz="quarter" idx="10"/>
+          </p:nvPr>
+        </p:nvSpPr>
+        <p:spPr/>
+        <p:txBody>
+          <a:bodyPr/>
+          <a:lstStyle/>
+          <a:p>
+            <a:r>
+              <a:rPr lang="en-US" dirty="0">
+                <a:solidFill>
+                  <a:srgbClr val="FFFFFF"/>
+                </a:solidFill>
+                <a:latin typeface="+mn-lt"/>
+              </a:rPr>
+              <a:t>A movies budget does have a significant effect on gross sales. </a:t>
+            </a:r>
+          </a:p>
+          <a:p>
+            <a:endParaRPr lang="en-US" dirty="0"/>
+          </a:p>
+        </p:txBody>
+      </p:sp>
+      <p:sp>
+        <p:nvSpPr>
+          <p:cNvPr id="3" name="Text Placeholder 2">
+            <a:extLst>
+              <a:ext uri="{FF2B5EF4-FFF2-40B4-BE49-F238E27FC236}">
+                <a16:creationId xmlns:a16="http://schemas.microsoft.com/office/drawing/2014/main" id="{66ED0322-6048-4E48-B93F-AD452622DF4A}"/>
+              </a:ext>
+            </a:extLst>
+          </p:cNvPr>
+          <p:cNvSpPr>
+            <a:spLocks noGrp="1"/>
+          </p:cNvSpPr>
+          <p:nvPr>
+            <p:ph type="body" sz="quarter" idx="11"/>
+          </p:nvPr>
+        </p:nvSpPr>
+        <p:spPr>
+          <a:xfrm>
+            <a:off x="798089" y="5040986"/>
+            <a:ext cx="2616200" cy="1296988"/>
+          </a:xfrm>
+        </p:spPr>
+        <p:txBody>
+          <a:bodyPr/>
+          <a:lstStyle/>
+          <a:p>
+            <a:r>
+              <a:rPr lang="en-US" dirty="0">
+                <a:solidFill>
+                  <a:srgbClr val="FFFFFF"/>
+                </a:solidFill>
+                <a:latin typeface="+mn-lt"/>
+              </a:rPr>
+              <a:t>Genre has no overall significant effect on budget recovered, except Horror and Thriller movies due to extreme outliers.</a:t>
+            </a:r>
+          </a:p>
+          <a:p>
+            <a:r>
+              <a:rPr lang="en-US" dirty="0">
+                <a:solidFill>
+                  <a:srgbClr val="FFFFFF"/>
+                </a:solidFill>
+                <a:latin typeface="+mn-lt"/>
+              </a:rPr>
+              <a:t>Rating has no overall significant effect on budget recovered.</a:t>
+            </a:r>
+          </a:p>
+          <a:p>
+            <a:endParaRPr lang="en-US" dirty="0">
+              <a:solidFill>
+                <a:srgbClr val="FFFFFF"/>
+              </a:solidFill>
+              <a:latin typeface="+mn-lt"/>
+            </a:endParaRPr>
+          </a:p>
+          <a:p>
+            <a:endParaRPr lang="en-US" dirty="0"/>
+          </a:p>
+        </p:txBody>
+      </p:sp>
+      <p:sp>
+        <p:nvSpPr>
+          <p:cNvPr id="4" name="Text Placeholder 3">
+            <a:extLst>
+              <a:ext uri="{FF2B5EF4-FFF2-40B4-BE49-F238E27FC236}">
+                <a16:creationId xmlns:a16="http://schemas.microsoft.com/office/drawing/2014/main" id="{917B2698-71B5-EA4F-8291-9E422C5E6746}"/>
+              </a:ext>
+            </a:extLst>
+          </p:cNvPr>
+          <p:cNvSpPr>
+            <a:spLocks noGrp="1"/>
+          </p:cNvSpPr>
+          <p:nvPr>
+            <p:ph type="body" sz="quarter" idx="12"/>
+          </p:nvPr>
+        </p:nvSpPr>
+        <p:spPr/>
+        <p:txBody>
+          <a:bodyPr/>
+          <a:lstStyle/>
+          <a:p>
+            <a:r>
+              <a:rPr lang="en-US" dirty="0">
+                <a:solidFill>
+                  <a:srgbClr val="FFFFFF"/>
+                </a:solidFill>
+                <a:latin typeface="+mn-lt"/>
+              </a:rPr>
+              <a:t>Question #1</a:t>
+            </a:r>
+          </a:p>
+        </p:txBody>
+      </p:sp>
+      <p:sp>
+        <p:nvSpPr>
+          <p:cNvPr id="5" name="Text Placeholder 4">
+            <a:extLst>
+              <a:ext uri="{FF2B5EF4-FFF2-40B4-BE49-F238E27FC236}">
+                <a16:creationId xmlns:a16="http://schemas.microsoft.com/office/drawing/2014/main" id="{A4E67D4A-6448-0E48-BC92-ABE4BA250B69}"/>
+              </a:ext>
+            </a:extLst>
+          </p:cNvPr>
+          <p:cNvSpPr>
+            <a:spLocks noGrp="1"/>
+          </p:cNvSpPr>
+          <p:nvPr>
+            <p:ph type="body" sz="quarter" idx="13"/>
+          </p:nvPr>
+        </p:nvSpPr>
+        <p:spPr>
+          <a:xfrm>
+            <a:off x="797394" y="4644429"/>
+            <a:ext cx="2615737" cy="396557"/>
+          </a:xfrm>
+        </p:spPr>
+        <p:txBody>
+          <a:bodyPr/>
+          <a:lstStyle/>
+          <a:p>
+            <a:r>
+              <a:rPr lang="en-US" dirty="0">
+                <a:solidFill>
+                  <a:srgbClr val="FFFFFF"/>
+                </a:solidFill>
+                <a:latin typeface="+mn-lt"/>
+              </a:rPr>
+              <a:t>Question #2</a:t>
+            </a:r>
+          </a:p>
+        </p:txBody>
+      </p:sp>
+      <p:sp>
+        <p:nvSpPr>
+          <p:cNvPr id="7" name="Text Placeholder 6">
+            <a:extLst>
+              <a:ext uri="{FF2B5EF4-FFF2-40B4-BE49-F238E27FC236}">
+                <a16:creationId xmlns:a16="http://schemas.microsoft.com/office/drawing/2014/main" id="{849FDC09-6F3E-0A44-8BAD-E6FC08CC013F}"/>
+              </a:ext>
+            </a:extLst>
+          </p:cNvPr>
+          <p:cNvSpPr>
+            <a:spLocks noGrp="1"/>
+          </p:cNvSpPr>
+          <p:nvPr>
+            <p:ph type="body" sz="quarter" idx="16"/>
+          </p:nvPr>
+        </p:nvSpPr>
+        <p:spPr/>
+        <p:txBody>
+          <a:bodyPr/>
+          <a:lstStyle/>
+          <a:p>
+            <a:r>
+              <a:rPr lang="en-US" dirty="0">
+                <a:solidFill>
+                  <a:schemeClr val="accent6"/>
+                </a:solidFill>
+                <a:latin typeface="+mn-lt"/>
+              </a:rPr>
+              <a:t>Team Jupiter</a:t>
+            </a:r>
+          </a:p>
+        </p:txBody>
+      </p:sp>
+      <p:sp>
+        <p:nvSpPr>
+          <p:cNvPr id="8" name="Title 7">
+            <a:extLst>
+              <a:ext uri="{FF2B5EF4-FFF2-40B4-BE49-F238E27FC236}">
+                <a16:creationId xmlns:a16="http://schemas.microsoft.com/office/drawing/2014/main" id="{CC2E676A-0E5D-B946-92F0-D7C96AEB7529}"/>
+              </a:ext>
+            </a:extLst>
+          </p:cNvPr>
+          <p:cNvSpPr>
+            <a:spLocks noGrp="1"/>
+          </p:cNvSpPr>
+          <p:nvPr>
+            <p:ph type="title"/>
+          </p:nvPr>
+        </p:nvSpPr>
+        <p:spPr/>
+        <p:txBody>
+          <a:bodyPr/>
+          <a:lstStyle/>
+          <a:p>
+            <a:r>
+              <a:rPr lang="en-US" sz="6000" dirty="0">
+                <a:solidFill>
+                  <a:srgbClr val="FF0000"/>
+                </a:solidFill>
+              </a:rPr>
+              <a:t>summary</a:t>
+            </a:r>
+            <a:endParaRPr lang="en-US" dirty="0">
+              <a:solidFill>
+                <a:srgbClr val="FF0000"/>
+              </a:solidFill>
+            </a:endParaRPr>
+          </a:p>
+        </p:txBody>
+      </p:sp>
+      <p:sp>
+        <p:nvSpPr>
+          <p:cNvPr id="12" name="Rectangle 11">
+            <a:extLst>
+              <a:ext uri="{FF2B5EF4-FFF2-40B4-BE49-F238E27FC236}">
+                <a16:creationId xmlns:a16="http://schemas.microsoft.com/office/drawing/2014/main" id="{7F52C29B-7838-F303-8C68-79BC0C656229}"/>
+              </a:ext>
+            </a:extLst>
+          </p:cNvPr>
+          <p:cNvSpPr/>
+          <p:nvPr/>
+        </p:nvSpPr>
+        <p:spPr>
+          <a:xfrm>
+            <a:off x="560048" y="2418735"/>
+            <a:ext cx="3221678" cy="5223492"/>
+          </a:xfrm>
+          <a:prstGeom prst="rect">
+            <a:avLst/>
+          </a:prstGeom>
+          <a:solidFill>
+            <a:srgbClr val="000000"/>
+          </a:solidFill>
+          <a:ln>
+            <a:noFill/>
+          </a:ln>
+        </p:spPr>
+        <p:style>
+          <a:lnRef idx="2">
+            <a:schemeClr val="accent1">
+              <a:shade val="50000"/>
+            </a:schemeClr>
+          </a:lnRef>
+          <a:fillRef idx="1">
+            <a:schemeClr val="accent1"/>
+          </a:fillRef>
+          <a:effectRef idx="0">
+            <a:schemeClr val="accent1"/>
+          </a:effectRef>
+          <a:fontRef idx="minor">
+            <a:schemeClr val="lt1"/>
+          </a:fontRef>
+        </p:style>
+        <p:txBody>
+          <a:bodyPr rtlCol="0" anchor="ctr"/>
+          <a:lstStyle/>
+          <a:p>
+            <a:pPr algn="ctr"/>
+            <a:endParaRPr lang="en-US" dirty="0"/>
+          </a:p>
+        </p:txBody>
+      </p:sp>
+      <p:sp>
+        <p:nvSpPr>
+          <p:cNvPr id="6" name="Text Placeholder 1">
+            <a:extLst>
+              <a:ext uri="{FF2B5EF4-FFF2-40B4-BE49-F238E27FC236}">
+                <a16:creationId xmlns:a16="http://schemas.microsoft.com/office/drawing/2014/main" id="{70133BB8-D4DC-A469-2140-D9F6579F7013}"/>
+              </a:ext>
+            </a:extLst>
+          </p:cNvPr>
+          <p:cNvSpPr txBox="1">
+            <a:spLocks/>
+          </p:cNvSpPr>
+          <p:nvPr/>
+        </p:nvSpPr>
+        <p:spPr>
+          <a:xfrm>
+            <a:off x="854286" y="2897226"/>
+            <a:ext cx="2759974" cy="1296988"/>
+          </a:xfrm>
+          <a:prstGeom prst="rect">
+            <a:avLst/>
+          </a:prstGeom>
+        </p:spPr>
+        <p:txBody>
+          <a:bodyPr/>
+          <a:lstStyle>
+            <a:lvl1pPr marL="0" indent="0" algn="l" defTabSz="777240" rtl="0" eaLnBrk="1" latinLnBrk="0" hangingPunct="1">
+              <a:lnSpc>
+                <a:spcPct val="110000"/>
+              </a:lnSpc>
+              <a:spcBef>
+                <a:spcPts val="850"/>
+              </a:spcBef>
+              <a:buFont typeface="Arial" panose="020B0604020202020204" pitchFamily="34" charset="0"/>
+              <a:buNone/>
+              <a:defRPr sz="1400" b="1" kern="1200">
+                <a:solidFill>
+                  <a:schemeClr val="tx1"/>
+                </a:solidFill>
+                <a:latin typeface="Century Gothic" panose="020B0502020202020204" pitchFamily="34" charset="0"/>
+                <a:ea typeface="+mn-ea"/>
+                <a:cs typeface="+mn-cs"/>
+              </a:defRPr>
+            </a:lvl1pPr>
+            <a:lvl2pPr marL="388620" indent="0" algn="l" defTabSz="777240" rtl="0" eaLnBrk="1" latinLnBrk="0" hangingPunct="1">
+              <a:lnSpc>
+                <a:spcPct val="90000"/>
+              </a:lnSpc>
+              <a:spcBef>
+                <a:spcPts val="425"/>
+              </a:spcBef>
+              <a:buFont typeface="Arial" panose="020B0604020202020204" pitchFamily="34" charset="0"/>
+              <a:buNone/>
+              <a:defRPr sz="1400" kern="1200">
+                <a:solidFill>
+                  <a:schemeClr val="bg1"/>
+                </a:solidFill>
+                <a:latin typeface="+mn-lt"/>
+                <a:ea typeface="+mn-ea"/>
+                <a:cs typeface="+mn-cs"/>
+              </a:defRPr>
+            </a:lvl2pPr>
+            <a:lvl3pPr marL="777240" indent="0" algn="l" defTabSz="777240" rtl="0" eaLnBrk="1" latinLnBrk="0" hangingPunct="1">
+              <a:lnSpc>
+                <a:spcPct val="90000"/>
+              </a:lnSpc>
+              <a:spcBef>
+                <a:spcPts val="425"/>
+              </a:spcBef>
+              <a:buFont typeface="Arial" panose="020B0604020202020204" pitchFamily="34" charset="0"/>
+              <a:buNone/>
+              <a:defRPr sz="1400" kern="1200">
+                <a:solidFill>
+                  <a:schemeClr val="bg1"/>
+                </a:solidFill>
+                <a:latin typeface="+mn-lt"/>
+                <a:ea typeface="+mn-ea"/>
+                <a:cs typeface="+mn-cs"/>
+              </a:defRPr>
+            </a:lvl3pPr>
+            <a:lvl4pPr marL="1165860" indent="0" algn="l" defTabSz="777240" rtl="0" eaLnBrk="1" latinLnBrk="0" hangingPunct="1">
+              <a:lnSpc>
+                <a:spcPct val="90000"/>
+              </a:lnSpc>
+              <a:spcBef>
+                <a:spcPts val="425"/>
+              </a:spcBef>
+              <a:buFont typeface="Arial" panose="020B0604020202020204" pitchFamily="34" charset="0"/>
+              <a:buNone/>
+              <a:defRPr sz="1400" kern="1200">
+                <a:solidFill>
+                  <a:schemeClr val="bg1"/>
+                </a:solidFill>
+                <a:latin typeface="+mn-lt"/>
+                <a:ea typeface="+mn-ea"/>
+                <a:cs typeface="+mn-cs"/>
+              </a:defRPr>
+            </a:lvl4pPr>
+            <a:lvl5pPr marL="1554480" indent="0" algn="l" defTabSz="777240" rtl="0" eaLnBrk="1" latinLnBrk="0" hangingPunct="1">
+              <a:lnSpc>
+                <a:spcPct val="90000"/>
+              </a:lnSpc>
+              <a:spcBef>
+                <a:spcPts val="425"/>
+              </a:spcBef>
+              <a:buFont typeface="Arial" panose="020B0604020202020204" pitchFamily="34" charset="0"/>
+              <a:buNone/>
+              <a:defRPr sz="1400" kern="1200">
+                <a:solidFill>
+                  <a:schemeClr val="bg1"/>
+                </a:solidFill>
+                <a:latin typeface="+mn-lt"/>
+                <a:ea typeface="+mn-ea"/>
+                <a:cs typeface="+mn-cs"/>
+              </a:defRPr>
+            </a:lvl5pPr>
+            <a:lvl6pPr marL="2137410" indent="-194310" algn="l" defTabSz="777240" rtl="0" eaLnBrk="1" latinLnBrk="0" hangingPunct="1">
+              <a:lnSpc>
+                <a:spcPct val="90000"/>
+              </a:lnSpc>
+              <a:spcBef>
+                <a:spcPts val="425"/>
+              </a:spcBef>
+              <a:buFont typeface="Arial" panose="020B0604020202020204" pitchFamily="34" charset="0"/>
+              <a:buChar char="•"/>
+              <a:defRPr sz="1530" kern="1200">
+                <a:solidFill>
+                  <a:schemeClr val="tx1"/>
+                </a:solidFill>
+                <a:latin typeface="+mn-lt"/>
+                <a:ea typeface="+mn-ea"/>
+                <a:cs typeface="+mn-cs"/>
+              </a:defRPr>
+            </a:lvl6pPr>
+            <a:lvl7pPr marL="2526030" indent="-194310" algn="l" defTabSz="777240" rtl="0" eaLnBrk="1" latinLnBrk="0" hangingPunct="1">
+              <a:lnSpc>
+                <a:spcPct val="90000"/>
+              </a:lnSpc>
+              <a:spcBef>
+                <a:spcPts val="425"/>
+              </a:spcBef>
+              <a:buFont typeface="Arial" panose="020B0604020202020204" pitchFamily="34" charset="0"/>
+              <a:buChar char="•"/>
+              <a:defRPr sz="1530" kern="1200">
+                <a:solidFill>
+                  <a:schemeClr val="tx1"/>
+                </a:solidFill>
+                <a:latin typeface="+mn-lt"/>
+                <a:ea typeface="+mn-ea"/>
+                <a:cs typeface="+mn-cs"/>
+              </a:defRPr>
+            </a:lvl7pPr>
+            <a:lvl8pPr marL="2914650" indent="-194310" algn="l" defTabSz="777240" rtl="0" eaLnBrk="1" latinLnBrk="0" hangingPunct="1">
+              <a:lnSpc>
+                <a:spcPct val="90000"/>
+              </a:lnSpc>
+              <a:spcBef>
+                <a:spcPts val="425"/>
+              </a:spcBef>
+              <a:buFont typeface="Arial" panose="020B0604020202020204" pitchFamily="34" charset="0"/>
+              <a:buChar char="•"/>
+              <a:defRPr sz="1530" kern="1200">
+                <a:solidFill>
+                  <a:schemeClr val="tx1"/>
+                </a:solidFill>
+                <a:latin typeface="+mn-lt"/>
+                <a:ea typeface="+mn-ea"/>
+                <a:cs typeface="+mn-cs"/>
+              </a:defRPr>
+            </a:lvl8pPr>
+            <a:lvl9pPr marL="3303270" indent="-194310" algn="l" defTabSz="777240" rtl="0" eaLnBrk="1" latinLnBrk="0" hangingPunct="1">
+              <a:lnSpc>
+                <a:spcPct val="90000"/>
+              </a:lnSpc>
+              <a:spcBef>
+                <a:spcPts val="425"/>
+              </a:spcBef>
+              <a:buFont typeface="Arial" panose="020B0604020202020204" pitchFamily="34" charset="0"/>
+              <a:buChar char="•"/>
+              <a:defRPr sz="1530" kern="1200">
+                <a:solidFill>
+                  <a:schemeClr val="tx1"/>
+                </a:solidFill>
+                <a:latin typeface="+mn-lt"/>
+                <a:ea typeface="+mn-ea"/>
+                <a:cs typeface="+mn-cs"/>
+              </a:defRPr>
+            </a:lvl9pPr>
+          </a:lstStyle>
+          <a:p>
+            <a:r>
+              <a:rPr lang="en-US" sz="1800" dirty="0">
+                <a:solidFill>
+                  <a:srgbClr val="FFFFFF"/>
+                </a:solidFill>
+                <a:latin typeface="+mn-lt"/>
+              </a:rPr>
+              <a:t>A movies budget does have a significant effect on gross sales. </a:t>
+            </a:r>
+          </a:p>
+          <a:p>
+            <a:endParaRPr lang="en-US" sz="1800" dirty="0"/>
+          </a:p>
+        </p:txBody>
+      </p:sp>
+      <p:sp>
+        <p:nvSpPr>
+          <p:cNvPr id="9" name="Text Placeholder 2">
+            <a:extLst>
+              <a:ext uri="{FF2B5EF4-FFF2-40B4-BE49-F238E27FC236}">
+                <a16:creationId xmlns:a16="http://schemas.microsoft.com/office/drawing/2014/main" id="{C69490B5-E25E-FBC8-CAE4-E4ED95328731}"/>
+              </a:ext>
+            </a:extLst>
+          </p:cNvPr>
+          <p:cNvSpPr txBox="1">
+            <a:spLocks/>
+          </p:cNvSpPr>
+          <p:nvPr/>
+        </p:nvSpPr>
+        <p:spPr>
+          <a:xfrm>
+            <a:off x="854286" y="4629492"/>
+            <a:ext cx="2616200" cy="1296988"/>
+          </a:xfrm>
+          <a:prstGeom prst="rect">
+            <a:avLst/>
+          </a:prstGeom>
+        </p:spPr>
+        <p:txBody>
+          <a:bodyPr/>
+          <a:lstStyle>
+            <a:lvl1pPr marL="0" indent="0" algn="l" defTabSz="777240" rtl="0" eaLnBrk="1" latinLnBrk="0" hangingPunct="1">
+              <a:lnSpc>
+                <a:spcPct val="110000"/>
+              </a:lnSpc>
+              <a:spcBef>
+                <a:spcPts val="850"/>
+              </a:spcBef>
+              <a:buFont typeface="Arial" panose="020B0604020202020204" pitchFamily="34" charset="0"/>
+              <a:buNone/>
+              <a:defRPr sz="1400" b="1" kern="1200">
+                <a:solidFill>
+                  <a:schemeClr val="tx1"/>
+                </a:solidFill>
+                <a:latin typeface="Century Gothic" panose="020B0502020202020204" pitchFamily="34" charset="0"/>
+                <a:ea typeface="+mn-ea"/>
+                <a:cs typeface="+mn-cs"/>
+              </a:defRPr>
+            </a:lvl1pPr>
+            <a:lvl2pPr marL="388620" indent="0" algn="r" defTabSz="777240" rtl="0" eaLnBrk="1" latinLnBrk="0" hangingPunct="1">
+              <a:lnSpc>
+                <a:spcPct val="90000"/>
+              </a:lnSpc>
+              <a:spcBef>
+                <a:spcPts val="425"/>
+              </a:spcBef>
+              <a:buFont typeface="Arial" panose="020B0604020202020204" pitchFamily="34" charset="0"/>
+              <a:buNone/>
+              <a:defRPr sz="1400" kern="1200">
+                <a:solidFill>
+                  <a:schemeClr val="bg1"/>
+                </a:solidFill>
+                <a:latin typeface="+mn-lt"/>
+                <a:ea typeface="+mn-ea"/>
+                <a:cs typeface="+mn-cs"/>
+              </a:defRPr>
+            </a:lvl2pPr>
+            <a:lvl3pPr marL="777240" indent="0" algn="r" defTabSz="777240" rtl="0" eaLnBrk="1" latinLnBrk="0" hangingPunct="1">
+              <a:lnSpc>
+                <a:spcPct val="90000"/>
+              </a:lnSpc>
+              <a:spcBef>
+                <a:spcPts val="425"/>
+              </a:spcBef>
+              <a:buFont typeface="Arial" panose="020B0604020202020204" pitchFamily="34" charset="0"/>
+              <a:buNone/>
+              <a:defRPr sz="1400" kern="1200">
+                <a:solidFill>
+                  <a:schemeClr val="bg1"/>
+                </a:solidFill>
+                <a:latin typeface="+mn-lt"/>
+                <a:ea typeface="+mn-ea"/>
+                <a:cs typeface="+mn-cs"/>
+              </a:defRPr>
+            </a:lvl3pPr>
+            <a:lvl4pPr marL="1165860" indent="0" algn="r" defTabSz="777240" rtl="0" eaLnBrk="1" latinLnBrk="0" hangingPunct="1">
+              <a:lnSpc>
+                <a:spcPct val="90000"/>
+              </a:lnSpc>
+              <a:spcBef>
+                <a:spcPts val="425"/>
+              </a:spcBef>
+              <a:buFont typeface="Arial" panose="020B0604020202020204" pitchFamily="34" charset="0"/>
+              <a:buNone/>
+              <a:defRPr sz="1400" kern="1200">
+                <a:solidFill>
+                  <a:schemeClr val="bg1"/>
+                </a:solidFill>
+                <a:latin typeface="+mn-lt"/>
+                <a:ea typeface="+mn-ea"/>
+                <a:cs typeface="+mn-cs"/>
+              </a:defRPr>
+            </a:lvl4pPr>
+            <a:lvl5pPr marL="1554480" indent="0" algn="r" defTabSz="777240" rtl="0" eaLnBrk="1" latinLnBrk="0" hangingPunct="1">
+              <a:lnSpc>
+                <a:spcPct val="90000"/>
+              </a:lnSpc>
+              <a:spcBef>
+                <a:spcPts val="425"/>
+              </a:spcBef>
+              <a:buFont typeface="Arial" panose="020B0604020202020204" pitchFamily="34" charset="0"/>
+              <a:buNone/>
+              <a:defRPr sz="1400" kern="1200">
+                <a:solidFill>
+                  <a:schemeClr val="bg1"/>
+                </a:solidFill>
+                <a:latin typeface="+mn-lt"/>
+                <a:ea typeface="+mn-ea"/>
+                <a:cs typeface="+mn-cs"/>
+              </a:defRPr>
+            </a:lvl5pPr>
+            <a:lvl6pPr marL="2137410" indent="-194310" algn="l" defTabSz="777240" rtl="0" eaLnBrk="1" latinLnBrk="0" hangingPunct="1">
+              <a:lnSpc>
+                <a:spcPct val="90000"/>
+              </a:lnSpc>
+              <a:spcBef>
+                <a:spcPts val="425"/>
+              </a:spcBef>
+              <a:buFont typeface="Arial" panose="020B0604020202020204" pitchFamily="34" charset="0"/>
+              <a:buChar char="•"/>
+              <a:defRPr sz="1530" kern="1200">
+                <a:solidFill>
+                  <a:schemeClr val="tx1"/>
+                </a:solidFill>
+                <a:latin typeface="+mn-lt"/>
+                <a:ea typeface="+mn-ea"/>
+                <a:cs typeface="+mn-cs"/>
+              </a:defRPr>
+            </a:lvl6pPr>
+            <a:lvl7pPr marL="2526030" indent="-194310" algn="l" defTabSz="777240" rtl="0" eaLnBrk="1" latinLnBrk="0" hangingPunct="1">
+              <a:lnSpc>
+                <a:spcPct val="90000"/>
+              </a:lnSpc>
+              <a:spcBef>
+                <a:spcPts val="425"/>
+              </a:spcBef>
+              <a:buFont typeface="Arial" panose="020B0604020202020204" pitchFamily="34" charset="0"/>
+              <a:buChar char="•"/>
+              <a:defRPr sz="1530" kern="1200">
+                <a:solidFill>
+                  <a:schemeClr val="tx1"/>
+                </a:solidFill>
+                <a:latin typeface="+mn-lt"/>
+                <a:ea typeface="+mn-ea"/>
+                <a:cs typeface="+mn-cs"/>
+              </a:defRPr>
+            </a:lvl7pPr>
+            <a:lvl8pPr marL="2914650" indent="-194310" algn="l" defTabSz="777240" rtl="0" eaLnBrk="1" latinLnBrk="0" hangingPunct="1">
+              <a:lnSpc>
+                <a:spcPct val="90000"/>
+              </a:lnSpc>
+              <a:spcBef>
+                <a:spcPts val="425"/>
+              </a:spcBef>
+              <a:buFont typeface="Arial" panose="020B0604020202020204" pitchFamily="34" charset="0"/>
+              <a:buChar char="•"/>
+              <a:defRPr sz="1530" kern="1200">
+                <a:solidFill>
+                  <a:schemeClr val="tx1"/>
+                </a:solidFill>
+                <a:latin typeface="+mn-lt"/>
+                <a:ea typeface="+mn-ea"/>
+                <a:cs typeface="+mn-cs"/>
+              </a:defRPr>
+            </a:lvl8pPr>
+            <a:lvl9pPr marL="3303270" indent="-194310" algn="l" defTabSz="777240" rtl="0" eaLnBrk="1" latinLnBrk="0" hangingPunct="1">
+              <a:lnSpc>
+                <a:spcPct val="90000"/>
+              </a:lnSpc>
+              <a:spcBef>
+                <a:spcPts val="425"/>
+              </a:spcBef>
+              <a:buFont typeface="Arial" panose="020B0604020202020204" pitchFamily="34" charset="0"/>
+              <a:buChar char="•"/>
+              <a:defRPr sz="1530" kern="1200">
+                <a:solidFill>
+                  <a:schemeClr val="tx1"/>
+                </a:solidFill>
+                <a:latin typeface="+mn-lt"/>
+                <a:ea typeface="+mn-ea"/>
+                <a:cs typeface="+mn-cs"/>
+              </a:defRPr>
+            </a:lvl9pPr>
+          </a:lstStyle>
+          <a:p>
+            <a:r>
+              <a:rPr lang="en-US" sz="1800" dirty="0">
+                <a:solidFill>
+                  <a:srgbClr val="FFFFFF"/>
+                </a:solidFill>
+                <a:latin typeface="+mn-lt"/>
+              </a:rPr>
+              <a:t>Genre has no overall significant effect on budget recovered, except Horror and Thriller movies due to extreme outliers.</a:t>
+            </a:r>
+          </a:p>
+          <a:p>
+            <a:r>
+              <a:rPr lang="en-US" sz="1800" dirty="0">
+                <a:solidFill>
+                  <a:srgbClr val="FFFFFF"/>
+                </a:solidFill>
+                <a:latin typeface="+mn-lt"/>
+              </a:rPr>
+              <a:t>Rating has no overall significant effect on budget recovered.</a:t>
+            </a:r>
+          </a:p>
+          <a:p>
+            <a:endParaRPr lang="en-US" sz="1800" dirty="0">
+              <a:solidFill>
+                <a:srgbClr val="FFFFFF"/>
+              </a:solidFill>
+              <a:latin typeface="+mn-lt"/>
+            </a:endParaRPr>
+          </a:p>
+          <a:p>
+            <a:endParaRPr lang="en-US" sz="1800" dirty="0"/>
+          </a:p>
+        </p:txBody>
+      </p:sp>
+      <p:sp>
+        <p:nvSpPr>
+          <p:cNvPr id="10" name="Text Placeholder 3">
+            <a:extLst>
+              <a:ext uri="{FF2B5EF4-FFF2-40B4-BE49-F238E27FC236}">
+                <a16:creationId xmlns:a16="http://schemas.microsoft.com/office/drawing/2014/main" id="{65E0CC6E-A972-8901-AC9D-656EB0A6E872}"/>
+              </a:ext>
+            </a:extLst>
+          </p:cNvPr>
+          <p:cNvSpPr txBox="1">
+            <a:spLocks/>
+          </p:cNvSpPr>
+          <p:nvPr/>
+        </p:nvSpPr>
+        <p:spPr>
+          <a:xfrm>
+            <a:off x="801934" y="2416173"/>
+            <a:ext cx="2828946" cy="396557"/>
+          </a:xfrm>
+          <a:prstGeom prst="rect">
+            <a:avLst/>
+          </a:prstGeom>
+        </p:spPr>
+        <p:txBody>
+          <a:bodyPr/>
+          <a:lstStyle>
+            <a:lvl1pPr marL="0" indent="0" algn="l" defTabSz="777240" rtl="0" eaLnBrk="1" latinLnBrk="0" hangingPunct="1">
+              <a:lnSpc>
+                <a:spcPct val="90000"/>
+              </a:lnSpc>
+              <a:spcBef>
+                <a:spcPts val="850"/>
+              </a:spcBef>
+              <a:buFont typeface="Arial" panose="020B0604020202020204" pitchFamily="34" charset="0"/>
+              <a:buNone/>
+              <a:defRPr sz="2380" b="1" kern="1200" spc="300">
+                <a:solidFill>
+                  <a:schemeClr val="tx1"/>
+                </a:solidFill>
+                <a:latin typeface="Century Gothic" panose="020B0502020202020204" pitchFamily="34" charset="0"/>
+                <a:ea typeface="+mn-ea"/>
+                <a:cs typeface="+mn-cs"/>
+              </a:defRPr>
+            </a:lvl1pPr>
+            <a:lvl2pPr marL="582930" indent="-194310" algn="l" defTabSz="777240" rtl="0" eaLnBrk="1" latinLnBrk="0" hangingPunct="1">
+              <a:lnSpc>
+                <a:spcPct val="90000"/>
+              </a:lnSpc>
+              <a:spcBef>
+                <a:spcPts val="425"/>
+              </a:spcBef>
+              <a:buFont typeface="Arial" panose="020B0604020202020204" pitchFamily="34" charset="0"/>
+              <a:buChar char="•"/>
+              <a:defRPr sz="2040" kern="1200">
+                <a:solidFill>
+                  <a:schemeClr val="accent6"/>
+                </a:solidFill>
+                <a:latin typeface="+mn-lt"/>
+                <a:ea typeface="+mn-ea"/>
+                <a:cs typeface="+mn-cs"/>
+              </a:defRPr>
+            </a:lvl2pPr>
+            <a:lvl3pPr marL="971550" indent="-194310" algn="l" defTabSz="777240" rtl="0" eaLnBrk="1" latinLnBrk="0" hangingPunct="1">
+              <a:lnSpc>
+                <a:spcPct val="90000"/>
+              </a:lnSpc>
+              <a:spcBef>
+                <a:spcPts val="425"/>
+              </a:spcBef>
+              <a:buFont typeface="Arial" panose="020B0604020202020204" pitchFamily="34" charset="0"/>
+              <a:buChar char="•"/>
+              <a:defRPr sz="1700" kern="1200">
+                <a:solidFill>
+                  <a:schemeClr val="accent6"/>
+                </a:solidFill>
+                <a:latin typeface="+mn-lt"/>
+                <a:ea typeface="+mn-ea"/>
+                <a:cs typeface="+mn-cs"/>
+              </a:defRPr>
+            </a:lvl3pPr>
+            <a:lvl4pPr marL="1360170" indent="-194310" algn="l" defTabSz="777240" rtl="0" eaLnBrk="1" latinLnBrk="0" hangingPunct="1">
+              <a:lnSpc>
+                <a:spcPct val="90000"/>
+              </a:lnSpc>
+              <a:spcBef>
+                <a:spcPts val="425"/>
+              </a:spcBef>
+              <a:buFont typeface="Arial" panose="020B0604020202020204" pitchFamily="34" charset="0"/>
+              <a:buChar char="•"/>
+              <a:defRPr sz="1530" kern="1200">
+                <a:solidFill>
+                  <a:schemeClr val="accent6"/>
+                </a:solidFill>
+                <a:latin typeface="+mn-lt"/>
+                <a:ea typeface="+mn-ea"/>
+                <a:cs typeface="+mn-cs"/>
+              </a:defRPr>
+            </a:lvl4pPr>
+            <a:lvl5pPr marL="1748790" indent="-194310" algn="l" defTabSz="777240" rtl="0" eaLnBrk="1" latinLnBrk="0" hangingPunct="1">
+              <a:lnSpc>
+                <a:spcPct val="90000"/>
+              </a:lnSpc>
+              <a:spcBef>
+                <a:spcPts val="425"/>
+              </a:spcBef>
+              <a:buFont typeface="Arial" panose="020B0604020202020204" pitchFamily="34" charset="0"/>
+              <a:buChar char="•"/>
+              <a:defRPr sz="1530" kern="1200">
+                <a:solidFill>
+                  <a:schemeClr val="accent6"/>
+                </a:solidFill>
+                <a:latin typeface="+mn-lt"/>
+                <a:ea typeface="+mn-ea"/>
+                <a:cs typeface="+mn-cs"/>
+              </a:defRPr>
+            </a:lvl5pPr>
+            <a:lvl6pPr marL="2137410" indent="-194310" algn="l" defTabSz="777240" rtl="0" eaLnBrk="1" latinLnBrk="0" hangingPunct="1">
+              <a:lnSpc>
+                <a:spcPct val="90000"/>
+              </a:lnSpc>
+              <a:spcBef>
+                <a:spcPts val="425"/>
+              </a:spcBef>
+              <a:buFont typeface="Arial" panose="020B0604020202020204" pitchFamily="34" charset="0"/>
+              <a:buChar char="•"/>
+              <a:defRPr sz="1530" kern="1200">
+                <a:solidFill>
+                  <a:schemeClr val="tx1"/>
+                </a:solidFill>
+                <a:latin typeface="+mn-lt"/>
+                <a:ea typeface="+mn-ea"/>
+                <a:cs typeface="+mn-cs"/>
+              </a:defRPr>
+            </a:lvl6pPr>
+            <a:lvl7pPr marL="2526030" indent="-194310" algn="l" defTabSz="777240" rtl="0" eaLnBrk="1" latinLnBrk="0" hangingPunct="1">
+              <a:lnSpc>
+                <a:spcPct val="90000"/>
+              </a:lnSpc>
+              <a:spcBef>
+                <a:spcPts val="425"/>
+              </a:spcBef>
+              <a:buFont typeface="Arial" panose="020B0604020202020204" pitchFamily="34" charset="0"/>
+              <a:buChar char="•"/>
+              <a:defRPr sz="1530" kern="1200">
+                <a:solidFill>
+                  <a:schemeClr val="tx1"/>
+                </a:solidFill>
+                <a:latin typeface="+mn-lt"/>
+                <a:ea typeface="+mn-ea"/>
+                <a:cs typeface="+mn-cs"/>
+              </a:defRPr>
+            </a:lvl7pPr>
+            <a:lvl8pPr marL="2914650" indent="-194310" algn="l" defTabSz="777240" rtl="0" eaLnBrk="1" latinLnBrk="0" hangingPunct="1">
+              <a:lnSpc>
+                <a:spcPct val="90000"/>
+              </a:lnSpc>
+              <a:spcBef>
+                <a:spcPts val="425"/>
+              </a:spcBef>
+              <a:buFont typeface="Arial" panose="020B0604020202020204" pitchFamily="34" charset="0"/>
+              <a:buChar char="•"/>
+              <a:defRPr sz="1530" kern="1200">
+                <a:solidFill>
+                  <a:schemeClr val="tx1"/>
+                </a:solidFill>
+                <a:latin typeface="+mn-lt"/>
+                <a:ea typeface="+mn-ea"/>
+                <a:cs typeface="+mn-cs"/>
+              </a:defRPr>
+            </a:lvl8pPr>
+            <a:lvl9pPr marL="3303270" indent="-194310" algn="l" defTabSz="777240" rtl="0" eaLnBrk="1" latinLnBrk="0" hangingPunct="1">
+              <a:lnSpc>
+                <a:spcPct val="90000"/>
+              </a:lnSpc>
+              <a:spcBef>
+                <a:spcPts val="425"/>
+              </a:spcBef>
+              <a:buFont typeface="Arial" panose="020B0604020202020204" pitchFamily="34" charset="0"/>
+              <a:buChar char="•"/>
+              <a:defRPr sz="1530" kern="1200">
+                <a:solidFill>
+                  <a:schemeClr val="tx1"/>
+                </a:solidFill>
+                <a:latin typeface="+mn-lt"/>
+                <a:ea typeface="+mn-ea"/>
+                <a:cs typeface="+mn-cs"/>
+              </a:defRPr>
+            </a:lvl9pPr>
+          </a:lstStyle>
+          <a:p>
+            <a:r>
+              <a:rPr lang="en-US" sz="2800" dirty="0">
+                <a:solidFill>
+                  <a:srgbClr val="FFFFFF"/>
+                </a:solidFill>
+                <a:latin typeface="+mn-lt"/>
+              </a:rPr>
+              <a:t>Question #1</a:t>
+            </a:r>
+          </a:p>
+        </p:txBody>
+      </p:sp>
+      <p:sp>
+        <p:nvSpPr>
+          <p:cNvPr id="11" name="Text Placeholder 4">
+            <a:extLst>
+              <a:ext uri="{FF2B5EF4-FFF2-40B4-BE49-F238E27FC236}">
+                <a16:creationId xmlns:a16="http://schemas.microsoft.com/office/drawing/2014/main" id="{79551662-7CF2-AD47-B6F0-D7C114EB1A82}"/>
+              </a:ext>
+            </a:extLst>
+          </p:cNvPr>
+          <p:cNvSpPr txBox="1">
+            <a:spLocks/>
+          </p:cNvSpPr>
+          <p:nvPr/>
+        </p:nvSpPr>
+        <p:spPr>
+          <a:xfrm>
+            <a:off x="801934" y="4132413"/>
+            <a:ext cx="2759974" cy="396557"/>
+          </a:xfrm>
+          <a:prstGeom prst="rect">
+            <a:avLst/>
+          </a:prstGeom>
+        </p:spPr>
+        <p:txBody>
+          <a:bodyPr/>
+          <a:lstStyle>
+            <a:lvl1pPr marL="0" indent="0" algn="l" defTabSz="777240" rtl="0" eaLnBrk="1" latinLnBrk="0" hangingPunct="1">
+              <a:lnSpc>
+                <a:spcPct val="90000"/>
+              </a:lnSpc>
+              <a:spcBef>
+                <a:spcPts val="850"/>
+              </a:spcBef>
+              <a:buFont typeface="Arial" panose="020B0604020202020204" pitchFamily="34" charset="0"/>
+              <a:buNone/>
+              <a:defRPr sz="2380" b="1" kern="1200" spc="300">
+                <a:solidFill>
+                  <a:schemeClr val="tx1"/>
+                </a:solidFill>
+                <a:latin typeface="Century Gothic" panose="020B0502020202020204" pitchFamily="34" charset="0"/>
+                <a:ea typeface="+mn-ea"/>
+                <a:cs typeface="+mn-cs"/>
+              </a:defRPr>
+            </a:lvl1pPr>
+            <a:lvl2pPr marL="582930" indent="-194310" algn="l" defTabSz="777240" rtl="0" eaLnBrk="1" latinLnBrk="0" hangingPunct="1">
+              <a:lnSpc>
+                <a:spcPct val="90000"/>
+              </a:lnSpc>
+              <a:spcBef>
+                <a:spcPts val="425"/>
+              </a:spcBef>
+              <a:buFont typeface="Arial" panose="020B0604020202020204" pitchFamily="34" charset="0"/>
+              <a:buChar char="•"/>
+              <a:defRPr sz="2040" kern="1200">
+                <a:solidFill>
+                  <a:schemeClr val="accent6"/>
+                </a:solidFill>
+                <a:latin typeface="+mn-lt"/>
+                <a:ea typeface="+mn-ea"/>
+                <a:cs typeface="+mn-cs"/>
+              </a:defRPr>
+            </a:lvl2pPr>
+            <a:lvl3pPr marL="971550" indent="-194310" algn="l" defTabSz="777240" rtl="0" eaLnBrk="1" latinLnBrk="0" hangingPunct="1">
+              <a:lnSpc>
+                <a:spcPct val="90000"/>
+              </a:lnSpc>
+              <a:spcBef>
+                <a:spcPts val="425"/>
+              </a:spcBef>
+              <a:buFont typeface="Arial" panose="020B0604020202020204" pitchFamily="34" charset="0"/>
+              <a:buChar char="•"/>
+              <a:defRPr sz="1700" kern="1200">
+                <a:solidFill>
+                  <a:schemeClr val="accent6"/>
+                </a:solidFill>
+                <a:latin typeface="+mn-lt"/>
+                <a:ea typeface="+mn-ea"/>
+                <a:cs typeface="+mn-cs"/>
+              </a:defRPr>
+            </a:lvl3pPr>
+            <a:lvl4pPr marL="1360170" indent="-194310" algn="l" defTabSz="777240" rtl="0" eaLnBrk="1" latinLnBrk="0" hangingPunct="1">
+              <a:lnSpc>
+                <a:spcPct val="90000"/>
+              </a:lnSpc>
+              <a:spcBef>
+                <a:spcPts val="425"/>
+              </a:spcBef>
+              <a:buFont typeface="Arial" panose="020B0604020202020204" pitchFamily="34" charset="0"/>
+              <a:buChar char="•"/>
+              <a:defRPr sz="1530" kern="1200">
+                <a:solidFill>
+                  <a:schemeClr val="accent6"/>
+                </a:solidFill>
+                <a:latin typeface="+mn-lt"/>
+                <a:ea typeface="+mn-ea"/>
+                <a:cs typeface="+mn-cs"/>
+              </a:defRPr>
+            </a:lvl4pPr>
+            <a:lvl5pPr marL="1748790" indent="-194310" algn="l" defTabSz="777240" rtl="0" eaLnBrk="1" latinLnBrk="0" hangingPunct="1">
+              <a:lnSpc>
+                <a:spcPct val="90000"/>
+              </a:lnSpc>
+              <a:spcBef>
+                <a:spcPts val="425"/>
+              </a:spcBef>
+              <a:buFont typeface="Arial" panose="020B0604020202020204" pitchFamily="34" charset="0"/>
+              <a:buChar char="•"/>
+              <a:defRPr sz="1530" kern="1200">
+                <a:solidFill>
+                  <a:schemeClr val="accent6"/>
+                </a:solidFill>
+                <a:latin typeface="+mn-lt"/>
+                <a:ea typeface="+mn-ea"/>
+                <a:cs typeface="+mn-cs"/>
+              </a:defRPr>
+            </a:lvl5pPr>
+            <a:lvl6pPr marL="2137410" indent="-194310" algn="l" defTabSz="777240" rtl="0" eaLnBrk="1" latinLnBrk="0" hangingPunct="1">
+              <a:lnSpc>
+                <a:spcPct val="90000"/>
+              </a:lnSpc>
+              <a:spcBef>
+                <a:spcPts val="425"/>
+              </a:spcBef>
+              <a:buFont typeface="Arial" panose="020B0604020202020204" pitchFamily="34" charset="0"/>
+              <a:buChar char="•"/>
+              <a:defRPr sz="1530" kern="1200">
+                <a:solidFill>
+                  <a:schemeClr val="tx1"/>
+                </a:solidFill>
+                <a:latin typeface="+mn-lt"/>
+                <a:ea typeface="+mn-ea"/>
+                <a:cs typeface="+mn-cs"/>
+              </a:defRPr>
+            </a:lvl6pPr>
+            <a:lvl7pPr marL="2526030" indent="-194310" algn="l" defTabSz="777240" rtl="0" eaLnBrk="1" latinLnBrk="0" hangingPunct="1">
+              <a:lnSpc>
+                <a:spcPct val="90000"/>
+              </a:lnSpc>
+              <a:spcBef>
+                <a:spcPts val="425"/>
+              </a:spcBef>
+              <a:buFont typeface="Arial" panose="020B0604020202020204" pitchFamily="34" charset="0"/>
+              <a:buChar char="•"/>
+              <a:defRPr sz="1530" kern="1200">
+                <a:solidFill>
+                  <a:schemeClr val="tx1"/>
+                </a:solidFill>
+                <a:latin typeface="+mn-lt"/>
+                <a:ea typeface="+mn-ea"/>
+                <a:cs typeface="+mn-cs"/>
+              </a:defRPr>
+            </a:lvl7pPr>
+            <a:lvl8pPr marL="2914650" indent="-194310" algn="l" defTabSz="777240" rtl="0" eaLnBrk="1" latinLnBrk="0" hangingPunct="1">
+              <a:lnSpc>
+                <a:spcPct val="90000"/>
+              </a:lnSpc>
+              <a:spcBef>
+                <a:spcPts val="425"/>
+              </a:spcBef>
+              <a:buFont typeface="Arial" panose="020B0604020202020204" pitchFamily="34" charset="0"/>
+              <a:buChar char="•"/>
+              <a:defRPr sz="1530" kern="1200">
+                <a:solidFill>
+                  <a:schemeClr val="tx1"/>
+                </a:solidFill>
+                <a:latin typeface="+mn-lt"/>
+                <a:ea typeface="+mn-ea"/>
+                <a:cs typeface="+mn-cs"/>
+              </a:defRPr>
+            </a:lvl8pPr>
+            <a:lvl9pPr marL="3303270" indent="-194310" algn="l" defTabSz="777240" rtl="0" eaLnBrk="1" latinLnBrk="0" hangingPunct="1">
+              <a:lnSpc>
+                <a:spcPct val="90000"/>
+              </a:lnSpc>
+              <a:spcBef>
+                <a:spcPts val="425"/>
+              </a:spcBef>
+              <a:buFont typeface="Arial" panose="020B0604020202020204" pitchFamily="34" charset="0"/>
+              <a:buChar char="•"/>
+              <a:defRPr sz="1530" kern="1200">
+                <a:solidFill>
+                  <a:schemeClr val="tx1"/>
+                </a:solidFill>
+                <a:latin typeface="+mn-lt"/>
+                <a:ea typeface="+mn-ea"/>
+                <a:cs typeface="+mn-cs"/>
+              </a:defRPr>
+            </a:lvl9pPr>
+          </a:lstStyle>
+          <a:p>
+            <a:r>
+              <a:rPr lang="en-US" sz="2800" dirty="0">
+                <a:solidFill>
+                  <a:srgbClr val="FFFFFF"/>
+                </a:solidFill>
+                <a:latin typeface="+mn-lt"/>
+              </a:rPr>
+              <a:t>Question #2</a:t>
+            </a:r>
+          </a:p>
+        </p:txBody>
+      </p:sp>
+      <p:cxnSp>
+        <p:nvCxnSpPr>
+          <p:cNvPr id="14" name="Straight Connector 13">
+            <a:extLst>
+              <a:ext uri="{FF2B5EF4-FFF2-40B4-BE49-F238E27FC236}">
+                <a16:creationId xmlns:a16="http://schemas.microsoft.com/office/drawing/2014/main" id="{2EFB61F5-3D94-75AD-E924-D1971385C6E8}"/>
+              </a:ext>
+            </a:extLst>
+          </p:cNvPr>
+          <p:cNvCxnSpPr>
+            <a:cxnSpLocks/>
+          </p:cNvCxnSpPr>
+          <p:nvPr/>
+        </p:nvCxnSpPr>
+        <p:spPr>
+          <a:xfrm>
+            <a:off x="899584" y="4076227"/>
+            <a:ext cx="2411355" cy="0"/>
+          </a:xfrm>
+          <a:prstGeom prst="line">
+            <a:avLst/>
+          </a:prstGeom>
+          <a:ln>
+            <a:solidFill>
+              <a:schemeClr val="accent6"/>
+            </a:solidFill>
+          </a:ln>
+        </p:spPr>
+        <p:style>
+          <a:lnRef idx="1">
+            <a:schemeClr val="accent1"/>
+          </a:lnRef>
+          <a:fillRef idx="0">
+            <a:schemeClr val="accent1"/>
+          </a:fillRef>
+          <a:effectRef idx="0">
+            <a:schemeClr val="accent1"/>
+          </a:effectRef>
+          <a:fontRef idx="minor">
+            <a:schemeClr val="tx1"/>
+          </a:fontRef>
+        </p:style>
+      </p:cxnSp>
+    </p:spTree>
+    <p:extLst>
+      <p:ext uri="{BB962C8B-B14F-4D97-AF65-F5344CB8AC3E}">
+        <p14:creationId xmlns:p14="http://schemas.microsoft.com/office/powerpoint/2010/main" val="2512527782"/>
+      </p:ext>
+    </p:extLst>
+  </p:cSld>
+  <p:clrMapOvr>
+    <a:masterClrMapping/>
+  </p:clrMapOvr>
+</p:sld>
+</file>
+
+<file path=ppt/slides/slide17.xml><?xml version="1.0" encoding="utf-8"?>
+<p:sld xmlns:a="http://schemas.openxmlformats.org/drawingml/2006/main" xmlns:r="http://schemas.openxmlformats.org/officeDocument/2006/relationships" xmlns:p="http://schemas.openxmlformats.org/presentationml/2006/main">
+  <p:cSld>
+    <p:spTree>
+      <p:nvGrpSpPr>
+        <p:cNvPr id="1" name=""/>
+        <p:cNvGrpSpPr/>
+        <p:nvPr/>
+      </p:nvGrpSpPr>
+      <p:grpSpPr>
+        <a:xfrm>
+          <a:off x="0" y="0"/>
+          <a:ext cx="0" cy="0"/>
+          <a:chOff x="0" y="0"/>
+          <a:chExt cx="0" cy="0"/>
+        </a:xfrm>
+      </p:grpSpPr>
+      <p:sp>
+        <p:nvSpPr>
+          <p:cNvPr id="2" name="Text Placeholder 1">
+            <a:extLst>
+              <a:ext uri="{FF2B5EF4-FFF2-40B4-BE49-F238E27FC236}">
+                <a16:creationId xmlns:a16="http://schemas.microsoft.com/office/drawing/2014/main" id="{6AEA8D19-A16F-164D-AD78-93A2AB87E114}"/>
+              </a:ext>
+            </a:extLst>
+          </p:cNvPr>
+          <p:cNvSpPr>
+            <a:spLocks noGrp="1"/>
+          </p:cNvSpPr>
+          <p:nvPr>
+            <p:ph type="body" sz="quarter" idx="10"/>
+          </p:nvPr>
+        </p:nvSpPr>
+        <p:spPr>
+          <a:xfrm>
+            <a:off x="396214" y="2468203"/>
+            <a:ext cx="3198569" cy="2084616"/>
+          </a:xfrm>
+        </p:spPr>
+        <p:txBody>
+          <a:bodyPr>
+            <a:noAutofit/>
+          </a:bodyPr>
+          <a:lstStyle/>
+          <a:p>
+            <a:pPr marL="342900" marR="0" lvl="0" indent="-342900">
+              <a:lnSpc>
+                <a:spcPct val="107000"/>
+              </a:lnSpc>
+              <a:spcBef>
+                <a:spcPts val="0"/>
+              </a:spcBef>
+              <a:spcAft>
+                <a:spcPts val="800"/>
+              </a:spcAft>
+              <a:buSzPts val="1000"/>
+              <a:buFont typeface="Wingdings" panose="05000000000000000000" pitchFamily="2" charset="2"/>
+              <a:buChar char="v"/>
+              <a:tabLst>
+                <a:tab pos="457200" algn="l"/>
+              </a:tabLst>
+            </a:pPr>
+            <a:r>
+              <a:rPr lang="en-US" sz="2000" dirty="0">
+                <a:effectLst/>
+                <a:latin typeface="+mn-lt"/>
+                <a:ea typeface="Times New Roman" panose="02020603050405020304" pitchFamily="18" charset="0"/>
+                <a:cs typeface="Times New Roman" panose="02020603050405020304" pitchFamily="18" charset="0"/>
+              </a:rPr>
+              <a:t>This analysis can be used by small studios to help decide genre and budget amounts for new movie projects</a:t>
+            </a:r>
+          </a:p>
+          <a:p>
+            <a:pPr marL="342900" marR="0" lvl="0" indent="-342900">
+              <a:lnSpc>
+                <a:spcPct val="107000"/>
+              </a:lnSpc>
+              <a:spcBef>
+                <a:spcPts val="0"/>
+              </a:spcBef>
+              <a:spcAft>
+                <a:spcPts val="800"/>
+              </a:spcAft>
+              <a:buSzPts val="1000"/>
+              <a:buFont typeface="Wingdings" panose="05000000000000000000" pitchFamily="2" charset="2"/>
+              <a:buChar char="v"/>
+              <a:tabLst>
+                <a:tab pos="457200" algn="l"/>
+              </a:tabLst>
+            </a:pPr>
+            <a:r>
+              <a:rPr lang="en-US" sz="2000" dirty="0">
+                <a:latin typeface="+mn-lt"/>
+                <a:ea typeface="Calibri" panose="020F0502020204030204" pitchFamily="34" charset="0"/>
+                <a:cs typeface="Times New Roman" panose="02020603050405020304" pitchFamily="18" charset="0"/>
+              </a:rPr>
+              <a:t>Allows reader a macro level view of box office stats.</a:t>
+            </a:r>
+            <a:endParaRPr lang="en-US" sz="2000" dirty="0">
+              <a:effectLst/>
+              <a:ea typeface="Calibri" panose="020F0502020204030204" pitchFamily="34" charset="0"/>
+              <a:cs typeface="Times New Roman" panose="02020603050405020304" pitchFamily="18" charset="0"/>
+            </a:endParaRPr>
+          </a:p>
+          <a:p>
+            <a:pPr marL="674370" lvl="1" indent="-285750">
+              <a:buFont typeface="Wingdings" panose="05000000000000000000" pitchFamily="2" charset="2"/>
+              <a:buChar char="v"/>
+            </a:pPr>
+            <a:endParaRPr lang="en-US" sz="1800" dirty="0"/>
+          </a:p>
+        </p:txBody>
+      </p:sp>
+      <p:sp>
+        <p:nvSpPr>
+          <p:cNvPr id="7" name="Text Placeholder 6">
+            <a:extLst>
+              <a:ext uri="{FF2B5EF4-FFF2-40B4-BE49-F238E27FC236}">
+                <a16:creationId xmlns:a16="http://schemas.microsoft.com/office/drawing/2014/main" id="{71D7FEF1-5516-5F41-BA9D-7241957DA923}"/>
+              </a:ext>
+            </a:extLst>
+          </p:cNvPr>
+          <p:cNvSpPr>
+            <a:spLocks noGrp="1"/>
+          </p:cNvSpPr>
+          <p:nvPr>
+            <p:ph type="body" sz="quarter" idx="16"/>
+          </p:nvPr>
+        </p:nvSpPr>
+        <p:spPr/>
+        <p:txBody>
+          <a:bodyPr/>
+          <a:lstStyle/>
+          <a:p>
+            <a:r>
+              <a:rPr lang="en-US" dirty="0">
+                <a:solidFill>
+                  <a:schemeClr val="accent6"/>
+                </a:solidFill>
+                <a:latin typeface="+mn-lt"/>
+              </a:rPr>
+              <a:t>Team Jupiter</a:t>
+            </a:r>
+          </a:p>
+        </p:txBody>
+      </p:sp>
+      <p:sp>
+        <p:nvSpPr>
+          <p:cNvPr id="13" name="Title 7">
+            <a:extLst>
+              <a:ext uri="{FF2B5EF4-FFF2-40B4-BE49-F238E27FC236}">
+                <a16:creationId xmlns:a16="http://schemas.microsoft.com/office/drawing/2014/main" id="{27AC60BD-F3E0-907F-16DA-A4901BFE9B96}"/>
+              </a:ext>
+            </a:extLst>
+          </p:cNvPr>
+          <p:cNvSpPr>
+            <a:spLocks noGrp="1"/>
+          </p:cNvSpPr>
+          <p:nvPr>
+            <p:ph type="title"/>
+          </p:nvPr>
+        </p:nvSpPr>
+        <p:spPr>
+          <a:xfrm>
+            <a:off x="687631" y="963487"/>
+            <a:ext cx="6499382" cy="792162"/>
+          </a:xfrm>
+        </p:spPr>
+        <p:txBody>
+          <a:bodyPr/>
+          <a:lstStyle/>
+          <a:p>
+            <a:pPr algn="ctr"/>
+            <a:r>
+              <a:rPr lang="en-US" sz="6000" dirty="0">
+                <a:solidFill>
+                  <a:srgbClr val="FF0000"/>
+                </a:solidFill>
+              </a:rPr>
+              <a:t>Conclusions</a:t>
+            </a:r>
+          </a:p>
+        </p:txBody>
+      </p:sp>
+      <p:sp>
+        <p:nvSpPr>
+          <p:cNvPr id="16" name="Text Placeholder 4">
+            <a:extLst>
+              <a:ext uri="{FF2B5EF4-FFF2-40B4-BE49-F238E27FC236}">
+                <a16:creationId xmlns:a16="http://schemas.microsoft.com/office/drawing/2014/main" id="{EAB29E62-03F9-9BC4-0248-F40A920D75A1}"/>
+              </a:ext>
+            </a:extLst>
+          </p:cNvPr>
+          <p:cNvSpPr txBox="1">
+            <a:spLocks/>
+          </p:cNvSpPr>
+          <p:nvPr/>
+        </p:nvSpPr>
+        <p:spPr>
+          <a:xfrm>
+            <a:off x="687631" y="2086722"/>
+            <a:ext cx="2615737" cy="396557"/>
+          </a:xfrm>
+          <a:prstGeom prst="rect">
+            <a:avLst/>
+          </a:prstGeom>
+        </p:spPr>
+        <p:txBody>
+          <a:bodyPr lIns="0" rIns="0"/>
+          <a:lstStyle>
+            <a:lvl1pPr marL="0" indent="0" algn="r" defTabSz="777240" rtl="0" eaLnBrk="1" latinLnBrk="0" hangingPunct="1">
+              <a:lnSpc>
+                <a:spcPct val="90000"/>
+              </a:lnSpc>
+              <a:spcBef>
+                <a:spcPts val="850"/>
+              </a:spcBef>
+              <a:buFont typeface="Arial" panose="020B0604020202020204" pitchFamily="34" charset="0"/>
+              <a:buNone/>
+              <a:defRPr sz="2380" b="1" kern="1200" spc="300">
+                <a:solidFill>
+                  <a:schemeClr val="bg1"/>
+                </a:solidFill>
+                <a:latin typeface="Century Gothic" panose="020B0502020202020204" pitchFamily="34" charset="0"/>
+                <a:ea typeface="+mn-ea"/>
+                <a:cs typeface="+mn-cs"/>
+              </a:defRPr>
+            </a:lvl1pPr>
+            <a:lvl2pPr marL="582930" indent="-194310" algn="l" defTabSz="777240" rtl="0" eaLnBrk="1" latinLnBrk="0" hangingPunct="1">
+              <a:lnSpc>
+                <a:spcPct val="90000"/>
+              </a:lnSpc>
+              <a:spcBef>
+                <a:spcPts val="425"/>
+              </a:spcBef>
+              <a:buFont typeface="Arial" panose="020B0604020202020204" pitchFamily="34" charset="0"/>
+              <a:buChar char="•"/>
+              <a:defRPr sz="2040" kern="1200">
+                <a:solidFill>
+                  <a:schemeClr val="accent6"/>
+                </a:solidFill>
+                <a:latin typeface="+mn-lt"/>
+                <a:ea typeface="+mn-ea"/>
+                <a:cs typeface="+mn-cs"/>
+              </a:defRPr>
+            </a:lvl2pPr>
+            <a:lvl3pPr marL="971550" indent="-194310" algn="l" defTabSz="777240" rtl="0" eaLnBrk="1" latinLnBrk="0" hangingPunct="1">
+              <a:lnSpc>
+                <a:spcPct val="90000"/>
+              </a:lnSpc>
+              <a:spcBef>
+                <a:spcPts val="425"/>
+              </a:spcBef>
+              <a:buFont typeface="Arial" panose="020B0604020202020204" pitchFamily="34" charset="0"/>
+              <a:buChar char="•"/>
+              <a:defRPr sz="1700" kern="1200">
+                <a:solidFill>
+                  <a:schemeClr val="accent6"/>
+                </a:solidFill>
+                <a:latin typeface="+mn-lt"/>
+                <a:ea typeface="+mn-ea"/>
+                <a:cs typeface="+mn-cs"/>
+              </a:defRPr>
+            </a:lvl3pPr>
+            <a:lvl4pPr marL="1360170" indent="-194310" algn="l" defTabSz="777240" rtl="0" eaLnBrk="1" latinLnBrk="0" hangingPunct="1">
+              <a:lnSpc>
+                <a:spcPct val="90000"/>
+              </a:lnSpc>
+              <a:spcBef>
+                <a:spcPts val="425"/>
+              </a:spcBef>
+              <a:buFont typeface="Arial" panose="020B0604020202020204" pitchFamily="34" charset="0"/>
+              <a:buChar char="•"/>
+              <a:defRPr sz="1530" kern="1200">
+                <a:solidFill>
+                  <a:schemeClr val="accent6"/>
+                </a:solidFill>
+                <a:latin typeface="+mn-lt"/>
+                <a:ea typeface="+mn-ea"/>
+                <a:cs typeface="+mn-cs"/>
+              </a:defRPr>
+            </a:lvl4pPr>
+            <a:lvl5pPr marL="1748790" indent="-194310" algn="l" defTabSz="777240" rtl="0" eaLnBrk="1" latinLnBrk="0" hangingPunct="1">
+              <a:lnSpc>
+                <a:spcPct val="90000"/>
+              </a:lnSpc>
+              <a:spcBef>
+                <a:spcPts val="425"/>
+              </a:spcBef>
+              <a:buFont typeface="Arial" panose="020B0604020202020204" pitchFamily="34" charset="0"/>
+              <a:buChar char="•"/>
+              <a:defRPr sz="1530" kern="1200">
+                <a:solidFill>
+                  <a:schemeClr val="accent6"/>
+                </a:solidFill>
+                <a:latin typeface="+mn-lt"/>
+                <a:ea typeface="+mn-ea"/>
+                <a:cs typeface="+mn-cs"/>
+              </a:defRPr>
+            </a:lvl5pPr>
+            <a:lvl6pPr marL="2137410" indent="-194310" algn="l" defTabSz="777240" rtl="0" eaLnBrk="1" latinLnBrk="0" hangingPunct="1">
+              <a:lnSpc>
+                <a:spcPct val="90000"/>
+              </a:lnSpc>
+              <a:spcBef>
+                <a:spcPts val="425"/>
+              </a:spcBef>
+              <a:buFont typeface="Arial" panose="020B0604020202020204" pitchFamily="34" charset="0"/>
+              <a:buChar char="•"/>
+              <a:defRPr sz="1530" kern="1200">
+                <a:solidFill>
+                  <a:schemeClr val="tx1"/>
+                </a:solidFill>
+                <a:latin typeface="+mn-lt"/>
+                <a:ea typeface="+mn-ea"/>
+                <a:cs typeface="+mn-cs"/>
+              </a:defRPr>
+            </a:lvl6pPr>
+            <a:lvl7pPr marL="2526030" indent="-194310" algn="l" defTabSz="777240" rtl="0" eaLnBrk="1" latinLnBrk="0" hangingPunct="1">
+              <a:lnSpc>
+                <a:spcPct val="90000"/>
+              </a:lnSpc>
+              <a:spcBef>
+                <a:spcPts val="425"/>
+              </a:spcBef>
+              <a:buFont typeface="Arial" panose="020B0604020202020204" pitchFamily="34" charset="0"/>
+              <a:buChar char="•"/>
+              <a:defRPr sz="1530" kern="1200">
+                <a:solidFill>
+                  <a:schemeClr val="tx1"/>
+                </a:solidFill>
+                <a:latin typeface="+mn-lt"/>
+                <a:ea typeface="+mn-ea"/>
+                <a:cs typeface="+mn-cs"/>
+              </a:defRPr>
+            </a:lvl7pPr>
+            <a:lvl8pPr marL="2914650" indent="-194310" algn="l" defTabSz="777240" rtl="0" eaLnBrk="1" latinLnBrk="0" hangingPunct="1">
+              <a:lnSpc>
+                <a:spcPct val="90000"/>
+              </a:lnSpc>
+              <a:spcBef>
+                <a:spcPts val="425"/>
+              </a:spcBef>
+              <a:buFont typeface="Arial" panose="020B0604020202020204" pitchFamily="34" charset="0"/>
+              <a:buChar char="•"/>
+              <a:defRPr sz="1530" kern="1200">
+                <a:solidFill>
+                  <a:schemeClr val="tx1"/>
+                </a:solidFill>
+                <a:latin typeface="+mn-lt"/>
+                <a:ea typeface="+mn-ea"/>
+                <a:cs typeface="+mn-cs"/>
+              </a:defRPr>
+            </a:lvl8pPr>
+            <a:lvl9pPr marL="3303270" indent="-194310" algn="l" defTabSz="777240" rtl="0" eaLnBrk="1" latinLnBrk="0" hangingPunct="1">
+              <a:lnSpc>
+                <a:spcPct val="90000"/>
+              </a:lnSpc>
+              <a:spcBef>
+                <a:spcPts val="425"/>
+              </a:spcBef>
+              <a:buFont typeface="Arial" panose="020B0604020202020204" pitchFamily="34" charset="0"/>
+              <a:buChar char="•"/>
+              <a:defRPr sz="1530" kern="1200">
+                <a:solidFill>
+                  <a:schemeClr val="tx1"/>
+                </a:solidFill>
+                <a:latin typeface="+mn-lt"/>
+                <a:ea typeface="+mn-ea"/>
+                <a:cs typeface="+mn-cs"/>
+              </a:defRPr>
+            </a:lvl9pPr>
+          </a:lstStyle>
+          <a:p>
+            <a:pPr algn="l"/>
+            <a:r>
+              <a:rPr lang="en-US" sz="2800" dirty="0">
+                <a:solidFill>
+                  <a:schemeClr val="accent6"/>
+                </a:solidFill>
+                <a:latin typeface="+mn-lt"/>
+              </a:rPr>
+              <a:t>Uses</a:t>
+            </a:r>
+            <a:endParaRPr lang="en-US" dirty="0">
+              <a:solidFill>
+                <a:schemeClr val="accent6"/>
+              </a:solidFill>
+              <a:latin typeface="+mn-lt"/>
+            </a:endParaRPr>
+          </a:p>
+        </p:txBody>
+      </p:sp>
+      <p:sp>
+        <p:nvSpPr>
+          <p:cNvPr id="18" name="Text Placeholder 4">
+            <a:extLst>
+              <a:ext uri="{FF2B5EF4-FFF2-40B4-BE49-F238E27FC236}">
+                <a16:creationId xmlns:a16="http://schemas.microsoft.com/office/drawing/2014/main" id="{09448CE7-FDB0-1FFC-3C6B-F6156B8167ED}"/>
+              </a:ext>
+            </a:extLst>
+          </p:cNvPr>
+          <p:cNvSpPr txBox="1">
+            <a:spLocks/>
+          </p:cNvSpPr>
+          <p:nvPr/>
+        </p:nvSpPr>
+        <p:spPr>
+          <a:xfrm>
+            <a:off x="4571276" y="3723665"/>
+            <a:ext cx="2615737" cy="396557"/>
+          </a:xfrm>
+          <a:prstGeom prst="rect">
+            <a:avLst/>
+          </a:prstGeom>
+        </p:spPr>
+        <p:txBody>
+          <a:bodyPr lIns="0" rIns="0"/>
+          <a:lstStyle>
+            <a:lvl1pPr marL="0" indent="0" algn="r" defTabSz="777240" rtl="0" eaLnBrk="1" latinLnBrk="0" hangingPunct="1">
+              <a:lnSpc>
+                <a:spcPct val="90000"/>
+              </a:lnSpc>
+              <a:spcBef>
+                <a:spcPts val="850"/>
+              </a:spcBef>
+              <a:buFont typeface="Arial" panose="020B0604020202020204" pitchFamily="34" charset="0"/>
+              <a:buNone/>
+              <a:defRPr sz="2380" b="1" kern="1200" spc="300">
+                <a:solidFill>
+                  <a:schemeClr val="bg1"/>
+                </a:solidFill>
+                <a:latin typeface="Century Gothic" panose="020B0502020202020204" pitchFamily="34" charset="0"/>
+                <a:ea typeface="+mn-ea"/>
+                <a:cs typeface="+mn-cs"/>
+              </a:defRPr>
+            </a:lvl1pPr>
+            <a:lvl2pPr marL="582930" indent="-194310" algn="l" defTabSz="777240" rtl="0" eaLnBrk="1" latinLnBrk="0" hangingPunct="1">
+              <a:lnSpc>
+                <a:spcPct val="90000"/>
+              </a:lnSpc>
+              <a:spcBef>
+                <a:spcPts val="425"/>
+              </a:spcBef>
+              <a:buFont typeface="Arial" panose="020B0604020202020204" pitchFamily="34" charset="0"/>
+              <a:buChar char="•"/>
+              <a:defRPr sz="2040" kern="1200">
+                <a:solidFill>
+                  <a:schemeClr val="accent6"/>
+                </a:solidFill>
+                <a:latin typeface="+mn-lt"/>
+                <a:ea typeface="+mn-ea"/>
+                <a:cs typeface="+mn-cs"/>
+              </a:defRPr>
+            </a:lvl2pPr>
+            <a:lvl3pPr marL="971550" indent="-194310" algn="l" defTabSz="777240" rtl="0" eaLnBrk="1" latinLnBrk="0" hangingPunct="1">
+              <a:lnSpc>
+                <a:spcPct val="90000"/>
+              </a:lnSpc>
+              <a:spcBef>
+                <a:spcPts val="425"/>
+              </a:spcBef>
+              <a:buFont typeface="Arial" panose="020B0604020202020204" pitchFamily="34" charset="0"/>
+              <a:buChar char="•"/>
+              <a:defRPr sz="1700" kern="1200">
+                <a:solidFill>
+                  <a:schemeClr val="accent6"/>
+                </a:solidFill>
+                <a:latin typeface="+mn-lt"/>
+                <a:ea typeface="+mn-ea"/>
+                <a:cs typeface="+mn-cs"/>
+              </a:defRPr>
+            </a:lvl3pPr>
+            <a:lvl4pPr marL="1360170" indent="-194310" algn="l" defTabSz="777240" rtl="0" eaLnBrk="1" latinLnBrk="0" hangingPunct="1">
+              <a:lnSpc>
+                <a:spcPct val="90000"/>
+              </a:lnSpc>
+              <a:spcBef>
+                <a:spcPts val="425"/>
+              </a:spcBef>
+              <a:buFont typeface="Arial" panose="020B0604020202020204" pitchFamily="34" charset="0"/>
+              <a:buChar char="•"/>
+              <a:defRPr sz="1530" kern="1200">
+                <a:solidFill>
+                  <a:schemeClr val="accent6"/>
+                </a:solidFill>
+                <a:latin typeface="+mn-lt"/>
+                <a:ea typeface="+mn-ea"/>
+                <a:cs typeface="+mn-cs"/>
+              </a:defRPr>
+            </a:lvl4pPr>
+            <a:lvl5pPr marL="1748790" indent="-194310" algn="l" defTabSz="777240" rtl="0" eaLnBrk="1" latinLnBrk="0" hangingPunct="1">
+              <a:lnSpc>
+                <a:spcPct val="90000"/>
+              </a:lnSpc>
+              <a:spcBef>
+                <a:spcPts val="425"/>
+              </a:spcBef>
+              <a:buFont typeface="Arial" panose="020B0604020202020204" pitchFamily="34" charset="0"/>
+              <a:buChar char="•"/>
+              <a:defRPr sz="1530" kern="1200">
+                <a:solidFill>
+                  <a:schemeClr val="accent6"/>
+                </a:solidFill>
+                <a:latin typeface="+mn-lt"/>
+                <a:ea typeface="+mn-ea"/>
+                <a:cs typeface="+mn-cs"/>
+              </a:defRPr>
+            </a:lvl5pPr>
+            <a:lvl6pPr marL="2137410" indent="-194310" algn="l" defTabSz="777240" rtl="0" eaLnBrk="1" latinLnBrk="0" hangingPunct="1">
+              <a:lnSpc>
+                <a:spcPct val="90000"/>
+              </a:lnSpc>
+              <a:spcBef>
+                <a:spcPts val="425"/>
+              </a:spcBef>
+              <a:buFont typeface="Arial" panose="020B0604020202020204" pitchFamily="34" charset="0"/>
+              <a:buChar char="•"/>
+              <a:defRPr sz="1530" kern="1200">
+                <a:solidFill>
+                  <a:schemeClr val="tx1"/>
+                </a:solidFill>
+                <a:latin typeface="+mn-lt"/>
+                <a:ea typeface="+mn-ea"/>
+                <a:cs typeface="+mn-cs"/>
+              </a:defRPr>
+            </a:lvl6pPr>
+            <a:lvl7pPr marL="2526030" indent="-194310" algn="l" defTabSz="777240" rtl="0" eaLnBrk="1" latinLnBrk="0" hangingPunct="1">
+              <a:lnSpc>
+                <a:spcPct val="90000"/>
+              </a:lnSpc>
+              <a:spcBef>
+                <a:spcPts val="425"/>
+              </a:spcBef>
+              <a:buFont typeface="Arial" panose="020B0604020202020204" pitchFamily="34" charset="0"/>
+              <a:buChar char="•"/>
+              <a:defRPr sz="1530" kern="1200">
+                <a:solidFill>
+                  <a:schemeClr val="tx1"/>
+                </a:solidFill>
+                <a:latin typeface="+mn-lt"/>
+                <a:ea typeface="+mn-ea"/>
+                <a:cs typeface="+mn-cs"/>
+              </a:defRPr>
+            </a:lvl7pPr>
+            <a:lvl8pPr marL="2914650" indent="-194310" algn="l" defTabSz="777240" rtl="0" eaLnBrk="1" latinLnBrk="0" hangingPunct="1">
+              <a:lnSpc>
+                <a:spcPct val="90000"/>
+              </a:lnSpc>
+              <a:spcBef>
+                <a:spcPts val="425"/>
+              </a:spcBef>
+              <a:buFont typeface="Arial" panose="020B0604020202020204" pitchFamily="34" charset="0"/>
+              <a:buChar char="•"/>
+              <a:defRPr sz="1530" kern="1200">
+                <a:solidFill>
+                  <a:schemeClr val="tx1"/>
+                </a:solidFill>
+                <a:latin typeface="+mn-lt"/>
+                <a:ea typeface="+mn-ea"/>
+                <a:cs typeface="+mn-cs"/>
+              </a:defRPr>
+            </a:lvl8pPr>
+            <a:lvl9pPr marL="3303270" indent="-194310" algn="l" defTabSz="777240" rtl="0" eaLnBrk="1" latinLnBrk="0" hangingPunct="1">
+              <a:lnSpc>
+                <a:spcPct val="90000"/>
+              </a:lnSpc>
+              <a:spcBef>
+                <a:spcPts val="425"/>
+              </a:spcBef>
+              <a:buFont typeface="Arial" panose="020B0604020202020204" pitchFamily="34" charset="0"/>
+              <a:buChar char="•"/>
+              <a:defRPr sz="1530" kern="1200">
+                <a:solidFill>
+                  <a:schemeClr val="tx1"/>
+                </a:solidFill>
+                <a:latin typeface="+mn-lt"/>
+                <a:ea typeface="+mn-ea"/>
+                <a:cs typeface="+mn-cs"/>
+              </a:defRPr>
+            </a:lvl9pPr>
+          </a:lstStyle>
+          <a:p>
+            <a:r>
+              <a:rPr lang="en-US" sz="2800" dirty="0">
+                <a:solidFill>
+                  <a:schemeClr val="accent6"/>
+                </a:solidFill>
+                <a:latin typeface="+mn-lt"/>
+              </a:rPr>
+              <a:t>Importance</a:t>
+            </a:r>
+            <a:endParaRPr lang="en-US" dirty="0">
+              <a:solidFill>
+                <a:schemeClr val="accent6"/>
+              </a:solidFill>
+              <a:latin typeface="+mn-lt"/>
+            </a:endParaRPr>
+          </a:p>
+        </p:txBody>
+      </p:sp>
+      <p:sp>
+        <p:nvSpPr>
+          <p:cNvPr id="19" name="Text Placeholder 1">
+            <a:extLst>
+              <a:ext uri="{FF2B5EF4-FFF2-40B4-BE49-F238E27FC236}">
+                <a16:creationId xmlns:a16="http://schemas.microsoft.com/office/drawing/2014/main" id="{3383F537-4773-3553-8164-66FAD181CBF0}"/>
+              </a:ext>
+            </a:extLst>
+          </p:cNvPr>
+          <p:cNvSpPr txBox="1">
+            <a:spLocks/>
+          </p:cNvSpPr>
+          <p:nvPr/>
+        </p:nvSpPr>
+        <p:spPr>
+          <a:xfrm>
+            <a:off x="3886199" y="4120222"/>
+            <a:ext cx="3300813" cy="3873404"/>
+          </a:xfrm>
+          <a:prstGeom prst="rect">
+            <a:avLst/>
+          </a:prstGeom>
+        </p:spPr>
+        <p:txBody>
+          <a:bodyPr lIns="0" rIns="0"/>
+          <a:lstStyle>
+            <a:lvl1pPr marL="0" indent="0" algn="l" defTabSz="777240" rtl="0" eaLnBrk="1" latinLnBrk="0" hangingPunct="1">
+              <a:lnSpc>
+                <a:spcPct val="110000"/>
+              </a:lnSpc>
+              <a:spcBef>
+                <a:spcPts val="850"/>
+              </a:spcBef>
+              <a:buFont typeface="Arial" panose="020B0604020202020204" pitchFamily="34" charset="0"/>
+              <a:buNone/>
+              <a:defRPr sz="1400" b="1" kern="1200">
+                <a:solidFill>
+                  <a:schemeClr val="bg1"/>
+                </a:solidFill>
+                <a:latin typeface="Century Gothic" panose="020B0502020202020204" pitchFamily="34" charset="0"/>
+                <a:ea typeface="+mn-ea"/>
+                <a:cs typeface="+mn-cs"/>
+              </a:defRPr>
+            </a:lvl1pPr>
+            <a:lvl2pPr marL="388620" indent="0" algn="l" defTabSz="777240" rtl="0" eaLnBrk="1" latinLnBrk="0" hangingPunct="1">
+              <a:lnSpc>
+                <a:spcPct val="90000"/>
+              </a:lnSpc>
+              <a:spcBef>
+                <a:spcPts val="425"/>
+              </a:spcBef>
+              <a:buFont typeface="Arial" panose="020B0604020202020204" pitchFamily="34" charset="0"/>
+              <a:buNone/>
+              <a:defRPr sz="1400" kern="1200">
+                <a:solidFill>
+                  <a:schemeClr val="bg1"/>
+                </a:solidFill>
+                <a:latin typeface="+mn-lt"/>
+                <a:ea typeface="+mn-ea"/>
+                <a:cs typeface="+mn-cs"/>
+              </a:defRPr>
+            </a:lvl2pPr>
+            <a:lvl3pPr marL="777240" indent="0" algn="l" defTabSz="777240" rtl="0" eaLnBrk="1" latinLnBrk="0" hangingPunct="1">
+              <a:lnSpc>
+                <a:spcPct val="90000"/>
+              </a:lnSpc>
+              <a:spcBef>
+                <a:spcPts val="425"/>
+              </a:spcBef>
+              <a:buFont typeface="Arial" panose="020B0604020202020204" pitchFamily="34" charset="0"/>
+              <a:buNone/>
+              <a:defRPr sz="1400" kern="1200">
+                <a:solidFill>
+                  <a:schemeClr val="bg1"/>
+                </a:solidFill>
+                <a:latin typeface="+mn-lt"/>
+                <a:ea typeface="+mn-ea"/>
+                <a:cs typeface="+mn-cs"/>
+              </a:defRPr>
+            </a:lvl3pPr>
+            <a:lvl4pPr marL="1165860" indent="0" algn="l" defTabSz="777240" rtl="0" eaLnBrk="1" latinLnBrk="0" hangingPunct="1">
+              <a:lnSpc>
+                <a:spcPct val="90000"/>
+              </a:lnSpc>
+              <a:spcBef>
+                <a:spcPts val="425"/>
+              </a:spcBef>
+              <a:buFont typeface="Arial" panose="020B0604020202020204" pitchFamily="34" charset="0"/>
+              <a:buNone/>
+              <a:defRPr sz="1400" kern="1200">
+                <a:solidFill>
+                  <a:schemeClr val="bg1"/>
+                </a:solidFill>
+                <a:latin typeface="+mn-lt"/>
+                <a:ea typeface="+mn-ea"/>
+                <a:cs typeface="+mn-cs"/>
+              </a:defRPr>
+            </a:lvl4pPr>
+            <a:lvl5pPr marL="1554480" indent="0" algn="l" defTabSz="777240" rtl="0" eaLnBrk="1" latinLnBrk="0" hangingPunct="1">
+              <a:lnSpc>
+                <a:spcPct val="90000"/>
+              </a:lnSpc>
+              <a:spcBef>
+                <a:spcPts val="425"/>
+              </a:spcBef>
+              <a:buFont typeface="Arial" panose="020B0604020202020204" pitchFamily="34" charset="0"/>
+              <a:buNone/>
+              <a:defRPr sz="1400" kern="1200">
+                <a:solidFill>
+                  <a:schemeClr val="bg1"/>
+                </a:solidFill>
+                <a:latin typeface="+mn-lt"/>
+                <a:ea typeface="+mn-ea"/>
+                <a:cs typeface="+mn-cs"/>
+              </a:defRPr>
+            </a:lvl5pPr>
+            <a:lvl6pPr marL="2137410" indent="-194310" algn="l" defTabSz="777240" rtl="0" eaLnBrk="1" latinLnBrk="0" hangingPunct="1">
+              <a:lnSpc>
+                <a:spcPct val="90000"/>
+              </a:lnSpc>
+              <a:spcBef>
+                <a:spcPts val="425"/>
+              </a:spcBef>
+              <a:buFont typeface="Arial" panose="020B0604020202020204" pitchFamily="34" charset="0"/>
+              <a:buChar char="•"/>
+              <a:defRPr sz="1530" kern="1200">
+                <a:solidFill>
+                  <a:schemeClr val="tx1"/>
+                </a:solidFill>
+                <a:latin typeface="+mn-lt"/>
+                <a:ea typeface="+mn-ea"/>
+                <a:cs typeface="+mn-cs"/>
+              </a:defRPr>
+            </a:lvl6pPr>
+            <a:lvl7pPr marL="2526030" indent="-194310" algn="l" defTabSz="777240" rtl="0" eaLnBrk="1" latinLnBrk="0" hangingPunct="1">
+              <a:lnSpc>
+                <a:spcPct val="90000"/>
+              </a:lnSpc>
+              <a:spcBef>
+                <a:spcPts val="425"/>
+              </a:spcBef>
+              <a:buFont typeface="Arial" panose="020B0604020202020204" pitchFamily="34" charset="0"/>
+              <a:buChar char="•"/>
+              <a:defRPr sz="1530" kern="1200">
+                <a:solidFill>
+                  <a:schemeClr val="tx1"/>
+                </a:solidFill>
+                <a:latin typeface="+mn-lt"/>
+                <a:ea typeface="+mn-ea"/>
+                <a:cs typeface="+mn-cs"/>
+              </a:defRPr>
+            </a:lvl7pPr>
+            <a:lvl8pPr marL="2914650" indent="-194310" algn="l" defTabSz="777240" rtl="0" eaLnBrk="1" latinLnBrk="0" hangingPunct="1">
+              <a:lnSpc>
+                <a:spcPct val="90000"/>
+              </a:lnSpc>
+              <a:spcBef>
+                <a:spcPts val="425"/>
+              </a:spcBef>
+              <a:buFont typeface="Arial" panose="020B0604020202020204" pitchFamily="34" charset="0"/>
+              <a:buChar char="•"/>
+              <a:defRPr sz="1530" kern="1200">
+                <a:solidFill>
+                  <a:schemeClr val="tx1"/>
+                </a:solidFill>
+                <a:latin typeface="+mn-lt"/>
+                <a:ea typeface="+mn-ea"/>
+                <a:cs typeface="+mn-cs"/>
+              </a:defRPr>
+            </a:lvl8pPr>
+            <a:lvl9pPr marL="3303270" indent="-194310" algn="l" defTabSz="777240" rtl="0" eaLnBrk="1" latinLnBrk="0" hangingPunct="1">
+              <a:lnSpc>
+                <a:spcPct val="90000"/>
+              </a:lnSpc>
+              <a:spcBef>
+                <a:spcPts val="425"/>
+              </a:spcBef>
+              <a:buFont typeface="Arial" panose="020B0604020202020204" pitchFamily="34" charset="0"/>
+              <a:buChar char="•"/>
+              <a:defRPr sz="1530" kern="1200">
+                <a:solidFill>
+                  <a:schemeClr val="tx1"/>
+                </a:solidFill>
+                <a:latin typeface="+mn-lt"/>
+                <a:ea typeface="+mn-ea"/>
+                <a:cs typeface="+mn-cs"/>
+              </a:defRPr>
+            </a:lvl9pPr>
+          </a:lstStyle>
+          <a:p>
+            <a:pPr marL="285750" indent="-285750" algn="r">
+              <a:buFont typeface="Wingdings" panose="05000000000000000000" pitchFamily="2" charset="2"/>
+              <a:buChar char="v"/>
+            </a:pPr>
+            <a:r>
+              <a:rPr lang="en-US" sz="2000" dirty="0">
+                <a:latin typeface="+mn-lt"/>
+                <a:ea typeface="Calibri" panose="020F0502020204030204" pitchFamily="34" charset="0"/>
+                <a:cs typeface="Times New Roman" panose="02020603050405020304" pitchFamily="18" charset="0"/>
+              </a:rPr>
+              <a:t>Shows off technical, analytical, &amp; problem-solving skills.</a:t>
+            </a:r>
+          </a:p>
+          <a:p>
+            <a:pPr marL="285750" indent="-285750" algn="r">
+              <a:buFont typeface="Wingdings" panose="05000000000000000000" pitchFamily="2" charset="2"/>
+              <a:buChar char="v"/>
+            </a:pPr>
+            <a:r>
+              <a:rPr lang="en-US" sz="2000" dirty="0">
+                <a:latin typeface="+mn-lt"/>
+                <a:ea typeface="Calibri" panose="020F0502020204030204" pitchFamily="34" charset="0"/>
+                <a:cs typeface="Times New Roman" panose="02020603050405020304" pitchFamily="18" charset="0"/>
+              </a:rPr>
+              <a:t>Shows a curiosity and drive to dive into the rabbit hole.</a:t>
+            </a:r>
+          </a:p>
+          <a:p>
+            <a:pPr marL="285750" indent="-285750" algn="r">
+              <a:buFont typeface="Wingdings" panose="05000000000000000000" pitchFamily="2" charset="2"/>
+              <a:buChar char="v"/>
+            </a:pPr>
+            <a:r>
+              <a:rPr lang="en-US" sz="2000" dirty="0">
+                <a:latin typeface="+mn-lt"/>
+                <a:ea typeface="Calibri" panose="020F0502020204030204" pitchFamily="34" charset="0"/>
+                <a:cs typeface="Times New Roman" panose="02020603050405020304" pitchFamily="18" charset="0"/>
+              </a:rPr>
+              <a:t>How familiar topics can be approached in new ways.   </a:t>
+            </a:r>
+            <a:endParaRPr lang="en-US" sz="2000" b="1" dirty="0">
+              <a:latin typeface="+mn-lt"/>
+              <a:ea typeface="Calibri" panose="020F0502020204030204" pitchFamily="34" charset="0"/>
+              <a:cs typeface="Times New Roman" panose="02020603050405020304" pitchFamily="18" charset="0"/>
+            </a:endParaRPr>
+          </a:p>
+          <a:p>
+            <a:pPr lvl="1" algn="r"/>
+            <a:endParaRPr lang="en-US" sz="2400" dirty="0">
+              <a:latin typeface="Calibri" panose="020F0502020204030204" pitchFamily="34" charset="0"/>
+              <a:ea typeface="Calibri" panose="020F0502020204030204" pitchFamily="34" charset="0"/>
+              <a:cs typeface="Times New Roman" panose="02020603050405020304" pitchFamily="18" charset="0"/>
+            </a:endParaRPr>
+          </a:p>
+          <a:p>
+            <a:pPr marL="674370" lvl="1" indent="-285750" algn="r">
+              <a:buFont typeface="Wingdings" panose="05000000000000000000" pitchFamily="2" charset="2"/>
+              <a:buChar char="v"/>
+            </a:pPr>
+            <a:endParaRPr lang="en-US" sz="1800" dirty="0"/>
+          </a:p>
+        </p:txBody>
+      </p:sp>
+    </p:spTree>
+    <p:extLst>
+      <p:ext uri="{BB962C8B-B14F-4D97-AF65-F5344CB8AC3E}">
+        <p14:creationId xmlns:p14="http://schemas.microsoft.com/office/powerpoint/2010/main" val="156199875"/>
+      </p:ext>
+    </p:extLst>
+  </p:cSld>
+  <p:clrMapOvr>
+    <a:masterClrMapping/>
+  </p:clrMapOvr>
+</p:sld>
+</file>
+
+<file path=ppt/slides/slide18.xml><?xml version="1.0" encoding="utf-8"?>
+<p:sld xmlns:a="http://schemas.openxmlformats.org/drawingml/2006/main" xmlns:r="http://schemas.openxmlformats.org/officeDocument/2006/relationships" xmlns:p="http://schemas.openxmlformats.org/presentationml/2006/main">
+  <p:cSld>
+    <p:spTree>
+      <p:nvGrpSpPr>
+        <p:cNvPr id="1" name=""/>
+        <p:cNvGrpSpPr/>
+        <p:nvPr/>
+      </p:nvGrpSpPr>
+      <p:grpSpPr>
+        <a:xfrm>
+          <a:off x="0" y="0"/>
+          <a:ext cx="0" cy="0"/>
+          <a:chOff x="0" y="0"/>
+          <a:chExt cx="0" cy="0"/>
+        </a:xfrm>
+      </p:grpSpPr>
+      <p:sp>
+        <p:nvSpPr>
+          <p:cNvPr id="12" name="Text Placeholder 11">
+            <a:extLst>
+              <a:ext uri="{FF2B5EF4-FFF2-40B4-BE49-F238E27FC236}">
+                <a16:creationId xmlns:a16="http://schemas.microsoft.com/office/drawing/2014/main" id="{7D7B05AE-F1D3-F246-917E-3A73DC6FD61B}"/>
+              </a:ext>
+            </a:extLst>
+          </p:cNvPr>
+          <p:cNvSpPr>
+            <a:spLocks noGrp="1"/>
+          </p:cNvSpPr>
+          <p:nvPr>
+            <p:ph type="body" sz="quarter" idx="10"/>
+          </p:nvPr>
+        </p:nvSpPr>
+        <p:spPr>
+          <a:xfrm>
+            <a:off x="677940" y="2941320"/>
+            <a:ext cx="2616200" cy="1296988"/>
+          </a:xfrm>
+        </p:spPr>
+        <p:txBody>
+          <a:bodyPr/>
+          <a:lstStyle/>
+          <a:p>
+            <a:r>
+              <a:rPr lang="en-US" sz="1800" dirty="0"/>
+              <a:t>- Ian Franklin</a:t>
+            </a:r>
+          </a:p>
+        </p:txBody>
+      </p:sp>
+      <p:sp>
+        <p:nvSpPr>
+          <p:cNvPr id="13" name="Text Placeholder 12">
+            <a:extLst>
+              <a:ext uri="{FF2B5EF4-FFF2-40B4-BE49-F238E27FC236}">
+                <a16:creationId xmlns:a16="http://schemas.microsoft.com/office/drawing/2014/main" id="{44E7CDFD-7790-A640-9ACB-9D9F14E11463}"/>
+              </a:ext>
+            </a:extLst>
+          </p:cNvPr>
+          <p:cNvSpPr>
+            <a:spLocks noGrp="1"/>
+          </p:cNvSpPr>
+          <p:nvPr>
+            <p:ph type="body" sz="quarter" idx="11"/>
+          </p:nvPr>
+        </p:nvSpPr>
+        <p:spPr>
+          <a:xfrm>
+            <a:off x="4468569" y="2941320"/>
+            <a:ext cx="2616200" cy="1296988"/>
+          </a:xfrm>
+        </p:spPr>
+        <p:txBody>
+          <a:bodyPr/>
+          <a:lstStyle/>
+          <a:p>
+            <a:r>
+              <a:rPr lang="en-US" sz="1800" dirty="0"/>
+              <a:t>On how data can be used in the movie industry</a:t>
+            </a:r>
+            <a:r>
               <a:rPr lang="en-US" dirty="0"/>
-              <a:t>A Quick Look Back</a:t>
+              <a:t>.</a:t>
+            </a:r>
+          </a:p>
+        </p:txBody>
+      </p:sp>
+      <p:sp>
+        <p:nvSpPr>
+          <p:cNvPr id="17" name="Text Placeholder 16">
+            <a:extLst>
+              <a:ext uri="{FF2B5EF4-FFF2-40B4-BE49-F238E27FC236}">
+                <a16:creationId xmlns:a16="http://schemas.microsoft.com/office/drawing/2014/main" id="{8159C9F5-3197-0445-A08E-D2D4FA7B6EEB}"/>
+              </a:ext>
+            </a:extLst>
+          </p:cNvPr>
+          <p:cNvSpPr>
+            <a:spLocks noGrp="1"/>
+          </p:cNvSpPr>
+          <p:nvPr>
+            <p:ph type="body" sz="quarter" idx="12"/>
+          </p:nvPr>
+        </p:nvSpPr>
+        <p:spPr>
+          <a:xfrm>
+            <a:off x="678403" y="2415382"/>
+            <a:ext cx="2615737" cy="396557"/>
+          </a:xfrm>
+        </p:spPr>
+        <p:txBody>
+          <a:bodyPr/>
+          <a:lstStyle/>
+          <a:p>
+            <a:r>
+              <a:rPr lang="en-US" sz="2800" dirty="0"/>
+              <a:t>Team</a:t>
+            </a:r>
+            <a:r>
+              <a:rPr lang="en-US" dirty="0"/>
+              <a:t> </a:t>
+            </a:r>
+            <a:r>
+              <a:rPr lang="en-US" sz="2400" dirty="0"/>
+              <a:t>Jupiter</a:t>
+            </a:r>
+            <a:r>
+              <a:rPr lang="en-US" dirty="0"/>
+              <a:t> </a:t>
+            </a:r>
+          </a:p>
+        </p:txBody>
+      </p:sp>
+      <p:sp>
+        <p:nvSpPr>
+          <p:cNvPr id="18" name="Text Placeholder 17">
+            <a:extLst>
+              <a:ext uri="{FF2B5EF4-FFF2-40B4-BE49-F238E27FC236}">
+                <a16:creationId xmlns:a16="http://schemas.microsoft.com/office/drawing/2014/main" id="{E27F62D6-4966-064C-9DBA-65E5B2A7476D}"/>
+              </a:ext>
+            </a:extLst>
+          </p:cNvPr>
+          <p:cNvSpPr>
+            <a:spLocks noGrp="1"/>
+          </p:cNvSpPr>
+          <p:nvPr>
+            <p:ph type="body" sz="quarter" idx="13"/>
+          </p:nvPr>
+        </p:nvSpPr>
+        <p:spPr>
+          <a:xfrm>
+            <a:off x="3937322" y="2415382"/>
+            <a:ext cx="3207797" cy="655320"/>
+          </a:xfrm>
+        </p:spPr>
+        <p:txBody>
+          <a:bodyPr/>
+          <a:lstStyle/>
+          <a:p>
+            <a:r>
+              <a:rPr lang="en-US" dirty="0"/>
+              <a:t>A Quick </a:t>
+            </a:r>
+            <a:r>
+              <a:rPr lang="en-US" sz="2800" dirty="0"/>
+              <a:t>Look</a:t>
+            </a:r>
+            <a:r>
+              <a:rPr lang="en-US" dirty="0"/>
+              <a:t> Back</a:t>
             </a:r>
           </a:p>
         </p:txBody>
@@ -9595,7 +12012,7 @@
         </p:nvSpPr>
         <p:spPr>
           <a:xfrm>
-            <a:off x="678403" y="2346483"/>
+            <a:off x="687631" y="2294153"/>
             <a:ext cx="2615737" cy="396557"/>
           </a:xfrm>
         </p:spPr>
@@ -9604,7 +12021,7 @@
           <a:lstStyle/>
           <a:p>
             <a:r>
-              <a:rPr lang="en-US" dirty="0">
+              <a:rPr lang="en-US" sz="3200" dirty="0">
                 <a:solidFill>
                   <a:schemeClr val="accent6"/>
                 </a:solidFill>
@@ -9612,6 +12029,12 @@
               </a:rPr>
               <a:t>Biography</a:t>
             </a:r>
+            <a:endParaRPr lang="en-US" sz="2400" dirty="0">
+              <a:solidFill>
+                <a:schemeClr val="accent6"/>
+              </a:solidFill>
+              <a:latin typeface="+mn-lt"/>
+            </a:endParaRPr>
           </a:p>
         </p:txBody>
       </p:sp>
@@ -9633,7 +12056,7 @@
         </p:nvSpPr>
         <p:spPr>
           <a:xfrm>
-            <a:off x="4479418" y="2346482"/>
+            <a:off x="4482975" y="2295641"/>
             <a:ext cx="2615737" cy="396557"/>
           </a:xfrm>
         </p:spPr>
@@ -9642,7 +12065,7 @@
           <a:lstStyle/>
           <a:p>
             <a:r>
-              <a:rPr lang="en-US" dirty="0">
+              <a:rPr lang="en-US" sz="3200" dirty="0">
                 <a:solidFill>
                   <a:schemeClr val="accent6"/>
                 </a:solidFill>
@@ -9650,6 +12073,12 @@
               </a:rPr>
               <a:t>Background</a:t>
             </a:r>
+            <a:endParaRPr lang="en-US" dirty="0">
+              <a:solidFill>
+                <a:schemeClr val="accent6"/>
+              </a:solidFill>
+              <a:latin typeface="+mn-lt"/>
+            </a:endParaRPr>
           </a:p>
           <a:p>
             <a:endParaRPr lang="en-US" dirty="0"/>
@@ -9906,7 +12335,7 @@
               <a:buChar char="v"/>
             </a:pPr>
             <a:r>
-              <a:rPr lang="en-US" dirty="0">
+              <a:rPr lang="en-US" sz="1800" dirty="0">
                 <a:latin typeface="+mn-lt"/>
               </a:rPr>
               <a:t>Maricopa Community Colleges &amp; Greensboro College</a:t>
@@ -9918,7 +12347,7 @@
               <a:buChar char="v"/>
             </a:pPr>
             <a:r>
-              <a:rPr lang="en-US" dirty="0">
+              <a:rPr lang="en-US" sz="1800" dirty="0">
                 <a:latin typeface="+mn-lt"/>
               </a:rPr>
               <a:t>Industry experience in Food, Labor, Manufacturing, Retail, Transportation, &amp; Sales</a:t>
@@ -9930,7 +12359,7 @@
               <a:buChar char="v"/>
             </a:pPr>
             <a:r>
-              <a:rPr lang="en-US" dirty="0">
+              <a:rPr lang="en-US" sz="1800" dirty="0">
                 <a:latin typeface="+mn-lt"/>
               </a:rPr>
               <a:t>Entrepreneur</a:t>
@@ -9941,7 +12370,7 @@
               <a:buFont typeface="Wingdings" panose="05000000000000000000" pitchFamily="2" charset="2"/>
               <a:buChar char="v"/>
             </a:pPr>
-            <a:endParaRPr lang="en-US" dirty="0">
+            <a:endParaRPr lang="en-US" sz="1800" dirty="0">
               <a:latin typeface="+mn-lt"/>
             </a:endParaRPr>
           </a:p>
@@ -9965,13 +12394,13 @@
         </p:nvSpPr>
         <p:spPr>
           <a:xfrm>
-            <a:off x="678403" y="2898003"/>
+            <a:off x="412515" y="2852491"/>
             <a:ext cx="3198569" cy="1538073"/>
           </a:xfrm>
         </p:spPr>
         <p:txBody>
           <a:bodyPr>
-            <a:normAutofit fontScale="85000" lnSpcReduction="20000"/>
+            <a:noAutofit/>
           </a:bodyPr>
           <a:lstStyle/>
           <a:p>
@@ -9983,7 +12412,7 @@
               <a:buChar char="v"/>
             </a:pPr>
             <a:r>
-              <a:rPr lang="en-US" dirty="0">
+              <a:rPr lang="en-US" sz="1800" dirty="0">
                 <a:latin typeface="+mn-lt"/>
               </a:rPr>
               <a:t>New father </a:t>
@@ -9998,7 +12427,7 @@
               <a:buChar char="v"/>
             </a:pPr>
             <a:r>
-              <a:rPr lang="en-US" dirty="0">
+              <a:rPr lang="en-US" sz="1800" dirty="0">
                 <a:latin typeface="+mn-lt"/>
               </a:rPr>
               <a:t>New Homeowner</a:t>
@@ -10013,7 +12442,7 @@
               <a:buChar char="v"/>
             </a:pPr>
             <a:r>
-              <a:rPr lang="en-US" dirty="0">
+              <a:rPr lang="en-US" sz="1800" dirty="0">
                 <a:latin typeface="+mn-lt"/>
               </a:rPr>
               <a:t>Moved across country in July ’22</a:t>
@@ -10028,7 +12457,7 @@
               <a:buChar char="v"/>
             </a:pPr>
             <a:r>
-              <a:rPr lang="en-US" dirty="0">
+              <a:rPr lang="en-US" sz="1800" dirty="0">
                 <a:latin typeface="+mn-lt"/>
               </a:rPr>
               <a:t>A learner, tinkerer, and curious cat</a:t>
@@ -10040,14 +12469,14 @@
               <a:buChar char="v"/>
             </a:pPr>
             <a:r>
-              <a:rPr lang="en-US" dirty="0">
+              <a:rPr lang="en-US" sz="1800" dirty="0">
                 <a:latin typeface="+mn-lt"/>
               </a:rPr>
               <a:t>A reader and librarian without enough shelves</a:t>
             </a:r>
           </a:p>
           <a:p>
-            <a:endParaRPr lang="en-US" dirty="0">
+            <a:endParaRPr lang="en-US" sz="1100" dirty="0">
               <a:latin typeface="+mn-lt"/>
             </a:endParaRPr>
           </a:p>
@@ -10220,7 +12649,7 @@
         </p:nvSpPr>
         <p:spPr>
           <a:xfrm>
-            <a:off x="687631" y="4367419"/>
+            <a:off x="687631" y="4355642"/>
             <a:ext cx="2616200" cy="3520518"/>
           </a:xfrm>
         </p:spPr>
@@ -10233,7 +12662,7 @@
               <a:buChar char="v"/>
             </a:pPr>
             <a:r>
-              <a:rPr lang="en-US" sz="1400" dirty="0">
+              <a:rPr lang="en-US" sz="1600" dirty="0">
                 <a:latin typeface="+mn-lt"/>
               </a:rPr>
               <a:t>According to the MPAA, in 2017 76% of people reported going to the movies at least once.</a:t>
@@ -10245,34 +12674,10 @@
               <a:buChar char="v"/>
             </a:pPr>
             <a:r>
-              <a:rPr lang="en-US" sz="1400" dirty="0">
+              <a:rPr lang="en-US" sz="1600" dirty="0">
                 <a:latin typeface="+mn-lt"/>
               </a:rPr>
               <a:t>14% of American watch movies at the theaters once a month.</a:t>
-            </a:r>
-          </a:p>
-          <a:p>
-            <a:pPr marL="285750" indent="-285750">
-              <a:buFont typeface="Wingdings" panose="05000000000000000000" pitchFamily="2" charset="2"/>
-              <a:buChar char="v"/>
-            </a:pPr>
-            <a:r>
-              <a:rPr lang="en-US" sz="1400" dirty="0">
-                <a:latin typeface="+mn-lt"/>
-              </a:rPr>
-              <a:t>Hollywood provided $504 billion to the U.S. GDP before the pandemic. </a:t>
-            </a:r>
-          </a:p>
-          <a:p>
-            <a:pPr marL="285750" indent="-285750">
-              <a:buFont typeface="Wingdings" panose="05000000000000000000" pitchFamily="2" charset="2"/>
-              <a:buChar char="v"/>
-            </a:pPr>
-            <a:r>
-              <a:rPr lang="en-US" sz="1400" dirty="0">
-                <a:latin typeface="+mn-lt"/>
-              </a:rPr>
-              <a:t>The U.S. film industry has a net worth of around $91.83 billion.</a:t>
             </a:r>
           </a:p>
           <a:p>
@@ -10298,7 +12703,7 @@
         </p:nvSpPr>
         <p:spPr>
           <a:xfrm>
-            <a:off x="4468571" y="3707148"/>
+            <a:off x="4479568" y="4473061"/>
             <a:ext cx="2959813" cy="1296988"/>
           </a:xfrm>
         </p:spPr>
@@ -10311,7 +12716,9 @@
               <a:buChar char="v"/>
             </a:pPr>
             <a:r>
-              <a:rPr lang="en-US" dirty="0"/>
+              <a:rPr lang="en-US" sz="1600" dirty="0">
+                <a:latin typeface="+mn-lt"/>
+              </a:rPr>
               <a:t> 19% of U.S. adults watch or stream movies every day.</a:t>
             </a:r>
           </a:p>
@@ -10321,7 +12728,9 @@
               <a:buChar char="v"/>
             </a:pPr>
             <a:r>
-              <a:rPr lang="en-US" dirty="0"/>
+              <a:rPr lang="en-US" sz="1600" dirty="0">
+                <a:latin typeface="+mn-lt"/>
+              </a:rPr>
               <a:t>26% state that they watch movies several times per week.</a:t>
             </a:r>
           </a:p>
@@ -10345,7 +12754,7 @@
         </p:nvSpPr>
         <p:spPr>
           <a:xfrm>
-            <a:off x="4478260" y="3267174"/>
+            <a:off x="4479568" y="3893265"/>
             <a:ext cx="2615737" cy="396557"/>
           </a:xfrm>
         </p:spPr>
@@ -10355,7 +12764,7 @@
           <a:p>
             <a:pPr algn="l"/>
             <a:r>
-              <a:rPr lang="en-US" sz="2400" dirty="0">
+              <a:rPr lang="en-US" sz="2800" dirty="0">
                 <a:solidFill>
                   <a:schemeClr val="accent6"/>
                 </a:solidFill>
@@ -10374,36 +12783,6 @@
       </p:sp>
       <p:sp>
         <p:nvSpPr>
-          <p:cNvPr id="6" name="Text Placeholder 5">
-            <a:extLst>
-              <a:ext uri="{FF2B5EF4-FFF2-40B4-BE49-F238E27FC236}">
-                <a16:creationId xmlns:a16="http://schemas.microsoft.com/office/drawing/2014/main" id="{76FE1C0B-FF2B-8042-BCAA-611E0347C6CE}"/>
-              </a:ext>
-            </a:extLst>
-          </p:cNvPr>
-          <p:cNvSpPr>
-            <a:spLocks noGrp="1"/>
-          </p:cNvSpPr>
-          <p:nvPr>
-            <p:ph type="body" sz="quarter" idx="15"/>
-          </p:nvPr>
-        </p:nvSpPr>
-        <p:spPr/>
-        <p:txBody>
-          <a:bodyPr/>
-          <a:lstStyle/>
-          <a:p>
-            <a:r>
-              <a:rPr lang="en-US" dirty="0">
-                <a:latin typeface="+mn-lt"/>
-              </a:rPr>
-              <a:t>github.com/IanFranklin</a:t>
-            </a:r>
-          </a:p>
-        </p:txBody>
-      </p:sp>
-      <p:sp>
-        <p:nvSpPr>
           <p:cNvPr id="7" name="Text Placeholder 6">
             <a:extLst>
               <a:ext uri="{FF2B5EF4-FFF2-40B4-BE49-F238E27FC236}">
@@ -10424,7 +12803,12 @@
           <a:lstStyle/>
           <a:p>
             <a:r>
-              <a:rPr lang="en-US" dirty="0"/>
+              <a:rPr lang="en-US" dirty="0">
+                <a:solidFill>
+                  <a:schemeClr val="accent6"/>
+                </a:solidFill>
+                <a:latin typeface="+mn-lt"/>
+              </a:rPr>
               <a:t>Team Jupiter</a:t>
             </a:r>
           </a:p>
@@ -10496,7 +12880,7 @@
         </p:nvSpPr>
         <p:spPr>
           <a:xfrm>
-            <a:off x="677245" y="3938378"/>
+            <a:off x="839528" y="3825830"/>
             <a:ext cx="2880463" cy="396557"/>
           </a:xfrm>
           <a:prstGeom prst="rect">
@@ -10672,7 +13056,7 @@
           <a:p>
             <a:pPr algn="l"/>
             <a:r>
-              <a:rPr lang="en-US" sz="2400" dirty="0">
+              <a:rPr lang="en-US" sz="2800" dirty="0">
                 <a:solidFill>
                   <a:schemeClr val="accent6"/>
                 </a:solidFill>
@@ -10680,6 +13064,12 @@
               </a:rPr>
               <a:t>Hollywood</a:t>
             </a:r>
+            <a:endParaRPr lang="en-US" sz="2400" dirty="0">
+              <a:solidFill>
+                <a:schemeClr val="accent6"/>
+              </a:solidFill>
+              <a:latin typeface="+mn-lt"/>
+            </a:endParaRPr>
           </a:p>
         </p:txBody>
       </p:sp>
@@ -10699,7 +13089,7 @@
         </p:nvSpPr>
         <p:spPr>
           <a:xfrm>
-            <a:off x="366611" y="2237590"/>
+            <a:off x="374772" y="2279954"/>
             <a:ext cx="3809973" cy="986166"/>
           </a:xfrm>
           <a:prstGeom prst="rect">
@@ -11087,8 +13477,8 @@
         </p:nvSpPr>
         <p:spPr>
           <a:xfrm>
-            <a:off x="677245" y="2712802"/>
-            <a:ext cx="2616200" cy="3520518"/>
+            <a:off x="677244" y="2712802"/>
+            <a:ext cx="1724001" cy="2316398"/>
           </a:xfrm>
         </p:spPr>
         <p:txBody>
@@ -11096,10 +13486,16 @@
           <a:lstStyle/>
           <a:p>
             <a:r>
+              <a:rPr lang="en-US" sz="1800" dirty="0">
+                <a:latin typeface="+mn-lt"/>
+              </a:rPr>
+              <a:t>Despite competition, annual ticket sales have remained relatively stable for the past 10 years</a:t>
+            </a:r>
+            <a:r>
               <a:rPr lang="en-US" sz="1400" dirty="0">
                 <a:latin typeface="+mn-lt"/>
               </a:rPr>
-              <a:t>Despite this added competition from streaming services, annual ticket sales have remained relatively stable for the past 10 years.</a:t>
+              <a:t>.</a:t>
             </a:r>
             <a:endParaRPr lang="en-US" dirty="0"/>
           </a:p>
@@ -11123,7 +13519,7 @@
         </p:nvSpPr>
         <p:spPr>
           <a:xfrm>
-            <a:off x="4445976" y="3101848"/>
+            <a:off x="687631" y="7016901"/>
             <a:ext cx="2959813" cy="1296988"/>
           </a:xfrm>
         </p:spPr>
@@ -11136,7 +13532,9 @@
               <a:buChar char="v"/>
             </a:pPr>
             <a:r>
-              <a:rPr lang="en-US" dirty="0"/>
+              <a:rPr lang="en-US" sz="1800" dirty="0">
+                <a:latin typeface="+mn-lt"/>
+              </a:rPr>
               <a:t>Can data be used to help decide optimal movie budgets?</a:t>
             </a:r>
           </a:p>
@@ -11146,7 +13544,9 @@
               <a:buChar char="v"/>
             </a:pPr>
             <a:r>
-              <a:rPr lang="en-US" dirty="0"/>
+              <a:rPr lang="en-US" sz="1800" dirty="0">
+                <a:latin typeface="+mn-lt"/>
+              </a:rPr>
               <a:t>Are certain genres of movies a better return on money? </a:t>
             </a:r>
           </a:p>
@@ -11170,8 +13570,8 @@
         </p:nvSpPr>
         <p:spPr>
           <a:xfrm>
-            <a:off x="4445976" y="2313275"/>
-            <a:ext cx="2615737" cy="396557"/>
+            <a:off x="687631" y="5884528"/>
+            <a:ext cx="2189523" cy="1112279"/>
           </a:xfrm>
         </p:spPr>
         <p:txBody>
@@ -11180,43 +13580,13 @@
           <a:p>
             <a:pPr algn="l"/>
             <a:r>
-              <a:rPr lang="en-US" dirty="0">
+              <a:rPr lang="en-US" sz="2400" dirty="0">
                 <a:solidFill>
                   <a:schemeClr val="accent6"/>
                 </a:solidFill>
                 <a:latin typeface="+mn-lt"/>
               </a:rPr>
               <a:t>How can data help movie makers?</a:t>
-            </a:r>
-          </a:p>
-        </p:txBody>
-      </p:sp>
-      <p:sp>
-        <p:nvSpPr>
-          <p:cNvPr id="6" name="Text Placeholder 5">
-            <a:extLst>
-              <a:ext uri="{FF2B5EF4-FFF2-40B4-BE49-F238E27FC236}">
-                <a16:creationId xmlns:a16="http://schemas.microsoft.com/office/drawing/2014/main" id="{76FE1C0B-FF2B-8042-BCAA-611E0347C6CE}"/>
-              </a:ext>
-            </a:extLst>
-          </p:cNvPr>
-          <p:cNvSpPr>
-            <a:spLocks noGrp="1"/>
-          </p:cNvSpPr>
-          <p:nvPr>
-            <p:ph type="body" sz="quarter" idx="15"/>
-          </p:nvPr>
-        </p:nvSpPr>
-        <p:spPr/>
-        <p:txBody>
-          <a:bodyPr/>
-          <a:lstStyle/>
-          <a:p>
-            <a:r>
-              <a:rPr lang="en-US" dirty="0">
-                <a:latin typeface="+mn-lt"/>
-              </a:rPr>
-              <a:t>github.com/IanFranklin</a:t>
             </a:r>
           </a:p>
         </p:txBody>
@@ -11243,7 +13613,12 @@
           <a:lstStyle/>
           <a:p>
             <a:r>
-              <a:rPr lang="en-US" dirty="0"/>
+              <a:rPr lang="en-US" dirty="0">
+                <a:solidFill>
+                  <a:schemeClr val="accent6"/>
+                </a:solidFill>
+                <a:latin typeface="+mn-lt"/>
+              </a:rPr>
               <a:t>Team Jupiter</a:t>
             </a:r>
           </a:p>
@@ -11697,6 +14072,36 @@
           </a:p>
         </p:txBody>
       </p:sp>
+      <p:pic>
+        <p:nvPicPr>
+          <p:cNvPr id="10" name="Picture 9">
+            <a:extLst>
+              <a:ext uri="{FF2B5EF4-FFF2-40B4-BE49-F238E27FC236}">
+                <a16:creationId xmlns:a16="http://schemas.microsoft.com/office/drawing/2014/main" id="{FE5A6959-765C-41F7-E2CC-E09ED63CB091}"/>
+              </a:ext>
+            </a:extLst>
+          </p:cNvPr>
+          <p:cNvPicPr>
+            <a:picLocks noChangeAspect="1"/>
+          </p:cNvPicPr>
+          <p:nvPr/>
+        </p:nvPicPr>
+        <p:blipFill>
+          <a:blip r:embed="rId2"/>
+          <a:stretch>
+            <a:fillRect/>
+          </a:stretch>
+        </p:blipFill>
+        <p:spPr>
+          <a:xfrm>
+            <a:off x="2751886" y="2477429"/>
+            <a:ext cx="4692752" cy="2943901"/>
+          </a:xfrm>
+          <a:prstGeom prst="rect">
+            <a:avLst/>
+          </a:prstGeom>
+        </p:spPr>
+      </p:pic>
     </p:spTree>
     <p:extLst>
       <p:ext uri="{BB962C8B-B14F-4D97-AF65-F5344CB8AC3E}">
@@ -11751,7 +14156,7 @@
         </p:spPr>
         <p:txBody>
           <a:bodyPr>
-            <a:normAutofit fontScale="92500" lnSpcReduction="10000"/>
+            <a:normAutofit fontScale="92500" lnSpcReduction="20000"/>
           </a:bodyPr>
           <a:lstStyle/>
           <a:p>
@@ -11763,7 +14168,7 @@
               <a:buChar char="v"/>
             </a:pPr>
             <a:r>
-              <a:rPr lang="en-US" sz="1600" dirty="0">
+              <a:rPr lang="en-US" sz="1900" dirty="0">
                 <a:latin typeface="+mn-lt"/>
               </a:rPr>
               <a:t>MS Suite (Excel, PowerPoint, Word)</a:t>
@@ -11778,7 +14183,7 @@
               <a:buChar char="v"/>
             </a:pPr>
             <a:r>
-              <a:rPr lang="en-US" sz="1600" dirty="0">
+              <a:rPr lang="en-US" sz="1900" dirty="0">
                 <a:latin typeface="+mn-lt"/>
               </a:rPr>
               <a:t>Python </a:t>
@@ -11793,7 +14198,7 @@
               <a:buChar char="v"/>
             </a:pPr>
             <a:r>
-              <a:rPr lang="en-US" sz="1600" dirty="0">
+              <a:rPr lang="en-US" sz="1900" dirty="0">
                 <a:latin typeface="+mn-lt"/>
               </a:rPr>
               <a:t>Jupyter Notebook</a:t>
@@ -11808,14 +14213,14 @@
               <a:buChar char="v"/>
             </a:pPr>
             <a:r>
-              <a:rPr lang="en-US" sz="1600" dirty="0">
+              <a:rPr lang="en-US" sz="1900" dirty="0">
                 <a:latin typeface="+mn-lt"/>
               </a:rPr>
               <a:t>Slack</a:t>
             </a:r>
           </a:p>
           <a:p>
-            <a:endParaRPr lang="en-US" dirty="0"/>
+            <a:endParaRPr lang="en-US" sz="1700" dirty="0"/>
           </a:p>
           <a:p>
             <a:endParaRPr lang="en-US" dirty="0"/>
@@ -11957,34 +14362,6 @@
       </p:sp>
       <p:sp>
         <p:nvSpPr>
-          <p:cNvPr id="6" name="Text Placeholder 5">
-            <a:extLst>
-              <a:ext uri="{FF2B5EF4-FFF2-40B4-BE49-F238E27FC236}">
-                <a16:creationId xmlns:a16="http://schemas.microsoft.com/office/drawing/2014/main" id="{F66475D4-407F-B54B-ACC6-3C782B4B6DED}"/>
-              </a:ext>
-            </a:extLst>
-          </p:cNvPr>
-          <p:cNvSpPr>
-            <a:spLocks noGrp="1"/>
-          </p:cNvSpPr>
-          <p:nvPr>
-            <p:ph type="body" sz="quarter" idx="15"/>
-          </p:nvPr>
-        </p:nvSpPr>
-        <p:spPr/>
-        <p:txBody>
-          <a:bodyPr/>
-          <a:lstStyle/>
-          <a:p>
-            <a:r>
-              <a:rPr lang="en-US" dirty="0"/>
-              <a:t>Add A Footer</a:t>
-            </a:r>
-          </a:p>
-        </p:txBody>
-      </p:sp>
-      <p:sp>
-        <p:nvSpPr>
           <p:cNvPr id="7" name="Text Placeholder 6">
             <a:extLst>
               <a:ext uri="{FF2B5EF4-FFF2-40B4-BE49-F238E27FC236}">
@@ -12009,6 +14386,7 @@
                 <a:solidFill>
                   <a:schemeClr val="accent6"/>
                 </a:solidFill>
+                <a:latin typeface="+mn-lt"/>
               </a:rPr>
               <a:t>Team Jupiter</a:t>
             </a:r>
@@ -12666,7 +15044,7 @@
               <a:buChar char="v"/>
             </a:pPr>
             <a:r>
-              <a:rPr lang="en-US" sz="1600" b="1" dirty="0">
+              <a:rPr lang="en-US" sz="1800" b="1" dirty="0">
                 <a:latin typeface="+mn-lt"/>
                 <a:ea typeface="Calibri" panose="020F0502020204030204" pitchFamily="34" charset="0"/>
                 <a:cs typeface="Times New Roman" panose="02020603050405020304" pitchFamily="18" charset="0"/>
@@ -12680,7 +15058,7 @@
               <a:buChar char="v"/>
             </a:pPr>
             <a:r>
-              <a:rPr lang="en-US" sz="1600" dirty="0">
+              <a:rPr lang="en-US" sz="1800" dirty="0">
                 <a:latin typeface="+mn-lt"/>
                 <a:ea typeface="Calibri" panose="020F0502020204030204" pitchFamily="34" charset="0"/>
                 <a:cs typeface="Times New Roman" panose="02020603050405020304" pitchFamily="18" charset="0"/>
@@ -12694,7 +15072,7 @@
               <a:buChar char="v"/>
             </a:pPr>
             <a:r>
-              <a:rPr lang="en-US" sz="1600" b="1" dirty="0">
+              <a:rPr lang="en-US" sz="1800" b="1" dirty="0">
                 <a:latin typeface="+mn-lt"/>
                 <a:ea typeface="Calibri" panose="020F0502020204030204" pitchFamily="34" charset="0"/>
                 <a:cs typeface="Times New Roman" panose="02020603050405020304" pitchFamily="18" charset="0"/>
@@ -12708,14 +15086,14 @@
               <a:buChar char="v"/>
             </a:pPr>
             <a:r>
-              <a:rPr lang="en-US" sz="1600" dirty="0">
+              <a:rPr lang="en-US" sz="1800" dirty="0">
                 <a:latin typeface="+mn-lt"/>
                 <a:ea typeface="Calibri" panose="020F0502020204030204" pitchFamily="34" charset="0"/>
                 <a:cs typeface="Times New Roman" panose="02020603050405020304" pitchFamily="18" charset="0"/>
               </a:rPr>
               <a:t>Transformed variable values</a:t>
             </a:r>
-            <a:endParaRPr lang="en-US" sz="1600" b="1" dirty="0">
+            <a:endParaRPr lang="en-US" sz="1800" b="1" dirty="0">
               <a:latin typeface="+mn-lt"/>
               <a:ea typeface="Calibri" panose="020F0502020204030204" pitchFamily="34" charset="0"/>
               <a:cs typeface="Times New Roman" panose="02020603050405020304" pitchFamily="18" charset="0"/>
@@ -12723,7 +15101,7 @@
           </a:p>
           <a:p>
             <a:pPr lvl="1"/>
-            <a:endParaRPr lang="en-US" sz="1800" dirty="0">
+            <a:endParaRPr lang="en-US" sz="2000" dirty="0">
               <a:latin typeface="Calibri" panose="020F0502020204030204" pitchFamily="34" charset="0"/>
               <a:ea typeface="Calibri" panose="020F0502020204030204" pitchFamily="34" charset="0"/>
               <a:cs typeface="Times New Roman" panose="02020603050405020304" pitchFamily="18" charset="0"/>
@@ -12734,7 +15112,7 @@
               <a:buFont typeface="Wingdings" panose="05000000000000000000" pitchFamily="2" charset="2"/>
               <a:buChar char="v"/>
             </a:pPr>
-            <a:endParaRPr lang="en-US" sz="1600" dirty="0"/>
+            <a:endParaRPr lang="en-US" sz="1800" dirty="0"/>
           </a:p>
         </p:txBody>
       </p:sp>
@@ -12786,65 +15164,41 @@
         </p:nvSpPr>
         <p:spPr>
           <a:xfrm>
-            <a:off x="5201356" y="2572599"/>
-            <a:ext cx="2571044" cy="2335299"/>
+            <a:off x="687631" y="2550678"/>
+            <a:ext cx="5012225" cy="941137"/>
           </a:xfrm>
         </p:spPr>
         <p:txBody>
           <a:bodyPr/>
           <a:lstStyle/>
           <a:p>
-            <a:pPr marL="285750" indent="-285750">
-              <a:buFont typeface="Wingdings" panose="05000000000000000000" pitchFamily="2" charset="2"/>
-              <a:buChar char="v"/>
-            </a:pPr>
-            <a:r>
-              <a:rPr lang="en-US" sz="1600" dirty="0">
+            <a:r>
+              <a:rPr lang="en-US" sz="2400" dirty="0">
+                <a:solidFill>
+                  <a:schemeClr val="accent6"/>
+                </a:solidFill>
                 <a:latin typeface="+mn-lt"/>
               </a:rPr>
-              <a:t>Over time box office sales have increased, and so have budgets.</a:t>
-            </a:r>
-          </a:p>
-          <a:p>
-            <a:pPr marL="285750" indent="-285750">
-              <a:buFont typeface="Wingdings" panose="05000000000000000000" pitchFamily="2" charset="2"/>
-              <a:buChar char="v"/>
-            </a:pPr>
-            <a:endParaRPr lang="en-US" sz="1600" dirty="0">
+              <a:t>Does a movies budget influence box office success?</a:t>
+            </a:r>
+          </a:p>
+          <a:p>
+            <a:pPr algn="ctr"/>
+            <a:endParaRPr lang="en-US" sz="2400" dirty="0">
+              <a:solidFill>
+                <a:schemeClr val="accent6"/>
+              </a:solidFill>
               <a:latin typeface="+mn-lt"/>
             </a:endParaRPr>
           </a:p>
-          <a:p>
-            <a:r>
-              <a:rPr lang="en-US" sz="1600" dirty="0">
-                <a:latin typeface="+mn-lt"/>
-              </a:rPr>
-              <a:t> </a:t>
-            </a:r>
-          </a:p>
-          <a:p>
-            <a:pPr marL="285750" indent="-285750">
-              <a:buFont typeface="Wingdings" panose="05000000000000000000" pitchFamily="2" charset="2"/>
-              <a:buChar char="v"/>
-            </a:pPr>
-            <a:r>
-              <a:rPr lang="en-US" sz="1600" dirty="0">
-                <a:latin typeface="+mn-lt"/>
-              </a:rPr>
-              <a:t>2010’s saw a return of smaller budget movies.</a:t>
-            </a:r>
-          </a:p>
-          <a:p>
-            <a:endParaRPr lang="en-US" sz="1800" dirty="0"/>
-          </a:p>
-        </p:txBody>
-      </p:sp>
-      <p:sp>
-        <p:nvSpPr>
-          <p:cNvPr id="6" name="Text Placeholder 5">
-            <a:extLst>
-              <a:ext uri="{FF2B5EF4-FFF2-40B4-BE49-F238E27FC236}">
-                <a16:creationId xmlns:a16="http://schemas.microsoft.com/office/drawing/2014/main" id="{FC50AA9E-8736-7046-B34C-EE91E892ABE6}"/>
+        </p:txBody>
+      </p:sp>
+      <p:sp>
+        <p:nvSpPr>
+          <p:cNvPr id="5" name="Text Placeholder 4">
+            <a:extLst>
+              <a:ext uri="{FF2B5EF4-FFF2-40B4-BE49-F238E27FC236}">
+                <a16:creationId xmlns:a16="http://schemas.microsoft.com/office/drawing/2014/main" id="{2D3E033B-7726-4E4E-B48E-79728B115E33}"/>
               </a:ext>
             </a:extLst>
           </p:cNvPr>
@@ -12852,17 +15206,28 @@
             <a:spLocks noGrp="1"/>
           </p:cNvSpPr>
           <p:nvPr>
-            <p:ph type="body" sz="quarter" idx="15"/>
+            <p:ph type="body" sz="quarter" idx="13"/>
           </p:nvPr>
         </p:nvSpPr>
-        <p:spPr/>
+        <p:spPr>
+          <a:xfrm>
+            <a:off x="2090601" y="9353817"/>
+            <a:ext cx="3591198" cy="396557"/>
+          </a:xfrm>
+        </p:spPr>
         <p:txBody>
           <a:bodyPr/>
           <a:lstStyle/>
           <a:p>
-            <a:r>
-              <a:rPr lang="en-US" dirty="0"/>
-              <a:t>Greensboro College</a:t>
+            <a:pPr algn="ctr"/>
+            <a:r>
+              <a:rPr lang="en-US" dirty="0">
+                <a:solidFill>
+                  <a:schemeClr val="accent6"/>
+                </a:solidFill>
+                <a:latin typeface="+mn-lt"/>
+              </a:rPr>
+              <a:t>Linear Regression</a:t>
             </a:r>
           </a:p>
         </p:txBody>
@@ -12883,12 +15248,7 @@
             <p:ph type="body" sz="quarter" idx="16"/>
           </p:nvPr>
         </p:nvSpPr>
-        <p:spPr>
-          <a:xfrm>
-            <a:off x="687631" y="472352"/>
-            <a:ext cx="6499382" cy="342900"/>
-          </a:xfrm>
-        </p:spPr>
+        <p:spPr/>
         <p:txBody>
           <a:bodyPr/>
           <a:lstStyle/>
@@ -12921,8 +15281,8 @@
         </p:nvSpPr>
         <p:spPr>
           <a:xfrm>
-            <a:off x="585386" y="909479"/>
-            <a:ext cx="6499382" cy="931677"/>
+            <a:off x="585386" y="900019"/>
+            <a:ext cx="6499382" cy="941137"/>
           </a:xfrm>
           <a:prstGeom prst="rect">
             <a:avLst/>
@@ -12963,12 +15323,477 @@
           </a:p>
         </p:txBody>
       </p:sp>
+      <p:sp>
+        <p:nvSpPr>
+          <p:cNvPr id="6" name="Text Placeholder 1">
+            <a:extLst>
+              <a:ext uri="{FF2B5EF4-FFF2-40B4-BE49-F238E27FC236}">
+                <a16:creationId xmlns:a16="http://schemas.microsoft.com/office/drawing/2014/main" id="{BD8E9516-A8EC-6300-1F81-547BD6758414}"/>
+              </a:ext>
+            </a:extLst>
+          </p:cNvPr>
+          <p:cNvSpPr txBox="1">
+            <a:spLocks/>
+          </p:cNvSpPr>
+          <p:nvPr/>
+        </p:nvSpPr>
+        <p:spPr>
+          <a:xfrm>
+            <a:off x="669574" y="6210419"/>
+            <a:ext cx="5012225" cy="596909"/>
+          </a:xfrm>
+          <a:prstGeom prst="rect">
+            <a:avLst/>
+          </a:prstGeom>
+        </p:spPr>
+        <p:txBody>
+          <a:bodyPr lIns="0" rIns="0"/>
+          <a:lstStyle>
+            <a:lvl1pPr marL="0" indent="0" algn="l" defTabSz="777240" rtl="0" eaLnBrk="1" latinLnBrk="0" hangingPunct="1">
+              <a:lnSpc>
+                <a:spcPct val="110000"/>
+              </a:lnSpc>
+              <a:spcBef>
+                <a:spcPts val="850"/>
+              </a:spcBef>
+              <a:buFont typeface="Arial" panose="020B0604020202020204" pitchFamily="34" charset="0"/>
+              <a:buNone/>
+              <a:defRPr sz="1400" b="1" kern="1200">
+                <a:solidFill>
+                  <a:schemeClr val="bg1"/>
+                </a:solidFill>
+                <a:latin typeface="Century Gothic" panose="020B0502020202020204" pitchFamily="34" charset="0"/>
+                <a:ea typeface="+mn-ea"/>
+                <a:cs typeface="+mn-cs"/>
+              </a:defRPr>
+            </a:lvl1pPr>
+            <a:lvl2pPr marL="388620" indent="0" algn="l" defTabSz="777240" rtl="0" eaLnBrk="1" latinLnBrk="0" hangingPunct="1">
+              <a:lnSpc>
+                <a:spcPct val="90000"/>
+              </a:lnSpc>
+              <a:spcBef>
+                <a:spcPts val="425"/>
+              </a:spcBef>
+              <a:buFont typeface="Arial" panose="020B0604020202020204" pitchFamily="34" charset="0"/>
+              <a:buNone/>
+              <a:defRPr sz="1400" kern="1200">
+                <a:solidFill>
+                  <a:schemeClr val="bg1"/>
+                </a:solidFill>
+                <a:latin typeface="+mn-lt"/>
+                <a:ea typeface="+mn-ea"/>
+                <a:cs typeface="+mn-cs"/>
+              </a:defRPr>
+            </a:lvl2pPr>
+            <a:lvl3pPr marL="777240" indent="0" algn="l" defTabSz="777240" rtl="0" eaLnBrk="1" latinLnBrk="0" hangingPunct="1">
+              <a:lnSpc>
+                <a:spcPct val="90000"/>
+              </a:lnSpc>
+              <a:spcBef>
+                <a:spcPts val="425"/>
+              </a:spcBef>
+              <a:buFont typeface="Arial" panose="020B0604020202020204" pitchFamily="34" charset="0"/>
+              <a:buNone/>
+              <a:defRPr sz="1400" kern="1200">
+                <a:solidFill>
+                  <a:schemeClr val="bg1"/>
+                </a:solidFill>
+                <a:latin typeface="+mn-lt"/>
+                <a:ea typeface="+mn-ea"/>
+                <a:cs typeface="+mn-cs"/>
+              </a:defRPr>
+            </a:lvl3pPr>
+            <a:lvl4pPr marL="1165860" indent="0" algn="l" defTabSz="777240" rtl="0" eaLnBrk="1" latinLnBrk="0" hangingPunct="1">
+              <a:lnSpc>
+                <a:spcPct val="90000"/>
+              </a:lnSpc>
+              <a:spcBef>
+                <a:spcPts val="425"/>
+              </a:spcBef>
+              <a:buFont typeface="Arial" panose="020B0604020202020204" pitchFamily="34" charset="0"/>
+              <a:buNone/>
+              <a:defRPr sz="1400" kern="1200">
+                <a:solidFill>
+                  <a:schemeClr val="bg1"/>
+                </a:solidFill>
+                <a:latin typeface="+mn-lt"/>
+                <a:ea typeface="+mn-ea"/>
+                <a:cs typeface="+mn-cs"/>
+              </a:defRPr>
+            </a:lvl4pPr>
+            <a:lvl5pPr marL="1554480" indent="0" algn="l" defTabSz="777240" rtl="0" eaLnBrk="1" latinLnBrk="0" hangingPunct="1">
+              <a:lnSpc>
+                <a:spcPct val="90000"/>
+              </a:lnSpc>
+              <a:spcBef>
+                <a:spcPts val="425"/>
+              </a:spcBef>
+              <a:buFont typeface="Arial" panose="020B0604020202020204" pitchFamily="34" charset="0"/>
+              <a:buNone/>
+              <a:defRPr sz="1400" kern="1200">
+                <a:solidFill>
+                  <a:schemeClr val="bg1"/>
+                </a:solidFill>
+                <a:latin typeface="+mn-lt"/>
+                <a:ea typeface="+mn-ea"/>
+                <a:cs typeface="+mn-cs"/>
+              </a:defRPr>
+            </a:lvl5pPr>
+            <a:lvl6pPr marL="2137410" indent="-194310" algn="l" defTabSz="777240" rtl="0" eaLnBrk="1" latinLnBrk="0" hangingPunct="1">
+              <a:lnSpc>
+                <a:spcPct val="90000"/>
+              </a:lnSpc>
+              <a:spcBef>
+                <a:spcPts val="425"/>
+              </a:spcBef>
+              <a:buFont typeface="Arial" panose="020B0604020202020204" pitchFamily="34" charset="0"/>
+              <a:buChar char="•"/>
+              <a:defRPr sz="1530" kern="1200">
+                <a:solidFill>
+                  <a:schemeClr val="tx1"/>
+                </a:solidFill>
+                <a:latin typeface="+mn-lt"/>
+                <a:ea typeface="+mn-ea"/>
+                <a:cs typeface="+mn-cs"/>
+              </a:defRPr>
+            </a:lvl6pPr>
+            <a:lvl7pPr marL="2526030" indent="-194310" algn="l" defTabSz="777240" rtl="0" eaLnBrk="1" latinLnBrk="0" hangingPunct="1">
+              <a:lnSpc>
+                <a:spcPct val="90000"/>
+              </a:lnSpc>
+              <a:spcBef>
+                <a:spcPts val="425"/>
+              </a:spcBef>
+              <a:buFont typeface="Arial" panose="020B0604020202020204" pitchFamily="34" charset="0"/>
+              <a:buChar char="•"/>
+              <a:defRPr sz="1530" kern="1200">
+                <a:solidFill>
+                  <a:schemeClr val="tx1"/>
+                </a:solidFill>
+                <a:latin typeface="+mn-lt"/>
+                <a:ea typeface="+mn-ea"/>
+                <a:cs typeface="+mn-cs"/>
+              </a:defRPr>
+            </a:lvl7pPr>
+            <a:lvl8pPr marL="2914650" indent="-194310" algn="l" defTabSz="777240" rtl="0" eaLnBrk="1" latinLnBrk="0" hangingPunct="1">
+              <a:lnSpc>
+                <a:spcPct val="90000"/>
+              </a:lnSpc>
+              <a:spcBef>
+                <a:spcPts val="425"/>
+              </a:spcBef>
+              <a:buFont typeface="Arial" panose="020B0604020202020204" pitchFamily="34" charset="0"/>
+              <a:buChar char="•"/>
+              <a:defRPr sz="1530" kern="1200">
+                <a:solidFill>
+                  <a:schemeClr val="tx1"/>
+                </a:solidFill>
+                <a:latin typeface="+mn-lt"/>
+                <a:ea typeface="+mn-ea"/>
+                <a:cs typeface="+mn-cs"/>
+              </a:defRPr>
+            </a:lvl8pPr>
+            <a:lvl9pPr marL="3303270" indent="-194310" algn="l" defTabSz="777240" rtl="0" eaLnBrk="1" latinLnBrk="0" hangingPunct="1">
+              <a:lnSpc>
+                <a:spcPct val="90000"/>
+              </a:lnSpc>
+              <a:spcBef>
+                <a:spcPts val="425"/>
+              </a:spcBef>
+              <a:buFont typeface="Arial" panose="020B0604020202020204" pitchFamily="34" charset="0"/>
+              <a:buChar char="•"/>
+              <a:defRPr sz="1530" kern="1200">
+                <a:solidFill>
+                  <a:schemeClr val="tx1"/>
+                </a:solidFill>
+                <a:latin typeface="+mn-lt"/>
+                <a:ea typeface="+mn-ea"/>
+                <a:cs typeface="+mn-cs"/>
+              </a:defRPr>
+            </a:lvl9pPr>
+          </a:lstStyle>
+          <a:p>
+            <a:r>
+              <a:rPr lang="en-US" sz="2400" dirty="0">
+                <a:solidFill>
+                  <a:schemeClr val="accent6"/>
+                </a:solidFill>
+                <a:latin typeface="+mn-lt"/>
+              </a:rPr>
+              <a:t>Is Bigger Better?</a:t>
+            </a:r>
+          </a:p>
+          <a:p>
+            <a:pPr algn="ctr"/>
+            <a:endParaRPr lang="en-US" sz="1800" dirty="0">
+              <a:latin typeface="+mn-lt"/>
+            </a:endParaRPr>
+          </a:p>
+          <a:p>
+            <a:pPr algn="ctr"/>
+            <a:endParaRPr lang="en-US" sz="1800" dirty="0">
+              <a:latin typeface="+mn-lt"/>
+            </a:endParaRPr>
+          </a:p>
+        </p:txBody>
+      </p:sp>
+      <p:sp>
+        <p:nvSpPr>
+          <p:cNvPr id="8" name="Text Placeholder 1">
+            <a:extLst>
+              <a:ext uri="{FF2B5EF4-FFF2-40B4-BE49-F238E27FC236}">
+                <a16:creationId xmlns:a16="http://schemas.microsoft.com/office/drawing/2014/main" id="{F047A59F-5D08-663E-E194-8389CEBD6418}"/>
+              </a:ext>
+            </a:extLst>
+          </p:cNvPr>
+          <p:cNvSpPr txBox="1">
+            <a:spLocks/>
+          </p:cNvSpPr>
+          <p:nvPr/>
+        </p:nvSpPr>
+        <p:spPr>
+          <a:xfrm>
+            <a:off x="585386" y="6807328"/>
+            <a:ext cx="5012225" cy="596909"/>
+          </a:xfrm>
+          <a:prstGeom prst="rect">
+            <a:avLst/>
+          </a:prstGeom>
+        </p:spPr>
+        <p:txBody>
+          <a:bodyPr lIns="0" rIns="0"/>
+          <a:lstStyle>
+            <a:lvl1pPr marL="0" indent="0" algn="l" defTabSz="777240" rtl="0" eaLnBrk="1" latinLnBrk="0" hangingPunct="1">
+              <a:lnSpc>
+                <a:spcPct val="110000"/>
+              </a:lnSpc>
+              <a:spcBef>
+                <a:spcPts val="850"/>
+              </a:spcBef>
+              <a:buFont typeface="Arial" panose="020B0604020202020204" pitchFamily="34" charset="0"/>
+              <a:buNone/>
+              <a:defRPr sz="1400" b="1" kern="1200">
+                <a:solidFill>
+                  <a:schemeClr val="bg1"/>
+                </a:solidFill>
+                <a:latin typeface="Century Gothic" panose="020B0502020202020204" pitchFamily="34" charset="0"/>
+                <a:ea typeface="+mn-ea"/>
+                <a:cs typeface="+mn-cs"/>
+              </a:defRPr>
+            </a:lvl1pPr>
+            <a:lvl2pPr marL="388620" indent="0" algn="l" defTabSz="777240" rtl="0" eaLnBrk="1" latinLnBrk="0" hangingPunct="1">
+              <a:lnSpc>
+                <a:spcPct val="90000"/>
+              </a:lnSpc>
+              <a:spcBef>
+                <a:spcPts val="425"/>
+              </a:spcBef>
+              <a:buFont typeface="Arial" panose="020B0604020202020204" pitchFamily="34" charset="0"/>
+              <a:buNone/>
+              <a:defRPr sz="1400" kern="1200">
+                <a:solidFill>
+                  <a:schemeClr val="bg1"/>
+                </a:solidFill>
+                <a:latin typeface="+mn-lt"/>
+                <a:ea typeface="+mn-ea"/>
+                <a:cs typeface="+mn-cs"/>
+              </a:defRPr>
+            </a:lvl2pPr>
+            <a:lvl3pPr marL="777240" indent="0" algn="l" defTabSz="777240" rtl="0" eaLnBrk="1" latinLnBrk="0" hangingPunct="1">
+              <a:lnSpc>
+                <a:spcPct val="90000"/>
+              </a:lnSpc>
+              <a:spcBef>
+                <a:spcPts val="425"/>
+              </a:spcBef>
+              <a:buFont typeface="Arial" panose="020B0604020202020204" pitchFamily="34" charset="0"/>
+              <a:buNone/>
+              <a:defRPr sz="1400" kern="1200">
+                <a:solidFill>
+                  <a:schemeClr val="bg1"/>
+                </a:solidFill>
+                <a:latin typeface="+mn-lt"/>
+                <a:ea typeface="+mn-ea"/>
+                <a:cs typeface="+mn-cs"/>
+              </a:defRPr>
+            </a:lvl3pPr>
+            <a:lvl4pPr marL="1165860" indent="0" algn="l" defTabSz="777240" rtl="0" eaLnBrk="1" latinLnBrk="0" hangingPunct="1">
+              <a:lnSpc>
+                <a:spcPct val="90000"/>
+              </a:lnSpc>
+              <a:spcBef>
+                <a:spcPts val="425"/>
+              </a:spcBef>
+              <a:buFont typeface="Arial" panose="020B0604020202020204" pitchFamily="34" charset="0"/>
+              <a:buNone/>
+              <a:defRPr sz="1400" kern="1200">
+                <a:solidFill>
+                  <a:schemeClr val="bg1"/>
+                </a:solidFill>
+                <a:latin typeface="+mn-lt"/>
+                <a:ea typeface="+mn-ea"/>
+                <a:cs typeface="+mn-cs"/>
+              </a:defRPr>
+            </a:lvl4pPr>
+            <a:lvl5pPr marL="1554480" indent="0" algn="l" defTabSz="777240" rtl="0" eaLnBrk="1" latinLnBrk="0" hangingPunct="1">
+              <a:lnSpc>
+                <a:spcPct val="90000"/>
+              </a:lnSpc>
+              <a:spcBef>
+                <a:spcPts val="425"/>
+              </a:spcBef>
+              <a:buFont typeface="Arial" panose="020B0604020202020204" pitchFamily="34" charset="0"/>
+              <a:buNone/>
+              <a:defRPr sz="1400" kern="1200">
+                <a:solidFill>
+                  <a:schemeClr val="bg1"/>
+                </a:solidFill>
+                <a:latin typeface="+mn-lt"/>
+                <a:ea typeface="+mn-ea"/>
+                <a:cs typeface="+mn-cs"/>
+              </a:defRPr>
+            </a:lvl5pPr>
+            <a:lvl6pPr marL="2137410" indent="-194310" algn="l" defTabSz="777240" rtl="0" eaLnBrk="1" latinLnBrk="0" hangingPunct="1">
+              <a:lnSpc>
+                <a:spcPct val="90000"/>
+              </a:lnSpc>
+              <a:spcBef>
+                <a:spcPts val="425"/>
+              </a:spcBef>
+              <a:buFont typeface="Arial" panose="020B0604020202020204" pitchFamily="34" charset="0"/>
+              <a:buChar char="•"/>
+              <a:defRPr sz="1530" kern="1200">
+                <a:solidFill>
+                  <a:schemeClr val="tx1"/>
+                </a:solidFill>
+                <a:latin typeface="+mn-lt"/>
+                <a:ea typeface="+mn-ea"/>
+                <a:cs typeface="+mn-cs"/>
+              </a:defRPr>
+            </a:lvl6pPr>
+            <a:lvl7pPr marL="2526030" indent="-194310" algn="l" defTabSz="777240" rtl="0" eaLnBrk="1" latinLnBrk="0" hangingPunct="1">
+              <a:lnSpc>
+                <a:spcPct val="90000"/>
+              </a:lnSpc>
+              <a:spcBef>
+                <a:spcPts val="425"/>
+              </a:spcBef>
+              <a:buFont typeface="Arial" panose="020B0604020202020204" pitchFamily="34" charset="0"/>
+              <a:buChar char="•"/>
+              <a:defRPr sz="1530" kern="1200">
+                <a:solidFill>
+                  <a:schemeClr val="tx1"/>
+                </a:solidFill>
+                <a:latin typeface="+mn-lt"/>
+                <a:ea typeface="+mn-ea"/>
+                <a:cs typeface="+mn-cs"/>
+              </a:defRPr>
+            </a:lvl7pPr>
+            <a:lvl8pPr marL="2914650" indent="-194310" algn="l" defTabSz="777240" rtl="0" eaLnBrk="1" latinLnBrk="0" hangingPunct="1">
+              <a:lnSpc>
+                <a:spcPct val="90000"/>
+              </a:lnSpc>
+              <a:spcBef>
+                <a:spcPts val="425"/>
+              </a:spcBef>
+              <a:buFont typeface="Arial" panose="020B0604020202020204" pitchFamily="34" charset="0"/>
+              <a:buChar char="•"/>
+              <a:defRPr sz="1530" kern="1200">
+                <a:solidFill>
+                  <a:schemeClr val="tx1"/>
+                </a:solidFill>
+                <a:latin typeface="+mn-lt"/>
+                <a:ea typeface="+mn-ea"/>
+                <a:cs typeface="+mn-cs"/>
+              </a:defRPr>
+            </a:lvl8pPr>
+            <a:lvl9pPr marL="3303270" indent="-194310" algn="l" defTabSz="777240" rtl="0" eaLnBrk="1" latinLnBrk="0" hangingPunct="1">
+              <a:lnSpc>
+                <a:spcPct val="90000"/>
+              </a:lnSpc>
+              <a:spcBef>
+                <a:spcPts val="425"/>
+              </a:spcBef>
+              <a:buFont typeface="Arial" panose="020B0604020202020204" pitchFamily="34" charset="0"/>
+              <a:buChar char="•"/>
+              <a:defRPr sz="1530" kern="1200">
+                <a:solidFill>
+                  <a:schemeClr val="tx1"/>
+                </a:solidFill>
+                <a:latin typeface="+mn-lt"/>
+                <a:ea typeface="+mn-ea"/>
+                <a:cs typeface="+mn-cs"/>
+              </a:defRPr>
+            </a:lvl9pPr>
+          </a:lstStyle>
+          <a:p>
+            <a:pPr marL="285750" indent="-285750">
+              <a:buFont typeface="Wingdings" panose="05000000000000000000" pitchFamily="2" charset="2"/>
+              <a:buChar char="v"/>
+            </a:pPr>
+            <a:r>
+              <a:rPr lang="en-US" sz="1800" dirty="0">
+                <a:latin typeface="+mn-lt"/>
+              </a:rPr>
+              <a:t>More elaborate set</a:t>
+            </a:r>
+          </a:p>
+          <a:p>
+            <a:pPr marL="285750" indent="-285750">
+              <a:buFont typeface="Wingdings" panose="05000000000000000000" pitchFamily="2" charset="2"/>
+              <a:buChar char="v"/>
+            </a:pPr>
+            <a:r>
+              <a:rPr lang="en-US" sz="1800" dirty="0">
+                <a:latin typeface="+mn-lt"/>
+              </a:rPr>
+              <a:t>Stunning special effects</a:t>
+            </a:r>
+          </a:p>
+          <a:p>
+            <a:pPr marL="285750" indent="-285750">
+              <a:buFont typeface="Wingdings" panose="05000000000000000000" pitchFamily="2" charset="2"/>
+              <a:buChar char="v"/>
+            </a:pPr>
+            <a:r>
+              <a:rPr lang="en-US" sz="1800" dirty="0">
+                <a:latin typeface="+mn-lt"/>
+              </a:rPr>
+              <a:t>Recognized actors</a:t>
+            </a:r>
+          </a:p>
+          <a:p>
+            <a:pPr marL="285750" indent="-285750">
+              <a:buFont typeface="Wingdings" panose="05000000000000000000" pitchFamily="2" charset="2"/>
+              <a:buChar char="v"/>
+            </a:pPr>
+            <a:r>
+              <a:rPr lang="en-US" sz="1800" dirty="0">
+                <a:latin typeface="+mn-lt"/>
+              </a:rPr>
+              <a:t>Renowned directors</a:t>
+            </a:r>
+          </a:p>
+          <a:p>
+            <a:pPr algn="ctr"/>
+            <a:endParaRPr lang="en-US" sz="1800" dirty="0">
+              <a:latin typeface="+mn-lt"/>
+            </a:endParaRPr>
+          </a:p>
+          <a:p>
+            <a:pPr algn="ctr"/>
+            <a:endParaRPr lang="en-US" sz="1800" dirty="0">
+              <a:latin typeface="+mn-lt"/>
+            </a:endParaRPr>
+          </a:p>
+        </p:txBody>
+      </p:sp>
       <p:pic>
         <p:nvPicPr>
-          <p:cNvPr id="30" name="Picture 29" descr="A picture containing text, screenshot, plot, software&#10;&#10;Description automatically generated">
-            <a:extLst>
-              <a:ext uri="{FF2B5EF4-FFF2-40B4-BE49-F238E27FC236}">
-                <a16:creationId xmlns:a16="http://schemas.microsoft.com/office/drawing/2014/main" id="{95833165-83AE-DA16-AB25-0FD5E9DF2C72}"/>
+          <p:cNvPr id="11" name="Graphic 10" descr="Theatre outline">
+            <a:extLst>
+              <a:ext uri="{FF2B5EF4-FFF2-40B4-BE49-F238E27FC236}">
+                <a16:creationId xmlns:a16="http://schemas.microsoft.com/office/drawing/2014/main" id="{E383AAD6-B13C-F9C6-9285-7D4240E58A34}"/>
               </a:ext>
             </a:extLst>
           </p:cNvPr>
@@ -12978,55 +15803,238 @@
           <p:nvPr/>
         </p:nvPicPr>
         <p:blipFill>
-          <a:blip r:embed="rId2"/>
+          <a:blip r:embed="rId2">
+            <a:extLst>
+              <a:ext uri="{96DAC541-7B7A-43D3-8B79-37D633B846F1}">
+                <asvg:svgBlip xmlns:asvg="http://schemas.microsoft.com/office/drawing/2016/SVG/main" r:embed="rId3"/>
+              </a:ext>
+            </a:extLst>
+          </a:blip>
           <a:stretch>
             <a:fillRect/>
           </a:stretch>
         </p:blipFill>
         <p:spPr>
           <a:xfrm>
-            <a:off x="147442" y="2199630"/>
-            <a:ext cx="4906472" cy="3081239"/>
+            <a:off x="4562661" y="5825012"/>
+            <a:ext cx="2617839" cy="2617839"/>
           </a:xfrm>
           <a:prstGeom prst="rect">
             <a:avLst/>
           </a:prstGeom>
         </p:spPr>
       </p:pic>
-      <p:pic>
-        <p:nvPicPr>
-          <p:cNvPr id="36" name="Picture 35" descr="A picture containing text, screenshot, diagram&#10;&#10;Description automatically generated">
-            <a:extLst>
-              <a:ext uri="{FF2B5EF4-FFF2-40B4-BE49-F238E27FC236}">
-                <a16:creationId xmlns:a16="http://schemas.microsoft.com/office/drawing/2014/main" id="{9F65623F-E2AF-E03E-4B07-3C963D4614DC}"/>
-              </a:ext>
-            </a:extLst>
-          </p:cNvPr>
-          <p:cNvPicPr>
-            <a:picLocks noChangeAspect="1"/>
-          </p:cNvPicPr>
+      <p:sp>
+        <p:nvSpPr>
+          <p:cNvPr id="12" name="Text Placeholder 1">
+            <a:extLst>
+              <a:ext uri="{FF2B5EF4-FFF2-40B4-BE49-F238E27FC236}">
+                <a16:creationId xmlns:a16="http://schemas.microsoft.com/office/drawing/2014/main" id="{4FE0F8DC-E27A-35C7-F481-1259BB4EBC58}"/>
+              </a:ext>
+            </a:extLst>
+          </p:cNvPr>
+          <p:cNvSpPr txBox="1">
+            <a:spLocks/>
+          </p:cNvSpPr>
           <p:nvPr/>
-        </p:nvPicPr>
-        <p:blipFill>
-          <a:blip r:embed="rId3"/>
-          <a:stretch>
-            <a:fillRect/>
-          </a:stretch>
-        </p:blipFill>
+        </p:nvSpPr>
         <p:spPr>
           <a:xfrm>
-            <a:off x="687631" y="5439253"/>
-            <a:ext cx="6382266" cy="3709668"/>
+            <a:off x="2532172" y="3790270"/>
+            <a:ext cx="5012225" cy="941137"/>
           </a:xfrm>
           <a:prstGeom prst="rect">
             <a:avLst/>
           </a:prstGeom>
         </p:spPr>
-      </p:pic>
+        <p:txBody>
+          <a:bodyPr lIns="0" rIns="0"/>
+          <a:lstStyle>
+            <a:lvl1pPr marL="0" indent="0" algn="l" defTabSz="777240" rtl="0" eaLnBrk="1" latinLnBrk="0" hangingPunct="1">
+              <a:lnSpc>
+                <a:spcPct val="110000"/>
+              </a:lnSpc>
+              <a:spcBef>
+                <a:spcPts val="850"/>
+              </a:spcBef>
+              <a:buFont typeface="Arial" panose="020B0604020202020204" pitchFamily="34" charset="0"/>
+              <a:buNone/>
+              <a:defRPr sz="1400" b="1" kern="1200">
+                <a:solidFill>
+                  <a:schemeClr val="bg1"/>
+                </a:solidFill>
+                <a:latin typeface="Century Gothic" panose="020B0502020202020204" pitchFamily="34" charset="0"/>
+                <a:ea typeface="+mn-ea"/>
+                <a:cs typeface="+mn-cs"/>
+              </a:defRPr>
+            </a:lvl1pPr>
+            <a:lvl2pPr marL="388620" indent="0" algn="l" defTabSz="777240" rtl="0" eaLnBrk="1" latinLnBrk="0" hangingPunct="1">
+              <a:lnSpc>
+                <a:spcPct val="90000"/>
+              </a:lnSpc>
+              <a:spcBef>
+                <a:spcPts val="425"/>
+              </a:spcBef>
+              <a:buFont typeface="Arial" panose="020B0604020202020204" pitchFamily="34" charset="0"/>
+              <a:buNone/>
+              <a:defRPr sz="1400" kern="1200">
+                <a:solidFill>
+                  <a:schemeClr val="bg1"/>
+                </a:solidFill>
+                <a:latin typeface="+mn-lt"/>
+                <a:ea typeface="+mn-ea"/>
+                <a:cs typeface="+mn-cs"/>
+              </a:defRPr>
+            </a:lvl2pPr>
+            <a:lvl3pPr marL="777240" indent="0" algn="l" defTabSz="777240" rtl="0" eaLnBrk="1" latinLnBrk="0" hangingPunct="1">
+              <a:lnSpc>
+                <a:spcPct val="90000"/>
+              </a:lnSpc>
+              <a:spcBef>
+                <a:spcPts val="425"/>
+              </a:spcBef>
+              <a:buFont typeface="Arial" panose="020B0604020202020204" pitchFamily="34" charset="0"/>
+              <a:buNone/>
+              <a:defRPr sz="1400" kern="1200">
+                <a:solidFill>
+                  <a:schemeClr val="bg1"/>
+                </a:solidFill>
+                <a:latin typeface="+mn-lt"/>
+                <a:ea typeface="+mn-ea"/>
+                <a:cs typeface="+mn-cs"/>
+              </a:defRPr>
+            </a:lvl3pPr>
+            <a:lvl4pPr marL="1165860" indent="0" algn="l" defTabSz="777240" rtl="0" eaLnBrk="1" latinLnBrk="0" hangingPunct="1">
+              <a:lnSpc>
+                <a:spcPct val="90000"/>
+              </a:lnSpc>
+              <a:spcBef>
+                <a:spcPts val="425"/>
+              </a:spcBef>
+              <a:buFont typeface="Arial" panose="020B0604020202020204" pitchFamily="34" charset="0"/>
+              <a:buNone/>
+              <a:defRPr sz="1400" kern="1200">
+                <a:solidFill>
+                  <a:schemeClr val="bg1"/>
+                </a:solidFill>
+                <a:latin typeface="+mn-lt"/>
+                <a:ea typeface="+mn-ea"/>
+                <a:cs typeface="+mn-cs"/>
+              </a:defRPr>
+            </a:lvl4pPr>
+            <a:lvl5pPr marL="1554480" indent="0" algn="l" defTabSz="777240" rtl="0" eaLnBrk="1" latinLnBrk="0" hangingPunct="1">
+              <a:lnSpc>
+                <a:spcPct val="90000"/>
+              </a:lnSpc>
+              <a:spcBef>
+                <a:spcPts val="425"/>
+              </a:spcBef>
+              <a:buFont typeface="Arial" panose="020B0604020202020204" pitchFamily="34" charset="0"/>
+              <a:buNone/>
+              <a:defRPr sz="1400" kern="1200">
+                <a:solidFill>
+                  <a:schemeClr val="bg1"/>
+                </a:solidFill>
+                <a:latin typeface="+mn-lt"/>
+                <a:ea typeface="+mn-ea"/>
+                <a:cs typeface="+mn-cs"/>
+              </a:defRPr>
+            </a:lvl5pPr>
+            <a:lvl6pPr marL="2137410" indent="-194310" algn="l" defTabSz="777240" rtl="0" eaLnBrk="1" latinLnBrk="0" hangingPunct="1">
+              <a:lnSpc>
+                <a:spcPct val="90000"/>
+              </a:lnSpc>
+              <a:spcBef>
+                <a:spcPts val="425"/>
+              </a:spcBef>
+              <a:buFont typeface="Arial" panose="020B0604020202020204" pitchFamily="34" charset="0"/>
+              <a:buChar char="•"/>
+              <a:defRPr sz="1530" kern="1200">
+                <a:solidFill>
+                  <a:schemeClr val="tx1"/>
+                </a:solidFill>
+                <a:latin typeface="+mn-lt"/>
+                <a:ea typeface="+mn-ea"/>
+                <a:cs typeface="+mn-cs"/>
+              </a:defRPr>
+            </a:lvl6pPr>
+            <a:lvl7pPr marL="2526030" indent="-194310" algn="l" defTabSz="777240" rtl="0" eaLnBrk="1" latinLnBrk="0" hangingPunct="1">
+              <a:lnSpc>
+                <a:spcPct val="90000"/>
+              </a:lnSpc>
+              <a:spcBef>
+                <a:spcPts val="425"/>
+              </a:spcBef>
+              <a:buFont typeface="Arial" panose="020B0604020202020204" pitchFamily="34" charset="0"/>
+              <a:buChar char="•"/>
+              <a:defRPr sz="1530" kern="1200">
+                <a:solidFill>
+                  <a:schemeClr val="tx1"/>
+                </a:solidFill>
+                <a:latin typeface="+mn-lt"/>
+                <a:ea typeface="+mn-ea"/>
+                <a:cs typeface="+mn-cs"/>
+              </a:defRPr>
+            </a:lvl7pPr>
+            <a:lvl8pPr marL="2914650" indent="-194310" algn="l" defTabSz="777240" rtl="0" eaLnBrk="1" latinLnBrk="0" hangingPunct="1">
+              <a:lnSpc>
+                <a:spcPct val="90000"/>
+              </a:lnSpc>
+              <a:spcBef>
+                <a:spcPts val="425"/>
+              </a:spcBef>
+              <a:buFont typeface="Arial" panose="020B0604020202020204" pitchFamily="34" charset="0"/>
+              <a:buChar char="•"/>
+              <a:defRPr sz="1530" kern="1200">
+                <a:solidFill>
+                  <a:schemeClr val="tx1"/>
+                </a:solidFill>
+                <a:latin typeface="+mn-lt"/>
+                <a:ea typeface="+mn-ea"/>
+                <a:cs typeface="+mn-cs"/>
+              </a:defRPr>
+            </a:lvl8pPr>
+            <a:lvl9pPr marL="3303270" indent="-194310" algn="l" defTabSz="777240" rtl="0" eaLnBrk="1" latinLnBrk="0" hangingPunct="1">
+              <a:lnSpc>
+                <a:spcPct val="90000"/>
+              </a:lnSpc>
+              <a:spcBef>
+                <a:spcPts val="425"/>
+              </a:spcBef>
+              <a:buFont typeface="Arial" panose="020B0604020202020204" pitchFamily="34" charset="0"/>
+              <a:buChar char="•"/>
+              <a:defRPr sz="1530" kern="1200">
+                <a:solidFill>
+                  <a:schemeClr val="tx1"/>
+                </a:solidFill>
+                <a:latin typeface="+mn-lt"/>
+                <a:ea typeface="+mn-ea"/>
+                <a:cs typeface="+mn-cs"/>
+              </a:defRPr>
+            </a:lvl9pPr>
+          </a:lstStyle>
+          <a:p>
+            <a:r>
+              <a:rPr lang="en-US" sz="2000" dirty="0">
+                <a:latin typeface="+mn-lt"/>
+              </a:rPr>
+              <a:t>Can a movie studio determine how much they expect to gross based on the budget?</a:t>
+            </a:r>
+          </a:p>
+          <a:p>
+            <a:endParaRPr lang="en-US" sz="2800" dirty="0">
+              <a:solidFill>
+                <a:schemeClr val="accent6"/>
+              </a:solidFill>
+              <a:latin typeface="+mn-lt"/>
+            </a:endParaRPr>
+          </a:p>
+        </p:txBody>
+      </p:sp>
     </p:spTree>
     <p:extLst>
       <p:ext uri="{BB962C8B-B14F-4D97-AF65-F5344CB8AC3E}">
-        <p14:creationId xmlns:p14="http://schemas.microsoft.com/office/powerpoint/2010/main" val="1629572527"/>
+        <p14:creationId xmlns:p14="http://schemas.microsoft.com/office/powerpoint/2010/main" val="3385789677"/>
       </p:ext>
     </p:extLst>
   </p:cSld>
@@ -13058,7 +16066,7 @@
           <p:cNvPr id="2" name="Text Placeholder 1">
             <a:extLst>
               <a:ext uri="{FF2B5EF4-FFF2-40B4-BE49-F238E27FC236}">
-                <a16:creationId xmlns:a16="http://schemas.microsoft.com/office/drawing/2014/main" id="{5E80B8A2-89A7-4B47-B1B6-6AE513CBD0BD}"/>
+                <a16:creationId xmlns:a16="http://schemas.microsoft.com/office/drawing/2014/main" id="{245014B5-DC63-2F42-B6DB-63B7759157E9}"/>
               </a:ext>
             </a:extLst>
           </p:cNvPr>
@@ -13069,19 +16077,19 @@
             <p:ph type="body" sz="quarter" idx="10"/>
           </p:nvPr>
         </p:nvSpPr>
-        <p:spPr>
-          <a:xfrm>
-            <a:off x="585386" y="2232788"/>
-            <a:ext cx="5012225" cy="596909"/>
-          </a:xfrm>
-        </p:spPr>
+        <p:spPr/>
         <p:txBody>
           <a:bodyPr/>
           <a:lstStyle/>
           <a:p>
             <a:r>
-              <a:rPr lang="en-US" dirty="0"/>
-              <a:t>Does the amount of movie spent on making a movie influence box office sales?</a:t>
+              <a:rPr lang="en-US" sz="1800" dirty="0">
+                <a:solidFill>
+                  <a:schemeClr val="bg1"/>
+                </a:solidFill>
+                <a:latin typeface="+mn-lt"/>
+              </a:rPr>
+              <a:t> Which genres have the greatest return on investment ?</a:t>
             </a:r>
           </a:p>
         </p:txBody>
@@ -13091,7 +16099,7 @@
           <p:cNvPr id="3" name="Text Placeholder 2">
             <a:extLst>
               <a:ext uri="{FF2B5EF4-FFF2-40B4-BE49-F238E27FC236}">
-                <a16:creationId xmlns:a16="http://schemas.microsoft.com/office/drawing/2014/main" id="{CA92EE40-0AE5-5144-8ABC-CA64A1E04E33}"/>
+                <a16:creationId xmlns:a16="http://schemas.microsoft.com/office/drawing/2014/main" id="{ABA34425-AE37-4844-B5BF-2D28152D0F11}"/>
               </a:ext>
             </a:extLst>
           </p:cNvPr>
@@ -13104,32 +16112,32 @@
         </p:nvSpPr>
         <p:spPr>
           <a:xfrm>
-            <a:off x="4651375" y="3020045"/>
-            <a:ext cx="2616200" cy="1296988"/>
+            <a:off x="4570813" y="2272582"/>
+            <a:ext cx="2616200" cy="1736725"/>
           </a:xfrm>
         </p:spPr>
         <p:txBody>
           <a:bodyPr/>
           <a:lstStyle/>
           <a:p>
-            <a:pPr algn="r"/>
-            <a:r>
-              <a:rPr lang="en-US" dirty="0"/>
-              <a:t>Looking at how a movies budget (millions) affects Worldwide or Domestic Gross </a:t>
-            </a:r>
-          </a:p>
-          <a:p>
-            <a:pPr algn="r"/>
-            <a:endParaRPr lang="en-US" dirty="0"/>
-          </a:p>
-        </p:txBody>
-      </p:sp>
-      <p:sp>
-        <p:nvSpPr>
-          <p:cNvPr id="5" name="Text Placeholder 4">
-            <a:extLst>
-              <a:ext uri="{FF2B5EF4-FFF2-40B4-BE49-F238E27FC236}">
-                <a16:creationId xmlns:a16="http://schemas.microsoft.com/office/drawing/2014/main" id="{2D3E033B-7726-4E4E-B48E-79728B115E33}"/>
+            <a:r>
+              <a:rPr lang="en-US" sz="2400" dirty="0">
+                <a:latin typeface="+mn-lt"/>
+              </a:rPr>
+              <a:t>Can data determine what the most profitable genre is for movie studios?</a:t>
+            </a:r>
+          </a:p>
+          <a:p>
+            <a:endParaRPr lang="en-US" sz="1600" dirty="0"/>
+          </a:p>
+        </p:txBody>
+      </p:sp>
+      <p:sp>
+        <p:nvSpPr>
+          <p:cNvPr id="4" name="Text Placeholder 3">
+            <a:extLst>
+              <a:ext uri="{FF2B5EF4-FFF2-40B4-BE49-F238E27FC236}">
+                <a16:creationId xmlns:a16="http://schemas.microsoft.com/office/drawing/2014/main" id="{E1D7A8E9-DE82-0942-BCA5-0F21820D846E}"/>
               </a:ext>
             </a:extLst>
           </p:cNvPr>
@@ -13137,54 +16145,19 @@
             <a:spLocks noGrp="1"/>
           </p:cNvSpPr>
           <p:nvPr>
-            <p:ph type="body" sz="quarter" idx="13"/>
+            <p:ph type="body" sz="quarter" idx="12"/>
           </p:nvPr>
         </p:nvSpPr>
-        <p:spPr>
-          <a:xfrm>
-            <a:off x="4069991" y="2623488"/>
-            <a:ext cx="3591198" cy="396557"/>
-          </a:xfrm>
-        </p:spPr>
+        <p:spPr/>
         <p:txBody>
           <a:bodyPr/>
           <a:lstStyle/>
           <a:p>
             <a:r>
-              <a:rPr lang="en-US" dirty="0">
-                <a:solidFill>
-                  <a:schemeClr val="accent6"/>
-                </a:solidFill>
+              <a:rPr lang="en-US" sz="2800" dirty="0">
+                <a:latin typeface="+mn-lt"/>
               </a:rPr>
-              <a:t>Linear Regression</a:t>
-            </a:r>
-          </a:p>
-        </p:txBody>
-      </p:sp>
-      <p:sp>
-        <p:nvSpPr>
-          <p:cNvPr id="6" name="Text Placeholder 5">
-            <a:extLst>
-              <a:ext uri="{FF2B5EF4-FFF2-40B4-BE49-F238E27FC236}">
-                <a16:creationId xmlns:a16="http://schemas.microsoft.com/office/drawing/2014/main" id="{FC50AA9E-8736-7046-B34C-EE91E892ABE6}"/>
-              </a:ext>
-            </a:extLst>
-          </p:cNvPr>
-          <p:cNvSpPr>
-            <a:spLocks noGrp="1"/>
-          </p:cNvSpPr>
-          <p:nvPr>
-            <p:ph type="body" sz="quarter" idx="15"/>
-          </p:nvPr>
-        </p:nvSpPr>
-        <p:spPr/>
-        <p:txBody>
-          <a:bodyPr/>
-          <a:lstStyle/>
-          <a:p>
-            <a:r>
-              <a:rPr lang="en-US" dirty="0"/>
-              <a:t>Greensboro College</a:t>
+              <a:t>Movie ROI</a:t>
             </a:r>
           </a:p>
         </p:txBody>
@@ -13194,7 +16167,7 @@
           <p:cNvPr id="7" name="Text Placeholder 6">
             <a:extLst>
               <a:ext uri="{FF2B5EF4-FFF2-40B4-BE49-F238E27FC236}">
-                <a16:creationId xmlns:a16="http://schemas.microsoft.com/office/drawing/2014/main" id="{53DB799C-D020-A24F-84A8-14D813FD91BB}"/>
+                <a16:creationId xmlns:a16="http://schemas.microsoft.com/office/drawing/2014/main" id="{2117CA98-FF13-0146-9AEF-CE4134AC9D5E}"/>
               </a:ext>
             </a:extLst>
           </p:cNvPr>
@@ -13224,68 +16197,42 @@
       </p:sp>
       <p:sp>
         <p:nvSpPr>
-          <p:cNvPr id="9" name="Title 7">
-            <a:extLst>
-              <a:ext uri="{FF2B5EF4-FFF2-40B4-BE49-F238E27FC236}">
-                <a16:creationId xmlns:a16="http://schemas.microsoft.com/office/drawing/2014/main" id="{A0A94243-749F-A734-84CE-9C917825D8E9}"/>
-              </a:ext>
-            </a:extLst>
-          </p:cNvPr>
-          <p:cNvSpPr txBox="1">
-            <a:spLocks/>
+          <p:cNvPr id="8" name="Title 7">
+            <a:extLst>
+              <a:ext uri="{FF2B5EF4-FFF2-40B4-BE49-F238E27FC236}">
+                <a16:creationId xmlns:a16="http://schemas.microsoft.com/office/drawing/2014/main" id="{F05D883A-41DA-F04D-A545-C4AFF0D866BF}"/>
+              </a:ext>
+            </a:extLst>
+          </p:cNvPr>
+          <p:cNvSpPr>
+            <a:spLocks noGrp="1"/>
           </p:cNvSpPr>
-          <p:nvPr/>
-        </p:nvSpPr>
-        <p:spPr>
-          <a:xfrm>
-            <a:off x="585386" y="900019"/>
-            <a:ext cx="6499382" cy="941137"/>
-          </a:xfrm>
-          <a:prstGeom prst="rect">
-            <a:avLst/>
-          </a:prstGeom>
-        </p:spPr>
-        <p:txBody>
-          <a:bodyPr lIns="0" rIns="0" anchor="ctr"/>
-          <a:lstStyle>
-            <a:lvl1pPr algn="l" defTabSz="777240" rtl="0" eaLnBrk="1" latinLnBrk="0" hangingPunct="1">
-              <a:lnSpc>
-                <a:spcPct val="90000"/>
-              </a:lnSpc>
-              <a:spcBef>
-                <a:spcPct val="0"/>
-              </a:spcBef>
-              <a:buNone/>
-              <a:defRPr lang="en-US" sz="8800" b="1" kern="1200" cap="all" spc="-300" baseline="0">
-                <a:solidFill>
-                  <a:schemeClr val="accent4"/>
-                </a:solidFill>
-                <a:latin typeface="+mj-lt"/>
-                <a:ea typeface="+mn-ea"/>
-                <a:cs typeface="+mn-cs"/>
-              </a:defRPr>
-            </a:lvl1pPr>
-          </a:lstStyle>
-          <a:p>
-            <a:pPr algn="ctr"/>
-            <a:r>
-              <a:rPr lang="en-US" sz="4800" dirty="0">
+          <p:nvPr>
+            <p:ph type="title"/>
+          </p:nvPr>
+        </p:nvSpPr>
+        <p:spPr/>
+        <p:txBody>
+          <a:bodyPr/>
+          <a:lstStyle/>
+          <a:p>
+            <a:r>
+              <a:rPr lang="en-US" dirty="0">
                 <a:solidFill>
                   <a:srgbClr val="FF0000"/>
                 </a:solidFill>
               </a:rPr>
-              <a:t>Does big budget equal success?</a:t>
-            </a:r>
-            <a:endParaRPr lang="en-US" sz="2800" dirty="0"/>
+              <a:t>Profitability</a:t>
+            </a:r>
           </a:p>
         </p:txBody>
       </p:sp>
       <p:pic>
         <p:nvPicPr>
-          <p:cNvPr id="11" name="Picture 10" descr="A picture containing text, screenshot, diagram, line&#10;&#10;Description automatically generated">
-            <a:extLst>
-              <a:ext uri="{FF2B5EF4-FFF2-40B4-BE49-F238E27FC236}">
-                <a16:creationId xmlns:a16="http://schemas.microsoft.com/office/drawing/2014/main" id="{C46C6C1C-B258-C98E-DBFB-988299FCDD11}"/>
+          <p:cNvPr id="9" name="Picture 8" descr="A person holding a dollar bill&#10;&#10;Description automatically generated with medium confidence">
+            <a:extLst>
+              <a:ext uri="{FF2B5EF4-FFF2-40B4-BE49-F238E27FC236}">
+                <a16:creationId xmlns:a16="http://schemas.microsoft.com/office/drawing/2014/main" id="{F257678A-1FFC-708A-AC33-17C9916DDE0D}"/>
               </a:ext>
             </a:extLst>
           </p:cNvPr>
@@ -13302,8 +16249,8 @@
         </p:blipFill>
         <p:spPr>
           <a:xfrm>
-            <a:off x="206442" y="4317033"/>
-            <a:ext cx="7359516" cy="4425318"/>
+            <a:off x="1401096" y="5029200"/>
+            <a:ext cx="4763729" cy="2870147"/>
           </a:xfrm>
           <a:prstGeom prst="rect">
             <a:avLst/>
@@ -13313,7 +16260,7 @@
     </p:spTree>
     <p:extLst>
       <p:ext uri="{BB962C8B-B14F-4D97-AF65-F5344CB8AC3E}">
-        <p14:creationId xmlns:p14="http://schemas.microsoft.com/office/powerpoint/2010/main" val="1154545916"/>
+        <p14:creationId xmlns:p14="http://schemas.microsoft.com/office/powerpoint/2010/main" val="2962482869"/>
       </p:ext>
     </p:extLst>
   </p:cSld>
@@ -13342,10 +16289,10 @@
       </p:grpSpPr>
       <p:sp>
         <p:nvSpPr>
-          <p:cNvPr id="3" name="Text Placeholder 2">
-            <a:extLst>
-              <a:ext uri="{FF2B5EF4-FFF2-40B4-BE49-F238E27FC236}">
-                <a16:creationId xmlns:a16="http://schemas.microsoft.com/office/drawing/2014/main" id="{CA92EE40-0AE5-5144-8ABC-CA64A1E04E33}"/>
+          <p:cNvPr id="2" name="Text Placeholder 1">
+            <a:extLst>
+              <a:ext uri="{FF2B5EF4-FFF2-40B4-BE49-F238E27FC236}">
+                <a16:creationId xmlns:a16="http://schemas.microsoft.com/office/drawing/2014/main" id="{5E80B8A2-89A7-4B47-B1B6-6AE513CBD0BD}"/>
               </a:ext>
             </a:extLst>
           </p:cNvPr>
@@ -13353,40 +16300,41 @@
             <a:spLocks noGrp="1"/>
           </p:cNvSpPr>
           <p:nvPr>
-            <p:ph type="body" sz="quarter" idx="11"/>
+            <p:ph type="body" sz="quarter" idx="10"/>
           </p:nvPr>
         </p:nvSpPr>
         <p:spPr>
           <a:xfrm>
-            <a:off x="687631" y="2573999"/>
-            <a:ext cx="5898520" cy="1296988"/>
+            <a:off x="1328964" y="2267010"/>
+            <a:ext cx="5012225" cy="596909"/>
           </a:xfrm>
         </p:spPr>
         <p:txBody>
           <a:bodyPr/>
           <a:lstStyle/>
           <a:p>
-            <a:pPr marL="285750" indent="-285750">
-              <a:buFont typeface="Wingdings" panose="05000000000000000000" pitchFamily="2" charset="2"/>
-              <a:buChar char="v"/>
-            </a:pPr>
-            <a:r>
-              <a:rPr lang="en-US" dirty="0"/>
-              <a:t>A movie's Budget has a significant effect on how much a movie grosses Worldwide.</a:t>
-            </a:r>
-          </a:p>
-          <a:p>
-            <a:pPr marL="285750" indent="-285750">
-              <a:buFont typeface="Wingdings" panose="05000000000000000000" pitchFamily="2" charset="2"/>
-              <a:buChar char="v"/>
-            </a:pPr>
-            <a:r>
-              <a:rPr lang="en-US" dirty="0"/>
-              <a:t>A movies budget size has less of an effect on Gross in the US than worldwide!</a:t>
-            </a:r>
-          </a:p>
-          <a:p>
-            <a:endParaRPr lang="en-US" dirty="0"/>
+            <a:pPr algn="ctr"/>
+            <a:r>
+              <a:rPr lang="en-US" sz="1800" dirty="0">
+                <a:latin typeface="+mn-lt"/>
+              </a:rPr>
+              <a:t>Over time the avg. Budget has steadily increased.</a:t>
+            </a:r>
+          </a:p>
+          <a:p>
+            <a:pPr algn="ctr"/>
+            <a:r>
+              <a:rPr lang="en-US" sz="1800" dirty="0">
+                <a:latin typeface="+mn-lt"/>
+              </a:rPr>
+              <a:t>While Worldwide Gross has been mostly consistent with a slow increase.</a:t>
+            </a:r>
+          </a:p>
+          <a:p>
+            <a:pPr algn="ctr"/>
+            <a:endParaRPr lang="en-US" sz="1800" dirty="0">
+              <a:latin typeface="+mn-lt"/>
+            </a:endParaRPr>
           </a:p>
         </p:txBody>
       </p:sp>
@@ -13408,7 +16356,7 @@
         </p:nvSpPr>
         <p:spPr>
           <a:xfrm>
-            <a:off x="687631" y="2104276"/>
+            <a:off x="2090601" y="9353817"/>
             <a:ext cx="3591198" cy="396557"/>
           </a:xfrm>
         </p:spPr>
@@ -13416,41 +16364,15 @@
           <a:bodyPr/>
           <a:lstStyle/>
           <a:p>
+            <a:pPr algn="ctr"/>
             <a:r>
               <a:rPr lang="en-US" dirty="0">
                 <a:solidFill>
                   <a:schemeClr val="accent6"/>
                 </a:solidFill>
+                <a:latin typeface="+mn-lt"/>
               </a:rPr>
               <a:t>Linear Regression</a:t>
-            </a:r>
-          </a:p>
-        </p:txBody>
-      </p:sp>
-      <p:sp>
-        <p:nvSpPr>
-          <p:cNvPr id="6" name="Text Placeholder 5">
-            <a:extLst>
-              <a:ext uri="{FF2B5EF4-FFF2-40B4-BE49-F238E27FC236}">
-                <a16:creationId xmlns:a16="http://schemas.microsoft.com/office/drawing/2014/main" id="{FC50AA9E-8736-7046-B34C-EE91E892ABE6}"/>
-              </a:ext>
-            </a:extLst>
-          </p:cNvPr>
-          <p:cNvSpPr>
-            <a:spLocks noGrp="1"/>
-          </p:cNvSpPr>
-          <p:nvPr>
-            <p:ph type="body" sz="quarter" idx="15"/>
-          </p:nvPr>
-        </p:nvSpPr>
-        <p:spPr/>
-        <p:txBody>
-          <a:bodyPr/>
-          <a:lstStyle/>
-          <a:p>
-            <a:r>
-              <a:rPr lang="en-US" dirty="0"/>
-              <a:t>Greensboro College</a:t>
             </a:r>
           </a:p>
         </p:txBody>
@@ -13548,10 +16470,10 @@
       </p:sp>
       <p:pic>
         <p:nvPicPr>
-          <p:cNvPr id="8" name="Picture 7" descr="A picture containing text, screenshot, diagram, line&#10;&#10;Description automatically generated">
-            <a:extLst>
-              <a:ext uri="{FF2B5EF4-FFF2-40B4-BE49-F238E27FC236}">
-                <a16:creationId xmlns:a16="http://schemas.microsoft.com/office/drawing/2014/main" id="{F1A5D430-9FF2-C387-0F1E-85C7114315B3}"/>
+          <p:cNvPr id="4" name="Picture 3">
+            <a:extLst>
+              <a:ext uri="{FF2B5EF4-FFF2-40B4-BE49-F238E27FC236}">
+                <a16:creationId xmlns:a16="http://schemas.microsoft.com/office/drawing/2014/main" id="{CB8107FA-EAF9-C97C-7C0F-A17EECE325B8}"/>
               </a:ext>
             </a:extLst>
           </p:cNvPr>
@@ -13568,59 +16490,18 @@
         </p:blipFill>
         <p:spPr>
           <a:xfrm>
-            <a:off x="585386" y="3767542"/>
-            <a:ext cx="6734432" cy="4063022"/>
+            <a:off x="585386" y="3801001"/>
+            <a:ext cx="6701108" cy="4615734"/>
           </a:xfrm>
           <a:prstGeom prst="rect">
             <a:avLst/>
           </a:prstGeom>
         </p:spPr>
       </p:pic>
-      <p:sp>
-        <p:nvSpPr>
-          <p:cNvPr id="13" name="TextBox 12">
-            <a:extLst>
-              <a:ext uri="{FF2B5EF4-FFF2-40B4-BE49-F238E27FC236}">
-                <a16:creationId xmlns:a16="http://schemas.microsoft.com/office/drawing/2014/main" id="{20D70E39-372A-08CA-32BF-CD1EC09D7578}"/>
-              </a:ext>
-            </a:extLst>
-          </p:cNvPr>
-          <p:cNvSpPr txBox="1"/>
-          <p:nvPr/>
-        </p:nvSpPr>
-        <p:spPr>
-          <a:xfrm>
-            <a:off x="585387" y="8038497"/>
-            <a:ext cx="6734431" cy="941137"/>
-          </a:xfrm>
-          <a:prstGeom prst="rect">
-            <a:avLst/>
-          </a:prstGeom>
-          <a:noFill/>
-        </p:spPr>
-        <p:txBody>
-          <a:bodyPr wrap="square">
-            <a:spAutoFit/>
-          </a:bodyPr>
-          <a:lstStyle/>
-          <a:p>
-            <a:pPr algn="l"/>
-            <a:r>
-              <a:rPr lang="en-US" b="1" i="0" dirty="0">
-                <a:solidFill>
-                  <a:schemeClr val="bg1"/>
-                </a:solidFill>
-                <a:effectLst/>
-              </a:rPr>
-              <a:t>Do Americans prefer smaller budget, indie type movies or do only the big budget movies get promotion/advertising worldwide?</a:t>
-            </a:r>
-          </a:p>
-        </p:txBody>
-      </p:sp>
     </p:spTree>
     <p:extLst>
       <p:ext uri="{BB962C8B-B14F-4D97-AF65-F5344CB8AC3E}">
-        <p14:creationId xmlns:p14="http://schemas.microsoft.com/office/powerpoint/2010/main" val="147668194"/>
+        <p14:creationId xmlns:p14="http://schemas.microsoft.com/office/powerpoint/2010/main" val="3347229108"/>
       </p:ext>
     </p:extLst>
   </p:cSld>
@@ -13652,7 +16533,7 @@
           <p:cNvPr id="2" name="Text Placeholder 1">
             <a:extLst>
               <a:ext uri="{FF2B5EF4-FFF2-40B4-BE49-F238E27FC236}">
-                <a16:creationId xmlns:a16="http://schemas.microsoft.com/office/drawing/2014/main" id="{245014B5-DC63-2F42-B6DB-63B7759157E9}"/>
+                <a16:creationId xmlns:a16="http://schemas.microsoft.com/office/drawing/2014/main" id="{5E80B8A2-89A7-4B47-B1B6-6AE513CBD0BD}"/>
               </a:ext>
             </a:extLst>
           </p:cNvPr>
@@ -13663,133 +16544,34 @@
             <p:ph type="body" sz="quarter" idx="10"/>
           </p:nvPr>
         </p:nvSpPr>
-        <p:spPr/>
+        <p:spPr>
+          <a:xfrm>
+            <a:off x="1338096" y="2399605"/>
+            <a:ext cx="4993962" cy="627801"/>
+          </a:xfrm>
+        </p:spPr>
         <p:txBody>
           <a:bodyPr/>
           <a:lstStyle/>
           <a:p>
-            <a:r>
-              <a:rPr lang="en-US" dirty="0"/>
-              <a:t>Lorem ipsum dolor sit amet, consectetur adipiscing elit, sed do eiusmod Lorem ipsum dolor sit amet, consectetur adipiscing elit.</a:t>
-            </a:r>
-          </a:p>
-          <a:p>
-            <a:endParaRPr lang="en-US" dirty="0"/>
-          </a:p>
-        </p:txBody>
-      </p:sp>
-      <p:sp>
-        <p:nvSpPr>
-          <p:cNvPr id="3" name="Text Placeholder 2">
-            <a:extLst>
-              <a:ext uri="{FF2B5EF4-FFF2-40B4-BE49-F238E27FC236}">
-                <a16:creationId xmlns:a16="http://schemas.microsoft.com/office/drawing/2014/main" id="{ABA34425-AE37-4844-B5BF-2D28152D0F11}"/>
-              </a:ext>
-            </a:extLst>
-          </p:cNvPr>
-          <p:cNvSpPr>
-            <a:spLocks noGrp="1"/>
-          </p:cNvSpPr>
-          <p:nvPr>
-            <p:ph type="body" sz="quarter" idx="11"/>
-          </p:nvPr>
-        </p:nvSpPr>
-        <p:spPr/>
-        <p:txBody>
-          <a:bodyPr/>
-          <a:lstStyle/>
-          <a:p>
-            <a:r>
-              <a:rPr lang="en-US" dirty="0"/>
-              <a:t>Lorem ipsum dolor sit amet, consectetur adipiscing elit, sed do eiusmod Lorem ipsum dolor sit amet, consectetur adipiscing elit.</a:t>
-            </a:r>
-          </a:p>
-          <a:p>
-            <a:endParaRPr lang="en-US" dirty="0"/>
-          </a:p>
-        </p:txBody>
-      </p:sp>
-      <p:sp>
-        <p:nvSpPr>
-          <p:cNvPr id="4" name="Text Placeholder 3">
-            <a:extLst>
-              <a:ext uri="{FF2B5EF4-FFF2-40B4-BE49-F238E27FC236}">
-                <a16:creationId xmlns:a16="http://schemas.microsoft.com/office/drawing/2014/main" id="{E1D7A8E9-DE82-0942-BCA5-0F21820D846E}"/>
-              </a:ext>
-            </a:extLst>
-          </p:cNvPr>
-          <p:cNvSpPr>
-            <a:spLocks noGrp="1"/>
-          </p:cNvSpPr>
-          <p:nvPr>
-            <p:ph type="body" sz="quarter" idx="12"/>
-          </p:nvPr>
-        </p:nvSpPr>
-        <p:spPr/>
-        <p:txBody>
-          <a:bodyPr/>
-          <a:lstStyle/>
-          <a:p>
-            <a:r>
-              <a:rPr lang="en-US" dirty="0"/>
-              <a:t>FEATURE</a:t>
-            </a:r>
-          </a:p>
-        </p:txBody>
-      </p:sp>
-      <p:sp>
-        <p:nvSpPr>
-          <p:cNvPr id="5" name="Text Placeholder 4">
-            <a:extLst>
-              <a:ext uri="{FF2B5EF4-FFF2-40B4-BE49-F238E27FC236}">
-                <a16:creationId xmlns:a16="http://schemas.microsoft.com/office/drawing/2014/main" id="{37A25D6E-FE64-C346-A250-B0F62A92BF52}"/>
-              </a:ext>
-            </a:extLst>
-          </p:cNvPr>
-          <p:cNvSpPr>
-            <a:spLocks noGrp="1"/>
-          </p:cNvSpPr>
-          <p:nvPr>
-            <p:ph type="body" sz="quarter" idx="13"/>
-          </p:nvPr>
-        </p:nvSpPr>
-        <p:spPr/>
-        <p:txBody>
-          <a:bodyPr/>
-          <a:lstStyle/>
-          <a:p>
-            <a:r>
-              <a:rPr lang="en-US" dirty="0"/>
-              <a:t>FEATURE</a:t>
-            </a:r>
-          </a:p>
-        </p:txBody>
-      </p:sp>
-      <p:sp>
-        <p:nvSpPr>
-          <p:cNvPr id="6" name="Text Placeholder 5">
-            <a:extLst>
-              <a:ext uri="{FF2B5EF4-FFF2-40B4-BE49-F238E27FC236}">
-                <a16:creationId xmlns:a16="http://schemas.microsoft.com/office/drawing/2014/main" id="{71A66EB3-9FC7-F94C-BDC9-0598A3553733}"/>
-              </a:ext>
-            </a:extLst>
-          </p:cNvPr>
-          <p:cNvSpPr>
-            <a:spLocks noGrp="1"/>
-          </p:cNvSpPr>
-          <p:nvPr>
-            <p:ph type="body" sz="quarter" idx="15"/>
-          </p:nvPr>
-        </p:nvSpPr>
-        <p:spPr/>
-        <p:txBody>
-          <a:bodyPr/>
-          <a:lstStyle/>
-          <a:p>
-            <a:r>
-              <a:rPr lang="en-US" dirty="0"/>
-              <a:t>MOVIES</a:t>
-            </a:r>
+            <a:pPr marL="285750" indent="-285750">
+              <a:buFont typeface="Wingdings" panose="05000000000000000000" pitchFamily="2" charset="2"/>
+              <a:buChar char="v"/>
+            </a:pPr>
+            <a:endParaRPr lang="en-US" sz="1600" dirty="0">
+              <a:latin typeface="+mn-lt"/>
+            </a:endParaRPr>
+          </a:p>
+          <a:p>
+            <a:r>
+              <a:rPr lang="en-US" sz="1600" dirty="0">
+                <a:latin typeface="+mn-lt"/>
+              </a:rPr>
+              <a:t> </a:t>
+            </a:r>
+          </a:p>
+          <a:p>
+            <a:endParaRPr lang="en-US" sz="1800" dirty="0"/>
           </a:p>
         </p:txBody>
       </p:sp>
@@ -13798,7 +16580,7 @@
           <p:cNvPr id="7" name="Text Placeholder 6">
             <a:extLst>
               <a:ext uri="{FF2B5EF4-FFF2-40B4-BE49-F238E27FC236}">
-                <a16:creationId xmlns:a16="http://schemas.microsoft.com/office/drawing/2014/main" id="{2117CA98-FF13-0146-9AEF-CE4134AC9D5E}"/>
+                <a16:creationId xmlns:a16="http://schemas.microsoft.com/office/drawing/2014/main" id="{53DB799C-D020-A24F-84A8-14D813FD91BB}"/>
               </a:ext>
             </a:extLst>
           </p:cNvPr>
@@ -13809,50 +16591,160 @@
             <p:ph type="body" sz="quarter" idx="16"/>
           </p:nvPr>
         </p:nvSpPr>
-        <p:spPr/>
+        <p:spPr>
+          <a:xfrm>
+            <a:off x="687631" y="472352"/>
+            <a:ext cx="6499382" cy="342900"/>
+          </a:xfrm>
+        </p:spPr>
         <p:txBody>
           <a:bodyPr/>
           <a:lstStyle/>
           <a:p>
             <a:r>
-              <a:rPr lang="en-US" dirty="0"/>
-              <a:t>JANUARY [YEAR]</a:t>
-            </a:r>
-          </a:p>
-        </p:txBody>
-      </p:sp>
-      <p:sp>
-        <p:nvSpPr>
-          <p:cNvPr id="8" name="Title 7">
-            <a:extLst>
-              <a:ext uri="{FF2B5EF4-FFF2-40B4-BE49-F238E27FC236}">
-                <a16:creationId xmlns:a16="http://schemas.microsoft.com/office/drawing/2014/main" id="{F05D883A-41DA-F04D-A545-C4AFF0D866BF}"/>
-              </a:ext>
-            </a:extLst>
-          </p:cNvPr>
-          <p:cNvSpPr>
-            <a:spLocks noGrp="1"/>
+              <a:rPr lang="en-US" dirty="0">
+                <a:solidFill>
+                  <a:schemeClr val="accent6"/>
+                </a:solidFill>
+                <a:latin typeface="+mn-lt"/>
+              </a:rPr>
+              <a:t>Team Jupiter</a:t>
+            </a:r>
+          </a:p>
+        </p:txBody>
+      </p:sp>
+      <p:sp>
+        <p:nvSpPr>
+          <p:cNvPr id="9" name="Title 7">
+            <a:extLst>
+              <a:ext uri="{FF2B5EF4-FFF2-40B4-BE49-F238E27FC236}">
+                <a16:creationId xmlns:a16="http://schemas.microsoft.com/office/drawing/2014/main" id="{A0A94243-749F-A734-84CE-9C917825D8E9}"/>
+              </a:ext>
+            </a:extLst>
+          </p:cNvPr>
+          <p:cNvSpPr txBox="1">
+            <a:spLocks/>
           </p:cNvSpPr>
-          <p:nvPr>
-            <p:ph type="title"/>
-          </p:nvPr>
-        </p:nvSpPr>
-        <p:spPr/>
-        <p:txBody>
-          <a:bodyPr/>
+          <p:nvPr/>
+        </p:nvSpPr>
+        <p:spPr>
+          <a:xfrm>
+            <a:off x="585386" y="909479"/>
+            <a:ext cx="6499382" cy="931677"/>
+          </a:xfrm>
+          <a:prstGeom prst="rect">
+            <a:avLst/>
+          </a:prstGeom>
+        </p:spPr>
+        <p:txBody>
+          <a:bodyPr lIns="0" rIns="0" anchor="ctr"/>
+          <a:lstStyle>
+            <a:lvl1pPr algn="l" defTabSz="777240" rtl="0" eaLnBrk="1" latinLnBrk="0" hangingPunct="1">
+              <a:lnSpc>
+                <a:spcPct val="90000"/>
+              </a:lnSpc>
+              <a:spcBef>
+                <a:spcPct val="0"/>
+              </a:spcBef>
+              <a:buNone/>
+              <a:defRPr lang="en-US" sz="8800" b="1" kern="1200" cap="all" spc="-300" baseline="0">
+                <a:solidFill>
+                  <a:schemeClr val="accent4"/>
+                </a:solidFill>
+                <a:latin typeface="+mj-lt"/>
+                <a:ea typeface="+mn-ea"/>
+                <a:cs typeface="+mn-cs"/>
+              </a:defRPr>
+            </a:lvl1pPr>
+          </a:lstStyle>
+          <a:p>
+            <a:pPr algn="ctr"/>
+            <a:r>
+              <a:rPr lang="en-US" sz="4800" dirty="0">
+                <a:solidFill>
+                  <a:srgbClr val="FF0000"/>
+                </a:solidFill>
+              </a:rPr>
+              <a:t>Does big budget equal success?</a:t>
+            </a:r>
+            <a:endParaRPr lang="en-US" sz="2800" dirty="0"/>
+          </a:p>
+        </p:txBody>
+      </p:sp>
+      <p:sp>
+        <p:nvSpPr>
+          <p:cNvPr id="8" name="TextBox 7">
+            <a:extLst>
+              <a:ext uri="{FF2B5EF4-FFF2-40B4-BE49-F238E27FC236}">
+                <a16:creationId xmlns:a16="http://schemas.microsoft.com/office/drawing/2014/main" id="{DBCB4C54-45D1-F12F-EAFD-BD6DEA04BB07}"/>
+              </a:ext>
+            </a:extLst>
+          </p:cNvPr>
+          <p:cNvSpPr txBox="1"/>
+          <p:nvPr/>
+        </p:nvSpPr>
+        <p:spPr>
+          <a:xfrm>
+            <a:off x="1988044" y="2238674"/>
+            <a:ext cx="3898556" cy="646331"/>
+          </a:xfrm>
+          <a:prstGeom prst="rect">
+            <a:avLst/>
+          </a:prstGeom>
+          <a:noFill/>
+        </p:spPr>
+        <p:txBody>
+          <a:bodyPr wrap="square">
+            <a:spAutoFit/>
+          </a:bodyPr>
           <a:lstStyle/>
           <a:p>
-            <a:r>
-              <a:rPr lang="en-US" dirty="0"/>
-              <a:t>Question 2</a:t>
-            </a:r>
-          </a:p>
-        </p:txBody>
-      </p:sp>
+            <a:pPr algn="ctr"/>
+            <a:r>
+              <a:rPr lang="en-US" dirty="0">
+                <a:solidFill>
+                  <a:schemeClr val="bg1"/>
+                </a:solidFill>
+              </a:rPr>
+              <a:t>The 2010’s saw a return of smaller budget movies.</a:t>
+            </a:r>
+          </a:p>
+        </p:txBody>
+      </p:sp>
+      <p:pic>
+        <p:nvPicPr>
+          <p:cNvPr id="4" name="Picture 3" descr="A picture containing text, screenshot, diagram, plot&#10;&#10;Description automatically generated">
+            <a:extLst>
+              <a:ext uri="{FF2B5EF4-FFF2-40B4-BE49-F238E27FC236}">
+                <a16:creationId xmlns:a16="http://schemas.microsoft.com/office/drawing/2014/main" id="{0C9124C0-1AD1-5FC4-24C0-6D301E960018}"/>
+              </a:ext>
+            </a:extLst>
+          </p:cNvPr>
+          <p:cNvPicPr>
+            <a:picLocks noChangeAspect="1"/>
+          </p:cNvPicPr>
+          <p:nvPr/>
+        </p:nvPicPr>
+        <p:blipFill>
+          <a:blip r:embed="rId2"/>
+          <a:stretch>
+            <a:fillRect/>
+          </a:stretch>
+        </p:blipFill>
+        <p:spPr>
+          <a:xfrm>
+            <a:off x="343816" y="3443454"/>
+            <a:ext cx="7084768" cy="4784845"/>
+          </a:xfrm>
+          <a:prstGeom prst="rect">
+            <a:avLst/>
+          </a:prstGeom>
+        </p:spPr>
+      </p:pic>
     </p:spTree>
     <p:extLst>
       <p:ext uri="{BB962C8B-B14F-4D97-AF65-F5344CB8AC3E}">
-        <p14:creationId xmlns:p14="http://schemas.microsoft.com/office/powerpoint/2010/main" val="3237990862"/>
+        <p14:creationId xmlns:p14="http://schemas.microsoft.com/office/powerpoint/2010/main" val="1629572527"/>
       </p:ext>
     </p:extLst>
   </p:cSld>
@@ -14128,23 +17020,6 @@
 </file>
 
 <file path=customXml/item1.xml><?xml version="1.0" encoding="utf-8"?>
-<?mso-contentType ?>
-<FormTemplates xmlns="http://schemas.microsoft.com/sharepoint/v3/contenttype/forms">
-  <Display>DocumentLibraryForm</Display>
-  <Edit>DocumentLibraryForm</Edit>
-  <New>DocumentLibraryForm</New>
-</FormTemplates>
-</file>
-
-<file path=customXml/item2.xml><?xml version="1.0" encoding="utf-8"?>
-<p:properties xmlns:p="http://schemas.microsoft.com/office/2006/metadata/properties" xmlns:xsi="http://www.w3.org/2001/XMLSchema-instance" xmlns:pc="http://schemas.microsoft.com/office/infopath/2007/PartnerControls">
-  <documentManagement>
-    <MediaServiceKeyPoints xmlns="ef88797d-310b-4d46-ad9c-0c23fa0c8d45" xsi:nil="true"/>
-  </documentManagement>
-</p:properties>
-</file>
-
-<file path=customXml/item3.xml><?xml version="1.0" encoding="utf-8"?>
 <ct:contentTypeSchema xmlns:ct="http://schemas.microsoft.com/office/2006/metadata/contentType" xmlns:ma="http://schemas.microsoft.com/office/2006/metadata/properties/metaAttributes" ct:_="" ma:_="" ma:contentTypeName="Document" ma:contentTypeID="0x0101005F02E0EF7D44C04B9FA644DBFF45FF6A" ma:contentTypeVersion="13" ma:contentTypeDescription="Create a new document." ma:contentTypeScope="" ma:versionID="206b9469efed5238e3299da57cdc015e">
   <xsd:schema xmlns:xsd="http://www.w3.org/2001/XMLSchema" xmlns:xs="http://www.w3.org/2001/XMLSchema" xmlns:p="http://schemas.microsoft.com/office/2006/metadata/properties" xmlns:ns2="876de33e-aaa5-4507-9b92-b84e676ded0d" xmlns:ns3="ef88797d-310b-4d46-ad9c-0c23fa0c8d45" targetNamespace="http://schemas.microsoft.com/office/2006/metadata/properties" ma:root="true" ma:fieldsID="281ed500249cd3fe925a7af84a8b56c4" ns2:_="" ns3:_="">
     <xsd:import namespace="876de33e-aaa5-4507-9b92-b84e676ded0d"/>
@@ -14367,25 +17242,24 @@
 </ct:contentTypeSchema>
 </file>
 
-<file path=customXml/itemProps1.xml><?xml version="1.0" encoding="utf-8"?>
-<ds:datastoreItem xmlns:ds="http://schemas.openxmlformats.org/officeDocument/2006/customXml" ds:itemID="{CFB929D3-A7CA-4AB1-8061-FCB8D56D3FEE}">
-  <ds:schemaRefs>
-    <ds:schemaRef ds:uri="http://schemas.microsoft.com/sharepoint/v3/contenttype/forms"/>
-  </ds:schemaRefs>
-</ds:datastoreItem>
+<file path=customXml/item2.xml><?xml version="1.0" encoding="utf-8"?>
+<p:properties xmlns:p="http://schemas.microsoft.com/office/2006/metadata/properties" xmlns:xsi="http://www.w3.org/2001/XMLSchema-instance" xmlns:pc="http://schemas.microsoft.com/office/infopath/2007/PartnerControls">
+  <documentManagement>
+    <MediaServiceKeyPoints xmlns="ef88797d-310b-4d46-ad9c-0c23fa0c8d45" xsi:nil="true"/>
+  </documentManagement>
+</p:properties>
 </file>
 
-<file path=customXml/itemProps2.xml><?xml version="1.0" encoding="utf-8"?>
-<ds:datastoreItem xmlns:ds="http://schemas.openxmlformats.org/officeDocument/2006/customXml" ds:itemID="{52924D36-B4C1-4B06-A9EC-CDCE768B3FD3}">
-  <ds:schemaRefs>
-    <ds:schemaRef ds:uri="http://schemas.microsoft.com/office/2006/metadata/properties"/>
-    <ds:schemaRef ds:uri="http://schemas.microsoft.com/office/infopath/2007/PartnerControls"/>
-    <ds:schemaRef ds:uri="ef88797d-310b-4d46-ad9c-0c23fa0c8d45"/>
-  </ds:schemaRefs>
-</ds:datastoreItem>
+<file path=customXml/item3.xml><?xml version="1.0" encoding="utf-8"?>
+<?mso-contentType ?>
+<FormTemplates xmlns="http://schemas.microsoft.com/sharepoint/v3/contenttype/forms">
+  <Display>DocumentLibraryForm</Display>
+  <Edit>DocumentLibraryForm</Edit>
+  <New>DocumentLibraryForm</New>
+</FormTemplates>
 </file>
 
-<file path=customXml/itemProps3.xml><?xml version="1.0" encoding="utf-8"?>
+<file path=customXml/itemProps1.xml><?xml version="1.0" encoding="utf-8"?>
 <ds:datastoreItem xmlns:ds="http://schemas.openxmlformats.org/officeDocument/2006/customXml" ds:itemID="{D4DD53C0-11D2-4509-936F-323E14647893}">
   <ds:schemaRefs>
     <ds:schemaRef ds:uri="http://schemas.microsoft.com/office/2006/metadata/contentType"/>
@@ -14402,4 +17276,22 @@
     <ds:schemaRef ds:uri="http://schemas.microsoft.com/internal/obd"/>
   </ds:schemaRefs>
 </ds:datastoreItem>
+</file>
+
+<file path=customXml/itemProps2.xml><?xml version="1.0" encoding="utf-8"?>
+<ds:datastoreItem xmlns:ds="http://schemas.openxmlformats.org/officeDocument/2006/customXml" ds:itemID="{52924D36-B4C1-4B06-A9EC-CDCE768B3FD3}">
+  <ds:schemaRefs>
+    <ds:schemaRef ds:uri="http://schemas.microsoft.com/office/2006/metadata/properties"/>
+    <ds:schemaRef ds:uri="http://schemas.microsoft.com/office/infopath/2007/PartnerControls"/>
+    <ds:schemaRef ds:uri="ef88797d-310b-4d46-ad9c-0c23fa0c8d45"/>
+  </ds:schemaRefs>
+</ds:datastoreItem>
+</file>
+
+<file path=customXml/itemProps3.xml><?xml version="1.0" encoding="utf-8"?>
+<ds:datastoreItem xmlns:ds="http://schemas.openxmlformats.org/officeDocument/2006/customXml" ds:itemID="{CFB929D3-A7CA-4AB1-8061-FCB8D56D3FEE}">
+  <ds:schemaRefs>
+    <ds:schemaRef ds:uri="http://schemas.microsoft.com/sharepoint/v3/contenttype/forms"/>
+  </ds:schemaRefs>
+</ds:datastoreItem>
 </file>